--- a/Report/Leakage_current_right_description.pptx
+++ b/Report/Leakage_current_right_description.pptx
@@ -5,7 +5,7 @@
     <p:sldMasterId id="2147483648" r:id="rId1"/>
   </p:sldMasterIdLst>
   <p:notesMasterIdLst>
-    <p:notesMasterId r:id="rId21"/>
+    <p:notesMasterId r:id="rId22"/>
   </p:notesMasterIdLst>
   <p:sldIdLst>
     <p:sldId id="256" r:id="rId2"/>
@@ -27,6 +27,7 @@
     <p:sldId id="277" r:id="rId18"/>
     <p:sldId id="278" r:id="rId19"/>
     <p:sldId id="279" r:id="rId20"/>
+    <p:sldId id="280" r:id="rId21"/>
   </p:sldIdLst>
   <p:sldSz cx="12192000" cy="6858000"/>
   <p:notesSz cx="6858000" cy="9144000"/>
@@ -133,6 +134,7977 @@
 </p:presentation>
 </file>
 
+<file path=ppt/diagrams/colors1.xml><?xml version="1.0" encoding="utf-8"?>
+<dgm:colorsDef xmlns:dgm="http://schemas.openxmlformats.org/drawingml/2006/diagram" xmlns:a="http://schemas.openxmlformats.org/drawingml/2006/main" uniqueId="urn:microsoft.com/office/officeart/2005/8/colors/accent2_2">
+  <dgm:title val=""/>
+  <dgm:desc val=""/>
+  <dgm:catLst>
+    <dgm:cat type="accent2" pri="11200"/>
+  </dgm:catLst>
+  <dgm:styleLbl name="node0">
+    <dgm:fillClrLst meth="repeat">
+      <a:schemeClr val="accent2"/>
+    </dgm:fillClrLst>
+    <dgm:linClrLst meth="repeat">
+      <a:schemeClr val="lt1"/>
+    </dgm:linClrLst>
+    <dgm:effectClrLst/>
+    <dgm:txLinClrLst/>
+    <dgm:txFillClrLst/>
+    <dgm:txEffectClrLst/>
+  </dgm:styleLbl>
+  <dgm:styleLbl name="node1">
+    <dgm:fillClrLst meth="repeat">
+      <a:schemeClr val="accent2"/>
+    </dgm:fillClrLst>
+    <dgm:linClrLst meth="repeat">
+      <a:schemeClr val="lt1"/>
+    </dgm:linClrLst>
+    <dgm:effectClrLst/>
+    <dgm:txLinClrLst/>
+    <dgm:txFillClrLst/>
+    <dgm:txEffectClrLst/>
+  </dgm:styleLbl>
+  <dgm:styleLbl name="alignNode1">
+    <dgm:fillClrLst meth="repeat">
+      <a:schemeClr val="accent2"/>
+    </dgm:fillClrLst>
+    <dgm:linClrLst meth="repeat">
+      <a:schemeClr val="accent2"/>
+    </dgm:linClrLst>
+    <dgm:effectClrLst/>
+    <dgm:txLinClrLst/>
+    <dgm:txFillClrLst/>
+    <dgm:txEffectClrLst/>
+  </dgm:styleLbl>
+  <dgm:styleLbl name="lnNode1">
+    <dgm:fillClrLst meth="repeat">
+      <a:schemeClr val="accent2"/>
+    </dgm:fillClrLst>
+    <dgm:linClrLst meth="repeat">
+      <a:schemeClr val="lt1"/>
+    </dgm:linClrLst>
+    <dgm:effectClrLst/>
+    <dgm:txLinClrLst/>
+    <dgm:txFillClrLst/>
+    <dgm:txEffectClrLst/>
+  </dgm:styleLbl>
+  <dgm:styleLbl name="vennNode1">
+    <dgm:fillClrLst meth="repeat">
+      <a:schemeClr val="accent2">
+        <a:alpha val="50000"/>
+      </a:schemeClr>
+    </dgm:fillClrLst>
+    <dgm:linClrLst meth="repeat">
+      <a:schemeClr val="lt1"/>
+    </dgm:linClrLst>
+    <dgm:effectClrLst/>
+    <dgm:txLinClrLst/>
+    <dgm:txFillClrLst/>
+    <dgm:txEffectClrLst/>
+  </dgm:styleLbl>
+  <dgm:styleLbl name="node2">
+    <dgm:fillClrLst meth="repeat">
+      <a:schemeClr val="accent2"/>
+    </dgm:fillClrLst>
+    <dgm:linClrLst meth="repeat">
+      <a:schemeClr val="lt1"/>
+    </dgm:linClrLst>
+    <dgm:effectClrLst/>
+    <dgm:txLinClrLst/>
+    <dgm:txFillClrLst/>
+    <dgm:txEffectClrLst/>
+  </dgm:styleLbl>
+  <dgm:styleLbl name="node3">
+    <dgm:fillClrLst meth="repeat">
+      <a:schemeClr val="accent2"/>
+    </dgm:fillClrLst>
+    <dgm:linClrLst meth="repeat">
+      <a:schemeClr val="lt1"/>
+    </dgm:linClrLst>
+    <dgm:effectClrLst/>
+    <dgm:txLinClrLst/>
+    <dgm:txFillClrLst/>
+    <dgm:txEffectClrLst/>
+  </dgm:styleLbl>
+  <dgm:styleLbl name="node4">
+    <dgm:fillClrLst meth="repeat">
+      <a:schemeClr val="accent2"/>
+    </dgm:fillClrLst>
+    <dgm:linClrLst meth="repeat">
+      <a:schemeClr val="lt1"/>
+    </dgm:linClrLst>
+    <dgm:effectClrLst/>
+    <dgm:txLinClrLst/>
+    <dgm:txFillClrLst/>
+    <dgm:txEffectClrLst/>
+  </dgm:styleLbl>
+  <dgm:styleLbl name="fgImgPlace1">
+    <dgm:fillClrLst meth="repeat">
+      <a:schemeClr val="accent2">
+        <a:tint val="50000"/>
+      </a:schemeClr>
+    </dgm:fillClrLst>
+    <dgm:linClrLst meth="repeat">
+      <a:schemeClr val="lt1"/>
+    </dgm:linClrLst>
+    <dgm:effectClrLst/>
+    <dgm:txLinClrLst/>
+    <dgm:txFillClrLst meth="repeat">
+      <a:schemeClr val="lt1"/>
+    </dgm:txFillClrLst>
+    <dgm:txEffectClrLst/>
+  </dgm:styleLbl>
+  <dgm:styleLbl name="alignImgPlace1">
+    <dgm:fillClrLst meth="repeat">
+      <a:schemeClr val="accent2">
+        <a:tint val="50000"/>
+      </a:schemeClr>
+    </dgm:fillClrLst>
+    <dgm:linClrLst meth="repeat">
+      <a:schemeClr val="lt1"/>
+    </dgm:linClrLst>
+    <dgm:effectClrLst/>
+    <dgm:txLinClrLst/>
+    <dgm:txFillClrLst meth="repeat">
+      <a:schemeClr val="lt1"/>
+    </dgm:txFillClrLst>
+    <dgm:txEffectClrLst/>
+  </dgm:styleLbl>
+  <dgm:styleLbl name="bgImgPlace1">
+    <dgm:fillClrLst meth="repeat">
+      <a:schemeClr val="accent2">
+        <a:tint val="50000"/>
+      </a:schemeClr>
+    </dgm:fillClrLst>
+    <dgm:linClrLst meth="repeat">
+      <a:schemeClr val="lt1"/>
+    </dgm:linClrLst>
+    <dgm:effectClrLst/>
+    <dgm:txLinClrLst/>
+    <dgm:txFillClrLst meth="repeat">
+      <a:schemeClr val="lt1"/>
+    </dgm:txFillClrLst>
+    <dgm:txEffectClrLst/>
+  </dgm:styleLbl>
+  <dgm:styleLbl name="sibTrans2D1">
+    <dgm:fillClrLst meth="repeat">
+      <a:schemeClr val="accent2">
+        <a:tint val="60000"/>
+      </a:schemeClr>
+    </dgm:fillClrLst>
+    <dgm:linClrLst meth="repeat">
+      <a:schemeClr val="accent2">
+        <a:tint val="60000"/>
+      </a:schemeClr>
+    </dgm:linClrLst>
+    <dgm:effectClrLst/>
+    <dgm:txLinClrLst/>
+    <dgm:txFillClrLst/>
+    <dgm:txEffectClrLst/>
+  </dgm:styleLbl>
+  <dgm:styleLbl name="fgSibTrans2D1">
+    <dgm:fillClrLst meth="repeat">
+      <a:schemeClr val="accent2">
+        <a:tint val="60000"/>
+      </a:schemeClr>
+    </dgm:fillClrLst>
+    <dgm:linClrLst meth="repeat">
+      <a:schemeClr val="accent2">
+        <a:tint val="60000"/>
+      </a:schemeClr>
+    </dgm:linClrLst>
+    <dgm:effectClrLst/>
+    <dgm:txLinClrLst/>
+    <dgm:txFillClrLst/>
+    <dgm:txEffectClrLst/>
+  </dgm:styleLbl>
+  <dgm:styleLbl name="bgSibTrans2D1">
+    <dgm:fillClrLst meth="repeat">
+      <a:schemeClr val="accent2">
+        <a:tint val="60000"/>
+      </a:schemeClr>
+    </dgm:fillClrLst>
+    <dgm:linClrLst meth="repeat">
+      <a:schemeClr val="accent2">
+        <a:tint val="60000"/>
+      </a:schemeClr>
+    </dgm:linClrLst>
+    <dgm:effectClrLst/>
+    <dgm:txLinClrLst/>
+    <dgm:txFillClrLst/>
+    <dgm:txEffectClrLst/>
+  </dgm:styleLbl>
+  <dgm:styleLbl name="sibTrans1D1">
+    <dgm:fillClrLst meth="repeat">
+      <a:schemeClr val="accent2"/>
+    </dgm:fillClrLst>
+    <dgm:linClrLst meth="repeat">
+      <a:schemeClr val="accent2"/>
+    </dgm:linClrLst>
+    <dgm:effectClrLst/>
+    <dgm:txLinClrLst/>
+    <dgm:txFillClrLst meth="repeat">
+      <a:schemeClr val="tx1"/>
+    </dgm:txFillClrLst>
+    <dgm:txEffectClrLst/>
+  </dgm:styleLbl>
+  <dgm:styleLbl name="callout">
+    <dgm:fillClrLst meth="repeat">
+      <a:schemeClr val="accent2"/>
+    </dgm:fillClrLst>
+    <dgm:linClrLst meth="repeat">
+      <a:schemeClr val="accent2">
+        <a:tint val="50000"/>
+      </a:schemeClr>
+    </dgm:linClrLst>
+    <dgm:effectClrLst/>
+    <dgm:txLinClrLst/>
+    <dgm:txFillClrLst meth="repeat">
+      <a:schemeClr val="tx1"/>
+    </dgm:txFillClrLst>
+    <dgm:txEffectClrLst/>
+  </dgm:styleLbl>
+  <dgm:styleLbl name="asst0">
+    <dgm:fillClrLst meth="repeat">
+      <a:schemeClr val="accent2"/>
+    </dgm:fillClrLst>
+    <dgm:linClrLst meth="repeat">
+      <a:schemeClr val="lt1"/>
+    </dgm:linClrLst>
+    <dgm:effectClrLst/>
+    <dgm:txLinClrLst/>
+    <dgm:txFillClrLst/>
+    <dgm:txEffectClrLst/>
+  </dgm:styleLbl>
+  <dgm:styleLbl name="asst1">
+    <dgm:fillClrLst meth="repeat">
+      <a:schemeClr val="accent2"/>
+    </dgm:fillClrLst>
+    <dgm:linClrLst meth="repeat">
+      <a:schemeClr val="lt1"/>
+    </dgm:linClrLst>
+    <dgm:effectClrLst/>
+    <dgm:txLinClrLst/>
+    <dgm:txFillClrLst/>
+    <dgm:txEffectClrLst/>
+  </dgm:styleLbl>
+  <dgm:styleLbl name="asst2">
+    <dgm:fillClrLst meth="repeat">
+      <a:schemeClr val="accent2"/>
+    </dgm:fillClrLst>
+    <dgm:linClrLst meth="repeat">
+      <a:schemeClr val="lt1"/>
+    </dgm:linClrLst>
+    <dgm:effectClrLst/>
+    <dgm:txLinClrLst/>
+    <dgm:txFillClrLst/>
+    <dgm:txEffectClrLst/>
+  </dgm:styleLbl>
+  <dgm:styleLbl name="asst3">
+    <dgm:fillClrLst meth="repeat">
+      <a:schemeClr val="accent2"/>
+    </dgm:fillClrLst>
+    <dgm:linClrLst meth="repeat">
+      <a:schemeClr val="lt1"/>
+    </dgm:linClrLst>
+    <dgm:effectClrLst/>
+    <dgm:txLinClrLst/>
+    <dgm:txFillClrLst/>
+    <dgm:txEffectClrLst/>
+  </dgm:styleLbl>
+  <dgm:styleLbl name="asst4">
+    <dgm:fillClrLst meth="repeat">
+      <a:schemeClr val="accent2"/>
+    </dgm:fillClrLst>
+    <dgm:linClrLst meth="repeat">
+      <a:schemeClr val="lt1"/>
+    </dgm:linClrLst>
+    <dgm:effectClrLst/>
+    <dgm:txLinClrLst/>
+    <dgm:txFillClrLst/>
+    <dgm:txEffectClrLst/>
+  </dgm:styleLbl>
+  <dgm:styleLbl name="parChTrans2D1">
+    <dgm:fillClrLst meth="repeat">
+      <a:schemeClr val="accent2">
+        <a:tint val="60000"/>
+      </a:schemeClr>
+    </dgm:fillClrLst>
+    <dgm:linClrLst meth="repeat">
+      <a:schemeClr val="accent2">
+        <a:tint val="60000"/>
+      </a:schemeClr>
+    </dgm:linClrLst>
+    <dgm:effectClrLst/>
+    <dgm:txLinClrLst/>
+    <dgm:txFillClrLst meth="repeat">
+      <a:schemeClr val="lt1"/>
+    </dgm:txFillClrLst>
+    <dgm:txEffectClrLst/>
+  </dgm:styleLbl>
+  <dgm:styleLbl name="parChTrans2D2">
+    <dgm:fillClrLst meth="repeat">
+      <a:schemeClr val="accent2"/>
+    </dgm:fillClrLst>
+    <dgm:linClrLst meth="repeat">
+      <a:schemeClr val="accent2"/>
+    </dgm:linClrLst>
+    <dgm:effectClrLst/>
+    <dgm:txLinClrLst/>
+    <dgm:txFillClrLst meth="repeat">
+      <a:schemeClr val="lt1"/>
+    </dgm:txFillClrLst>
+    <dgm:txEffectClrLst/>
+  </dgm:styleLbl>
+  <dgm:styleLbl name="parChTrans2D3">
+    <dgm:fillClrLst meth="repeat">
+      <a:schemeClr val="accent2"/>
+    </dgm:fillClrLst>
+    <dgm:linClrLst meth="repeat">
+      <a:schemeClr val="accent2"/>
+    </dgm:linClrLst>
+    <dgm:effectClrLst/>
+    <dgm:txLinClrLst/>
+    <dgm:txFillClrLst meth="repeat">
+      <a:schemeClr val="lt1"/>
+    </dgm:txFillClrLst>
+    <dgm:txEffectClrLst/>
+  </dgm:styleLbl>
+  <dgm:styleLbl name="parChTrans2D4">
+    <dgm:fillClrLst meth="repeat">
+      <a:schemeClr val="accent2"/>
+    </dgm:fillClrLst>
+    <dgm:linClrLst meth="repeat">
+      <a:schemeClr val="accent2"/>
+    </dgm:linClrLst>
+    <dgm:effectClrLst/>
+    <dgm:txLinClrLst/>
+    <dgm:txFillClrLst meth="repeat">
+      <a:schemeClr val="lt1"/>
+    </dgm:txFillClrLst>
+    <dgm:txEffectClrLst/>
+  </dgm:styleLbl>
+  <dgm:styleLbl name="parChTrans1D1">
+    <dgm:fillClrLst meth="repeat">
+      <a:schemeClr val="accent2"/>
+    </dgm:fillClrLst>
+    <dgm:linClrLst meth="repeat">
+      <a:schemeClr val="accent2">
+        <a:shade val="60000"/>
+      </a:schemeClr>
+    </dgm:linClrLst>
+    <dgm:effectClrLst/>
+    <dgm:txLinClrLst/>
+    <dgm:txFillClrLst meth="repeat">
+      <a:schemeClr val="tx1"/>
+    </dgm:txFillClrLst>
+    <dgm:txEffectClrLst/>
+  </dgm:styleLbl>
+  <dgm:styleLbl name="parChTrans1D2">
+    <dgm:fillClrLst meth="repeat">
+      <a:schemeClr val="accent2"/>
+    </dgm:fillClrLst>
+    <dgm:linClrLst meth="repeat">
+      <a:schemeClr val="accent2">
+        <a:shade val="60000"/>
+      </a:schemeClr>
+    </dgm:linClrLst>
+    <dgm:effectClrLst/>
+    <dgm:txLinClrLst/>
+    <dgm:txFillClrLst meth="repeat">
+      <a:schemeClr val="tx1"/>
+    </dgm:txFillClrLst>
+    <dgm:txEffectClrLst/>
+  </dgm:styleLbl>
+  <dgm:styleLbl name="parChTrans1D3">
+    <dgm:fillClrLst meth="repeat">
+      <a:schemeClr val="accent2"/>
+    </dgm:fillClrLst>
+    <dgm:linClrLst meth="repeat">
+      <a:schemeClr val="accent2">
+        <a:shade val="80000"/>
+      </a:schemeClr>
+    </dgm:linClrLst>
+    <dgm:effectClrLst/>
+    <dgm:txLinClrLst/>
+    <dgm:txFillClrLst meth="repeat">
+      <a:schemeClr val="tx1"/>
+    </dgm:txFillClrLst>
+    <dgm:txEffectClrLst/>
+  </dgm:styleLbl>
+  <dgm:styleLbl name="parChTrans1D4">
+    <dgm:fillClrLst meth="repeat">
+      <a:schemeClr val="accent2"/>
+    </dgm:fillClrLst>
+    <dgm:linClrLst meth="repeat">
+      <a:schemeClr val="accent2">
+        <a:shade val="80000"/>
+      </a:schemeClr>
+    </dgm:linClrLst>
+    <dgm:effectClrLst/>
+    <dgm:txLinClrLst/>
+    <dgm:txFillClrLst meth="repeat">
+      <a:schemeClr val="tx1"/>
+    </dgm:txFillClrLst>
+    <dgm:txEffectClrLst/>
+  </dgm:styleLbl>
+  <dgm:styleLbl name="fgAcc1">
+    <dgm:fillClrLst meth="repeat">
+      <a:schemeClr val="lt1">
+        <a:alpha val="90000"/>
+      </a:schemeClr>
+    </dgm:fillClrLst>
+    <dgm:linClrLst meth="repeat">
+      <a:schemeClr val="accent2"/>
+    </dgm:linClrLst>
+    <dgm:effectClrLst/>
+    <dgm:txLinClrLst/>
+    <dgm:txFillClrLst meth="repeat">
+      <a:schemeClr val="dk1"/>
+    </dgm:txFillClrLst>
+    <dgm:txEffectClrLst/>
+  </dgm:styleLbl>
+  <dgm:styleLbl name="conFgAcc1">
+    <dgm:fillClrLst meth="repeat">
+      <a:schemeClr val="lt1">
+        <a:alpha val="90000"/>
+      </a:schemeClr>
+    </dgm:fillClrLst>
+    <dgm:linClrLst meth="repeat">
+      <a:schemeClr val="accent2"/>
+    </dgm:linClrLst>
+    <dgm:effectClrLst/>
+    <dgm:txLinClrLst/>
+    <dgm:txFillClrLst meth="repeat">
+      <a:schemeClr val="dk1"/>
+    </dgm:txFillClrLst>
+    <dgm:txEffectClrLst/>
+  </dgm:styleLbl>
+  <dgm:styleLbl name="alignAcc1">
+    <dgm:fillClrLst meth="repeat">
+      <a:schemeClr val="lt1">
+        <a:alpha val="90000"/>
+      </a:schemeClr>
+    </dgm:fillClrLst>
+    <dgm:linClrLst meth="repeat">
+      <a:schemeClr val="accent2"/>
+    </dgm:linClrLst>
+    <dgm:effectClrLst/>
+    <dgm:txLinClrLst/>
+    <dgm:txFillClrLst meth="repeat">
+      <a:schemeClr val="dk1"/>
+    </dgm:txFillClrLst>
+    <dgm:txEffectClrLst/>
+  </dgm:styleLbl>
+  <dgm:styleLbl name="trAlignAcc1">
+    <dgm:fillClrLst meth="repeat">
+      <a:schemeClr val="lt1">
+        <a:alpha val="40000"/>
+      </a:schemeClr>
+    </dgm:fillClrLst>
+    <dgm:linClrLst meth="repeat">
+      <a:schemeClr val="accent2"/>
+    </dgm:linClrLst>
+    <dgm:effectClrLst/>
+    <dgm:txLinClrLst/>
+    <dgm:txFillClrLst meth="repeat">
+      <a:schemeClr val="dk1"/>
+    </dgm:txFillClrLst>
+    <dgm:txEffectClrLst/>
+  </dgm:styleLbl>
+  <dgm:styleLbl name="bgAcc1">
+    <dgm:fillClrLst meth="repeat">
+      <a:schemeClr val="lt1">
+        <a:alpha val="90000"/>
+      </a:schemeClr>
+    </dgm:fillClrLst>
+    <dgm:linClrLst meth="repeat">
+      <a:schemeClr val="accent2"/>
+    </dgm:linClrLst>
+    <dgm:effectClrLst/>
+    <dgm:txLinClrLst/>
+    <dgm:txFillClrLst meth="repeat">
+      <a:schemeClr val="dk1"/>
+    </dgm:txFillClrLst>
+    <dgm:txEffectClrLst/>
+  </dgm:styleLbl>
+  <dgm:styleLbl name="solidFgAcc1">
+    <dgm:fillClrLst meth="repeat">
+      <a:schemeClr val="lt1"/>
+    </dgm:fillClrLst>
+    <dgm:linClrLst meth="repeat">
+      <a:schemeClr val="accent2"/>
+    </dgm:linClrLst>
+    <dgm:effectClrLst/>
+    <dgm:txLinClrLst/>
+    <dgm:txFillClrLst meth="repeat">
+      <a:schemeClr val="dk1"/>
+    </dgm:txFillClrLst>
+    <dgm:txEffectClrLst/>
+  </dgm:styleLbl>
+  <dgm:styleLbl name="solidAlignAcc1">
+    <dgm:fillClrLst meth="repeat">
+      <a:schemeClr val="lt1"/>
+    </dgm:fillClrLst>
+    <dgm:linClrLst meth="repeat">
+      <a:schemeClr val="accent2"/>
+    </dgm:linClrLst>
+    <dgm:effectClrLst/>
+    <dgm:txLinClrLst/>
+    <dgm:txFillClrLst meth="repeat">
+      <a:schemeClr val="dk1"/>
+    </dgm:txFillClrLst>
+    <dgm:txEffectClrLst/>
+  </dgm:styleLbl>
+  <dgm:styleLbl name="solidBgAcc1">
+    <dgm:fillClrLst meth="repeat">
+      <a:schemeClr val="lt1"/>
+    </dgm:fillClrLst>
+    <dgm:linClrLst meth="repeat">
+      <a:schemeClr val="accent2"/>
+    </dgm:linClrLst>
+    <dgm:effectClrLst/>
+    <dgm:txLinClrLst/>
+    <dgm:txFillClrLst meth="repeat">
+      <a:schemeClr val="dk1"/>
+    </dgm:txFillClrLst>
+    <dgm:txEffectClrLst/>
+  </dgm:styleLbl>
+  <dgm:styleLbl name="fgAccFollowNode1">
+    <dgm:fillClrLst meth="repeat">
+      <a:schemeClr val="accent2">
+        <a:alpha val="90000"/>
+        <a:tint val="40000"/>
+      </a:schemeClr>
+    </dgm:fillClrLst>
+    <dgm:linClrLst meth="repeat">
+      <a:schemeClr val="accent2">
+        <a:alpha val="90000"/>
+        <a:tint val="40000"/>
+      </a:schemeClr>
+    </dgm:linClrLst>
+    <dgm:effectClrLst/>
+    <dgm:txLinClrLst/>
+    <dgm:txFillClrLst meth="repeat">
+      <a:schemeClr val="dk1"/>
+    </dgm:txFillClrLst>
+    <dgm:txEffectClrLst/>
+  </dgm:styleLbl>
+  <dgm:styleLbl name="alignAccFollowNode1">
+    <dgm:fillClrLst meth="repeat">
+      <a:schemeClr val="accent2">
+        <a:alpha val="90000"/>
+        <a:tint val="40000"/>
+      </a:schemeClr>
+    </dgm:fillClrLst>
+    <dgm:linClrLst meth="repeat">
+      <a:schemeClr val="accent2">
+        <a:alpha val="90000"/>
+        <a:tint val="40000"/>
+      </a:schemeClr>
+    </dgm:linClrLst>
+    <dgm:effectClrLst/>
+    <dgm:txLinClrLst/>
+    <dgm:txFillClrLst meth="repeat">
+      <a:schemeClr val="dk1"/>
+    </dgm:txFillClrLst>
+    <dgm:txEffectClrLst/>
+  </dgm:styleLbl>
+  <dgm:styleLbl name="bgAccFollowNode1">
+    <dgm:fillClrLst meth="repeat">
+      <a:schemeClr val="accent2">
+        <a:alpha val="90000"/>
+        <a:tint val="40000"/>
+      </a:schemeClr>
+    </dgm:fillClrLst>
+    <dgm:linClrLst meth="repeat">
+      <a:schemeClr val="accent2">
+        <a:alpha val="90000"/>
+        <a:tint val="40000"/>
+      </a:schemeClr>
+    </dgm:linClrLst>
+    <dgm:effectClrLst/>
+    <dgm:txLinClrLst/>
+    <dgm:txFillClrLst meth="repeat">
+      <a:schemeClr val="dk1"/>
+    </dgm:txFillClrLst>
+    <dgm:txEffectClrLst/>
+  </dgm:styleLbl>
+  <dgm:styleLbl name="fgAcc0">
+    <dgm:fillClrLst meth="repeat">
+      <a:schemeClr val="lt1">
+        <a:alpha val="90000"/>
+      </a:schemeClr>
+    </dgm:fillClrLst>
+    <dgm:linClrLst meth="repeat">
+      <a:schemeClr val="accent2"/>
+    </dgm:linClrLst>
+    <dgm:effectClrLst/>
+    <dgm:txLinClrLst/>
+    <dgm:txFillClrLst meth="repeat">
+      <a:schemeClr val="dk1"/>
+    </dgm:txFillClrLst>
+    <dgm:txEffectClrLst/>
+  </dgm:styleLbl>
+  <dgm:styleLbl name="fgAcc2">
+    <dgm:fillClrLst meth="repeat">
+      <a:schemeClr val="lt1">
+        <a:alpha val="90000"/>
+      </a:schemeClr>
+    </dgm:fillClrLst>
+    <dgm:linClrLst meth="repeat">
+      <a:schemeClr val="accent2"/>
+    </dgm:linClrLst>
+    <dgm:effectClrLst/>
+    <dgm:txLinClrLst/>
+    <dgm:txFillClrLst meth="repeat">
+      <a:schemeClr val="dk1"/>
+    </dgm:txFillClrLst>
+    <dgm:txEffectClrLst/>
+  </dgm:styleLbl>
+  <dgm:styleLbl name="fgAcc3">
+    <dgm:fillClrLst meth="repeat">
+      <a:schemeClr val="lt1">
+        <a:alpha val="90000"/>
+      </a:schemeClr>
+    </dgm:fillClrLst>
+    <dgm:linClrLst meth="repeat">
+      <a:schemeClr val="accent2"/>
+    </dgm:linClrLst>
+    <dgm:effectClrLst/>
+    <dgm:txLinClrLst/>
+    <dgm:txFillClrLst meth="repeat">
+      <a:schemeClr val="dk1"/>
+    </dgm:txFillClrLst>
+    <dgm:txEffectClrLst/>
+  </dgm:styleLbl>
+  <dgm:styleLbl name="fgAcc4">
+    <dgm:fillClrLst meth="repeat">
+      <a:schemeClr val="lt1">
+        <a:alpha val="90000"/>
+      </a:schemeClr>
+    </dgm:fillClrLst>
+    <dgm:linClrLst meth="repeat">
+      <a:schemeClr val="accent2"/>
+    </dgm:linClrLst>
+    <dgm:effectClrLst/>
+    <dgm:txLinClrLst/>
+    <dgm:txFillClrLst meth="repeat">
+      <a:schemeClr val="dk1"/>
+    </dgm:txFillClrLst>
+    <dgm:txEffectClrLst/>
+  </dgm:styleLbl>
+  <dgm:styleLbl name="bgShp">
+    <dgm:fillClrLst meth="repeat">
+      <a:schemeClr val="accent2">
+        <a:tint val="40000"/>
+      </a:schemeClr>
+    </dgm:fillClrLst>
+    <dgm:linClrLst meth="repeat">
+      <a:schemeClr val="accent2"/>
+    </dgm:linClrLst>
+    <dgm:effectClrLst/>
+    <dgm:txLinClrLst/>
+    <dgm:txFillClrLst meth="repeat">
+      <a:schemeClr val="dk1"/>
+    </dgm:txFillClrLst>
+    <dgm:txEffectClrLst/>
+  </dgm:styleLbl>
+  <dgm:styleLbl name="dkBgShp">
+    <dgm:fillClrLst meth="repeat">
+      <a:schemeClr val="accent2">
+        <a:shade val="80000"/>
+      </a:schemeClr>
+    </dgm:fillClrLst>
+    <dgm:linClrLst meth="repeat">
+      <a:schemeClr val="accent2"/>
+    </dgm:linClrLst>
+    <dgm:effectClrLst/>
+    <dgm:txLinClrLst/>
+    <dgm:txFillClrLst meth="repeat">
+      <a:schemeClr val="lt1"/>
+    </dgm:txFillClrLst>
+    <dgm:txEffectClrLst/>
+  </dgm:styleLbl>
+  <dgm:styleLbl name="trBgShp">
+    <dgm:fillClrLst meth="repeat">
+      <a:schemeClr val="accent2">
+        <a:tint val="50000"/>
+        <a:alpha val="40000"/>
+      </a:schemeClr>
+    </dgm:fillClrLst>
+    <dgm:linClrLst meth="repeat">
+      <a:schemeClr val="accent2"/>
+    </dgm:linClrLst>
+    <dgm:effectClrLst/>
+    <dgm:txLinClrLst/>
+    <dgm:txFillClrLst meth="repeat">
+      <a:schemeClr val="lt1"/>
+    </dgm:txFillClrLst>
+    <dgm:txEffectClrLst/>
+  </dgm:styleLbl>
+  <dgm:styleLbl name="fgShp">
+    <dgm:fillClrLst meth="repeat">
+      <a:schemeClr val="accent2">
+        <a:tint val="60000"/>
+      </a:schemeClr>
+    </dgm:fillClrLst>
+    <dgm:linClrLst meth="repeat">
+      <a:schemeClr val="lt1"/>
+    </dgm:linClrLst>
+    <dgm:effectClrLst/>
+    <dgm:txLinClrLst/>
+    <dgm:txFillClrLst meth="repeat">
+      <a:schemeClr val="dk1"/>
+    </dgm:txFillClrLst>
+    <dgm:txEffectClrLst/>
+  </dgm:styleLbl>
+  <dgm:styleLbl name="revTx">
+    <dgm:fillClrLst meth="repeat">
+      <a:schemeClr val="lt1">
+        <a:alpha val="0"/>
+      </a:schemeClr>
+    </dgm:fillClrLst>
+    <dgm:linClrLst meth="repeat">
+      <a:schemeClr val="dk1">
+        <a:alpha val="0"/>
+      </a:schemeClr>
+    </dgm:linClrLst>
+    <dgm:effectClrLst/>
+    <dgm:txLinClrLst/>
+    <dgm:txFillClrLst meth="repeat">
+      <a:schemeClr val="tx1"/>
+    </dgm:txFillClrLst>
+    <dgm:txEffectClrLst/>
+  </dgm:styleLbl>
+</dgm:colorsDef>
+</file>
+
+<file path=ppt/diagrams/data1.xml><?xml version="1.0" encoding="utf-8"?>
+<dgm:dataModel xmlns:dgm="http://schemas.openxmlformats.org/drawingml/2006/diagram" xmlns:a="http://schemas.openxmlformats.org/drawingml/2006/main">
+  <dgm:ptLst>
+    <dgm:pt modelId="{991BC2BD-9ABD-1C49-9E08-FD67DCB9113B}" type="doc">
+      <dgm:prSet loTypeId="urn:microsoft.com/office/officeart/2005/8/layout/orgChart1" loCatId="" qsTypeId="urn:microsoft.com/office/officeart/2005/8/quickstyle/simple4" qsCatId="simple" csTypeId="urn:microsoft.com/office/officeart/2005/8/colors/accent2_2" csCatId="accent2" phldr="1"/>
+      <dgm:spPr/>
+      <dgm:t>
+        <a:bodyPr/>
+        <a:lstStyle/>
+        <a:p>
+          <a:endParaRPr lang="zh-TW" altLang="en-US"/>
+        </a:p>
+      </dgm:t>
+    </dgm:pt>
+    <dgm:pt modelId="{9414912D-272A-604D-8062-8E011A22AFAD}">
+      <dgm:prSet phldrT="[文字]" custT="1"/>
+      <dgm:spPr/>
+      <dgm:t>
+        <a:bodyPr/>
+        <a:lstStyle/>
+        <a:p>
+          <a:r>
+            <a:rPr lang="en-US" altLang="zh-TW" sz="2800" dirty="0" smtClean="0"/>
+            <a:t>Bulk leakage current</a:t>
+          </a:r>
+          <a:endParaRPr lang="zh-TW" altLang="en-US" sz="2800" dirty="0"/>
+        </a:p>
+      </dgm:t>
+    </dgm:pt>
+    <dgm:pt modelId="{43579297-912A-3A43-928E-2923D9D033D7}" type="parTrans" cxnId="{B8CF4113-4F70-5548-B3F9-18E1840C1A4A}">
+      <dgm:prSet/>
+      <dgm:spPr/>
+      <dgm:t>
+        <a:bodyPr/>
+        <a:lstStyle/>
+        <a:p>
+          <a:endParaRPr lang="zh-TW" altLang="en-US"/>
+        </a:p>
+      </dgm:t>
+    </dgm:pt>
+    <dgm:pt modelId="{1D9DC340-D0C8-FB4F-A16F-D55B6F970407}" type="sibTrans" cxnId="{B8CF4113-4F70-5548-B3F9-18E1840C1A4A}">
+      <dgm:prSet/>
+      <dgm:spPr/>
+      <dgm:t>
+        <a:bodyPr/>
+        <a:lstStyle/>
+        <a:p>
+          <a:endParaRPr lang="zh-TW" altLang="en-US"/>
+        </a:p>
+      </dgm:t>
+    </dgm:pt>
+    <dgm:pt modelId="{CF46A2D2-3E2B-DD44-A503-B46BB8A9BCA8}">
+      <dgm:prSet phldrT="[文字]" custT="1"/>
+      <dgm:spPr/>
+      <dgm:t>
+        <a:bodyPr/>
+        <a:lstStyle/>
+        <a:p>
+          <a:r>
+            <a:rPr lang="en-US" altLang="zh-TW" sz="2800" dirty="0" smtClean="0"/>
+            <a:t>Contact leakage current</a:t>
+          </a:r>
+          <a:endParaRPr lang="zh-TW" altLang="en-US" sz="2800" dirty="0"/>
+        </a:p>
+      </dgm:t>
+    </dgm:pt>
+    <dgm:pt modelId="{B716891C-8CD3-8D42-A1C9-0D90990C5091}" type="parTrans" cxnId="{9624EEFB-123E-1542-817E-A0D05D4C9428}">
+      <dgm:prSet/>
+      <dgm:spPr/>
+      <dgm:t>
+        <a:bodyPr/>
+        <a:lstStyle/>
+        <a:p>
+          <a:endParaRPr lang="zh-TW" altLang="en-US"/>
+        </a:p>
+      </dgm:t>
+    </dgm:pt>
+    <dgm:pt modelId="{92417361-55CE-EC4C-9EFF-DBAF4D664779}" type="sibTrans" cxnId="{9624EEFB-123E-1542-817E-A0D05D4C9428}">
+      <dgm:prSet/>
+      <dgm:spPr/>
+      <dgm:t>
+        <a:bodyPr/>
+        <a:lstStyle/>
+        <a:p>
+          <a:endParaRPr lang="zh-TW" altLang="en-US"/>
+        </a:p>
+      </dgm:t>
+    </dgm:pt>
+    <dgm:pt modelId="{B0998C9D-19FD-2E41-B613-C6DA5B4CFD05}">
+      <dgm:prSet phldrT="[文字]" custT="1"/>
+      <dgm:spPr/>
+      <dgm:t>
+        <a:bodyPr/>
+        <a:lstStyle/>
+        <a:p>
+          <a:r>
+            <a:rPr lang="en-US" altLang="zh-TW" sz="2800" dirty="0" smtClean="0"/>
+            <a:t>Surface leakage current</a:t>
+          </a:r>
+          <a:endParaRPr lang="zh-TW" altLang="en-US" sz="2800" dirty="0"/>
+        </a:p>
+      </dgm:t>
+    </dgm:pt>
+    <dgm:pt modelId="{3899A6A8-CC33-C646-8D9C-4BA6D815C79E}" type="parTrans" cxnId="{097A3C85-0310-7740-9547-C15BB1FF19AB}">
+      <dgm:prSet/>
+      <dgm:spPr/>
+      <dgm:t>
+        <a:bodyPr/>
+        <a:lstStyle/>
+        <a:p>
+          <a:endParaRPr lang="zh-TW" altLang="en-US"/>
+        </a:p>
+      </dgm:t>
+    </dgm:pt>
+    <dgm:pt modelId="{B23BC566-6BEB-6241-A81B-AC50F9CE3D84}" type="sibTrans" cxnId="{097A3C85-0310-7740-9547-C15BB1FF19AB}">
+      <dgm:prSet/>
+      <dgm:spPr/>
+      <dgm:t>
+        <a:bodyPr/>
+        <a:lstStyle/>
+        <a:p>
+          <a:endParaRPr lang="zh-TW" altLang="en-US"/>
+        </a:p>
+      </dgm:t>
+    </dgm:pt>
+    <dgm:pt modelId="{342241FF-A368-C74A-92F1-20C6735DA5C3}">
+      <dgm:prSet custT="1"/>
+      <dgm:spPr/>
+      <dgm:t>
+        <a:bodyPr/>
+        <a:lstStyle/>
+        <a:p>
+          <a:r>
+            <a:rPr lang="en-US" altLang="zh-TW" sz="2800" dirty="0" smtClean="0"/>
+            <a:t>Ignored below 77K</a:t>
+          </a:r>
+          <a:endParaRPr lang="zh-TW" altLang="en-US" sz="2800" dirty="0"/>
+        </a:p>
+      </dgm:t>
+    </dgm:pt>
+    <dgm:pt modelId="{4BB69F2C-051F-1843-B24A-F497B6117A37}" type="parTrans" cxnId="{57F4AAE2-7926-3F43-8A17-10437469B4A2}">
+      <dgm:prSet/>
+      <dgm:spPr/>
+      <dgm:t>
+        <a:bodyPr/>
+        <a:lstStyle/>
+        <a:p>
+          <a:endParaRPr lang="zh-TW" altLang="en-US"/>
+        </a:p>
+      </dgm:t>
+    </dgm:pt>
+    <dgm:pt modelId="{0B7A5198-AD34-9844-B08F-60AD0E0953AE}" type="sibTrans" cxnId="{57F4AAE2-7926-3F43-8A17-10437469B4A2}">
+      <dgm:prSet/>
+      <dgm:spPr/>
+      <dgm:t>
+        <a:bodyPr/>
+        <a:lstStyle/>
+        <a:p>
+          <a:endParaRPr lang="zh-TW" altLang="en-US"/>
+        </a:p>
+      </dgm:t>
+    </dgm:pt>
+    <dgm:pt modelId="{53C6962A-BD0B-0E4E-86E1-BEFF7D397AD6}">
+      <dgm:prSet custT="1"/>
+      <dgm:spPr/>
+      <dgm:t>
+        <a:bodyPr/>
+        <a:lstStyle/>
+        <a:p>
+          <a:r>
+            <a:rPr lang="en-US" altLang="zh-TW" sz="2800" dirty="0" smtClean="0"/>
+            <a:t>Dominant at</a:t>
+          </a:r>
+        </a:p>
+        <a:p>
+          <a:r>
+            <a:rPr lang="en-US" altLang="zh-TW" sz="2800" dirty="0" smtClean="0"/>
+            <a:t> 77K</a:t>
+          </a:r>
+          <a:endParaRPr lang="zh-TW" altLang="en-US" sz="2800" dirty="0"/>
+        </a:p>
+      </dgm:t>
+    </dgm:pt>
+    <dgm:pt modelId="{2997E24D-C0F5-1C44-AA19-FDCF670AD66B}" type="parTrans" cxnId="{F83F4A87-A917-9F4B-AD26-2C58FA859DE5}">
+      <dgm:prSet/>
+      <dgm:spPr/>
+      <dgm:t>
+        <a:bodyPr/>
+        <a:lstStyle/>
+        <a:p>
+          <a:endParaRPr lang="zh-TW" altLang="en-US"/>
+        </a:p>
+      </dgm:t>
+    </dgm:pt>
+    <dgm:pt modelId="{9BDC6B57-5850-5C46-8D6E-1A9569670603}" type="sibTrans" cxnId="{F83F4A87-A917-9F4B-AD26-2C58FA859DE5}">
+      <dgm:prSet/>
+      <dgm:spPr/>
+      <dgm:t>
+        <a:bodyPr/>
+        <a:lstStyle/>
+        <a:p>
+          <a:endParaRPr lang="zh-TW" altLang="en-US"/>
+        </a:p>
+      </dgm:t>
+    </dgm:pt>
+    <dgm:pt modelId="{7E5E83A5-B20B-174A-A366-B98201318D29}">
+      <dgm:prSet custT="1"/>
+      <dgm:spPr/>
+      <dgm:t>
+        <a:bodyPr/>
+        <a:lstStyle/>
+        <a:p>
+          <a:r>
+            <a:rPr lang="en-US" altLang="zh-TW" sz="2800" dirty="0" smtClean="0"/>
+            <a:t>Dominant at </a:t>
+          </a:r>
+        </a:p>
+        <a:p>
+          <a:r>
+            <a:rPr lang="en-US" altLang="zh-TW" sz="2800" dirty="0" smtClean="0"/>
+            <a:t>4K</a:t>
+          </a:r>
+          <a:endParaRPr lang="zh-TW" altLang="en-US" sz="2800" dirty="0"/>
+        </a:p>
+      </dgm:t>
+    </dgm:pt>
+    <dgm:pt modelId="{A688EB8E-A979-5541-9B5A-217FD60E88E7}" type="parTrans" cxnId="{ACF6E10D-480C-F049-93BE-A97057C400F1}">
+      <dgm:prSet/>
+      <dgm:spPr/>
+      <dgm:t>
+        <a:bodyPr/>
+        <a:lstStyle/>
+        <a:p>
+          <a:endParaRPr lang="zh-TW" altLang="en-US"/>
+        </a:p>
+      </dgm:t>
+    </dgm:pt>
+    <dgm:pt modelId="{8BBCC2ED-EF11-F64E-8802-F8CFCEA87002}" type="sibTrans" cxnId="{ACF6E10D-480C-F049-93BE-A97057C400F1}">
+      <dgm:prSet/>
+      <dgm:spPr/>
+      <dgm:t>
+        <a:bodyPr/>
+        <a:lstStyle/>
+        <a:p>
+          <a:endParaRPr lang="zh-TW" altLang="en-US"/>
+        </a:p>
+      </dgm:t>
+    </dgm:pt>
+    <mc:AlternateContent xmlns:mc="http://schemas.openxmlformats.org/markup-compatibility/2006">
+      <mc:Choice xmlns:a14="http://schemas.microsoft.com/office/drawing/2010/main" Requires="a14">
+        <dgm:pt modelId="{E473C8D6-CFCC-9B4A-8FE0-AD13655883D3}">
+          <dgm:prSet custT="1"/>
+          <dgm:spPr/>
+          <dgm:t>
+            <a:bodyPr/>
+            <a:lstStyle/>
+            <a:p>
+              <a14:m>
+                <m:oMathPara xmlns:m="http://schemas.openxmlformats.org/officeDocument/2006/math">
+                  <m:oMathParaPr>
+                    <m:jc m:val="centerGroup"/>
+                  </m:oMathParaPr>
+                  <m:oMath xmlns:m="http://schemas.openxmlformats.org/officeDocument/2006/math">
+                    <m:sSup>
+                      <m:sSupPr>
+                        <m:ctrlPr>
+                          <a:rPr lang="en-US" altLang="zh-TW" sz="2800" i="1" smtClean="0">
+                            <a:latin typeface="Cambria Math" charset="0"/>
+                          </a:rPr>
+                        </m:ctrlPr>
+                      </m:sSupPr>
+                      <m:e>
+                        <m:r>
+                          <a:rPr lang="en-US" altLang="zh-TW" sz="2800" b="0" i="1" smtClean="0">
+                            <a:latin typeface="Cambria Math" charset="0"/>
+                          </a:rPr>
+                          <m:t>10</m:t>
+                        </m:r>
+                      </m:e>
+                      <m:sup>
+                        <m:r>
+                          <a:rPr lang="en-US" altLang="zh-TW" sz="2800" b="0" i="1" smtClean="0">
+                            <a:latin typeface="Cambria Math" charset="0"/>
+                          </a:rPr>
+                          <m:t>−16</m:t>
+                        </m:r>
+                      </m:sup>
+                    </m:sSup>
+                    <m:r>
+                      <a:rPr lang="en-US" altLang="zh-TW" sz="2800" b="0" i="1" smtClean="0">
+                        <a:latin typeface="Cambria Math" charset="0"/>
+                      </a:rPr>
+                      <m:t>𝐴</m:t>
+                    </m:r>
+                  </m:oMath>
+                </m:oMathPara>
+              </a14:m>
+              <a:endParaRPr lang="zh-TW" altLang="en-US" sz="2800" dirty="0"/>
+            </a:p>
+          </dgm:t>
+        </dgm:pt>
+      </mc:Choice>
+      <mc:Fallback>
+        <dgm:pt modelId="{E473C8D6-CFCC-9B4A-8FE0-AD13655883D3}">
+          <dgm:prSet custT="1"/>
+          <dgm:spPr/>
+          <dgm:t>
+            <a:bodyPr/>
+            <a:lstStyle/>
+            <a:p>
+              <a:r>
+                <a:rPr lang="en-US" altLang="zh-TW" sz="2800" i="0" smtClean="0">
+                  <a:latin typeface="Cambria Math" charset="0"/>
+                </a:rPr>
+                <a:t>〖</a:t>
+              </a:r>
+              <a:r>
+                <a:rPr lang="en-US" altLang="zh-TW" sz="2800" b="0" i="0" smtClean="0">
+                  <a:latin typeface="Cambria Math" charset="0"/>
+                </a:rPr>
+                <a:t>10〗^(−16) 𝐴</a:t>
+              </a:r>
+              <a:endParaRPr lang="zh-TW" altLang="en-US" sz="2800" dirty="0"/>
+            </a:p>
+          </dgm:t>
+        </dgm:pt>
+      </mc:Fallback>
+    </mc:AlternateContent>
+    <dgm:pt modelId="{7566F7F4-50AD-9C41-A34F-EDAE19CB3CF5}" type="parTrans" cxnId="{51FBA8F4-9976-D647-87FA-0571CA246252}">
+      <dgm:prSet/>
+      <dgm:spPr/>
+      <dgm:t>
+        <a:bodyPr/>
+        <a:lstStyle/>
+        <a:p>
+          <a:endParaRPr lang="zh-TW" altLang="en-US"/>
+        </a:p>
+      </dgm:t>
+    </dgm:pt>
+    <dgm:pt modelId="{5B0647E7-286C-7942-B9CB-9DA8815F8B26}" type="sibTrans" cxnId="{51FBA8F4-9976-D647-87FA-0571CA246252}">
+      <dgm:prSet/>
+      <dgm:spPr/>
+      <dgm:t>
+        <a:bodyPr/>
+        <a:lstStyle/>
+        <a:p>
+          <a:endParaRPr lang="zh-TW" altLang="en-US"/>
+        </a:p>
+      </dgm:t>
+    </dgm:pt>
+    <mc:AlternateContent xmlns:mc="http://schemas.openxmlformats.org/markup-compatibility/2006">
+      <mc:Choice xmlns:a14="http://schemas.microsoft.com/office/drawing/2010/main" Requires="a14">
+        <dgm:pt modelId="{15A51150-7C8D-5A45-92EA-1BE763DA3816}">
+          <dgm:prSet custT="1"/>
+          <dgm:spPr/>
+          <dgm:t>
+            <a:bodyPr/>
+            <a:lstStyle/>
+            <a:p>
+              <a14:m>
+                <m:oMathPara xmlns:m="http://schemas.openxmlformats.org/officeDocument/2006/math">
+                  <m:oMathParaPr>
+                    <m:jc m:val="centerGroup"/>
+                  </m:oMathParaPr>
+                  <m:oMath xmlns:m="http://schemas.openxmlformats.org/officeDocument/2006/math">
+                    <m:sSup>
+                      <m:sSupPr>
+                        <m:ctrlPr>
+                          <a:rPr lang="en-US" altLang="zh-TW" sz="2800" i="1" smtClean="0">
+                            <a:latin typeface="Cambria Math" charset="0"/>
+                          </a:rPr>
+                        </m:ctrlPr>
+                      </m:sSupPr>
+                      <m:e>
+                        <m:r>
+                          <a:rPr lang="en-US" altLang="zh-TW" sz="2800" b="0" i="1" smtClean="0">
+                            <a:latin typeface="Cambria Math" charset="0"/>
+                          </a:rPr>
+                          <m:t>10</m:t>
+                        </m:r>
+                      </m:e>
+                      <m:sup>
+                        <m:r>
+                          <a:rPr lang="en-US" altLang="zh-TW" sz="2800" b="0" i="1" smtClean="0">
+                            <a:latin typeface="Cambria Math" charset="0"/>
+                          </a:rPr>
+                          <m:t>−18</m:t>
+                        </m:r>
+                      </m:sup>
+                    </m:sSup>
+                    <m:r>
+                      <a:rPr lang="en-US" altLang="zh-TW" sz="2800" b="0" i="1" smtClean="0">
+                        <a:latin typeface="Cambria Math" charset="0"/>
+                      </a:rPr>
+                      <m:t>𝐴</m:t>
+                    </m:r>
+                  </m:oMath>
+                </m:oMathPara>
+              </a14:m>
+              <a:endParaRPr lang="zh-TW" altLang="en-US" sz="2800" dirty="0"/>
+            </a:p>
+          </dgm:t>
+        </dgm:pt>
+      </mc:Choice>
+      <mc:Fallback>
+        <dgm:pt modelId="{15A51150-7C8D-5A45-92EA-1BE763DA3816}">
+          <dgm:prSet custT="1"/>
+          <dgm:spPr/>
+          <dgm:t>
+            <a:bodyPr/>
+            <a:lstStyle/>
+            <a:p>
+              <a:r>
+                <a:rPr lang="en-US" altLang="zh-TW" sz="2800" i="0" smtClean="0">
+                  <a:latin typeface="Cambria Math" charset="0"/>
+                </a:rPr>
+                <a:t>〖</a:t>
+              </a:r>
+              <a:r>
+                <a:rPr lang="en-US" altLang="zh-TW" sz="2800" b="0" i="0" smtClean="0">
+                  <a:latin typeface="Cambria Math" charset="0"/>
+                </a:rPr>
+                <a:t>10〗^(−18) 𝐴</a:t>
+              </a:r>
+              <a:endParaRPr lang="zh-TW" altLang="en-US" sz="2800" dirty="0"/>
+            </a:p>
+          </dgm:t>
+        </dgm:pt>
+      </mc:Fallback>
+    </mc:AlternateContent>
+    <dgm:pt modelId="{7FDD6A65-204D-8F4C-B1B1-813120FDD0F9}" type="parTrans" cxnId="{7B48474F-1B11-7242-9A66-44AE382C448E}">
+      <dgm:prSet/>
+      <dgm:spPr/>
+      <dgm:t>
+        <a:bodyPr/>
+        <a:lstStyle/>
+        <a:p>
+          <a:endParaRPr lang="zh-TW" altLang="en-US"/>
+        </a:p>
+      </dgm:t>
+    </dgm:pt>
+    <dgm:pt modelId="{B0E527EA-E1A4-8B4D-B749-6C9BBC23E97D}" type="sibTrans" cxnId="{7B48474F-1B11-7242-9A66-44AE382C448E}">
+      <dgm:prSet/>
+      <dgm:spPr/>
+      <dgm:t>
+        <a:bodyPr/>
+        <a:lstStyle/>
+        <a:p>
+          <a:endParaRPr lang="zh-TW" altLang="en-US"/>
+        </a:p>
+      </dgm:t>
+    </dgm:pt>
+    <dgm:pt modelId="{B6DAA9B2-E511-A043-82FA-F5D53E69E39F}">
+      <dgm:prSet custT="1"/>
+      <dgm:spPr/>
+      <dgm:t>
+        <a:bodyPr/>
+        <a:lstStyle/>
+        <a:p>
+          <a:r>
+            <a:rPr lang="en-US" altLang="zh-TW" sz="2800" dirty="0" smtClean="0"/>
+            <a:t>Thermal generation</a:t>
+          </a:r>
+          <a:endParaRPr lang="zh-TW" altLang="en-US" sz="2800" dirty="0"/>
+        </a:p>
+      </dgm:t>
+    </dgm:pt>
+    <dgm:pt modelId="{3AF3F861-9A44-8642-B454-6601D15FFD56}" type="parTrans" cxnId="{AFF9586A-8D48-8543-A563-60AC9F8639BD}">
+      <dgm:prSet/>
+      <dgm:spPr/>
+      <dgm:t>
+        <a:bodyPr/>
+        <a:lstStyle/>
+        <a:p>
+          <a:endParaRPr lang="zh-TW" altLang="en-US"/>
+        </a:p>
+      </dgm:t>
+    </dgm:pt>
+    <dgm:pt modelId="{40069117-5F2E-D04E-85A0-07B899038D8D}" type="sibTrans" cxnId="{AFF9586A-8D48-8543-A563-60AC9F8639BD}">
+      <dgm:prSet/>
+      <dgm:spPr/>
+      <dgm:t>
+        <a:bodyPr/>
+        <a:lstStyle/>
+        <a:p>
+          <a:endParaRPr lang="zh-TW" altLang="en-US"/>
+        </a:p>
+      </dgm:t>
+    </dgm:pt>
+    <dgm:pt modelId="{F7EA5F9C-7E24-B346-B2B0-5DDC384FEAB9}">
+      <dgm:prSet custT="1"/>
+      <dgm:spPr/>
+      <dgm:t>
+        <a:bodyPr/>
+        <a:lstStyle/>
+        <a:p>
+          <a:r>
+            <a:rPr lang="en-US" altLang="zh-TW" sz="2800" dirty="0" smtClean="0"/>
+            <a:t>Semi-metal-connection leakage</a:t>
+          </a:r>
+          <a:endParaRPr lang="zh-TW" altLang="en-US" sz="2800" dirty="0"/>
+        </a:p>
+      </dgm:t>
+    </dgm:pt>
+    <dgm:pt modelId="{DA22223E-9BFA-8141-8837-C7EFCA9AF673}" type="parTrans" cxnId="{89F91E55-2F19-C944-96E4-C927EF67C309}">
+      <dgm:prSet/>
+      <dgm:spPr/>
+      <dgm:t>
+        <a:bodyPr/>
+        <a:lstStyle/>
+        <a:p>
+          <a:endParaRPr lang="zh-TW" altLang="en-US"/>
+        </a:p>
+      </dgm:t>
+    </dgm:pt>
+    <dgm:pt modelId="{9673EF72-8387-C048-B5DF-ADBBE8D15DE9}" type="sibTrans" cxnId="{89F91E55-2F19-C944-96E4-C927EF67C309}">
+      <dgm:prSet/>
+      <dgm:spPr/>
+      <dgm:t>
+        <a:bodyPr/>
+        <a:lstStyle/>
+        <a:p>
+          <a:endParaRPr lang="zh-TW" altLang="en-US"/>
+        </a:p>
+      </dgm:t>
+    </dgm:pt>
+    <dgm:pt modelId="{D36D7F1C-3B2D-C14C-A72F-21F723585AF7}">
+      <dgm:prSet custT="1"/>
+      <dgm:spPr/>
+      <dgm:t>
+        <a:bodyPr/>
+        <a:lstStyle/>
+        <a:p>
+          <a:r>
+            <a:rPr lang="en-US" altLang="zh-TW" sz="2800" dirty="0" smtClean="0"/>
+            <a:t>The qualification of the crystal</a:t>
+          </a:r>
+          <a:endParaRPr lang="zh-TW" altLang="en-US" sz="2800" dirty="0"/>
+        </a:p>
+      </dgm:t>
+    </dgm:pt>
+    <dgm:pt modelId="{6F1CA094-BAAC-B040-B57B-A8043D01CCC7}" type="parTrans" cxnId="{FFB43709-1982-1F43-ABF6-0A76B82D4B36}">
+      <dgm:prSet/>
+      <dgm:spPr/>
+      <dgm:t>
+        <a:bodyPr/>
+        <a:lstStyle/>
+        <a:p>
+          <a:endParaRPr lang="zh-TW" altLang="en-US"/>
+        </a:p>
+      </dgm:t>
+    </dgm:pt>
+    <dgm:pt modelId="{960E378C-E14F-2442-ADBD-D62452F0A363}" type="sibTrans" cxnId="{FFB43709-1982-1F43-ABF6-0A76B82D4B36}">
+      <dgm:prSet/>
+      <dgm:spPr/>
+      <dgm:t>
+        <a:bodyPr/>
+        <a:lstStyle/>
+        <a:p>
+          <a:endParaRPr lang="zh-TW" altLang="en-US"/>
+        </a:p>
+      </dgm:t>
+    </dgm:pt>
+    <dgm:pt modelId="{9155790E-252D-8145-B73F-6987A74C6FCE}">
+      <dgm:prSet phldrT="[文字]" custT="1"/>
+      <dgm:spPr/>
+      <dgm:t>
+        <a:bodyPr/>
+        <a:lstStyle/>
+        <a:p>
+          <a:r>
+            <a:rPr lang="en-US" altLang="zh-TW" sz="2800" dirty="0" smtClean="0">
+              <a:solidFill>
+                <a:schemeClr val="bg1"/>
+              </a:solidFill>
+            </a:rPr>
+            <a:t>Background source</a:t>
+          </a:r>
+          <a:endParaRPr lang="zh-TW" altLang="en-US" sz="2800" dirty="0">
+            <a:solidFill>
+              <a:schemeClr val="bg1"/>
+            </a:solidFill>
+          </a:endParaRPr>
+        </a:p>
+      </dgm:t>
+    </dgm:pt>
+    <dgm:pt modelId="{C9AB40F0-D319-0F4F-B449-0E7970435EED}" type="sibTrans" cxnId="{FFC0FF81-64CC-B54B-B6D3-682181B96D01}">
+      <dgm:prSet/>
+      <dgm:spPr/>
+      <dgm:t>
+        <a:bodyPr/>
+        <a:lstStyle/>
+        <a:p>
+          <a:endParaRPr lang="zh-TW" altLang="en-US"/>
+        </a:p>
+      </dgm:t>
+    </dgm:pt>
+    <dgm:pt modelId="{74D241B8-5B2B-D147-A3BA-9A6844D06AF6}" type="parTrans" cxnId="{FFC0FF81-64CC-B54B-B6D3-682181B96D01}">
+      <dgm:prSet/>
+      <dgm:spPr/>
+      <dgm:t>
+        <a:bodyPr/>
+        <a:lstStyle/>
+        <a:p>
+          <a:endParaRPr lang="zh-TW" altLang="en-US"/>
+        </a:p>
+      </dgm:t>
+    </dgm:pt>
+    <dgm:pt modelId="{681BDDB1-BD73-CF4A-8D98-BFF7B8548DAB}">
+      <dgm:prSet custT="1"/>
+      <dgm:spPr/>
+      <dgm:t>
+        <a:bodyPr/>
+        <a:lstStyle/>
+        <a:p>
+          <a:r>
+            <a:rPr lang="en-US" altLang="zh-TW" sz="2800" dirty="0" smtClean="0"/>
+            <a:t>140eV at 77K </a:t>
+          </a:r>
+          <a:endParaRPr lang="zh-TW" altLang="en-US" sz="2800" dirty="0"/>
+        </a:p>
+      </dgm:t>
+    </dgm:pt>
+    <dgm:pt modelId="{D99BF36E-1FFA-E14F-A8F2-B5D0A19F6F66}" type="parTrans" cxnId="{666310AB-5556-4449-99F2-38B6E7EA73D3}">
+      <dgm:prSet/>
+      <dgm:spPr/>
+      <dgm:t>
+        <a:bodyPr/>
+        <a:lstStyle/>
+        <a:p>
+          <a:endParaRPr lang="zh-TW" altLang="en-US"/>
+        </a:p>
+      </dgm:t>
+    </dgm:pt>
+    <dgm:pt modelId="{23D67998-536F-1A43-8363-7E1D2E2F6D7E}" type="sibTrans" cxnId="{666310AB-5556-4449-99F2-38B6E7EA73D3}">
+      <dgm:prSet/>
+      <dgm:spPr/>
+      <dgm:t>
+        <a:bodyPr/>
+        <a:lstStyle/>
+        <a:p>
+          <a:endParaRPr lang="zh-TW" altLang="en-US"/>
+        </a:p>
+      </dgm:t>
+    </dgm:pt>
+    <dgm:pt modelId="{6E9A03B4-4691-2E41-8E80-9367ABE3784F}">
+      <dgm:prSet custT="1"/>
+      <dgm:spPr/>
+      <dgm:t>
+        <a:bodyPr/>
+        <a:lstStyle/>
+        <a:p>
+          <a:r>
+            <a:rPr lang="en-US" altLang="zh-TW" sz="2800" dirty="0" smtClean="0"/>
+            <a:t>14eV at 4K</a:t>
+          </a:r>
+          <a:endParaRPr lang="zh-TW" altLang="en-US" sz="2800" dirty="0"/>
+        </a:p>
+      </dgm:t>
+    </dgm:pt>
+    <dgm:pt modelId="{EFF1FE7A-6453-E549-8D31-817CCE92F438}" type="parTrans" cxnId="{6D9C164F-5CDE-DD47-9B31-8A4877231320}">
+      <dgm:prSet/>
+      <dgm:spPr/>
+      <dgm:t>
+        <a:bodyPr/>
+        <a:lstStyle/>
+        <a:p>
+          <a:endParaRPr lang="zh-TW" altLang="en-US"/>
+        </a:p>
+      </dgm:t>
+    </dgm:pt>
+    <dgm:pt modelId="{21A62A44-BAD8-B149-9CF2-703B2F9DB761}" type="sibTrans" cxnId="{6D9C164F-5CDE-DD47-9B31-8A4877231320}">
+      <dgm:prSet/>
+      <dgm:spPr/>
+      <dgm:t>
+        <a:bodyPr/>
+        <a:lstStyle/>
+        <a:p>
+          <a:endParaRPr lang="zh-TW" altLang="en-US"/>
+        </a:p>
+      </dgm:t>
+    </dgm:pt>
+    <dgm:pt modelId="{5B6FCDC6-C054-AD41-AA4E-473721C05DB2}" type="pres">
+      <dgm:prSet presAssocID="{991BC2BD-9ABD-1C49-9E08-FD67DCB9113B}" presName="hierChild1" presStyleCnt="0">
+        <dgm:presLayoutVars>
+          <dgm:orgChart val="1"/>
+          <dgm:chPref val="1"/>
+          <dgm:dir/>
+          <dgm:animOne val="branch"/>
+          <dgm:animLvl val="lvl"/>
+          <dgm:resizeHandles/>
+        </dgm:presLayoutVars>
+      </dgm:prSet>
+      <dgm:spPr/>
+    </dgm:pt>
+    <dgm:pt modelId="{A68F9215-AC01-5541-8996-30E252F5ED3E}" type="pres">
+      <dgm:prSet presAssocID="{9155790E-252D-8145-B73F-6987A74C6FCE}" presName="hierRoot1" presStyleCnt="0">
+        <dgm:presLayoutVars>
+          <dgm:hierBranch val="init"/>
+        </dgm:presLayoutVars>
+      </dgm:prSet>
+      <dgm:spPr/>
+    </dgm:pt>
+    <dgm:pt modelId="{F3884C1C-4F41-5A4A-8929-67B042A36F2C}" type="pres">
+      <dgm:prSet presAssocID="{9155790E-252D-8145-B73F-6987A74C6FCE}" presName="rootComposite1" presStyleCnt="0"/>
+      <dgm:spPr/>
+    </dgm:pt>
+    <dgm:pt modelId="{122A5CF2-A4F5-6443-8121-5EA4ADA58FE2}" type="pres">
+      <dgm:prSet presAssocID="{9155790E-252D-8145-B73F-6987A74C6FCE}" presName="rootText1" presStyleLbl="node0" presStyleIdx="0" presStyleCnt="1" custScaleX="186961" custScaleY="178092">
+        <dgm:presLayoutVars>
+          <dgm:chPref val="3"/>
+        </dgm:presLayoutVars>
+      </dgm:prSet>
+      <dgm:spPr/>
+      <dgm:t>
+        <a:bodyPr/>
+        <a:lstStyle/>
+        <a:p>
+          <a:endParaRPr lang="zh-TW" altLang="en-US"/>
+        </a:p>
+      </dgm:t>
+    </dgm:pt>
+    <dgm:pt modelId="{114BE08D-759C-4249-B7F3-C7D65DDD4A00}" type="pres">
+      <dgm:prSet presAssocID="{9155790E-252D-8145-B73F-6987A74C6FCE}" presName="rootConnector1" presStyleLbl="node1" presStyleIdx="0" presStyleCnt="0"/>
+      <dgm:spPr/>
+    </dgm:pt>
+    <dgm:pt modelId="{7646E109-D684-7F44-BF38-B5E8FABB9274}" type="pres">
+      <dgm:prSet presAssocID="{9155790E-252D-8145-B73F-6987A74C6FCE}" presName="hierChild2" presStyleCnt="0"/>
+      <dgm:spPr/>
+    </dgm:pt>
+    <dgm:pt modelId="{303D13D7-6426-2B4B-A603-9A358A4B457A}" type="pres">
+      <dgm:prSet presAssocID="{43579297-912A-3A43-928E-2923D9D033D7}" presName="Name37" presStyleLbl="parChTrans1D2" presStyleIdx="0" presStyleCnt="3"/>
+      <dgm:spPr/>
+    </dgm:pt>
+    <dgm:pt modelId="{40654E01-4471-694F-A85D-84ECF493707A}" type="pres">
+      <dgm:prSet presAssocID="{9414912D-272A-604D-8062-8E011A22AFAD}" presName="hierRoot2" presStyleCnt="0">
+        <dgm:presLayoutVars>
+          <dgm:hierBranch val="init"/>
+        </dgm:presLayoutVars>
+      </dgm:prSet>
+      <dgm:spPr/>
+    </dgm:pt>
+    <dgm:pt modelId="{2DC1DD98-425F-C943-881C-58046C17E315}" type="pres">
+      <dgm:prSet presAssocID="{9414912D-272A-604D-8062-8E011A22AFAD}" presName="rootComposite" presStyleCnt="0"/>
+      <dgm:spPr/>
+    </dgm:pt>
+    <dgm:pt modelId="{1D8CE2B4-B8B7-5F48-8612-982B90B50C34}" type="pres">
+      <dgm:prSet presAssocID="{9414912D-272A-604D-8062-8E011A22AFAD}" presName="rootText" presStyleLbl="node2" presStyleIdx="0" presStyleCnt="3" custScaleX="186961" custScaleY="178092">
+        <dgm:presLayoutVars>
+          <dgm:chPref val="3"/>
+        </dgm:presLayoutVars>
+      </dgm:prSet>
+      <dgm:spPr/>
+      <dgm:t>
+        <a:bodyPr/>
+        <a:lstStyle/>
+        <a:p>
+          <a:endParaRPr lang="zh-TW" altLang="en-US"/>
+        </a:p>
+      </dgm:t>
+    </dgm:pt>
+    <dgm:pt modelId="{C16F1FAC-F9E6-1E48-9D52-FC853D1543A9}" type="pres">
+      <dgm:prSet presAssocID="{9414912D-272A-604D-8062-8E011A22AFAD}" presName="rootConnector" presStyleLbl="node2" presStyleIdx="0" presStyleCnt="3"/>
+      <dgm:spPr/>
+    </dgm:pt>
+    <dgm:pt modelId="{6CF46065-1473-584D-8AE4-9F13EF0BD327}" type="pres">
+      <dgm:prSet presAssocID="{9414912D-272A-604D-8062-8E011A22AFAD}" presName="hierChild4" presStyleCnt="0"/>
+      <dgm:spPr/>
+    </dgm:pt>
+    <dgm:pt modelId="{51840DED-92B3-E14D-AABC-3D5600515E41}" type="pres">
+      <dgm:prSet presAssocID="{3AF3F861-9A44-8642-B454-6601D15FFD56}" presName="Name37" presStyleLbl="parChTrans1D3" presStyleIdx="0" presStyleCnt="10"/>
+      <dgm:spPr/>
+    </dgm:pt>
+    <dgm:pt modelId="{ED1ACB39-192C-6A4C-A356-5C955B4821A0}" type="pres">
+      <dgm:prSet presAssocID="{B6DAA9B2-E511-A043-82FA-F5D53E69E39F}" presName="hierRoot2" presStyleCnt="0">
+        <dgm:presLayoutVars>
+          <dgm:hierBranch val="init"/>
+        </dgm:presLayoutVars>
+      </dgm:prSet>
+      <dgm:spPr/>
+    </dgm:pt>
+    <dgm:pt modelId="{69122829-D6FF-A24A-909A-ADDAB9CD4496}" type="pres">
+      <dgm:prSet presAssocID="{B6DAA9B2-E511-A043-82FA-F5D53E69E39F}" presName="rootComposite" presStyleCnt="0"/>
+      <dgm:spPr/>
+    </dgm:pt>
+    <dgm:pt modelId="{F81C873D-4CD7-774A-B038-24F586CC662B}" type="pres">
+      <dgm:prSet presAssocID="{B6DAA9B2-E511-A043-82FA-F5D53E69E39F}" presName="rootText" presStyleLbl="node3" presStyleIdx="0" presStyleCnt="10" custScaleX="186961" custScaleY="178092">
+        <dgm:presLayoutVars>
+          <dgm:chPref val="3"/>
+        </dgm:presLayoutVars>
+      </dgm:prSet>
+      <dgm:spPr/>
+    </dgm:pt>
+    <dgm:pt modelId="{68A3C04C-C9E1-C441-B047-43EE33EF7CD6}" type="pres">
+      <dgm:prSet presAssocID="{B6DAA9B2-E511-A043-82FA-F5D53E69E39F}" presName="rootConnector" presStyleLbl="node3" presStyleIdx="0" presStyleCnt="10"/>
+      <dgm:spPr/>
+    </dgm:pt>
+    <dgm:pt modelId="{FEA0730A-26C2-1A48-89E4-6B770A8A8FC8}" type="pres">
+      <dgm:prSet presAssocID="{B6DAA9B2-E511-A043-82FA-F5D53E69E39F}" presName="hierChild4" presStyleCnt="0"/>
+      <dgm:spPr/>
+    </dgm:pt>
+    <dgm:pt modelId="{BCE36C61-BB43-D04E-B890-40C85303B7CA}" type="pres">
+      <dgm:prSet presAssocID="{B6DAA9B2-E511-A043-82FA-F5D53E69E39F}" presName="hierChild5" presStyleCnt="0"/>
+      <dgm:spPr/>
+    </dgm:pt>
+    <dgm:pt modelId="{0DABA691-84B5-7442-975A-17C2CBC0D58A}" type="pres">
+      <dgm:prSet presAssocID="{4BB69F2C-051F-1843-B24A-F497B6117A37}" presName="Name37" presStyleLbl="parChTrans1D3" presStyleIdx="1" presStyleCnt="10"/>
+      <dgm:spPr/>
+    </dgm:pt>
+    <dgm:pt modelId="{4A892219-F158-6843-B7E4-AB49174B061B}" type="pres">
+      <dgm:prSet presAssocID="{342241FF-A368-C74A-92F1-20C6735DA5C3}" presName="hierRoot2" presStyleCnt="0">
+        <dgm:presLayoutVars>
+          <dgm:hierBranch val="init"/>
+        </dgm:presLayoutVars>
+      </dgm:prSet>
+      <dgm:spPr/>
+    </dgm:pt>
+    <dgm:pt modelId="{51E13341-B381-054E-A192-67368881BC30}" type="pres">
+      <dgm:prSet presAssocID="{342241FF-A368-C74A-92F1-20C6735DA5C3}" presName="rootComposite" presStyleCnt="0"/>
+      <dgm:spPr/>
+    </dgm:pt>
+    <dgm:pt modelId="{5B6674E2-53CE-5C48-B0CD-CC245DE4ECA8}" type="pres">
+      <dgm:prSet presAssocID="{342241FF-A368-C74A-92F1-20C6735DA5C3}" presName="rootText" presStyleLbl="node3" presStyleIdx="1" presStyleCnt="10" custScaleX="186961" custScaleY="178092">
+        <dgm:presLayoutVars>
+          <dgm:chPref val="3"/>
+        </dgm:presLayoutVars>
+      </dgm:prSet>
+      <dgm:spPr/>
+      <dgm:t>
+        <a:bodyPr/>
+        <a:lstStyle/>
+        <a:p>
+          <a:endParaRPr lang="zh-TW" altLang="en-US"/>
+        </a:p>
+      </dgm:t>
+    </dgm:pt>
+    <dgm:pt modelId="{2E160051-DAFA-0B4F-A03C-D543C9816295}" type="pres">
+      <dgm:prSet presAssocID="{342241FF-A368-C74A-92F1-20C6735DA5C3}" presName="rootConnector" presStyleLbl="node3" presStyleIdx="1" presStyleCnt="10"/>
+      <dgm:spPr/>
+    </dgm:pt>
+    <dgm:pt modelId="{93887669-BA75-F540-BB89-72D4DF44764E}" type="pres">
+      <dgm:prSet presAssocID="{342241FF-A368-C74A-92F1-20C6735DA5C3}" presName="hierChild4" presStyleCnt="0"/>
+      <dgm:spPr/>
+    </dgm:pt>
+    <dgm:pt modelId="{4546AEF3-E13C-BE4B-98A2-EEADCFD16705}" type="pres">
+      <dgm:prSet presAssocID="{342241FF-A368-C74A-92F1-20C6735DA5C3}" presName="hierChild5" presStyleCnt="0"/>
+      <dgm:spPr/>
+    </dgm:pt>
+    <dgm:pt modelId="{A362D1AB-5EFC-1947-A356-94E663BB318E}" type="pres">
+      <dgm:prSet presAssocID="{9414912D-272A-604D-8062-8E011A22AFAD}" presName="hierChild5" presStyleCnt="0"/>
+      <dgm:spPr/>
+    </dgm:pt>
+    <dgm:pt modelId="{41CCA805-0977-C541-9EE2-60527EA67EC6}" type="pres">
+      <dgm:prSet presAssocID="{B716891C-8CD3-8D42-A1C9-0D90990C5091}" presName="Name37" presStyleLbl="parChTrans1D2" presStyleIdx="1" presStyleCnt="3"/>
+      <dgm:spPr/>
+    </dgm:pt>
+    <dgm:pt modelId="{419ED588-F200-8E4C-A79F-148464302124}" type="pres">
+      <dgm:prSet presAssocID="{CF46A2D2-3E2B-DD44-A503-B46BB8A9BCA8}" presName="hierRoot2" presStyleCnt="0">
+        <dgm:presLayoutVars>
+          <dgm:hierBranch val="init"/>
+        </dgm:presLayoutVars>
+      </dgm:prSet>
+      <dgm:spPr/>
+    </dgm:pt>
+    <dgm:pt modelId="{41C860BB-C8C3-8648-9B57-AC30B9020204}" type="pres">
+      <dgm:prSet presAssocID="{CF46A2D2-3E2B-DD44-A503-B46BB8A9BCA8}" presName="rootComposite" presStyleCnt="0"/>
+      <dgm:spPr/>
+    </dgm:pt>
+    <dgm:pt modelId="{C4A22549-DDCA-3B44-AAF3-299C8F85CD97}" type="pres">
+      <dgm:prSet presAssocID="{CF46A2D2-3E2B-DD44-A503-B46BB8A9BCA8}" presName="rootText" presStyleLbl="node2" presStyleIdx="1" presStyleCnt="3" custScaleX="186961" custScaleY="178092">
+        <dgm:presLayoutVars>
+          <dgm:chPref val="3"/>
+        </dgm:presLayoutVars>
+      </dgm:prSet>
+      <dgm:spPr/>
+      <dgm:t>
+        <a:bodyPr/>
+        <a:lstStyle/>
+        <a:p>
+          <a:endParaRPr lang="zh-TW" altLang="en-US"/>
+        </a:p>
+      </dgm:t>
+    </dgm:pt>
+    <dgm:pt modelId="{01E2D6F2-BC55-EE4C-8803-B49E4967910F}" type="pres">
+      <dgm:prSet presAssocID="{CF46A2D2-3E2B-DD44-A503-B46BB8A9BCA8}" presName="rootConnector" presStyleLbl="node2" presStyleIdx="1" presStyleCnt="3"/>
+      <dgm:spPr/>
+    </dgm:pt>
+    <dgm:pt modelId="{D67829F7-87EA-7245-9307-E83FCDBD8C04}" type="pres">
+      <dgm:prSet presAssocID="{CF46A2D2-3E2B-DD44-A503-B46BB8A9BCA8}" presName="hierChild4" presStyleCnt="0"/>
+      <dgm:spPr/>
+    </dgm:pt>
+    <dgm:pt modelId="{C0DD80F2-DE47-9C4D-A839-B88B1B8ADE7C}" type="pres">
+      <dgm:prSet presAssocID="{DA22223E-9BFA-8141-8837-C7EFCA9AF673}" presName="Name37" presStyleLbl="parChTrans1D3" presStyleIdx="2" presStyleCnt="10"/>
+      <dgm:spPr/>
+    </dgm:pt>
+    <dgm:pt modelId="{FDA3126A-E544-E64E-BC49-8F2E33DC6DF3}" type="pres">
+      <dgm:prSet presAssocID="{F7EA5F9C-7E24-B346-B2B0-5DDC384FEAB9}" presName="hierRoot2" presStyleCnt="0">
+        <dgm:presLayoutVars>
+          <dgm:hierBranch val="init"/>
+        </dgm:presLayoutVars>
+      </dgm:prSet>
+      <dgm:spPr/>
+    </dgm:pt>
+    <dgm:pt modelId="{B44CB6A4-1B67-6444-A1C1-CFBB0D979800}" type="pres">
+      <dgm:prSet presAssocID="{F7EA5F9C-7E24-B346-B2B0-5DDC384FEAB9}" presName="rootComposite" presStyleCnt="0"/>
+      <dgm:spPr/>
+    </dgm:pt>
+    <dgm:pt modelId="{A28A84E7-4DA6-8D44-992B-9F2F9A2386D0}" type="pres">
+      <dgm:prSet presAssocID="{F7EA5F9C-7E24-B346-B2B0-5DDC384FEAB9}" presName="rootText" presStyleLbl="node3" presStyleIdx="2" presStyleCnt="10" custScaleX="186961" custScaleY="178092">
+        <dgm:presLayoutVars>
+          <dgm:chPref val="3"/>
+        </dgm:presLayoutVars>
+      </dgm:prSet>
+      <dgm:spPr/>
+      <dgm:t>
+        <a:bodyPr/>
+        <a:lstStyle/>
+        <a:p>
+          <a:endParaRPr lang="zh-TW" altLang="en-US"/>
+        </a:p>
+      </dgm:t>
+    </dgm:pt>
+    <dgm:pt modelId="{716695E7-83C2-C94F-A736-82B1562D2F13}" type="pres">
+      <dgm:prSet presAssocID="{F7EA5F9C-7E24-B346-B2B0-5DDC384FEAB9}" presName="rootConnector" presStyleLbl="node3" presStyleIdx="2" presStyleCnt="10"/>
+      <dgm:spPr/>
+    </dgm:pt>
+    <dgm:pt modelId="{007CBD8B-2636-114E-913B-9C8023D48A3E}" type="pres">
+      <dgm:prSet presAssocID="{F7EA5F9C-7E24-B346-B2B0-5DDC384FEAB9}" presName="hierChild4" presStyleCnt="0"/>
+      <dgm:spPr/>
+    </dgm:pt>
+    <dgm:pt modelId="{B2EA5CF9-AEA8-734D-8DCD-68C412E6B33D}" type="pres">
+      <dgm:prSet presAssocID="{F7EA5F9C-7E24-B346-B2B0-5DDC384FEAB9}" presName="hierChild5" presStyleCnt="0"/>
+      <dgm:spPr/>
+    </dgm:pt>
+    <dgm:pt modelId="{44B270F3-D79D-A149-8356-FAEDC4FFB1CC}" type="pres">
+      <dgm:prSet presAssocID="{2997E24D-C0F5-1C44-AA19-FDCF670AD66B}" presName="Name37" presStyleLbl="parChTrans1D3" presStyleIdx="3" presStyleCnt="10"/>
+      <dgm:spPr/>
+    </dgm:pt>
+    <dgm:pt modelId="{D889090A-6C3E-104A-B0DD-EC3F2F4C113C}" type="pres">
+      <dgm:prSet presAssocID="{53C6962A-BD0B-0E4E-86E1-BEFF7D397AD6}" presName="hierRoot2" presStyleCnt="0">
+        <dgm:presLayoutVars>
+          <dgm:hierBranch val="init"/>
+        </dgm:presLayoutVars>
+      </dgm:prSet>
+      <dgm:spPr/>
+    </dgm:pt>
+    <dgm:pt modelId="{FD4A5F88-CB3A-B243-8B64-F2A85948A4DE}" type="pres">
+      <dgm:prSet presAssocID="{53C6962A-BD0B-0E4E-86E1-BEFF7D397AD6}" presName="rootComposite" presStyleCnt="0"/>
+      <dgm:spPr/>
+    </dgm:pt>
+    <dgm:pt modelId="{B5885C74-350F-E249-9B24-9E7B47AD4124}" type="pres">
+      <dgm:prSet presAssocID="{53C6962A-BD0B-0E4E-86E1-BEFF7D397AD6}" presName="rootText" presStyleLbl="node3" presStyleIdx="3" presStyleCnt="10" custScaleX="186961" custScaleY="178092">
+        <dgm:presLayoutVars>
+          <dgm:chPref val="3"/>
+        </dgm:presLayoutVars>
+      </dgm:prSet>
+      <dgm:spPr/>
+      <dgm:t>
+        <a:bodyPr/>
+        <a:lstStyle/>
+        <a:p>
+          <a:endParaRPr lang="zh-TW" altLang="en-US"/>
+        </a:p>
+      </dgm:t>
+    </dgm:pt>
+    <dgm:pt modelId="{3B4A848F-F866-B544-A2EA-510018393C93}" type="pres">
+      <dgm:prSet presAssocID="{53C6962A-BD0B-0E4E-86E1-BEFF7D397AD6}" presName="rootConnector" presStyleLbl="node3" presStyleIdx="3" presStyleCnt="10"/>
+      <dgm:spPr/>
+    </dgm:pt>
+    <dgm:pt modelId="{69EB0D8D-28CF-9F47-A544-EFB08C4ED9E0}" type="pres">
+      <dgm:prSet presAssocID="{53C6962A-BD0B-0E4E-86E1-BEFF7D397AD6}" presName="hierChild4" presStyleCnt="0"/>
+      <dgm:spPr/>
+    </dgm:pt>
+    <dgm:pt modelId="{18499074-882A-8D4B-91E3-024E1906E097}" type="pres">
+      <dgm:prSet presAssocID="{53C6962A-BD0B-0E4E-86E1-BEFF7D397AD6}" presName="hierChild5" presStyleCnt="0"/>
+      <dgm:spPr/>
+    </dgm:pt>
+    <dgm:pt modelId="{7545517E-8F6B-3143-8F78-C2B4BCE552F6}" type="pres">
+      <dgm:prSet presAssocID="{7566F7F4-50AD-9C41-A34F-EDAE19CB3CF5}" presName="Name37" presStyleLbl="parChTrans1D3" presStyleIdx="4" presStyleCnt="10"/>
+      <dgm:spPr/>
+    </dgm:pt>
+    <dgm:pt modelId="{06C6CE65-9559-FC47-B9E0-8570003DDF36}" type="pres">
+      <dgm:prSet presAssocID="{E473C8D6-CFCC-9B4A-8FE0-AD13655883D3}" presName="hierRoot2" presStyleCnt="0">
+        <dgm:presLayoutVars>
+          <dgm:hierBranch val="init"/>
+        </dgm:presLayoutVars>
+      </dgm:prSet>
+      <dgm:spPr/>
+    </dgm:pt>
+    <dgm:pt modelId="{ED47AC1E-7801-2D4B-8835-51618CA93BB9}" type="pres">
+      <dgm:prSet presAssocID="{E473C8D6-CFCC-9B4A-8FE0-AD13655883D3}" presName="rootComposite" presStyleCnt="0"/>
+      <dgm:spPr/>
+    </dgm:pt>
+    <dgm:pt modelId="{A1EEF08B-8D95-6247-B459-33D588285B56}" type="pres">
+      <dgm:prSet presAssocID="{E473C8D6-CFCC-9B4A-8FE0-AD13655883D3}" presName="rootText" presStyleLbl="node3" presStyleIdx="4" presStyleCnt="10" custScaleX="186961" custScaleY="178092">
+        <dgm:presLayoutVars>
+          <dgm:chPref val="3"/>
+        </dgm:presLayoutVars>
+      </dgm:prSet>
+      <dgm:spPr/>
+      <dgm:t>
+        <a:bodyPr/>
+        <a:lstStyle/>
+        <a:p>
+          <a:endParaRPr lang="zh-TW" altLang="en-US"/>
+        </a:p>
+      </dgm:t>
+    </dgm:pt>
+    <dgm:pt modelId="{4F39EFE5-74C3-754B-A131-C7EF09C42F4D}" type="pres">
+      <dgm:prSet presAssocID="{E473C8D6-CFCC-9B4A-8FE0-AD13655883D3}" presName="rootConnector" presStyleLbl="node3" presStyleIdx="4" presStyleCnt="10"/>
+      <dgm:spPr/>
+    </dgm:pt>
+    <dgm:pt modelId="{471EC8A2-5EA4-6C41-8E41-1436FA20B4AD}" type="pres">
+      <dgm:prSet presAssocID="{E473C8D6-CFCC-9B4A-8FE0-AD13655883D3}" presName="hierChild4" presStyleCnt="0"/>
+      <dgm:spPr/>
+    </dgm:pt>
+    <dgm:pt modelId="{D95B4FDF-A6F5-784E-BB76-081A91F386AF}" type="pres">
+      <dgm:prSet presAssocID="{E473C8D6-CFCC-9B4A-8FE0-AD13655883D3}" presName="hierChild5" presStyleCnt="0"/>
+      <dgm:spPr/>
+    </dgm:pt>
+    <dgm:pt modelId="{EDAAD9D9-F2CA-154D-AEBA-E577EAC4C638}" type="pres">
+      <dgm:prSet presAssocID="{D99BF36E-1FFA-E14F-A8F2-B5D0A19F6F66}" presName="Name37" presStyleLbl="parChTrans1D3" presStyleIdx="5" presStyleCnt="10"/>
+      <dgm:spPr/>
+    </dgm:pt>
+    <dgm:pt modelId="{6ADB36A2-F292-8243-AE69-1E8D1D33F059}" type="pres">
+      <dgm:prSet presAssocID="{681BDDB1-BD73-CF4A-8D98-BFF7B8548DAB}" presName="hierRoot2" presStyleCnt="0">
+        <dgm:presLayoutVars>
+          <dgm:hierBranch val="init"/>
+        </dgm:presLayoutVars>
+      </dgm:prSet>
+      <dgm:spPr/>
+    </dgm:pt>
+    <dgm:pt modelId="{0BE158A5-8A31-3141-839F-9953AF55DC76}" type="pres">
+      <dgm:prSet presAssocID="{681BDDB1-BD73-CF4A-8D98-BFF7B8548DAB}" presName="rootComposite" presStyleCnt="0"/>
+      <dgm:spPr/>
+    </dgm:pt>
+    <dgm:pt modelId="{592828BF-8F81-4C4D-831D-CE4398AF4045}" type="pres">
+      <dgm:prSet presAssocID="{681BDDB1-BD73-CF4A-8D98-BFF7B8548DAB}" presName="rootText" presStyleLbl="node3" presStyleIdx="5" presStyleCnt="10" custScaleX="186961" custScaleY="178092">
+        <dgm:presLayoutVars>
+          <dgm:chPref val="3"/>
+        </dgm:presLayoutVars>
+      </dgm:prSet>
+      <dgm:spPr/>
+      <dgm:t>
+        <a:bodyPr/>
+        <a:lstStyle/>
+        <a:p>
+          <a:endParaRPr lang="zh-TW" altLang="en-US"/>
+        </a:p>
+      </dgm:t>
+    </dgm:pt>
+    <dgm:pt modelId="{AEF14C1F-9B21-E04D-8399-841978DD0F05}" type="pres">
+      <dgm:prSet presAssocID="{681BDDB1-BD73-CF4A-8D98-BFF7B8548DAB}" presName="rootConnector" presStyleLbl="node3" presStyleIdx="5" presStyleCnt="10"/>
+      <dgm:spPr/>
+    </dgm:pt>
+    <dgm:pt modelId="{83B81550-535B-FE44-9C1F-B9F9CCA83B26}" type="pres">
+      <dgm:prSet presAssocID="{681BDDB1-BD73-CF4A-8D98-BFF7B8548DAB}" presName="hierChild4" presStyleCnt="0"/>
+      <dgm:spPr/>
+    </dgm:pt>
+    <dgm:pt modelId="{82294C83-B265-E94D-ABF1-BCAD88E5F562}" type="pres">
+      <dgm:prSet presAssocID="{681BDDB1-BD73-CF4A-8D98-BFF7B8548DAB}" presName="hierChild5" presStyleCnt="0"/>
+      <dgm:spPr/>
+    </dgm:pt>
+    <dgm:pt modelId="{51B75253-CB7C-6443-AF1E-6AD67D7B2543}" type="pres">
+      <dgm:prSet presAssocID="{CF46A2D2-3E2B-DD44-A503-B46BB8A9BCA8}" presName="hierChild5" presStyleCnt="0"/>
+      <dgm:spPr/>
+    </dgm:pt>
+    <dgm:pt modelId="{12A3EEB5-A1C4-3E49-84AA-59EA23AE1C4A}" type="pres">
+      <dgm:prSet presAssocID="{3899A6A8-CC33-C646-8D9C-4BA6D815C79E}" presName="Name37" presStyleLbl="parChTrans1D2" presStyleIdx="2" presStyleCnt="3"/>
+      <dgm:spPr/>
+    </dgm:pt>
+    <dgm:pt modelId="{52134895-F045-2E4D-B038-29BD402CCCBB}" type="pres">
+      <dgm:prSet presAssocID="{B0998C9D-19FD-2E41-B613-C6DA5B4CFD05}" presName="hierRoot2" presStyleCnt="0">
+        <dgm:presLayoutVars>
+          <dgm:hierBranch val="init"/>
+        </dgm:presLayoutVars>
+      </dgm:prSet>
+      <dgm:spPr/>
+    </dgm:pt>
+    <dgm:pt modelId="{EB52BAD6-A592-E047-B1ED-740B150B844B}" type="pres">
+      <dgm:prSet presAssocID="{B0998C9D-19FD-2E41-B613-C6DA5B4CFD05}" presName="rootComposite" presStyleCnt="0"/>
+      <dgm:spPr/>
+    </dgm:pt>
+    <dgm:pt modelId="{3A202DDB-EA5C-6F46-98E5-6C93032738A2}" type="pres">
+      <dgm:prSet presAssocID="{B0998C9D-19FD-2E41-B613-C6DA5B4CFD05}" presName="rootText" presStyleLbl="node2" presStyleIdx="2" presStyleCnt="3" custScaleX="186961" custScaleY="178092">
+        <dgm:presLayoutVars>
+          <dgm:chPref val="3"/>
+        </dgm:presLayoutVars>
+      </dgm:prSet>
+      <dgm:spPr/>
+    </dgm:pt>
+    <dgm:pt modelId="{52B14447-72C2-DE46-A1D2-8B4A5186DCAE}" type="pres">
+      <dgm:prSet presAssocID="{B0998C9D-19FD-2E41-B613-C6DA5B4CFD05}" presName="rootConnector" presStyleLbl="node2" presStyleIdx="2" presStyleCnt="3"/>
+      <dgm:spPr/>
+    </dgm:pt>
+    <dgm:pt modelId="{56B13D9B-209B-1243-8EC9-C3C9664521B5}" type="pres">
+      <dgm:prSet presAssocID="{B0998C9D-19FD-2E41-B613-C6DA5B4CFD05}" presName="hierChild4" presStyleCnt="0"/>
+      <dgm:spPr/>
+    </dgm:pt>
+    <dgm:pt modelId="{43E31F1E-D296-4A4B-AA65-486AF336F449}" type="pres">
+      <dgm:prSet presAssocID="{6F1CA094-BAAC-B040-B57B-A8043D01CCC7}" presName="Name37" presStyleLbl="parChTrans1D3" presStyleIdx="6" presStyleCnt="10"/>
+      <dgm:spPr/>
+    </dgm:pt>
+    <dgm:pt modelId="{3B4230F0-D3AB-F349-8A01-39DCAAED8057}" type="pres">
+      <dgm:prSet presAssocID="{D36D7F1C-3B2D-C14C-A72F-21F723585AF7}" presName="hierRoot2" presStyleCnt="0">
+        <dgm:presLayoutVars>
+          <dgm:hierBranch val="init"/>
+        </dgm:presLayoutVars>
+      </dgm:prSet>
+      <dgm:spPr/>
+    </dgm:pt>
+    <dgm:pt modelId="{67E5B588-8E03-C645-820D-9C02444E475B}" type="pres">
+      <dgm:prSet presAssocID="{D36D7F1C-3B2D-C14C-A72F-21F723585AF7}" presName="rootComposite" presStyleCnt="0"/>
+      <dgm:spPr/>
+    </dgm:pt>
+    <dgm:pt modelId="{82F8EB75-C97B-E947-A4DE-44A61B16DAA5}" type="pres">
+      <dgm:prSet presAssocID="{D36D7F1C-3B2D-C14C-A72F-21F723585AF7}" presName="rootText" presStyleLbl="node3" presStyleIdx="6" presStyleCnt="10" custScaleX="186961" custScaleY="178092">
+        <dgm:presLayoutVars>
+          <dgm:chPref val="3"/>
+        </dgm:presLayoutVars>
+      </dgm:prSet>
+      <dgm:spPr/>
+      <dgm:t>
+        <a:bodyPr/>
+        <a:lstStyle/>
+        <a:p>
+          <a:endParaRPr lang="zh-TW" altLang="en-US"/>
+        </a:p>
+      </dgm:t>
+    </dgm:pt>
+    <dgm:pt modelId="{88D10869-A3D3-3D4B-BA18-87F9D90EF652}" type="pres">
+      <dgm:prSet presAssocID="{D36D7F1C-3B2D-C14C-A72F-21F723585AF7}" presName="rootConnector" presStyleLbl="node3" presStyleIdx="6" presStyleCnt="10"/>
+      <dgm:spPr/>
+    </dgm:pt>
+    <dgm:pt modelId="{7EAA0A1F-11B6-4848-BCBE-823763940C54}" type="pres">
+      <dgm:prSet presAssocID="{D36D7F1C-3B2D-C14C-A72F-21F723585AF7}" presName="hierChild4" presStyleCnt="0"/>
+      <dgm:spPr/>
+    </dgm:pt>
+    <dgm:pt modelId="{B2A77EF1-24FF-B742-9F7E-3E7BBCB6F69E}" type="pres">
+      <dgm:prSet presAssocID="{D36D7F1C-3B2D-C14C-A72F-21F723585AF7}" presName="hierChild5" presStyleCnt="0"/>
+      <dgm:spPr/>
+    </dgm:pt>
+    <dgm:pt modelId="{7EBDF759-2C6E-2A41-89FD-15651DFFFD2F}" type="pres">
+      <dgm:prSet presAssocID="{A688EB8E-A979-5541-9B5A-217FD60E88E7}" presName="Name37" presStyleLbl="parChTrans1D3" presStyleIdx="7" presStyleCnt="10"/>
+      <dgm:spPr/>
+    </dgm:pt>
+    <dgm:pt modelId="{D4177785-D2D8-A346-B1DD-F70CBBFB6304}" type="pres">
+      <dgm:prSet presAssocID="{7E5E83A5-B20B-174A-A366-B98201318D29}" presName="hierRoot2" presStyleCnt="0">
+        <dgm:presLayoutVars>
+          <dgm:hierBranch val="init"/>
+        </dgm:presLayoutVars>
+      </dgm:prSet>
+      <dgm:spPr/>
+    </dgm:pt>
+    <dgm:pt modelId="{85E35D30-B1AC-7745-BED4-8905773262FD}" type="pres">
+      <dgm:prSet presAssocID="{7E5E83A5-B20B-174A-A366-B98201318D29}" presName="rootComposite" presStyleCnt="0"/>
+      <dgm:spPr/>
+    </dgm:pt>
+    <dgm:pt modelId="{500D0340-096F-4E41-AB90-7D1836639CE0}" type="pres">
+      <dgm:prSet presAssocID="{7E5E83A5-B20B-174A-A366-B98201318D29}" presName="rootText" presStyleLbl="node3" presStyleIdx="7" presStyleCnt="10" custScaleX="186961" custScaleY="178092">
+        <dgm:presLayoutVars>
+          <dgm:chPref val="3"/>
+        </dgm:presLayoutVars>
+      </dgm:prSet>
+      <dgm:spPr/>
+    </dgm:pt>
+    <dgm:pt modelId="{6A0579B0-69F2-684E-AA38-F93B9A692DA4}" type="pres">
+      <dgm:prSet presAssocID="{7E5E83A5-B20B-174A-A366-B98201318D29}" presName="rootConnector" presStyleLbl="node3" presStyleIdx="7" presStyleCnt="10"/>
+      <dgm:spPr/>
+    </dgm:pt>
+    <dgm:pt modelId="{D0D29CF7-78F5-CF4B-ACFE-BA9BCF675A3B}" type="pres">
+      <dgm:prSet presAssocID="{7E5E83A5-B20B-174A-A366-B98201318D29}" presName="hierChild4" presStyleCnt="0"/>
+      <dgm:spPr/>
+    </dgm:pt>
+    <dgm:pt modelId="{8CF4EFDD-F95C-AD4B-8D67-B7246492E489}" type="pres">
+      <dgm:prSet presAssocID="{7E5E83A5-B20B-174A-A366-B98201318D29}" presName="hierChild5" presStyleCnt="0"/>
+      <dgm:spPr/>
+    </dgm:pt>
+    <dgm:pt modelId="{FA7CABF5-6D8F-BD44-840F-F3253CDEC571}" type="pres">
+      <dgm:prSet presAssocID="{7FDD6A65-204D-8F4C-B1B1-813120FDD0F9}" presName="Name37" presStyleLbl="parChTrans1D3" presStyleIdx="8" presStyleCnt="10"/>
+      <dgm:spPr/>
+    </dgm:pt>
+    <dgm:pt modelId="{08D32562-CDF4-0546-959E-CF924D892A38}" type="pres">
+      <dgm:prSet presAssocID="{15A51150-7C8D-5A45-92EA-1BE763DA3816}" presName="hierRoot2" presStyleCnt="0">
+        <dgm:presLayoutVars>
+          <dgm:hierBranch val="init"/>
+        </dgm:presLayoutVars>
+      </dgm:prSet>
+      <dgm:spPr/>
+    </dgm:pt>
+    <dgm:pt modelId="{750B7152-D3E4-5A4F-8E73-5E5D4538FB1D}" type="pres">
+      <dgm:prSet presAssocID="{15A51150-7C8D-5A45-92EA-1BE763DA3816}" presName="rootComposite" presStyleCnt="0"/>
+      <dgm:spPr/>
+    </dgm:pt>
+    <dgm:pt modelId="{8D51D942-1FC7-844D-B84D-65C582740A41}" type="pres">
+      <dgm:prSet presAssocID="{15A51150-7C8D-5A45-92EA-1BE763DA3816}" presName="rootText" presStyleLbl="node3" presStyleIdx="8" presStyleCnt="10" custScaleX="186961" custScaleY="178092">
+        <dgm:presLayoutVars>
+          <dgm:chPref val="3"/>
+        </dgm:presLayoutVars>
+      </dgm:prSet>
+      <dgm:spPr/>
+      <dgm:t>
+        <a:bodyPr/>
+        <a:lstStyle/>
+        <a:p>
+          <a:endParaRPr lang="zh-TW" altLang="en-US"/>
+        </a:p>
+      </dgm:t>
+    </dgm:pt>
+    <dgm:pt modelId="{CB73A1FB-2C1C-E049-817B-6B261E95C040}" type="pres">
+      <dgm:prSet presAssocID="{15A51150-7C8D-5A45-92EA-1BE763DA3816}" presName="rootConnector" presStyleLbl="node3" presStyleIdx="8" presStyleCnt="10"/>
+      <dgm:spPr/>
+    </dgm:pt>
+    <dgm:pt modelId="{3CEA4AF7-5F37-F94E-98F1-191A339405CD}" type="pres">
+      <dgm:prSet presAssocID="{15A51150-7C8D-5A45-92EA-1BE763DA3816}" presName="hierChild4" presStyleCnt="0"/>
+      <dgm:spPr/>
+    </dgm:pt>
+    <dgm:pt modelId="{4386B3D5-BFB7-3144-A81B-4995A444CF64}" type="pres">
+      <dgm:prSet presAssocID="{15A51150-7C8D-5A45-92EA-1BE763DA3816}" presName="hierChild5" presStyleCnt="0"/>
+      <dgm:spPr/>
+    </dgm:pt>
+    <dgm:pt modelId="{224E8816-6256-C140-A594-5EDC6F7D9205}" type="pres">
+      <dgm:prSet presAssocID="{EFF1FE7A-6453-E549-8D31-817CCE92F438}" presName="Name37" presStyleLbl="parChTrans1D3" presStyleIdx="9" presStyleCnt="10"/>
+      <dgm:spPr/>
+    </dgm:pt>
+    <dgm:pt modelId="{F41DF1B8-7A7D-804B-9CDE-AA6003094152}" type="pres">
+      <dgm:prSet presAssocID="{6E9A03B4-4691-2E41-8E80-9367ABE3784F}" presName="hierRoot2" presStyleCnt="0">
+        <dgm:presLayoutVars>
+          <dgm:hierBranch val="init"/>
+        </dgm:presLayoutVars>
+      </dgm:prSet>
+      <dgm:spPr/>
+    </dgm:pt>
+    <dgm:pt modelId="{AA015B0E-1425-0F4B-A80A-67A9AFBB036E}" type="pres">
+      <dgm:prSet presAssocID="{6E9A03B4-4691-2E41-8E80-9367ABE3784F}" presName="rootComposite" presStyleCnt="0"/>
+      <dgm:spPr/>
+    </dgm:pt>
+    <dgm:pt modelId="{D940CB2F-046D-6D4F-B11D-1ECC8DE0037B}" type="pres">
+      <dgm:prSet presAssocID="{6E9A03B4-4691-2E41-8E80-9367ABE3784F}" presName="rootText" presStyleLbl="node3" presStyleIdx="9" presStyleCnt="10" custScaleX="186961" custScaleY="178092">
+        <dgm:presLayoutVars>
+          <dgm:chPref val="3"/>
+        </dgm:presLayoutVars>
+      </dgm:prSet>
+      <dgm:spPr/>
+      <dgm:t>
+        <a:bodyPr/>
+        <a:lstStyle/>
+        <a:p>
+          <a:endParaRPr lang="zh-TW" altLang="en-US"/>
+        </a:p>
+      </dgm:t>
+    </dgm:pt>
+    <dgm:pt modelId="{F8CB3562-7EDB-874D-BCB1-1E7D9603361C}" type="pres">
+      <dgm:prSet presAssocID="{6E9A03B4-4691-2E41-8E80-9367ABE3784F}" presName="rootConnector" presStyleLbl="node3" presStyleIdx="9" presStyleCnt="10"/>
+      <dgm:spPr/>
+    </dgm:pt>
+    <dgm:pt modelId="{56CFB123-A926-C149-9EAB-AD5E64A44157}" type="pres">
+      <dgm:prSet presAssocID="{6E9A03B4-4691-2E41-8E80-9367ABE3784F}" presName="hierChild4" presStyleCnt="0"/>
+      <dgm:spPr/>
+    </dgm:pt>
+    <dgm:pt modelId="{DDC1CD76-439D-0149-9F2E-1B3F41339DA1}" type="pres">
+      <dgm:prSet presAssocID="{6E9A03B4-4691-2E41-8E80-9367ABE3784F}" presName="hierChild5" presStyleCnt="0"/>
+      <dgm:spPr/>
+    </dgm:pt>
+    <dgm:pt modelId="{B14CBFFB-C3D5-EF49-9AB0-DE028C966AC2}" type="pres">
+      <dgm:prSet presAssocID="{B0998C9D-19FD-2E41-B613-C6DA5B4CFD05}" presName="hierChild5" presStyleCnt="0"/>
+      <dgm:spPr/>
+    </dgm:pt>
+    <dgm:pt modelId="{44E431C0-2FBE-5043-84E1-744460FDEA9C}" type="pres">
+      <dgm:prSet presAssocID="{9155790E-252D-8145-B73F-6987A74C6FCE}" presName="hierChild3" presStyleCnt="0"/>
+      <dgm:spPr/>
+    </dgm:pt>
+  </dgm:ptLst>
+  <dgm:cxnLst>
+    <dgm:cxn modelId="{ACF6E10D-480C-F049-93BE-A97057C400F1}" srcId="{B0998C9D-19FD-2E41-B613-C6DA5B4CFD05}" destId="{7E5E83A5-B20B-174A-A366-B98201318D29}" srcOrd="1" destOrd="0" parTransId="{A688EB8E-A979-5541-9B5A-217FD60E88E7}" sibTransId="{8BBCC2ED-EF11-F64E-8802-F8CFCEA87002}"/>
+    <dgm:cxn modelId="{ABB76D9D-F094-DB41-94A2-3CA4151912FA}" type="presOf" srcId="{3899A6A8-CC33-C646-8D9C-4BA6D815C79E}" destId="{12A3EEB5-A1C4-3E49-84AA-59EA23AE1C4A}" srcOrd="0" destOrd="0" presId="urn:microsoft.com/office/officeart/2005/8/layout/orgChart1"/>
+    <dgm:cxn modelId="{F83F4A87-A917-9F4B-AD26-2C58FA859DE5}" srcId="{CF46A2D2-3E2B-DD44-A503-B46BB8A9BCA8}" destId="{53C6962A-BD0B-0E4E-86E1-BEFF7D397AD6}" srcOrd="1" destOrd="0" parTransId="{2997E24D-C0F5-1C44-AA19-FDCF670AD66B}" sibTransId="{9BDC6B57-5850-5C46-8D6E-1A9569670603}"/>
+    <dgm:cxn modelId="{30C64862-2EDD-5040-A658-DB6D2D6B9D96}" type="presOf" srcId="{53C6962A-BD0B-0E4E-86E1-BEFF7D397AD6}" destId="{3B4A848F-F866-B544-A2EA-510018393C93}" srcOrd="1" destOrd="0" presId="urn:microsoft.com/office/officeart/2005/8/layout/orgChart1"/>
+    <dgm:cxn modelId="{CD1CE832-91D7-8640-A59D-7DDD3EB836DC}" type="presOf" srcId="{3AF3F861-9A44-8642-B454-6601D15FFD56}" destId="{51840DED-92B3-E14D-AABC-3D5600515E41}" srcOrd="0" destOrd="0" presId="urn:microsoft.com/office/officeart/2005/8/layout/orgChart1"/>
+    <dgm:cxn modelId="{3732CCAA-FC89-8041-9E45-68546E4D0451}" type="presOf" srcId="{9414912D-272A-604D-8062-8E011A22AFAD}" destId="{1D8CE2B4-B8B7-5F48-8612-982B90B50C34}" srcOrd="0" destOrd="0" presId="urn:microsoft.com/office/officeart/2005/8/layout/orgChart1"/>
+    <dgm:cxn modelId="{4E7C9A8D-6B5C-344A-A29C-16131AF5DF6E}" type="presOf" srcId="{E473C8D6-CFCC-9B4A-8FE0-AD13655883D3}" destId="{A1EEF08B-8D95-6247-B459-33D588285B56}" srcOrd="0" destOrd="0" presId="urn:microsoft.com/office/officeart/2005/8/layout/orgChart1"/>
+    <dgm:cxn modelId="{5BF3DA78-17C6-214D-9886-5A551519FE1D}" type="presOf" srcId="{EFF1FE7A-6453-E549-8D31-817CCE92F438}" destId="{224E8816-6256-C140-A594-5EDC6F7D9205}" srcOrd="0" destOrd="0" presId="urn:microsoft.com/office/officeart/2005/8/layout/orgChart1"/>
+    <dgm:cxn modelId="{A0DF7CE8-2FB5-2D4C-A420-0023F67BF235}" type="presOf" srcId="{43579297-912A-3A43-928E-2923D9D033D7}" destId="{303D13D7-6426-2B4B-A603-9A358A4B457A}" srcOrd="0" destOrd="0" presId="urn:microsoft.com/office/officeart/2005/8/layout/orgChart1"/>
+    <dgm:cxn modelId="{DE34BA46-CA21-1842-A980-18455F27B563}" type="presOf" srcId="{D36D7F1C-3B2D-C14C-A72F-21F723585AF7}" destId="{88D10869-A3D3-3D4B-BA18-87F9D90EF652}" srcOrd="1" destOrd="0" presId="urn:microsoft.com/office/officeart/2005/8/layout/orgChart1"/>
+    <dgm:cxn modelId="{5261FEC3-6F5A-6C43-9477-9E85246118A4}" type="presOf" srcId="{F7EA5F9C-7E24-B346-B2B0-5DDC384FEAB9}" destId="{A28A84E7-4DA6-8D44-992B-9F2F9A2386D0}" srcOrd="0" destOrd="0" presId="urn:microsoft.com/office/officeart/2005/8/layout/orgChart1"/>
+    <dgm:cxn modelId="{9624EEFB-123E-1542-817E-A0D05D4C9428}" srcId="{9155790E-252D-8145-B73F-6987A74C6FCE}" destId="{CF46A2D2-3E2B-DD44-A503-B46BB8A9BCA8}" srcOrd="1" destOrd="0" parTransId="{B716891C-8CD3-8D42-A1C9-0D90990C5091}" sibTransId="{92417361-55CE-EC4C-9EFF-DBAF4D664779}"/>
+    <dgm:cxn modelId="{89F91E55-2F19-C944-96E4-C927EF67C309}" srcId="{CF46A2D2-3E2B-DD44-A503-B46BB8A9BCA8}" destId="{F7EA5F9C-7E24-B346-B2B0-5DDC384FEAB9}" srcOrd="0" destOrd="0" parTransId="{DA22223E-9BFA-8141-8837-C7EFCA9AF673}" sibTransId="{9673EF72-8387-C048-B5DF-ADBBE8D15DE9}"/>
+    <dgm:cxn modelId="{B8B5F8E6-12E0-AA40-97B0-BDF6E40E02DE}" type="presOf" srcId="{CF46A2D2-3E2B-DD44-A503-B46BB8A9BCA8}" destId="{C4A22549-DDCA-3B44-AAF3-299C8F85CD97}" srcOrd="0" destOrd="0" presId="urn:microsoft.com/office/officeart/2005/8/layout/orgChart1"/>
+    <dgm:cxn modelId="{1277851E-7605-CE4F-87EB-A952A76AD276}" type="presOf" srcId="{7E5E83A5-B20B-174A-A366-B98201318D29}" destId="{500D0340-096F-4E41-AB90-7D1836639CE0}" srcOrd="0" destOrd="0" presId="urn:microsoft.com/office/officeart/2005/8/layout/orgChart1"/>
+    <dgm:cxn modelId="{FFB43709-1982-1F43-ABF6-0A76B82D4B36}" srcId="{B0998C9D-19FD-2E41-B613-C6DA5B4CFD05}" destId="{D36D7F1C-3B2D-C14C-A72F-21F723585AF7}" srcOrd="0" destOrd="0" parTransId="{6F1CA094-BAAC-B040-B57B-A8043D01CCC7}" sibTransId="{960E378C-E14F-2442-ADBD-D62452F0A363}"/>
+    <dgm:cxn modelId="{FFA444BA-DF63-6E48-AC7E-5CB05EB73F6F}" type="presOf" srcId="{B716891C-8CD3-8D42-A1C9-0D90990C5091}" destId="{41CCA805-0977-C541-9EE2-60527EA67EC6}" srcOrd="0" destOrd="0" presId="urn:microsoft.com/office/officeart/2005/8/layout/orgChart1"/>
+    <dgm:cxn modelId="{F1BA134A-839E-8F43-89EE-ABEC3F8D4AFF}" type="presOf" srcId="{B0998C9D-19FD-2E41-B613-C6DA5B4CFD05}" destId="{52B14447-72C2-DE46-A1D2-8B4A5186DCAE}" srcOrd="1" destOrd="0" presId="urn:microsoft.com/office/officeart/2005/8/layout/orgChart1"/>
+    <dgm:cxn modelId="{5EA1EBA2-3000-4D4D-8657-34E91AE5AA66}" type="presOf" srcId="{9155790E-252D-8145-B73F-6987A74C6FCE}" destId="{122A5CF2-A4F5-6443-8121-5EA4ADA58FE2}" srcOrd="0" destOrd="0" presId="urn:microsoft.com/office/officeart/2005/8/layout/orgChart1"/>
+    <dgm:cxn modelId="{FFC0FF81-64CC-B54B-B6D3-682181B96D01}" srcId="{991BC2BD-9ABD-1C49-9E08-FD67DCB9113B}" destId="{9155790E-252D-8145-B73F-6987A74C6FCE}" srcOrd="0" destOrd="0" parTransId="{74D241B8-5B2B-D147-A3BA-9A6844D06AF6}" sibTransId="{C9AB40F0-D319-0F4F-B449-0E7970435EED}"/>
+    <dgm:cxn modelId="{D63E95C6-CE6D-DC4A-8EC9-106071023CAB}" type="presOf" srcId="{B6DAA9B2-E511-A043-82FA-F5D53E69E39F}" destId="{68A3C04C-C9E1-C441-B047-43EE33EF7CD6}" srcOrd="1" destOrd="0" presId="urn:microsoft.com/office/officeart/2005/8/layout/orgChart1"/>
+    <dgm:cxn modelId="{553F284C-D36E-464B-BD8B-5B7DEA5FEAE3}" type="presOf" srcId="{7FDD6A65-204D-8F4C-B1B1-813120FDD0F9}" destId="{FA7CABF5-6D8F-BD44-840F-F3253CDEC571}" srcOrd="0" destOrd="0" presId="urn:microsoft.com/office/officeart/2005/8/layout/orgChart1"/>
+    <dgm:cxn modelId="{E5C34EA2-563D-6D43-9E4D-F74F20E8109F}" type="presOf" srcId="{E473C8D6-CFCC-9B4A-8FE0-AD13655883D3}" destId="{4F39EFE5-74C3-754B-A131-C7EF09C42F4D}" srcOrd="1" destOrd="0" presId="urn:microsoft.com/office/officeart/2005/8/layout/orgChart1"/>
+    <dgm:cxn modelId="{51FBA8F4-9976-D647-87FA-0571CA246252}" srcId="{CF46A2D2-3E2B-DD44-A503-B46BB8A9BCA8}" destId="{E473C8D6-CFCC-9B4A-8FE0-AD13655883D3}" srcOrd="2" destOrd="0" parTransId="{7566F7F4-50AD-9C41-A34F-EDAE19CB3CF5}" sibTransId="{5B0647E7-286C-7942-B9CB-9DA8815F8B26}"/>
+    <dgm:cxn modelId="{666310AB-5556-4449-99F2-38B6E7EA73D3}" srcId="{CF46A2D2-3E2B-DD44-A503-B46BB8A9BCA8}" destId="{681BDDB1-BD73-CF4A-8D98-BFF7B8548DAB}" srcOrd="3" destOrd="0" parTransId="{D99BF36E-1FFA-E14F-A8F2-B5D0A19F6F66}" sibTransId="{23D67998-536F-1A43-8363-7E1D2E2F6D7E}"/>
+    <dgm:cxn modelId="{E005AD54-37B3-8E44-A885-3AFF47BB9DE4}" type="presOf" srcId="{B0998C9D-19FD-2E41-B613-C6DA5B4CFD05}" destId="{3A202DDB-EA5C-6F46-98E5-6C93032738A2}" srcOrd="0" destOrd="0" presId="urn:microsoft.com/office/officeart/2005/8/layout/orgChart1"/>
+    <dgm:cxn modelId="{7AF8A866-5C89-D849-8FB1-CAB230A789E5}" type="presOf" srcId="{D99BF36E-1FFA-E14F-A8F2-B5D0A19F6F66}" destId="{EDAAD9D9-F2CA-154D-AEBA-E577EAC4C638}" srcOrd="0" destOrd="0" presId="urn:microsoft.com/office/officeart/2005/8/layout/orgChart1"/>
+    <dgm:cxn modelId="{6D9C164F-5CDE-DD47-9B31-8A4877231320}" srcId="{B0998C9D-19FD-2E41-B613-C6DA5B4CFD05}" destId="{6E9A03B4-4691-2E41-8E80-9367ABE3784F}" srcOrd="3" destOrd="0" parTransId="{EFF1FE7A-6453-E549-8D31-817CCE92F438}" sibTransId="{21A62A44-BAD8-B149-9CF2-703B2F9DB761}"/>
+    <dgm:cxn modelId="{63915284-80E6-264D-AAF5-F0DBA8FE3D5B}" type="presOf" srcId="{CF46A2D2-3E2B-DD44-A503-B46BB8A9BCA8}" destId="{01E2D6F2-BC55-EE4C-8803-B49E4967910F}" srcOrd="1" destOrd="0" presId="urn:microsoft.com/office/officeart/2005/8/layout/orgChart1"/>
+    <dgm:cxn modelId="{D845FBFA-A23D-8046-AADB-45A6DB06E0B3}" type="presOf" srcId="{6E9A03B4-4691-2E41-8E80-9367ABE3784F}" destId="{D940CB2F-046D-6D4F-B11D-1ECC8DE0037B}" srcOrd="0" destOrd="0" presId="urn:microsoft.com/office/officeart/2005/8/layout/orgChart1"/>
+    <dgm:cxn modelId="{B9BC44DD-3182-F047-9D2C-D3D5481791A0}" type="presOf" srcId="{DA22223E-9BFA-8141-8837-C7EFCA9AF673}" destId="{C0DD80F2-DE47-9C4D-A839-B88B1B8ADE7C}" srcOrd="0" destOrd="0" presId="urn:microsoft.com/office/officeart/2005/8/layout/orgChart1"/>
+    <dgm:cxn modelId="{6A45EA49-D6E4-F843-9A02-E7C8AABD1D3B}" type="presOf" srcId="{F7EA5F9C-7E24-B346-B2B0-5DDC384FEAB9}" destId="{716695E7-83C2-C94F-A736-82B1562D2F13}" srcOrd="1" destOrd="0" presId="urn:microsoft.com/office/officeart/2005/8/layout/orgChart1"/>
+    <dgm:cxn modelId="{9FFE730C-A52F-9A4B-84EF-90F03377E1FE}" type="presOf" srcId="{342241FF-A368-C74A-92F1-20C6735DA5C3}" destId="{5B6674E2-53CE-5C48-B0CD-CC245DE4ECA8}" srcOrd="0" destOrd="0" presId="urn:microsoft.com/office/officeart/2005/8/layout/orgChart1"/>
+    <dgm:cxn modelId="{AFF9586A-8D48-8543-A563-60AC9F8639BD}" srcId="{9414912D-272A-604D-8062-8E011A22AFAD}" destId="{B6DAA9B2-E511-A043-82FA-F5D53E69E39F}" srcOrd="0" destOrd="0" parTransId="{3AF3F861-9A44-8642-B454-6601D15FFD56}" sibTransId="{40069117-5F2E-D04E-85A0-07B899038D8D}"/>
+    <dgm:cxn modelId="{986CA762-40EC-E54A-AD37-3469B7C9E45D}" type="presOf" srcId="{7566F7F4-50AD-9C41-A34F-EDAE19CB3CF5}" destId="{7545517E-8F6B-3143-8F78-C2B4BCE552F6}" srcOrd="0" destOrd="0" presId="urn:microsoft.com/office/officeart/2005/8/layout/orgChart1"/>
+    <dgm:cxn modelId="{99D47435-157D-D341-B19F-A821EC5432DA}" type="presOf" srcId="{681BDDB1-BD73-CF4A-8D98-BFF7B8548DAB}" destId="{AEF14C1F-9B21-E04D-8399-841978DD0F05}" srcOrd="1" destOrd="0" presId="urn:microsoft.com/office/officeart/2005/8/layout/orgChart1"/>
+    <dgm:cxn modelId="{F6D4386F-6BA4-B64A-8886-334D2835ADB9}" type="presOf" srcId="{9155790E-252D-8145-B73F-6987A74C6FCE}" destId="{114BE08D-759C-4249-B7F3-C7D65DDD4A00}" srcOrd="1" destOrd="0" presId="urn:microsoft.com/office/officeart/2005/8/layout/orgChart1"/>
+    <dgm:cxn modelId="{331CE34B-E547-8140-8B76-B6FFE993C4C8}" type="presOf" srcId="{B6DAA9B2-E511-A043-82FA-F5D53E69E39F}" destId="{F81C873D-4CD7-774A-B038-24F586CC662B}" srcOrd="0" destOrd="0" presId="urn:microsoft.com/office/officeart/2005/8/layout/orgChart1"/>
+    <dgm:cxn modelId="{4304664D-E794-1F48-98DD-41A07111AF1F}" type="presOf" srcId="{D36D7F1C-3B2D-C14C-A72F-21F723585AF7}" destId="{82F8EB75-C97B-E947-A4DE-44A61B16DAA5}" srcOrd="0" destOrd="0" presId="urn:microsoft.com/office/officeart/2005/8/layout/orgChart1"/>
+    <dgm:cxn modelId="{9BA644F7-BCCF-2F4E-80F6-00AF7F00C125}" type="presOf" srcId="{2997E24D-C0F5-1C44-AA19-FDCF670AD66B}" destId="{44B270F3-D79D-A149-8356-FAEDC4FFB1CC}" srcOrd="0" destOrd="0" presId="urn:microsoft.com/office/officeart/2005/8/layout/orgChart1"/>
+    <dgm:cxn modelId="{053DC461-A7BC-BD49-A9AC-94DBDAC5417A}" type="presOf" srcId="{15A51150-7C8D-5A45-92EA-1BE763DA3816}" destId="{CB73A1FB-2C1C-E049-817B-6B261E95C040}" srcOrd="1" destOrd="0" presId="urn:microsoft.com/office/officeart/2005/8/layout/orgChart1"/>
+    <dgm:cxn modelId="{8CB5AD2F-6022-3249-8E6E-527F6E3678AE}" type="presOf" srcId="{681BDDB1-BD73-CF4A-8D98-BFF7B8548DAB}" destId="{592828BF-8F81-4C4D-831D-CE4398AF4045}" srcOrd="0" destOrd="0" presId="urn:microsoft.com/office/officeart/2005/8/layout/orgChart1"/>
+    <dgm:cxn modelId="{097A3C85-0310-7740-9547-C15BB1FF19AB}" srcId="{9155790E-252D-8145-B73F-6987A74C6FCE}" destId="{B0998C9D-19FD-2E41-B613-C6DA5B4CFD05}" srcOrd="2" destOrd="0" parTransId="{3899A6A8-CC33-C646-8D9C-4BA6D815C79E}" sibTransId="{B23BC566-6BEB-6241-A81B-AC50F9CE3D84}"/>
+    <dgm:cxn modelId="{E385F4F7-546E-8C4A-BBC8-A292CD17D38C}" type="presOf" srcId="{A688EB8E-A979-5541-9B5A-217FD60E88E7}" destId="{7EBDF759-2C6E-2A41-89FD-15651DFFFD2F}" srcOrd="0" destOrd="0" presId="urn:microsoft.com/office/officeart/2005/8/layout/orgChart1"/>
+    <dgm:cxn modelId="{2E9E1185-88EB-C044-BEC8-A2952478F787}" type="presOf" srcId="{6F1CA094-BAAC-B040-B57B-A8043D01CCC7}" destId="{43E31F1E-D296-4A4B-AA65-486AF336F449}" srcOrd="0" destOrd="0" presId="urn:microsoft.com/office/officeart/2005/8/layout/orgChart1"/>
+    <dgm:cxn modelId="{67E14A12-1339-F945-9983-0D5A73763246}" type="presOf" srcId="{9414912D-272A-604D-8062-8E011A22AFAD}" destId="{C16F1FAC-F9E6-1E48-9D52-FC853D1543A9}" srcOrd="1" destOrd="0" presId="urn:microsoft.com/office/officeart/2005/8/layout/orgChart1"/>
+    <dgm:cxn modelId="{2BD5B240-07E2-2F4B-8662-C3F1F3D9BB9D}" type="presOf" srcId="{6E9A03B4-4691-2E41-8E80-9367ABE3784F}" destId="{F8CB3562-7EDB-874D-BCB1-1E7D9603361C}" srcOrd="1" destOrd="0" presId="urn:microsoft.com/office/officeart/2005/8/layout/orgChart1"/>
+    <dgm:cxn modelId="{FB3CB481-A6AA-104D-8DE6-A2F48C6C0EF6}" type="presOf" srcId="{4BB69F2C-051F-1843-B24A-F497B6117A37}" destId="{0DABA691-84B5-7442-975A-17C2CBC0D58A}" srcOrd="0" destOrd="0" presId="urn:microsoft.com/office/officeart/2005/8/layout/orgChart1"/>
+    <dgm:cxn modelId="{ADE598ED-79D7-EA4D-83BD-1EDB0A515B6A}" type="presOf" srcId="{991BC2BD-9ABD-1C49-9E08-FD67DCB9113B}" destId="{5B6FCDC6-C054-AD41-AA4E-473721C05DB2}" srcOrd="0" destOrd="0" presId="urn:microsoft.com/office/officeart/2005/8/layout/orgChart1"/>
+    <dgm:cxn modelId="{711DDDFF-2CDD-A444-AC67-40A0B0E122D8}" type="presOf" srcId="{342241FF-A368-C74A-92F1-20C6735DA5C3}" destId="{2E160051-DAFA-0B4F-A03C-D543C9816295}" srcOrd="1" destOrd="0" presId="urn:microsoft.com/office/officeart/2005/8/layout/orgChart1"/>
+    <dgm:cxn modelId="{7B48474F-1B11-7242-9A66-44AE382C448E}" srcId="{B0998C9D-19FD-2E41-B613-C6DA5B4CFD05}" destId="{15A51150-7C8D-5A45-92EA-1BE763DA3816}" srcOrd="2" destOrd="0" parTransId="{7FDD6A65-204D-8F4C-B1B1-813120FDD0F9}" sibTransId="{B0E527EA-E1A4-8B4D-B749-6C9BBC23E97D}"/>
+    <dgm:cxn modelId="{A0242358-C61A-184A-9716-D361D8369955}" type="presOf" srcId="{53C6962A-BD0B-0E4E-86E1-BEFF7D397AD6}" destId="{B5885C74-350F-E249-9B24-9E7B47AD4124}" srcOrd="0" destOrd="0" presId="urn:microsoft.com/office/officeart/2005/8/layout/orgChart1"/>
+    <dgm:cxn modelId="{57F4AAE2-7926-3F43-8A17-10437469B4A2}" srcId="{9414912D-272A-604D-8062-8E011A22AFAD}" destId="{342241FF-A368-C74A-92F1-20C6735DA5C3}" srcOrd="1" destOrd="0" parTransId="{4BB69F2C-051F-1843-B24A-F497B6117A37}" sibTransId="{0B7A5198-AD34-9844-B08F-60AD0E0953AE}"/>
+    <dgm:cxn modelId="{495A7B6C-9D56-C94C-8500-8CAA9B4A4DC2}" type="presOf" srcId="{7E5E83A5-B20B-174A-A366-B98201318D29}" destId="{6A0579B0-69F2-684E-AA38-F93B9A692DA4}" srcOrd="1" destOrd="0" presId="urn:microsoft.com/office/officeart/2005/8/layout/orgChart1"/>
+    <dgm:cxn modelId="{B8CF4113-4F70-5548-B3F9-18E1840C1A4A}" srcId="{9155790E-252D-8145-B73F-6987A74C6FCE}" destId="{9414912D-272A-604D-8062-8E011A22AFAD}" srcOrd="0" destOrd="0" parTransId="{43579297-912A-3A43-928E-2923D9D033D7}" sibTransId="{1D9DC340-D0C8-FB4F-A16F-D55B6F970407}"/>
+    <dgm:cxn modelId="{0323C827-59ED-CF43-8C68-A86729E61789}" type="presOf" srcId="{15A51150-7C8D-5A45-92EA-1BE763DA3816}" destId="{8D51D942-1FC7-844D-B84D-65C582740A41}" srcOrd="0" destOrd="0" presId="urn:microsoft.com/office/officeart/2005/8/layout/orgChart1"/>
+    <dgm:cxn modelId="{29EA6865-8806-9D4F-AAC7-26AABD5F1CE7}" type="presParOf" srcId="{5B6FCDC6-C054-AD41-AA4E-473721C05DB2}" destId="{A68F9215-AC01-5541-8996-30E252F5ED3E}" srcOrd="0" destOrd="0" presId="urn:microsoft.com/office/officeart/2005/8/layout/orgChart1"/>
+    <dgm:cxn modelId="{361F6F41-216E-0740-8F14-B6E5B863AAE6}" type="presParOf" srcId="{A68F9215-AC01-5541-8996-30E252F5ED3E}" destId="{F3884C1C-4F41-5A4A-8929-67B042A36F2C}" srcOrd="0" destOrd="0" presId="urn:microsoft.com/office/officeart/2005/8/layout/orgChart1"/>
+    <dgm:cxn modelId="{ECC3E2E6-2530-594C-8E7A-8D199CCD7699}" type="presParOf" srcId="{F3884C1C-4F41-5A4A-8929-67B042A36F2C}" destId="{122A5CF2-A4F5-6443-8121-5EA4ADA58FE2}" srcOrd="0" destOrd="0" presId="urn:microsoft.com/office/officeart/2005/8/layout/orgChart1"/>
+    <dgm:cxn modelId="{532C8C0A-6C80-334B-8F44-3787C4D82B97}" type="presParOf" srcId="{F3884C1C-4F41-5A4A-8929-67B042A36F2C}" destId="{114BE08D-759C-4249-B7F3-C7D65DDD4A00}" srcOrd="1" destOrd="0" presId="urn:microsoft.com/office/officeart/2005/8/layout/orgChart1"/>
+    <dgm:cxn modelId="{CF567911-85C5-E04C-9201-EE3F88B6750E}" type="presParOf" srcId="{A68F9215-AC01-5541-8996-30E252F5ED3E}" destId="{7646E109-D684-7F44-BF38-B5E8FABB9274}" srcOrd="1" destOrd="0" presId="urn:microsoft.com/office/officeart/2005/8/layout/orgChart1"/>
+    <dgm:cxn modelId="{F16EF9ED-34B0-624D-BC4A-001CD3305A5E}" type="presParOf" srcId="{7646E109-D684-7F44-BF38-B5E8FABB9274}" destId="{303D13D7-6426-2B4B-A603-9A358A4B457A}" srcOrd="0" destOrd="0" presId="urn:microsoft.com/office/officeart/2005/8/layout/orgChart1"/>
+    <dgm:cxn modelId="{8A1C9C77-73C2-E242-8D3B-6B27283BFD3E}" type="presParOf" srcId="{7646E109-D684-7F44-BF38-B5E8FABB9274}" destId="{40654E01-4471-694F-A85D-84ECF493707A}" srcOrd="1" destOrd="0" presId="urn:microsoft.com/office/officeart/2005/8/layout/orgChart1"/>
+    <dgm:cxn modelId="{5A100649-3E21-4746-9F36-742300562CC4}" type="presParOf" srcId="{40654E01-4471-694F-A85D-84ECF493707A}" destId="{2DC1DD98-425F-C943-881C-58046C17E315}" srcOrd="0" destOrd="0" presId="urn:microsoft.com/office/officeart/2005/8/layout/orgChart1"/>
+    <dgm:cxn modelId="{3A4F0042-A016-8841-B47B-272A7F419EA6}" type="presParOf" srcId="{2DC1DD98-425F-C943-881C-58046C17E315}" destId="{1D8CE2B4-B8B7-5F48-8612-982B90B50C34}" srcOrd="0" destOrd="0" presId="urn:microsoft.com/office/officeart/2005/8/layout/orgChart1"/>
+    <dgm:cxn modelId="{E5829761-0A4E-6349-ADE9-64445B19AC20}" type="presParOf" srcId="{2DC1DD98-425F-C943-881C-58046C17E315}" destId="{C16F1FAC-F9E6-1E48-9D52-FC853D1543A9}" srcOrd="1" destOrd="0" presId="urn:microsoft.com/office/officeart/2005/8/layout/orgChart1"/>
+    <dgm:cxn modelId="{DFC2BCEF-CC82-D047-9875-63291AE39605}" type="presParOf" srcId="{40654E01-4471-694F-A85D-84ECF493707A}" destId="{6CF46065-1473-584D-8AE4-9F13EF0BD327}" srcOrd="1" destOrd="0" presId="urn:microsoft.com/office/officeart/2005/8/layout/orgChart1"/>
+    <dgm:cxn modelId="{F3127CA3-CC8A-6349-9DB4-958EA7186B78}" type="presParOf" srcId="{6CF46065-1473-584D-8AE4-9F13EF0BD327}" destId="{51840DED-92B3-E14D-AABC-3D5600515E41}" srcOrd="0" destOrd="0" presId="urn:microsoft.com/office/officeart/2005/8/layout/orgChart1"/>
+    <dgm:cxn modelId="{25B35411-FF61-2C46-BC93-F21B8C412DA9}" type="presParOf" srcId="{6CF46065-1473-584D-8AE4-9F13EF0BD327}" destId="{ED1ACB39-192C-6A4C-A356-5C955B4821A0}" srcOrd="1" destOrd="0" presId="urn:microsoft.com/office/officeart/2005/8/layout/orgChart1"/>
+    <dgm:cxn modelId="{4F3B913C-C36C-264B-913E-D5E83E5EC86B}" type="presParOf" srcId="{ED1ACB39-192C-6A4C-A356-5C955B4821A0}" destId="{69122829-D6FF-A24A-909A-ADDAB9CD4496}" srcOrd="0" destOrd="0" presId="urn:microsoft.com/office/officeart/2005/8/layout/orgChart1"/>
+    <dgm:cxn modelId="{0E6958E6-508B-0244-A094-D072A340EDC4}" type="presParOf" srcId="{69122829-D6FF-A24A-909A-ADDAB9CD4496}" destId="{F81C873D-4CD7-774A-B038-24F586CC662B}" srcOrd="0" destOrd="0" presId="urn:microsoft.com/office/officeart/2005/8/layout/orgChart1"/>
+    <dgm:cxn modelId="{E49375E8-E3AD-B04B-B280-24174F36230F}" type="presParOf" srcId="{69122829-D6FF-A24A-909A-ADDAB9CD4496}" destId="{68A3C04C-C9E1-C441-B047-43EE33EF7CD6}" srcOrd="1" destOrd="0" presId="urn:microsoft.com/office/officeart/2005/8/layout/orgChart1"/>
+    <dgm:cxn modelId="{961DEBC9-E5CA-1344-AC9D-87D71C0903A1}" type="presParOf" srcId="{ED1ACB39-192C-6A4C-A356-5C955B4821A0}" destId="{FEA0730A-26C2-1A48-89E4-6B770A8A8FC8}" srcOrd="1" destOrd="0" presId="urn:microsoft.com/office/officeart/2005/8/layout/orgChart1"/>
+    <dgm:cxn modelId="{2E28FE6C-B27F-FE46-9546-72369ED8E3E4}" type="presParOf" srcId="{ED1ACB39-192C-6A4C-A356-5C955B4821A0}" destId="{BCE36C61-BB43-D04E-B890-40C85303B7CA}" srcOrd="2" destOrd="0" presId="urn:microsoft.com/office/officeart/2005/8/layout/orgChart1"/>
+    <dgm:cxn modelId="{E0125757-8C2D-CB4C-8EDF-68645AA6746E}" type="presParOf" srcId="{6CF46065-1473-584D-8AE4-9F13EF0BD327}" destId="{0DABA691-84B5-7442-975A-17C2CBC0D58A}" srcOrd="2" destOrd="0" presId="urn:microsoft.com/office/officeart/2005/8/layout/orgChart1"/>
+    <dgm:cxn modelId="{8558EE27-A5BF-E444-88A0-624F12A9E519}" type="presParOf" srcId="{6CF46065-1473-584D-8AE4-9F13EF0BD327}" destId="{4A892219-F158-6843-B7E4-AB49174B061B}" srcOrd="3" destOrd="0" presId="urn:microsoft.com/office/officeart/2005/8/layout/orgChart1"/>
+    <dgm:cxn modelId="{91186AAF-EC4F-1B4B-AF67-A563603BE642}" type="presParOf" srcId="{4A892219-F158-6843-B7E4-AB49174B061B}" destId="{51E13341-B381-054E-A192-67368881BC30}" srcOrd="0" destOrd="0" presId="urn:microsoft.com/office/officeart/2005/8/layout/orgChart1"/>
+    <dgm:cxn modelId="{0BFD11B4-2168-424B-813E-3137649C81D6}" type="presParOf" srcId="{51E13341-B381-054E-A192-67368881BC30}" destId="{5B6674E2-53CE-5C48-B0CD-CC245DE4ECA8}" srcOrd="0" destOrd="0" presId="urn:microsoft.com/office/officeart/2005/8/layout/orgChart1"/>
+    <dgm:cxn modelId="{9F7ED48E-06ED-3645-9469-87F3B375915E}" type="presParOf" srcId="{51E13341-B381-054E-A192-67368881BC30}" destId="{2E160051-DAFA-0B4F-A03C-D543C9816295}" srcOrd="1" destOrd="0" presId="urn:microsoft.com/office/officeart/2005/8/layout/orgChart1"/>
+    <dgm:cxn modelId="{30A5AA16-98D8-7C4A-B4B5-9DCF4B2277ED}" type="presParOf" srcId="{4A892219-F158-6843-B7E4-AB49174B061B}" destId="{93887669-BA75-F540-BB89-72D4DF44764E}" srcOrd="1" destOrd="0" presId="urn:microsoft.com/office/officeart/2005/8/layout/orgChart1"/>
+    <dgm:cxn modelId="{87B35F5E-86F5-9145-8571-2A88C9FC8C92}" type="presParOf" srcId="{4A892219-F158-6843-B7E4-AB49174B061B}" destId="{4546AEF3-E13C-BE4B-98A2-EEADCFD16705}" srcOrd="2" destOrd="0" presId="urn:microsoft.com/office/officeart/2005/8/layout/orgChart1"/>
+    <dgm:cxn modelId="{CD28962D-6423-0842-AEA5-236B5910B896}" type="presParOf" srcId="{40654E01-4471-694F-A85D-84ECF493707A}" destId="{A362D1AB-5EFC-1947-A356-94E663BB318E}" srcOrd="2" destOrd="0" presId="urn:microsoft.com/office/officeart/2005/8/layout/orgChart1"/>
+    <dgm:cxn modelId="{1C431B48-9009-DB4E-86DD-A21FDD0418CF}" type="presParOf" srcId="{7646E109-D684-7F44-BF38-B5E8FABB9274}" destId="{41CCA805-0977-C541-9EE2-60527EA67EC6}" srcOrd="2" destOrd="0" presId="urn:microsoft.com/office/officeart/2005/8/layout/orgChart1"/>
+    <dgm:cxn modelId="{15A3C2C0-A44D-C941-85B0-9247DE9D650E}" type="presParOf" srcId="{7646E109-D684-7F44-BF38-B5E8FABB9274}" destId="{419ED588-F200-8E4C-A79F-148464302124}" srcOrd="3" destOrd="0" presId="urn:microsoft.com/office/officeart/2005/8/layout/orgChart1"/>
+    <dgm:cxn modelId="{B3AD3D2E-EF7B-474F-BF0E-CF7E2B68FA34}" type="presParOf" srcId="{419ED588-F200-8E4C-A79F-148464302124}" destId="{41C860BB-C8C3-8648-9B57-AC30B9020204}" srcOrd="0" destOrd="0" presId="urn:microsoft.com/office/officeart/2005/8/layout/orgChart1"/>
+    <dgm:cxn modelId="{35C17221-0E03-C849-A6E7-590AA08D24A2}" type="presParOf" srcId="{41C860BB-C8C3-8648-9B57-AC30B9020204}" destId="{C4A22549-DDCA-3B44-AAF3-299C8F85CD97}" srcOrd="0" destOrd="0" presId="urn:microsoft.com/office/officeart/2005/8/layout/orgChart1"/>
+    <dgm:cxn modelId="{FAC0AF7C-48A4-9C42-9E04-2895FE25F343}" type="presParOf" srcId="{41C860BB-C8C3-8648-9B57-AC30B9020204}" destId="{01E2D6F2-BC55-EE4C-8803-B49E4967910F}" srcOrd="1" destOrd="0" presId="urn:microsoft.com/office/officeart/2005/8/layout/orgChart1"/>
+    <dgm:cxn modelId="{13E85300-AC7F-1446-A730-41753911566E}" type="presParOf" srcId="{419ED588-F200-8E4C-A79F-148464302124}" destId="{D67829F7-87EA-7245-9307-E83FCDBD8C04}" srcOrd="1" destOrd="0" presId="urn:microsoft.com/office/officeart/2005/8/layout/orgChart1"/>
+    <dgm:cxn modelId="{0974760F-B272-6443-80EB-A71A51B516E7}" type="presParOf" srcId="{D67829F7-87EA-7245-9307-E83FCDBD8C04}" destId="{C0DD80F2-DE47-9C4D-A839-B88B1B8ADE7C}" srcOrd="0" destOrd="0" presId="urn:microsoft.com/office/officeart/2005/8/layout/orgChart1"/>
+    <dgm:cxn modelId="{7A6E2AF8-3C8F-934C-9A1A-BC453E473DFF}" type="presParOf" srcId="{D67829F7-87EA-7245-9307-E83FCDBD8C04}" destId="{FDA3126A-E544-E64E-BC49-8F2E33DC6DF3}" srcOrd="1" destOrd="0" presId="urn:microsoft.com/office/officeart/2005/8/layout/orgChart1"/>
+    <dgm:cxn modelId="{0E397FDA-A136-1847-B211-EC6052AEE91C}" type="presParOf" srcId="{FDA3126A-E544-E64E-BC49-8F2E33DC6DF3}" destId="{B44CB6A4-1B67-6444-A1C1-CFBB0D979800}" srcOrd="0" destOrd="0" presId="urn:microsoft.com/office/officeart/2005/8/layout/orgChart1"/>
+    <dgm:cxn modelId="{F4DA30B6-F14A-EB4A-9CE7-6276B07C862A}" type="presParOf" srcId="{B44CB6A4-1B67-6444-A1C1-CFBB0D979800}" destId="{A28A84E7-4DA6-8D44-992B-9F2F9A2386D0}" srcOrd="0" destOrd="0" presId="urn:microsoft.com/office/officeart/2005/8/layout/orgChart1"/>
+    <dgm:cxn modelId="{75EB3C61-0263-4748-9FD9-EEF11E36E75E}" type="presParOf" srcId="{B44CB6A4-1B67-6444-A1C1-CFBB0D979800}" destId="{716695E7-83C2-C94F-A736-82B1562D2F13}" srcOrd="1" destOrd="0" presId="urn:microsoft.com/office/officeart/2005/8/layout/orgChart1"/>
+    <dgm:cxn modelId="{D0C6A788-3AC8-0A41-93F7-3CF626D99441}" type="presParOf" srcId="{FDA3126A-E544-E64E-BC49-8F2E33DC6DF3}" destId="{007CBD8B-2636-114E-913B-9C8023D48A3E}" srcOrd="1" destOrd="0" presId="urn:microsoft.com/office/officeart/2005/8/layout/orgChart1"/>
+    <dgm:cxn modelId="{85CC7EEE-5610-EB49-BAEE-1F1A56197C30}" type="presParOf" srcId="{FDA3126A-E544-E64E-BC49-8F2E33DC6DF3}" destId="{B2EA5CF9-AEA8-734D-8DCD-68C412E6B33D}" srcOrd="2" destOrd="0" presId="urn:microsoft.com/office/officeart/2005/8/layout/orgChart1"/>
+    <dgm:cxn modelId="{3D9A0D07-A69C-3E4F-8275-FEB6A6281030}" type="presParOf" srcId="{D67829F7-87EA-7245-9307-E83FCDBD8C04}" destId="{44B270F3-D79D-A149-8356-FAEDC4FFB1CC}" srcOrd="2" destOrd="0" presId="urn:microsoft.com/office/officeart/2005/8/layout/orgChart1"/>
+    <dgm:cxn modelId="{9138224C-BB15-3247-A208-E020F327FAD2}" type="presParOf" srcId="{D67829F7-87EA-7245-9307-E83FCDBD8C04}" destId="{D889090A-6C3E-104A-B0DD-EC3F2F4C113C}" srcOrd="3" destOrd="0" presId="urn:microsoft.com/office/officeart/2005/8/layout/orgChart1"/>
+    <dgm:cxn modelId="{6755E996-BE84-074E-BD5C-7F60DCB0EE81}" type="presParOf" srcId="{D889090A-6C3E-104A-B0DD-EC3F2F4C113C}" destId="{FD4A5F88-CB3A-B243-8B64-F2A85948A4DE}" srcOrd="0" destOrd="0" presId="urn:microsoft.com/office/officeart/2005/8/layout/orgChart1"/>
+    <dgm:cxn modelId="{C360C8A3-E91B-AC4E-8F5A-B8AE2465778F}" type="presParOf" srcId="{FD4A5F88-CB3A-B243-8B64-F2A85948A4DE}" destId="{B5885C74-350F-E249-9B24-9E7B47AD4124}" srcOrd="0" destOrd="0" presId="urn:microsoft.com/office/officeart/2005/8/layout/orgChart1"/>
+    <dgm:cxn modelId="{C6C9D491-36DF-E346-9A7B-CABBA9F73725}" type="presParOf" srcId="{FD4A5F88-CB3A-B243-8B64-F2A85948A4DE}" destId="{3B4A848F-F866-B544-A2EA-510018393C93}" srcOrd="1" destOrd="0" presId="urn:microsoft.com/office/officeart/2005/8/layout/orgChart1"/>
+    <dgm:cxn modelId="{B4126641-78DC-F744-8FE2-6EFB3BFDD09E}" type="presParOf" srcId="{D889090A-6C3E-104A-B0DD-EC3F2F4C113C}" destId="{69EB0D8D-28CF-9F47-A544-EFB08C4ED9E0}" srcOrd="1" destOrd="0" presId="urn:microsoft.com/office/officeart/2005/8/layout/orgChart1"/>
+    <dgm:cxn modelId="{6D9E9BBF-2C36-274F-A288-818BAA28B8FE}" type="presParOf" srcId="{D889090A-6C3E-104A-B0DD-EC3F2F4C113C}" destId="{18499074-882A-8D4B-91E3-024E1906E097}" srcOrd="2" destOrd="0" presId="urn:microsoft.com/office/officeart/2005/8/layout/orgChart1"/>
+    <dgm:cxn modelId="{EC8E3889-E077-8641-B9AF-02E78EC82C9B}" type="presParOf" srcId="{D67829F7-87EA-7245-9307-E83FCDBD8C04}" destId="{7545517E-8F6B-3143-8F78-C2B4BCE552F6}" srcOrd="4" destOrd="0" presId="urn:microsoft.com/office/officeart/2005/8/layout/orgChart1"/>
+    <dgm:cxn modelId="{A106F9E1-8C67-F541-A8A1-EB364E7A0B5A}" type="presParOf" srcId="{D67829F7-87EA-7245-9307-E83FCDBD8C04}" destId="{06C6CE65-9559-FC47-B9E0-8570003DDF36}" srcOrd="5" destOrd="0" presId="urn:microsoft.com/office/officeart/2005/8/layout/orgChart1"/>
+    <dgm:cxn modelId="{BE178BE6-17D7-6E49-83C6-FFC3E9B8F844}" type="presParOf" srcId="{06C6CE65-9559-FC47-B9E0-8570003DDF36}" destId="{ED47AC1E-7801-2D4B-8835-51618CA93BB9}" srcOrd="0" destOrd="0" presId="urn:microsoft.com/office/officeart/2005/8/layout/orgChart1"/>
+    <dgm:cxn modelId="{F5058D03-B2AE-4E45-AAF8-20A431683000}" type="presParOf" srcId="{ED47AC1E-7801-2D4B-8835-51618CA93BB9}" destId="{A1EEF08B-8D95-6247-B459-33D588285B56}" srcOrd="0" destOrd="0" presId="urn:microsoft.com/office/officeart/2005/8/layout/orgChart1"/>
+    <dgm:cxn modelId="{D396CB00-DCA0-AC42-9075-3236196DB918}" type="presParOf" srcId="{ED47AC1E-7801-2D4B-8835-51618CA93BB9}" destId="{4F39EFE5-74C3-754B-A131-C7EF09C42F4D}" srcOrd="1" destOrd="0" presId="urn:microsoft.com/office/officeart/2005/8/layout/orgChart1"/>
+    <dgm:cxn modelId="{D32D5589-2163-E44D-BC7A-CA8861347D2B}" type="presParOf" srcId="{06C6CE65-9559-FC47-B9E0-8570003DDF36}" destId="{471EC8A2-5EA4-6C41-8E41-1436FA20B4AD}" srcOrd="1" destOrd="0" presId="urn:microsoft.com/office/officeart/2005/8/layout/orgChart1"/>
+    <dgm:cxn modelId="{1020C039-E5B2-0144-84E3-9A646AC2D680}" type="presParOf" srcId="{06C6CE65-9559-FC47-B9E0-8570003DDF36}" destId="{D95B4FDF-A6F5-784E-BB76-081A91F386AF}" srcOrd="2" destOrd="0" presId="urn:microsoft.com/office/officeart/2005/8/layout/orgChart1"/>
+    <dgm:cxn modelId="{45AD7A23-C956-2C49-87BA-5D87491F53C6}" type="presParOf" srcId="{D67829F7-87EA-7245-9307-E83FCDBD8C04}" destId="{EDAAD9D9-F2CA-154D-AEBA-E577EAC4C638}" srcOrd="6" destOrd="0" presId="urn:microsoft.com/office/officeart/2005/8/layout/orgChart1"/>
+    <dgm:cxn modelId="{7E16CA0A-707E-344C-9DE6-24FB76CF86F3}" type="presParOf" srcId="{D67829F7-87EA-7245-9307-E83FCDBD8C04}" destId="{6ADB36A2-F292-8243-AE69-1E8D1D33F059}" srcOrd="7" destOrd="0" presId="urn:microsoft.com/office/officeart/2005/8/layout/orgChart1"/>
+    <dgm:cxn modelId="{F0050494-A115-5642-B73A-615CB96743DB}" type="presParOf" srcId="{6ADB36A2-F292-8243-AE69-1E8D1D33F059}" destId="{0BE158A5-8A31-3141-839F-9953AF55DC76}" srcOrd="0" destOrd="0" presId="urn:microsoft.com/office/officeart/2005/8/layout/orgChart1"/>
+    <dgm:cxn modelId="{43505269-0B2E-1042-894F-77BEDFA4E4B2}" type="presParOf" srcId="{0BE158A5-8A31-3141-839F-9953AF55DC76}" destId="{592828BF-8F81-4C4D-831D-CE4398AF4045}" srcOrd="0" destOrd="0" presId="urn:microsoft.com/office/officeart/2005/8/layout/orgChart1"/>
+    <dgm:cxn modelId="{DD44CC8C-D791-264A-88E4-F11285032C00}" type="presParOf" srcId="{0BE158A5-8A31-3141-839F-9953AF55DC76}" destId="{AEF14C1F-9B21-E04D-8399-841978DD0F05}" srcOrd="1" destOrd="0" presId="urn:microsoft.com/office/officeart/2005/8/layout/orgChart1"/>
+    <dgm:cxn modelId="{C4E0B4D1-6EF9-0243-984F-E37E6EB0AA07}" type="presParOf" srcId="{6ADB36A2-F292-8243-AE69-1E8D1D33F059}" destId="{83B81550-535B-FE44-9C1F-B9F9CCA83B26}" srcOrd="1" destOrd="0" presId="urn:microsoft.com/office/officeart/2005/8/layout/orgChart1"/>
+    <dgm:cxn modelId="{54D0F9ED-D39B-8648-9808-404E5B21FC30}" type="presParOf" srcId="{6ADB36A2-F292-8243-AE69-1E8D1D33F059}" destId="{82294C83-B265-E94D-ABF1-BCAD88E5F562}" srcOrd="2" destOrd="0" presId="urn:microsoft.com/office/officeart/2005/8/layout/orgChart1"/>
+    <dgm:cxn modelId="{F3D9733B-F235-4944-AB9E-D72F2E946451}" type="presParOf" srcId="{419ED588-F200-8E4C-A79F-148464302124}" destId="{51B75253-CB7C-6443-AF1E-6AD67D7B2543}" srcOrd="2" destOrd="0" presId="urn:microsoft.com/office/officeart/2005/8/layout/orgChart1"/>
+    <dgm:cxn modelId="{4CE9DBF3-956E-924E-9FFF-0D2041400B35}" type="presParOf" srcId="{7646E109-D684-7F44-BF38-B5E8FABB9274}" destId="{12A3EEB5-A1C4-3E49-84AA-59EA23AE1C4A}" srcOrd="4" destOrd="0" presId="urn:microsoft.com/office/officeart/2005/8/layout/orgChart1"/>
+    <dgm:cxn modelId="{72D9CFAD-394A-284B-91D3-C5B5D5BCE423}" type="presParOf" srcId="{7646E109-D684-7F44-BF38-B5E8FABB9274}" destId="{52134895-F045-2E4D-B038-29BD402CCCBB}" srcOrd="5" destOrd="0" presId="urn:microsoft.com/office/officeart/2005/8/layout/orgChart1"/>
+    <dgm:cxn modelId="{5D8BA597-67B3-9849-85B0-71D257A64A5C}" type="presParOf" srcId="{52134895-F045-2E4D-B038-29BD402CCCBB}" destId="{EB52BAD6-A592-E047-B1ED-740B150B844B}" srcOrd="0" destOrd="0" presId="urn:microsoft.com/office/officeart/2005/8/layout/orgChart1"/>
+    <dgm:cxn modelId="{2DA20242-0737-9248-B284-04BE06A19FE8}" type="presParOf" srcId="{EB52BAD6-A592-E047-B1ED-740B150B844B}" destId="{3A202DDB-EA5C-6F46-98E5-6C93032738A2}" srcOrd="0" destOrd="0" presId="urn:microsoft.com/office/officeart/2005/8/layout/orgChart1"/>
+    <dgm:cxn modelId="{2B7B7D4C-383C-3A4D-979B-B0D99E79DCA8}" type="presParOf" srcId="{EB52BAD6-A592-E047-B1ED-740B150B844B}" destId="{52B14447-72C2-DE46-A1D2-8B4A5186DCAE}" srcOrd="1" destOrd="0" presId="urn:microsoft.com/office/officeart/2005/8/layout/orgChart1"/>
+    <dgm:cxn modelId="{5C1E600F-0B8C-C743-96AF-F09DACEE4CDA}" type="presParOf" srcId="{52134895-F045-2E4D-B038-29BD402CCCBB}" destId="{56B13D9B-209B-1243-8EC9-C3C9664521B5}" srcOrd="1" destOrd="0" presId="urn:microsoft.com/office/officeart/2005/8/layout/orgChart1"/>
+    <dgm:cxn modelId="{F96FB5EC-7D59-4F48-9A71-94DC6E515FFF}" type="presParOf" srcId="{56B13D9B-209B-1243-8EC9-C3C9664521B5}" destId="{43E31F1E-D296-4A4B-AA65-486AF336F449}" srcOrd="0" destOrd="0" presId="urn:microsoft.com/office/officeart/2005/8/layout/orgChart1"/>
+    <dgm:cxn modelId="{3B062D2F-AFC0-5446-9AC6-EE8F01034F3D}" type="presParOf" srcId="{56B13D9B-209B-1243-8EC9-C3C9664521B5}" destId="{3B4230F0-D3AB-F349-8A01-39DCAAED8057}" srcOrd="1" destOrd="0" presId="urn:microsoft.com/office/officeart/2005/8/layout/orgChart1"/>
+    <dgm:cxn modelId="{0948A7AE-2FF8-514F-9785-235AFDAA1D70}" type="presParOf" srcId="{3B4230F0-D3AB-F349-8A01-39DCAAED8057}" destId="{67E5B588-8E03-C645-820D-9C02444E475B}" srcOrd="0" destOrd="0" presId="urn:microsoft.com/office/officeart/2005/8/layout/orgChart1"/>
+    <dgm:cxn modelId="{7FDA90F8-79F5-BA4C-9253-F3BD862C1113}" type="presParOf" srcId="{67E5B588-8E03-C645-820D-9C02444E475B}" destId="{82F8EB75-C97B-E947-A4DE-44A61B16DAA5}" srcOrd="0" destOrd="0" presId="urn:microsoft.com/office/officeart/2005/8/layout/orgChart1"/>
+    <dgm:cxn modelId="{35F295F4-8513-394A-8C21-21832764A4A2}" type="presParOf" srcId="{67E5B588-8E03-C645-820D-9C02444E475B}" destId="{88D10869-A3D3-3D4B-BA18-87F9D90EF652}" srcOrd="1" destOrd="0" presId="urn:microsoft.com/office/officeart/2005/8/layout/orgChart1"/>
+    <dgm:cxn modelId="{BABB6AD0-79EE-4149-808E-B7B6659BAC0A}" type="presParOf" srcId="{3B4230F0-D3AB-F349-8A01-39DCAAED8057}" destId="{7EAA0A1F-11B6-4848-BCBE-823763940C54}" srcOrd="1" destOrd="0" presId="urn:microsoft.com/office/officeart/2005/8/layout/orgChart1"/>
+    <dgm:cxn modelId="{87A4C2C8-5221-1842-B9DD-5259D88511CD}" type="presParOf" srcId="{3B4230F0-D3AB-F349-8A01-39DCAAED8057}" destId="{B2A77EF1-24FF-B742-9F7E-3E7BBCB6F69E}" srcOrd="2" destOrd="0" presId="urn:microsoft.com/office/officeart/2005/8/layout/orgChart1"/>
+    <dgm:cxn modelId="{BF5AD708-ACDB-994A-9A33-892048B821CA}" type="presParOf" srcId="{56B13D9B-209B-1243-8EC9-C3C9664521B5}" destId="{7EBDF759-2C6E-2A41-89FD-15651DFFFD2F}" srcOrd="2" destOrd="0" presId="urn:microsoft.com/office/officeart/2005/8/layout/orgChart1"/>
+    <dgm:cxn modelId="{CF9CF335-459D-1D47-95E6-E73C64142E0F}" type="presParOf" srcId="{56B13D9B-209B-1243-8EC9-C3C9664521B5}" destId="{D4177785-D2D8-A346-B1DD-F70CBBFB6304}" srcOrd="3" destOrd="0" presId="urn:microsoft.com/office/officeart/2005/8/layout/orgChart1"/>
+    <dgm:cxn modelId="{36181FAE-7196-1C49-B30D-8C5D7E0CB5CF}" type="presParOf" srcId="{D4177785-D2D8-A346-B1DD-F70CBBFB6304}" destId="{85E35D30-B1AC-7745-BED4-8905773262FD}" srcOrd="0" destOrd="0" presId="urn:microsoft.com/office/officeart/2005/8/layout/orgChart1"/>
+    <dgm:cxn modelId="{1FDD2519-A179-2143-A1FE-3F0178F7F6DE}" type="presParOf" srcId="{85E35D30-B1AC-7745-BED4-8905773262FD}" destId="{500D0340-096F-4E41-AB90-7D1836639CE0}" srcOrd="0" destOrd="0" presId="urn:microsoft.com/office/officeart/2005/8/layout/orgChart1"/>
+    <dgm:cxn modelId="{9287A059-BA01-5345-BBA9-9643B271CEAB}" type="presParOf" srcId="{85E35D30-B1AC-7745-BED4-8905773262FD}" destId="{6A0579B0-69F2-684E-AA38-F93B9A692DA4}" srcOrd="1" destOrd="0" presId="urn:microsoft.com/office/officeart/2005/8/layout/orgChart1"/>
+    <dgm:cxn modelId="{EAB13917-F760-774B-ACA4-AAED56E54EEE}" type="presParOf" srcId="{D4177785-D2D8-A346-B1DD-F70CBBFB6304}" destId="{D0D29CF7-78F5-CF4B-ACFE-BA9BCF675A3B}" srcOrd="1" destOrd="0" presId="urn:microsoft.com/office/officeart/2005/8/layout/orgChart1"/>
+    <dgm:cxn modelId="{610AD381-373F-1B48-B2CF-D31C872593A1}" type="presParOf" srcId="{D4177785-D2D8-A346-B1DD-F70CBBFB6304}" destId="{8CF4EFDD-F95C-AD4B-8D67-B7246492E489}" srcOrd="2" destOrd="0" presId="urn:microsoft.com/office/officeart/2005/8/layout/orgChart1"/>
+    <dgm:cxn modelId="{BCB104B3-5037-D041-A895-22E0645EEDD1}" type="presParOf" srcId="{56B13D9B-209B-1243-8EC9-C3C9664521B5}" destId="{FA7CABF5-6D8F-BD44-840F-F3253CDEC571}" srcOrd="4" destOrd="0" presId="urn:microsoft.com/office/officeart/2005/8/layout/orgChart1"/>
+    <dgm:cxn modelId="{1432FBBD-4AD9-C24F-B512-9757AD510BB0}" type="presParOf" srcId="{56B13D9B-209B-1243-8EC9-C3C9664521B5}" destId="{08D32562-CDF4-0546-959E-CF924D892A38}" srcOrd="5" destOrd="0" presId="urn:microsoft.com/office/officeart/2005/8/layout/orgChart1"/>
+    <dgm:cxn modelId="{C7CF5FAD-CAC6-7F43-B896-2D777CF3E63E}" type="presParOf" srcId="{08D32562-CDF4-0546-959E-CF924D892A38}" destId="{750B7152-D3E4-5A4F-8E73-5E5D4538FB1D}" srcOrd="0" destOrd="0" presId="urn:microsoft.com/office/officeart/2005/8/layout/orgChart1"/>
+    <dgm:cxn modelId="{5AF99759-8362-FB42-9017-CDF3FE105F49}" type="presParOf" srcId="{750B7152-D3E4-5A4F-8E73-5E5D4538FB1D}" destId="{8D51D942-1FC7-844D-B84D-65C582740A41}" srcOrd="0" destOrd="0" presId="urn:microsoft.com/office/officeart/2005/8/layout/orgChart1"/>
+    <dgm:cxn modelId="{CBB8B3A7-3B6C-A041-A76B-7E48BC03F3D8}" type="presParOf" srcId="{750B7152-D3E4-5A4F-8E73-5E5D4538FB1D}" destId="{CB73A1FB-2C1C-E049-817B-6B261E95C040}" srcOrd="1" destOrd="0" presId="urn:microsoft.com/office/officeart/2005/8/layout/orgChart1"/>
+    <dgm:cxn modelId="{D3DA8E95-58DB-B54F-99A4-BE66A663810F}" type="presParOf" srcId="{08D32562-CDF4-0546-959E-CF924D892A38}" destId="{3CEA4AF7-5F37-F94E-98F1-191A339405CD}" srcOrd="1" destOrd="0" presId="urn:microsoft.com/office/officeart/2005/8/layout/orgChart1"/>
+    <dgm:cxn modelId="{F6F5321F-9FC6-2644-8B97-64665381DD9D}" type="presParOf" srcId="{08D32562-CDF4-0546-959E-CF924D892A38}" destId="{4386B3D5-BFB7-3144-A81B-4995A444CF64}" srcOrd="2" destOrd="0" presId="urn:microsoft.com/office/officeart/2005/8/layout/orgChart1"/>
+    <dgm:cxn modelId="{F0DB1EE9-8EE4-F64D-B01F-E407DD946418}" type="presParOf" srcId="{56B13D9B-209B-1243-8EC9-C3C9664521B5}" destId="{224E8816-6256-C140-A594-5EDC6F7D9205}" srcOrd="6" destOrd="0" presId="urn:microsoft.com/office/officeart/2005/8/layout/orgChart1"/>
+    <dgm:cxn modelId="{338749B0-12A6-6A4A-BA17-1919A0576207}" type="presParOf" srcId="{56B13D9B-209B-1243-8EC9-C3C9664521B5}" destId="{F41DF1B8-7A7D-804B-9CDE-AA6003094152}" srcOrd="7" destOrd="0" presId="urn:microsoft.com/office/officeart/2005/8/layout/orgChart1"/>
+    <dgm:cxn modelId="{46AF96B2-1307-9446-85AB-0FE1C003D5E7}" type="presParOf" srcId="{F41DF1B8-7A7D-804B-9CDE-AA6003094152}" destId="{AA015B0E-1425-0F4B-A80A-67A9AFBB036E}" srcOrd="0" destOrd="0" presId="urn:microsoft.com/office/officeart/2005/8/layout/orgChart1"/>
+    <dgm:cxn modelId="{D50F8F25-1CD7-0F47-84D9-8DF34BA977C7}" type="presParOf" srcId="{AA015B0E-1425-0F4B-A80A-67A9AFBB036E}" destId="{D940CB2F-046D-6D4F-B11D-1ECC8DE0037B}" srcOrd="0" destOrd="0" presId="urn:microsoft.com/office/officeart/2005/8/layout/orgChart1"/>
+    <dgm:cxn modelId="{F654F646-D64B-FB45-AE3B-A9CAF66BFF37}" type="presParOf" srcId="{AA015B0E-1425-0F4B-A80A-67A9AFBB036E}" destId="{F8CB3562-7EDB-874D-BCB1-1E7D9603361C}" srcOrd="1" destOrd="0" presId="urn:microsoft.com/office/officeart/2005/8/layout/orgChart1"/>
+    <dgm:cxn modelId="{AFE31CFF-6759-0A4A-9479-8ABA98FF5B08}" type="presParOf" srcId="{F41DF1B8-7A7D-804B-9CDE-AA6003094152}" destId="{56CFB123-A926-C149-9EAB-AD5E64A44157}" srcOrd="1" destOrd="0" presId="urn:microsoft.com/office/officeart/2005/8/layout/orgChart1"/>
+    <dgm:cxn modelId="{BE03FF26-9268-CD4B-A34B-1767591CE5A0}" type="presParOf" srcId="{F41DF1B8-7A7D-804B-9CDE-AA6003094152}" destId="{DDC1CD76-439D-0149-9F2E-1B3F41339DA1}" srcOrd="2" destOrd="0" presId="urn:microsoft.com/office/officeart/2005/8/layout/orgChart1"/>
+    <dgm:cxn modelId="{0CC5F461-3403-D740-9238-D460156BAB3C}" type="presParOf" srcId="{52134895-F045-2E4D-B038-29BD402CCCBB}" destId="{B14CBFFB-C3D5-EF49-9AB0-DE028C966AC2}" srcOrd="2" destOrd="0" presId="urn:microsoft.com/office/officeart/2005/8/layout/orgChart1"/>
+    <dgm:cxn modelId="{7D90AADB-8D98-1340-9D4F-840CD45AAC1B}" type="presParOf" srcId="{A68F9215-AC01-5541-8996-30E252F5ED3E}" destId="{44E431C0-2FBE-5043-84E1-744460FDEA9C}" srcOrd="2" destOrd="0" presId="urn:microsoft.com/office/officeart/2005/8/layout/orgChart1"/>
+  </dgm:cxnLst>
+  <dgm:bg/>
+  <dgm:whole/>
+  <dgm:extLst>
+    <a:ext uri="http://schemas.microsoft.com/office/drawing/2008/diagram">
+      <dsp:dataModelExt xmlns:dsp="http://schemas.microsoft.com/office/drawing/2008/diagram" relId="rId6" minVer="http://schemas.openxmlformats.org/drawingml/2006/diagram"/>
+    </a:ext>
+  </dgm:extLst>
+</dgm:dataModel>
+</file>
+
+<file path=ppt/diagrams/data2.xml><?xml version="1.0" encoding="utf-8"?>
+<dgm:dataModel xmlns:dgm="http://schemas.openxmlformats.org/drawingml/2006/diagram" xmlns:a="http://schemas.openxmlformats.org/drawingml/2006/main">
+  <dgm:ptLst>
+    <dgm:pt modelId="{991BC2BD-9ABD-1C49-9E08-FD67DCB9113B}" type="doc">
+      <dgm:prSet loTypeId="urn:microsoft.com/office/officeart/2005/8/layout/orgChart1" loCatId="" qsTypeId="urn:microsoft.com/office/officeart/2005/8/quickstyle/simple4" qsCatId="simple" csTypeId="urn:microsoft.com/office/officeart/2005/8/colors/accent2_2" csCatId="accent2" phldr="1"/>
+      <dgm:spPr/>
+      <dgm:t>
+        <a:bodyPr/>
+        <a:lstStyle/>
+        <a:p>
+          <a:endParaRPr lang="zh-TW" altLang="en-US"/>
+        </a:p>
+      </dgm:t>
+    </dgm:pt>
+    <dgm:pt modelId="{9414912D-272A-604D-8062-8E011A22AFAD}">
+      <dgm:prSet phldrT="[文字]" custT="1"/>
+      <dgm:spPr/>
+      <dgm:t>
+        <a:bodyPr/>
+        <a:lstStyle/>
+        <a:p>
+          <a:r>
+            <a:rPr lang="en-US" altLang="zh-TW" sz="2800" dirty="0" smtClean="0"/>
+            <a:t>Bulk leakage current</a:t>
+          </a:r>
+          <a:endParaRPr lang="zh-TW" altLang="en-US" sz="2800" dirty="0"/>
+        </a:p>
+      </dgm:t>
+    </dgm:pt>
+    <dgm:pt modelId="{43579297-912A-3A43-928E-2923D9D033D7}" type="parTrans" cxnId="{B8CF4113-4F70-5548-B3F9-18E1840C1A4A}">
+      <dgm:prSet/>
+      <dgm:spPr/>
+      <dgm:t>
+        <a:bodyPr/>
+        <a:lstStyle/>
+        <a:p>
+          <a:endParaRPr lang="zh-TW" altLang="en-US"/>
+        </a:p>
+      </dgm:t>
+    </dgm:pt>
+    <dgm:pt modelId="{1D9DC340-D0C8-FB4F-A16F-D55B6F970407}" type="sibTrans" cxnId="{B8CF4113-4F70-5548-B3F9-18E1840C1A4A}">
+      <dgm:prSet/>
+      <dgm:spPr/>
+      <dgm:t>
+        <a:bodyPr/>
+        <a:lstStyle/>
+        <a:p>
+          <a:endParaRPr lang="zh-TW" altLang="en-US"/>
+        </a:p>
+      </dgm:t>
+    </dgm:pt>
+    <dgm:pt modelId="{CF46A2D2-3E2B-DD44-A503-B46BB8A9BCA8}">
+      <dgm:prSet phldrT="[文字]" custT="1"/>
+      <dgm:spPr/>
+      <dgm:t>
+        <a:bodyPr/>
+        <a:lstStyle/>
+        <a:p>
+          <a:r>
+            <a:rPr lang="en-US" altLang="zh-TW" sz="2800" dirty="0" smtClean="0"/>
+            <a:t>Contact leakage current</a:t>
+          </a:r>
+          <a:endParaRPr lang="zh-TW" altLang="en-US" sz="2800" dirty="0"/>
+        </a:p>
+      </dgm:t>
+    </dgm:pt>
+    <dgm:pt modelId="{B716891C-8CD3-8D42-A1C9-0D90990C5091}" type="parTrans" cxnId="{9624EEFB-123E-1542-817E-A0D05D4C9428}">
+      <dgm:prSet/>
+      <dgm:spPr/>
+      <dgm:t>
+        <a:bodyPr/>
+        <a:lstStyle/>
+        <a:p>
+          <a:endParaRPr lang="zh-TW" altLang="en-US"/>
+        </a:p>
+      </dgm:t>
+    </dgm:pt>
+    <dgm:pt modelId="{92417361-55CE-EC4C-9EFF-DBAF4D664779}" type="sibTrans" cxnId="{9624EEFB-123E-1542-817E-A0D05D4C9428}">
+      <dgm:prSet/>
+      <dgm:spPr/>
+      <dgm:t>
+        <a:bodyPr/>
+        <a:lstStyle/>
+        <a:p>
+          <a:endParaRPr lang="zh-TW" altLang="en-US"/>
+        </a:p>
+      </dgm:t>
+    </dgm:pt>
+    <dgm:pt modelId="{B0998C9D-19FD-2E41-B613-C6DA5B4CFD05}">
+      <dgm:prSet phldrT="[文字]" custT="1"/>
+      <dgm:spPr/>
+      <dgm:t>
+        <a:bodyPr/>
+        <a:lstStyle/>
+        <a:p>
+          <a:r>
+            <a:rPr lang="en-US" altLang="zh-TW" sz="2800" dirty="0" smtClean="0"/>
+            <a:t>Surface leakage current</a:t>
+          </a:r>
+          <a:endParaRPr lang="zh-TW" altLang="en-US" sz="2800" dirty="0"/>
+        </a:p>
+      </dgm:t>
+    </dgm:pt>
+    <dgm:pt modelId="{3899A6A8-CC33-C646-8D9C-4BA6D815C79E}" type="parTrans" cxnId="{097A3C85-0310-7740-9547-C15BB1FF19AB}">
+      <dgm:prSet/>
+      <dgm:spPr/>
+      <dgm:t>
+        <a:bodyPr/>
+        <a:lstStyle/>
+        <a:p>
+          <a:endParaRPr lang="zh-TW" altLang="en-US"/>
+        </a:p>
+      </dgm:t>
+    </dgm:pt>
+    <dgm:pt modelId="{B23BC566-6BEB-6241-A81B-AC50F9CE3D84}" type="sibTrans" cxnId="{097A3C85-0310-7740-9547-C15BB1FF19AB}">
+      <dgm:prSet/>
+      <dgm:spPr/>
+      <dgm:t>
+        <a:bodyPr/>
+        <a:lstStyle/>
+        <a:p>
+          <a:endParaRPr lang="zh-TW" altLang="en-US"/>
+        </a:p>
+      </dgm:t>
+    </dgm:pt>
+    <dgm:pt modelId="{342241FF-A368-C74A-92F1-20C6735DA5C3}">
+      <dgm:prSet custT="1"/>
+      <dgm:spPr/>
+      <dgm:t>
+        <a:bodyPr/>
+        <a:lstStyle/>
+        <a:p>
+          <a:r>
+            <a:rPr lang="en-US" altLang="zh-TW" sz="2800" dirty="0" smtClean="0"/>
+            <a:t>Ignored below 77K</a:t>
+          </a:r>
+          <a:endParaRPr lang="zh-TW" altLang="en-US" sz="2800" dirty="0"/>
+        </a:p>
+      </dgm:t>
+    </dgm:pt>
+    <dgm:pt modelId="{4BB69F2C-051F-1843-B24A-F497B6117A37}" type="parTrans" cxnId="{57F4AAE2-7926-3F43-8A17-10437469B4A2}">
+      <dgm:prSet/>
+      <dgm:spPr/>
+      <dgm:t>
+        <a:bodyPr/>
+        <a:lstStyle/>
+        <a:p>
+          <a:endParaRPr lang="zh-TW" altLang="en-US"/>
+        </a:p>
+      </dgm:t>
+    </dgm:pt>
+    <dgm:pt modelId="{0B7A5198-AD34-9844-B08F-60AD0E0953AE}" type="sibTrans" cxnId="{57F4AAE2-7926-3F43-8A17-10437469B4A2}">
+      <dgm:prSet/>
+      <dgm:spPr/>
+      <dgm:t>
+        <a:bodyPr/>
+        <a:lstStyle/>
+        <a:p>
+          <a:endParaRPr lang="zh-TW" altLang="en-US"/>
+        </a:p>
+      </dgm:t>
+    </dgm:pt>
+    <dgm:pt modelId="{53C6962A-BD0B-0E4E-86E1-BEFF7D397AD6}">
+      <dgm:prSet custT="1"/>
+      <dgm:spPr/>
+      <dgm:t>
+        <a:bodyPr/>
+        <a:lstStyle/>
+        <a:p>
+          <a:r>
+            <a:rPr lang="en-US" altLang="zh-TW" sz="2800" dirty="0" smtClean="0"/>
+            <a:t>Dominant at</a:t>
+          </a:r>
+        </a:p>
+        <a:p>
+          <a:r>
+            <a:rPr lang="en-US" altLang="zh-TW" sz="2800" dirty="0" smtClean="0"/>
+            <a:t> 77K</a:t>
+          </a:r>
+          <a:endParaRPr lang="zh-TW" altLang="en-US" sz="2800" dirty="0"/>
+        </a:p>
+      </dgm:t>
+    </dgm:pt>
+    <dgm:pt modelId="{2997E24D-C0F5-1C44-AA19-FDCF670AD66B}" type="parTrans" cxnId="{F83F4A87-A917-9F4B-AD26-2C58FA859DE5}">
+      <dgm:prSet/>
+      <dgm:spPr/>
+      <dgm:t>
+        <a:bodyPr/>
+        <a:lstStyle/>
+        <a:p>
+          <a:endParaRPr lang="zh-TW" altLang="en-US"/>
+        </a:p>
+      </dgm:t>
+    </dgm:pt>
+    <dgm:pt modelId="{9BDC6B57-5850-5C46-8D6E-1A9569670603}" type="sibTrans" cxnId="{F83F4A87-A917-9F4B-AD26-2C58FA859DE5}">
+      <dgm:prSet/>
+      <dgm:spPr/>
+      <dgm:t>
+        <a:bodyPr/>
+        <a:lstStyle/>
+        <a:p>
+          <a:endParaRPr lang="zh-TW" altLang="en-US"/>
+        </a:p>
+      </dgm:t>
+    </dgm:pt>
+    <dgm:pt modelId="{7E5E83A5-B20B-174A-A366-B98201318D29}">
+      <dgm:prSet custT="1"/>
+      <dgm:spPr/>
+      <dgm:t>
+        <a:bodyPr/>
+        <a:lstStyle/>
+        <a:p>
+          <a:r>
+            <a:rPr lang="en-US" altLang="zh-TW" sz="2800" dirty="0" smtClean="0"/>
+            <a:t>Dominant at </a:t>
+          </a:r>
+        </a:p>
+        <a:p>
+          <a:r>
+            <a:rPr lang="en-US" altLang="zh-TW" sz="2800" dirty="0" smtClean="0"/>
+            <a:t>4K</a:t>
+          </a:r>
+          <a:endParaRPr lang="zh-TW" altLang="en-US" sz="2800" dirty="0"/>
+        </a:p>
+      </dgm:t>
+    </dgm:pt>
+    <dgm:pt modelId="{A688EB8E-A979-5541-9B5A-217FD60E88E7}" type="parTrans" cxnId="{ACF6E10D-480C-F049-93BE-A97057C400F1}">
+      <dgm:prSet/>
+      <dgm:spPr/>
+      <dgm:t>
+        <a:bodyPr/>
+        <a:lstStyle/>
+        <a:p>
+          <a:endParaRPr lang="zh-TW" altLang="en-US"/>
+        </a:p>
+      </dgm:t>
+    </dgm:pt>
+    <dgm:pt modelId="{8BBCC2ED-EF11-F64E-8802-F8CFCEA87002}" type="sibTrans" cxnId="{ACF6E10D-480C-F049-93BE-A97057C400F1}">
+      <dgm:prSet/>
+      <dgm:spPr/>
+      <dgm:t>
+        <a:bodyPr/>
+        <a:lstStyle/>
+        <a:p>
+          <a:endParaRPr lang="zh-TW" altLang="en-US"/>
+        </a:p>
+      </dgm:t>
+    </dgm:pt>
+    <dgm:pt modelId="{E473C8D6-CFCC-9B4A-8FE0-AD13655883D3}">
+      <dgm:prSet custT="1"/>
+      <dgm:spPr>
+        <a:blipFill rotWithShape="0">
+          <a:blip xmlns:r="http://schemas.openxmlformats.org/officeDocument/2006/relationships" r:embed="rId1"/>
+          <a:stretch>
+            <a:fillRect/>
+          </a:stretch>
+        </a:blipFill>
+      </dgm:spPr>
+      <dgm:t>
+        <a:bodyPr/>
+        <a:lstStyle/>
+        <a:p>
+          <a:r>
+            <a:rPr lang="zh-TW" altLang="en-US">
+              <a:noFill/>
+            </a:rPr>
+            <a:t> </a:t>
+          </a:r>
+        </a:p>
+      </dgm:t>
+    </dgm:pt>
+    <dgm:pt modelId="{7566F7F4-50AD-9C41-A34F-EDAE19CB3CF5}" type="parTrans" cxnId="{51FBA8F4-9976-D647-87FA-0571CA246252}">
+      <dgm:prSet/>
+      <dgm:spPr/>
+      <dgm:t>
+        <a:bodyPr/>
+        <a:lstStyle/>
+        <a:p>
+          <a:endParaRPr lang="zh-TW" altLang="en-US"/>
+        </a:p>
+      </dgm:t>
+    </dgm:pt>
+    <dgm:pt modelId="{5B0647E7-286C-7942-B9CB-9DA8815F8B26}" type="sibTrans" cxnId="{51FBA8F4-9976-D647-87FA-0571CA246252}">
+      <dgm:prSet/>
+      <dgm:spPr/>
+      <dgm:t>
+        <a:bodyPr/>
+        <a:lstStyle/>
+        <a:p>
+          <a:endParaRPr lang="zh-TW" altLang="en-US"/>
+        </a:p>
+      </dgm:t>
+    </dgm:pt>
+    <dgm:pt modelId="{15A51150-7C8D-5A45-92EA-1BE763DA3816}">
+      <dgm:prSet custT="1"/>
+      <dgm:spPr>
+        <a:blipFill rotWithShape="0">
+          <a:blip xmlns:r="http://schemas.openxmlformats.org/officeDocument/2006/relationships" r:embed="rId2"/>
+          <a:stretch>
+            <a:fillRect/>
+          </a:stretch>
+        </a:blipFill>
+      </dgm:spPr>
+      <dgm:t>
+        <a:bodyPr/>
+        <a:lstStyle/>
+        <a:p>
+          <a:r>
+            <a:rPr lang="zh-TW" altLang="en-US">
+              <a:noFill/>
+            </a:rPr>
+            <a:t> </a:t>
+          </a:r>
+        </a:p>
+      </dgm:t>
+    </dgm:pt>
+    <dgm:pt modelId="{7FDD6A65-204D-8F4C-B1B1-813120FDD0F9}" type="parTrans" cxnId="{7B48474F-1B11-7242-9A66-44AE382C448E}">
+      <dgm:prSet/>
+      <dgm:spPr/>
+      <dgm:t>
+        <a:bodyPr/>
+        <a:lstStyle/>
+        <a:p>
+          <a:endParaRPr lang="zh-TW" altLang="en-US"/>
+        </a:p>
+      </dgm:t>
+    </dgm:pt>
+    <dgm:pt modelId="{B0E527EA-E1A4-8B4D-B749-6C9BBC23E97D}" type="sibTrans" cxnId="{7B48474F-1B11-7242-9A66-44AE382C448E}">
+      <dgm:prSet/>
+      <dgm:spPr/>
+      <dgm:t>
+        <a:bodyPr/>
+        <a:lstStyle/>
+        <a:p>
+          <a:endParaRPr lang="zh-TW" altLang="en-US"/>
+        </a:p>
+      </dgm:t>
+    </dgm:pt>
+    <dgm:pt modelId="{B6DAA9B2-E511-A043-82FA-F5D53E69E39F}">
+      <dgm:prSet custT="1"/>
+      <dgm:spPr/>
+      <dgm:t>
+        <a:bodyPr/>
+        <a:lstStyle/>
+        <a:p>
+          <a:r>
+            <a:rPr lang="en-US" altLang="zh-TW" sz="2800" dirty="0" smtClean="0"/>
+            <a:t>Thermal generation</a:t>
+          </a:r>
+          <a:endParaRPr lang="zh-TW" altLang="en-US" sz="2800" dirty="0"/>
+        </a:p>
+      </dgm:t>
+    </dgm:pt>
+    <dgm:pt modelId="{3AF3F861-9A44-8642-B454-6601D15FFD56}" type="parTrans" cxnId="{AFF9586A-8D48-8543-A563-60AC9F8639BD}">
+      <dgm:prSet/>
+      <dgm:spPr/>
+      <dgm:t>
+        <a:bodyPr/>
+        <a:lstStyle/>
+        <a:p>
+          <a:endParaRPr lang="zh-TW" altLang="en-US"/>
+        </a:p>
+      </dgm:t>
+    </dgm:pt>
+    <dgm:pt modelId="{40069117-5F2E-D04E-85A0-07B899038D8D}" type="sibTrans" cxnId="{AFF9586A-8D48-8543-A563-60AC9F8639BD}">
+      <dgm:prSet/>
+      <dgm:spPr/>
+      <dgm:t>
+        <a:bodyPr/>
+        <a:lstStyle/>
+        <a:p>
+          <a:endParaRPr lang="zh-TW" altLang="en-US"/>
+        </a:p>
+      </dgm:t>
+    </dgm:pt>
+    <dgm:pt modelId="{F7EA5F9C-7E24-B346-B2B0-5DDC384FEAB9}">
+      <dgm:prSet custT="1"/>
+      <dgm:spPr/>
+      <dgm:t>
+        <a:bodyPr/>
+        <a:lstStyle/>
+        <a:p>
+          <a:r>
+            <a:rPr lang="en-US" altLang="zh-TW" sz="2800" dirty="0" smtClean="0"/>
+            <a:t>Semi-metal-connection leakage</a:t>
+          </a:r>
+          <a:endParaRPr lang="zh-TW" altLang="en-US" sz="2800" dirty="0"/>
+        </a:p>
+      </dgm:t>
+    </dgm:pt>
+    <dgm:pt modelId="{DA22223E-9BFA-8141-8837-C7EFCA9AF673}" type="parTrans" cxnId="{89F91E55-2F19-C944-96E4-C927EF67C309}">
+      <dgm:prSet/>
+      <dgm:spPr/>
+      <dgm:t>
+        <a:bodyPr/>
+        <a:lstStyle/>
+        <a:p>
+          <a:endParaRPr lang="zh-TW" altLang="en-US"/>
+        </a:p>
+      </dgm:t>
+    </dgm:pt>
+    <dgm:pt modelId="{9673EF72-8387-C048-B5DF-ADBBE8D15DE9}" type="sibTrans" cxnId="{89F91E55-2F19-C944-96E4-C927EF67C309}">
+      <dgm:prSet/>
+      <dgm:spPr/>
+      <dgm:t>
+        <a:bodyPr/>
+        <a:lstStyle/>
+        <a:p>
+          <a:endParaRPr lang="zh-TW" altLang="en-US"/>
+        </a:p>
+      </dgm:t>
+    </dgm:pt>
+    <dgm:pt modelId="{D36D7F1C-3B2D-C14C-A72F-21F723585AF7}">
+      <dgm:prSet custT="1"/>
+      <dgm:spPr/>
+      <dgm:t>
+        <a:bodyPr/>
+        <a:lstStyle/>
+        <a:p>
+          <a:r>
+            <a:rPr lang="en-US" altLang="zh-TW" sz="2800" dirty="0" smtClean="0"/>
+            <a:t>The qualification of the crystal</a:t>
+          </a:r>
+          <a:endParaRPr lang="zh-TW" altLang="en-US" sz="2800" dirty="0"/>
+        </a:p>
+      </dgm:t>
+    </dgm:pt>
+    <dgm:pt modelId="{6F1CA094-BAAC-B040-B57B-A8043D01CCC7}" type="parTrans" cxnId="{FFB43709-1982-1F43-ABF6-0A76B82D4B36}">
+      <dgm:prSet/>
+      <dgm:spPr/>
+      <dgm:t>
+        <a:bodyPr/>
+        <a:lstStyle/>
+        <a:p>
+          <a:endParaRPr lang="zh-TW" altLang="en-US"/>
+        </a:p>
+      </dgm:t>
+    </dgm:pt>
+    <dgm:pt modelId="{960E378C-E14F-2442-ADBD-D62452F0A363}" type="sibTrans" cxnId="{FFB43709-1982-1F43-ABF6-0A76B82D4B36}">
+      <dgm:prSet/>
+      <dgm:spPr/>
+      <dgm:t>
+        <a:bodyPr/>
+        <a:lstStyle/>
+        <a:p>
+          <a:endParaRPr lang="zh-TW" altLang="en-US"/>
+        </a:p>
+      </dgm:t>
+    </dgm:pt>
+    <dgm:pt modelId="{9155790E-252D-8145-B73F-6987A74C6FCE}">
+      <dgm:prSet phldrT="[文字]" custT="1"/>
+      <dgm:spPr/>
+      <dgm:t>
+        <a:bodyPr/>
+        <a:lstStyle/>
+        <a:p>
+          <a:r>
+            <a:rPr lang="en-US" altLang="zh-TW" sz="2800" dirty="0" smtClean="0">
+              <a:solidFill>
+                <a:schemeClr val="bg1"/>
+              </a:solidFill>
+            </a:rPr>
+            <a:t>Background source</a:t>
+          </a:r>
+          <a:endParaRPr lang="zh-TW" altLang="en-US" sz="2800" dirty="0">
+            <a:solidFill>
+              <a:schemeClr val="bg1"/>
+            </a:solidFill>
+          </a:endParaRPr>
+        </a:p>
+      </dgm:t>
+    </dgm:pt>
+    <dgm:pt modelId="{C9AB40F0-D319-0F4F-B449-0E7970435EED}" type="sibTrans" cxnId="{FFC0FF81-64CC-B54B-B6D3-682181B96D01}">
+      <dgm:prSet/>
+      <dgm:spPr/>
+      <dgm:t>
+        <a:bodyPr/>
+        <a:lstStyle/>
+        <a:p>
+          <a:endParaRPr lang="zh-TW" altLang="en-US"/>
+        </a:p>
+      </dgm:t>
+    </dgm:pt>
+    <dgm:pt modelId="{74D241B8-5B2B-D147-A3BA-9A6844D06AF6}" type="parTrans" cxnId="{FFC0FF81-64CC-B54B-B6D3-682181B96D01}">
+      <dgm:prSet/>
+      <dgm:spPr/>
+      <dgm:t>
+        <a:bodyPr/>
+        <a:lstStyle/>
+        <a:p>
+          <a:endParaRPr lang="zh-TW" altLang="en-US"/>
+        </a:p>
+      </dgm:t>
+    </dgm:pt>
+    <dgm:pt modelId="{681BDDB1-BD73-CF4A-8D98-BFF7B8548DAB}">
+      <dgm:prSet custT="1"/>
+      <dgm:spPr/>
+      <dgm:t>
+        <a:bodyPr/>
+        <a:lstStyle/>
+        <a:p>
+          <a:r>
+            <a:rPr lang="en-US" altLang="zh-TW" sz="2800" dirty="0" smtClean="0"/>
+            <a:t>140eV at 77K </a:t>
+          </a:r>
+          <a:endParaRPr lang="zh-TW" altLang="en-US" sz="2800" dirty="0"/>
+        </a:p>
+      </dgm:t>
+    </dgm:pt>
+    <dgm:pt modelId="{D99BF36E-1FFA-E14F-A8F2-B5D0A19F6F66}" type="parTrans" cxnId="{666310AB-5556-4449-99F2-38B6E7EA73D3}">
+      <dgm:prSet/>
+      <dgm:spPr/>
+      <dgm:t>
+        <a:bodyPr/>
+        <a:lstStyle/>
+        <a:p>
+          <a:endParaRPr lang="zh-TW" altLang="en-US"/>
+        </a:p>
+      </dgm:t>
+    </dgm:pt>
+    <dgm:pt modelId="{23D67998-536F-1A43-8363-7E1D2E2F6D7E}" type="sibTrans" cxnId="{666310AB-5556-4449-99F2-38B6E7EA73D3}">
+      <dgm:prSet/>
+      <dgm:spPr/>
+      <dgm:t>
+        <a:bodyPr/>
+        <a:lstStyle/>
+        <a:p>
+          <a:endParaRPr lang="zh-TW" altLang="en-US"/>
+        </a:p>
+      </dgm:t>
+    </dgm:pt>
+    <dgm:pt modelId="{6E9A03B4-4691-2E41-8E80-9367ABE3784F}">
+      <dgm:prSet custT="1"/>
+      <dgm:spPr/>
+      <dgm:t>
+        <a:bodyPr/>
+        <a:lstStyle/>
+        <a:p>
+          <a:r>
+            <a:rPr lang="en-US" altLang="zh-TW" sz="2800" dirty="0" smtClean="0"/>
+            <a:t>14eV at 4K</a:t>
+          </a:r>
+          <a:endParaRPr lang="zh-TW" altLang="en-US" sz="2800" dirty="0"/>
+        </a:p>
+      </dgm:t>
+    </dgm:pt>
+    <dgm:pt modelId="{EFF1FE7A-6453-E549-8D31-817CCE92F438}" type="parTrans" cxnId="{6D9C164F-5CDE-DD47-9B31-8A4877231320}">
+      <dgm:prSet/>
+      <dgm:spPr/>
+      <dgm:t>
+        <a:bodyPr/>
+        <a:lstStyle/>
+        <a:p>
+          <a:endParaRPr lang="zh-TW" altLang="en-US"/>
+        </a:p>
+      </dgm:t>
+    </dgm:pt>
+    <dgm:pt modelId="{21A62A44-BAD8-B149-9CF2-703B2F9DB761}" type="sibTrans" cxnId="{6D9C164F-5CDE-DD47-9B31-8A4877231320}">
+      <dgm:prSet/>
+      <dgm:spPr/>
+      <dgm:t>
+        <a:bodyPr/>
+        <a:lstStyle/>
+        <a:p>
+          <a:endParaRPr lang="zh-TW" altLang="en-US"/>
+        </a:p>
+      </dgm:t>
+    </dgm:pt>
+    <dgm:pt modelId="{5B6FCDC6-C054-AD41-AA4E-473721C05DB2}" type="pres">
+      <dgm:prSet presAssocID="{991BC2BD-9ABD-1C49-9E08-FD67DCB9113B}" presName="hierChild1" presStyleCnt="0">
+        <dgm:presLayoutVars>
+          <dgm:orgChart val="1"/>
+          <dgm:chPref val="1"/>
+          <dgm:dir/>
+          <dgm:animOne val="branch"/>
+          <dgm:animLvl val="lvl"/>
+          <dgm:resizeHandles/>
+        </dgm:presLayoutVars>
+      </dgm:prSet>
+      <dgm:spPr/>
+    </dgm:pt>
+    <dgm:pt modelId="{A68F9215-AC01-5541-8996-30E252F5ED3E}" type="pres">
+      <dgm:prSet presAssocID="{9155790E-252D-8145-B73F-6987A74C6FCE}" presName="hierRoot1" presStyleCnt="0">
+        <dgm:presLayoutVars>
+          <dgm:hierBranch val="init"/>
+        </dgm:presLayoutVars>
+      </dgm:prSet>
+      <dgm:spPr/>
+    </dgm:pt>
+    <dgm:pt modelId="{F3884C1C-4F41-5A4A-8929-67B042A36F2C}" type="pres">
+      <dgm:prSet presAssocID="{9155790E-252D-8145-B73F-6987A74C6FCE}" presName="rootComposite1" presStyleCnt="0"/>
+      <dgm:spPr/>
+    </dgm:pt>
+    <dgm:pt modelId="{122A5CF2-A4F5-6443-8121-5EA4ADA58FE2}" type="pres">
+      <dgm:prSet presAssocID="{9155790E-252D-8145-B73F-6987A74C6FCE}" presName="rootText1" presStyleLbl="node0" presStyleIdx="0" presStyleCnt="1" custScaleX="186961" custScaleY="178092">
+        <dgm:presLayoutVars>
+          <dgm:chPref val="3"/>
+        </dgm:presLayoutVars>
+      </dgm:prSet>
+      <dgm:spPr/>
+      <dgm:t>
+        <a:bodyPr/>
+        <a:lstStyle/>
+        <a:p>
+          <a:endParaRPr lang="zh-TW" altLang="en-US"/>
+        </a:p>
+      </dgm:t>
+    </dgm:pt>
+    <dgm:pt modelId="{114BE08D-759C-4249-B7F3-C7D65DDD4A00}" type="pres">
+      <dgm:prSet presAssocID="{9155790E-252D-8145-B73F-6987A74C6FCE}" presName="rootConnector1" presStyleLbl="node1" presStyleIdx="0" presStyleCnt="0"/>
+      <dgm:spPr/>
+    </dgm:pt>
+    <dgm:pt modelId="{7646E109-D684-7F44-BF38-B5E8FABB9274}" type="pres">
+      <dgm:prSet presAssocID="{9155790E-252D-8145-B73F-6987A74C6FCE}" presName="hierChild2" presStyleCnt="0"/>
+      <dgm:spPr/>
+    </dgm:pt>
+    <dgm:pt modelId="{303D13D7-6426-2B4B-A603-9A358A4B457A}" type="pres">
+      <dgm:prSet presAssocID="{43579297-912A-3A43-928E-2923D9D033D7}" presName="Name37" presStyleLbl="parChTrans1D2" presStyleIdx="0" presStyleCnt="3"/>
+      <dgm:spPr/>
+    </dgm:pt>
+    <dgm:pt modelId="{40654E01-4471-694F-A85D-84ECF493707A}" type="pres">
+      <dgm:prSet presAssocID="{9414912D-272A-604D-8062-8E011A22AFAD}" presName="hierRoot2" presStyleCnt="0">
+        <dgm:presLayoutVars>
+          <dgm:hierBranch val="init"/>
+        </dgm:presLayoutVars>
+      </dgm:prSet>
+      <dgm:spPr/>
+    </dgm:pt>
+    <dgm:pt modelId="{2DC1DD98-425F-C943-881C-58046C17E315}" type="pres">
+      <dgm:prSet presAssocID="{9414912D-272A-604D-8062-8E011A22AFAD}" presName="rootComposite" presStyleCnt="0"/>
+      <dgm:spPr/>
+    </dgm:pt>
+    <dgm:pt modelId="{1D8CE2B4-B8B7-5F48-8612-982B90B50C34}" type="pres">
+      <dgm:prSet presAssocID="{9414912D-272A-604D-8062-8E011A22AFAD}" presName="rootText" presStyleLbl="node2" presStyleIdx="0" presStyleCnt="3" custScaleX="186961" custScaleY="178092">
+        <dgm:presLayoutVars>
+          <dgm:chPref val="3"/>
+        </dgm:presLayoutVars>
+      </dgm:prSet>
+      <dgm:spPr/>
+      <dgm:t>
+        <a:bodyPr/>
+        <a:lstStyle/>
+        <a:p>
+          <a:endParaRPr lang="zh-TW" altLang="en-US"/>
+        </a:p>
+      </dgm:t>
+    </dgm:pt>
+    <dgm:pt modelId="{C16F1FAC-F9E6-1E48-9D52-FC853D1543A9}" type="pres">
+      <dgm:prSet presAssocID="{9414912D-272A-604D-8062-8E011A22AFAD}" presName="rootConnector" presStyleLbl="node2" presStyleIdx="0" presStyleCnt="3"/>
+      <dgm:spPr/>
+    </dgm:pt>
+    <dgm:pt modelId="{6CF46065-1473-584D-8AE4-9F13EF0BD327}" type="pres">
+      <dgm:prSet presAssocID="{9414912D-272A-604D-8062-8E011A22AFAD}" presName="hierChild4" presStyleCnt="0"/>
+      <dgm:spPr/>
+    </dgm:pt>
+    <dgm:pt modelId="{51840DED-92B3-E14D-AABC-3D5600515E41}" type="pres">
+      <dgm:prSet presAssocID="{3AF3F861-9A44-8642-B454-6601D15FFD56}" presName="Name37" presStyleLbl="parChTrans1D3" presStyleIdx="0" presStyleCnt="10"/>
+      <dgm:spPr/>
+    </dgm:pt>
+    <dgm:pt modelId="{ED1ACB39-192C-6A4C-A356-5C955B4821A0}" type="pres">
+      <dgm:prSet presAssocID="{B6DAA9B2-E511-A043-82FA-F5D53E69E39F}" presName="hierRoot2" presStyleCnt="0">
+        <dgm:presLayoutVars>
+          <dgm:hierBranch val="init"/>
+        </dgm:presLayoutVars>
+      </dgm:prSet>
+      <dgm:spPr/>
+    </dgm:pt>
+    <dgm:pt modelId="{69122829-D6FF-A24A-909A-ADDAB9CD4496}" type="pres">
+      <dgm:prSet presAssocID="{B6DAA9B2-E511-A043-82FA-F5D53E69E39F}" presName="rootComposite" presStyleCnt="0"/>
+      <dgm:spPr/>
+    </dgm:pt>
+    <dgm:pt modelId="{F81C873D-4CD7-774A-B038-24F586CC662B}" type="pres">
+      <dgm:prSet presAssocID="{B6DAA9B2-E511-A043-82FA-F5D53E69E39F}" presName="rootText" presStyleLbl="node3" presStyleIdx="0" presStyleCnt="10" custScaleX="186961" custScaleY="178092">
+        <dgm:presLayoutVars>
+          <dgm:chPref val="3"/>
+        </dgm:presLayoutVars>
+      </dgm:prSet>
+      <dgm:spPr/>
+    </dgm:pt>
+    <dgm:pt modelId="{68A3C04C-C9E1-C441-B047-43EE33EF7CD6}" type="pres">
+      <dgm:prSet presAssocID="{B6DAA9B2-E511-A043-82FA-F5D53E69E39F}" presName="rootConnector" presStyleLbl="node3" presStyleIdx="0" presStyleCnt="10"/>
+      <dgm:spPr/>
+    </dgm:pt>
+    <dgm:pt modelId="{FEA0730A-26C2-1A48-89E4-6B770A8A8FC8}" type="pres">
+      <dgm:prSet presAssocID="{B6DAA9B2-E511-A043-82FA-F5D53E69E39F}" presName="hierChild4" presStyleCnt="0"/>
+      <dgm:spPr/>
+    </dgm:pt>
+    <dgm:pt modelId="{BCE36C61-BB43-D04E-B890-40C85303B7CA}" type="pres">
+      <dgm:prSet presAssocID="{B6DAA9B2-E511-A043-82FA-F5D53E69E39F}" presName="hierChild5" presStyleCnt="0"/>
+      <dgm:spPr/>
+    </dgm:pt>
+    <dgm:pt modelId="{0DABA691-84B5-7442-975A-17C2CBC0D58A}" type="pres">
+      <dgm:prSet presAssocID="{4BB69F2C-051F-1843-B24A-F497B6117A37}" presName="Name37" presStyleLbl="parChTrans1D3" presStyleIdx="1" presStyleCnt="10"/>
+      <dgm:spPr/>
+    </dgm:pt>
+    <dgm:pt modelId="{4A892219-F158-6843-B7E4-AB49174B061B}" type="pres">
+      <dgm:prSet presAssocID="{342241FF-A368-C74A-92F1-20C6735DA5C3}" presName="hierRoot2" presStyleCnt="0">
+        <dgm:presLayoutVars>
+          <dgm:hierBranch val="init"/>
+        </dgm:presLayoutVars>
+      </dgm:prSet>
+      <dgm:spPr/>
+    </dgm:pt>
+    <dgm:pt modelId="{51E13341-B381-054E-A192-67368881BC30}" type="pres">
+      <dgm:prSet presAssocID="{342241FF-A368-C74A-92F1-20C6735DA5C3}" presName="rootComposite" presStyleCnt="0"/>
+      <dgm:spPr/>
+    </dgm:pt>
+    <dgm:pt modelId="{5B6674E2-53CE-5C48-B0CD-CC245DE4ECA8}" type="pres">
+      <dgm:prSet presAssocID="{342241FF-A368-C74A-92F1-20C6735DA5C3}" presName="rootText" presStyleLbl="node3" presStyleIdx="1" presStyleCnt="10" custScaleX="186961" custScaleY="178092">
+        <dgm:presLayoutVars>
+          <dgm:chPref val="3"/>
+        </dgm:presLayoutVars>
+      </dgm:prSet>
+      <dgm:spPr/>
+      <dgm:t>
+        <a:bodyPr/>
+        <a:lstStyle/>
+        <a:p>
+          <a:endParaRPr lang="zh-TW" altLang="en-US"/>
+        </a:p>
+      </dgm:t>
+    </dgm:pt>
+    <dgm:pt modelId="{2E160051-DAFA-0B4F-A03C-D543C9816295}" type="pres">
+      <dgm:prSet presAssocID="{342241FF-A368-C74A-92F1-20C6735DA5C3}" presName="rootConnector" presStyleLbl="node3" presStyleIdx="1" presStyleCnt="10"/>
+      <dgm:spPr/>
+    </dgm:pt>
+    <dgm:pt modelId="{93887669-BA75-F540-BB89-72D4DF44764E}" type="pres">
+      <dgm:prSet presAssocID="{342241FF-A368-C74A-92F1-20C6735DA5C3}" presName="hierChild4" presStyleCnt="0"/>
+      <dgm:spPr/>
+    </dgm:pt>
+    <dgm:pt modelId="{4546AEF3-E13C-BE4B-98A2-EEADCFD16705}" type="pres">
+      <dgm:prSet presAssocID="{342241FF-A368-C74A-92F1-20C6735DA5C3}" presName="hierChild5" presStyleCnt="0"/>
+      <dgm:spPr/>
+    </dgm:pt>
+    <dgm:pt modelId="{A362D1AB-5EFC-1947-A356-94E663BB318E}" type="pres">
+      <dgm:prSet presAssocID="{9414912D-272A-604D-8062-8E011A22AFAD}" presName="hierChild5" presStyleCnt="0"/>
+      <dgm:spPr/>
+    </dgm:pt>
+    <dgm:pt modelId="{41CCA805-0977-C541-9EE2-60527EA67EC6}" type="pres">
+      <dgm:prSet presAssocID="{B716891C-8CD3-8D42-A1C9-0D90990C5091}" presName="Name37" presStyleLbl="parChTrans1D2" presStyleIdx="1" presStyleCnt="3"/>
+      <dgm:spPr/>
+    </dgm:pt>
+    <dgm:pt modelId="{419ED588-F200-8E4C-A79F-148464302124}" type="pres">
+      <dgm:prSet presAssocID="{CF46A2D2-3E2B-DD44-A503-B46BB8A9BCA8}" presName="hierRoot2" presStyleCnt="0">
+        <dgm:presLayoutVars>
+          <dgm:hierBranch val="init"/>
+        </dgm:presLayoutVars>
+      </dgm:prSet>
+      <dgm:spPr/>
+    </dgm:pt>
+    <dgm:pt modelId="{41C860BB-C8C3-8648-9B57-AC30B9020204}" type="pres">
+      <dgm:prSet presAssocID="{CF46A2D2-3E2B-DD44-A503-B46BB8A9BCA8}" presName="rootComposite" presStyleCnt="0"/>
+      <dgm:spPr/>
+    </dgm:pt>
+    <dgm:pt modelId="{C4A22549-DDCA-3B44-AAF3-299C8F85CD97}" type="pres">
+      <dgm:prSet presAssocID="{CF46A2D2-3E2B-DD44-A503-B46BB8A9BCA8}" presName="rootText" presStyleLbl="node2" presStyleIdx="1" presStyleCnt="3" custScaleX="186961" custScaleY="178092">
+        <dgm:presLayoutVars>
+          <dgm:chPref val="3"/>
+        </dgm:presLayoutVars>
+      </dgm:prSet>
+      <dgm:spPr/>
+      <dgm:t>
+        <a:bodyPr/>
+        <a:lstStyle/>
+        <a:p>
+          <a:endParaRPr lang="zh-TW" altLang="en-US"/>
+        </a:p>
+      </dgm:t>
+    </dgm:pt>
+    <dgm:pt modelId="{01E2D6F2-BC55-EE4C-8803-B49E4967910F}" type="pres">
+      <dgm:prSet presAssocID="{CF46A2D2-3E2B-DD44-A503-B46BB8A9BCA8}" presName="rootConnector" presStyleLbl="node2" presStyleIdx="1" presStyleCnt="3"/>
+      <dgm:spPr/>
+    </dgm:pt>
+    <dgm:pt modelId="{D67829F7-87EA-7245-9307-E83FCDBD8C04}" type="pres">
+      <dgm:prSet presAssocID="{CF46A2D2-3E2B-DD44-A503-B46BB8A9BCA8}" presName="hierChild4" presStyleCnt="0"/>
+      <dgm:spPr/>
+    </dgm:pt>
+    <dgm:pt modelId="{C0DD80F2-DE47-9C4D-A839-B88B1B8ADE7C}" type="pres">
+      <dgm:prSet presAssocID="{DA22223E-9BFA-8141-8837-C7EFCA9AF673}" presName="Name37" presStyleLbl="parChTrans1D3" presStyleIdx="2" presStyleCnt="10"/>
+      <dgm:spPr/>
+    </dgm:pt>
+    <dgm:pt modelId="{FDA3126A-E544-E64E-BC49-8F2E33DC6DF3}" type="pres">
+      <dgm:prSet presAssocID="{F7EA5F9C-7E24-B346-B2B0-5DDC384FEAB9}" presName="hierRoot2" presStyleCnt="0">
+        <dgm:presLayoutVars>
+          <dgm:hierBranch val="init"/>
+        </dgm:presLayoutVars>
+      </dgm:prSet>
+      <dgm:spPr/>
+    </dgm:pt>
+    <dgm:pt modelId="{B44CB6A4-1B67-6444-A1C1-CFBB0D979800}" type="pres">
+      <dgm:prSet presAssocID="{F7EA5F9C-7E24-B346-B2B0-5DDC384FEAB9}" presName="rootComposite" presStyleCnt="0"/>
+      <dgm:spPr/>
+    </dgm:pt>
+    <dgm:pt modelId="{A28A84E7-4DA6-8D44-992B-9F2F9A2386D0}" type="pres">
+      <dgm:prSet presAssocID="{F7EA5F9C-7E24-B346-B2B0-5DDC384FEAB9}" presName="rootText" presStyleLbl="node3" presStyleIdx="2" presStyleCnt="10" custScaleX="186961" custScaleY="178092">
+        <dgm:presLayoutVars>
+          <dgm:chPref val="3"/>
+        </dgm:presLayoutVars>
+      </dgm:prSet>
+      <dgm:spPr/>
+      <dgm:t>
+        <a:bodyPr/>
+        <a:lstStyle/>
+        <a:p>
+          <a:endParaRPr lang="zh-TW" altLang="en-US"/>
+        </a:p>
+      </dgm:t>
+    </dgm:pt>
+    <dgm:pt modelId="{716695E7-83C2-C94F-A736-82B1562D2F13}" type="pres">
+      <dgm:prSet presAssocID="{F7EA5F9C-7E24-B346-B2B0-5DDC384FEAB9}" presName="rootConnector" presStyleLbl="node3" presStyleIdx="2" presStyleCnt="10"/>
+      <dgm:spPr/>
+    </dgm:pt>
+    <dgm:pt modelId="{007CBD8B-2636-114E-913B-9C8023D48A3E}" type="pres">
+      <dgm:prSet presAssocID="{F7EA5F9C-7E24-B346-B2B0-5DDC384FEAB9}" presName="hierChild4" presStyleCnt="0"/>
+      <dgm:spPr/>
+    </dgm:pt>
+    <dgm:pt modelId="{B2EA5CF9-AEA8-734D-8DCD-68C412E6B33D}" type="pres">
+      <dgm:prSet presAssocID="{F7EA5F9C-7E24-B346-B2B0-5DDC384FEAB9}" presName="hierChild5" presStyleCnt="0"/>
+      <dgm:spPr/>
+    </dgm:pt>
+    <dgm:pt modelId="{44B270F3-D79D-A149-8356-FAEDC4FFB1CC}" type="pres">
+      <dgm:prSet presAssocID="{2997E24D-C0F5-1C44-AA19-FDCF670AD66B}" presName="Name37" presStyleLbl="parChTrans1D3" presStyleIdx="3" presStyleCnt="10"/>
+      <dgm:spPr/>
+    </dgm:pt>
+    <dgm:pt modelId="{D889090A-6C3E-104A-B0DD-EC3F2F4C113C}" type="pres">
+      <dgm:prSet presAssocID="{53C6962A-BD0B-0E4E-86E1-BEFF7D397AD6}" presName="hierRoot2" presStyleCnt="0">
+        <dgm:presLayoutVars>
+          <dgm:hierBranch val="init"/>
+        </dgm:presLayoutVars>
+      </dgm:prSet>
+      <dgm:spPr/>
+    </dgm:pt>
+    <dgm:pt modelId="{FD4A5F88-CB3A-B243-8B64-F2A85948A4DE}" type="pres">
+      <dgm:prSet presAssocID="{53C6962A-BD0B-0E4E-86E1-BEFF7D397AD6}" presName="rootComposite" presStyleCnt="0"/>
+      <dgm:spPr/>
+    </dgm:pt>
+    <dgm:pt modelId="{B5885C74-350F-E249-9B24-9E7B47AD4124}" type="pres">
+      <dgm:prSet presAssocID="{53C6962A-BD0B-0E4E-86E1-BEFF7D397AD6}" presName="rootText" presStyleLbl="node3" presStyleIdx="3" presStyleCnt="10" custScaleX="186961" custScaleY="178092">
+        <dgm:presLayoutVars>
+          <dgm:chPref val="3"/>
+        </dgm:presLayoutVars>
+      </dgm:prSet>
+      <dgm:spPr/>
+      <dgm:t>
+        <a:bodyPr/>
+        <a:lstStyle/>
+        <a:p>
+          <a:endParaRPr lang="zh-TW" altLang="en-US"/>
+        </a:p>
+      </dgm:t>
+    </dgm:pt>
+    <dgm:pt modelId="{3B4A848F-F866-B544-A2EA-510018393C93}" type="pres">
+      <dgm:prSet presAssocID="{53C6962A-BD0B-0E4E-86E1-BEFF7D397AD6}" presName="rootConnector" presStyleLbl="node3" presStyleIdx="3" presStyleCnt="10"/>
+      <dgm:spPr/>
+    </dgm:pt>
+    <dgm:pt modelId="{69EB0D8D-28CF-9F47-A544-EFB08C4ED9E0}" type="pres">
+      <dgm:prSet presAssocID="{53C6962A-BD0B-0E4E-86E1-BEFF7D397AD6}" presName="hierChild4" presStyleCnt="0"/>
+      <dgm:spPr/>
+    </dgm:pt>
+    <dgm:pt modelId="{18499074-882A-8D4B-91E3-024E1906E097}" type="pres">
+      <dgm:prSet presAssocID="{53C6962A-BD0B-0E4E-86E1-BEFF7D397AD6}" presName="hierChild5" presStyleCnt="0"/>
+      <dgm:spPr/>
+    </dgm:pt>
+    <dgm:pt modelId="{7545517E-8F6B-3143-8F78-C2B4BCE552F6}" type="pres">
+      <dgm:prSet presAssocID="{7566F7F4-50AD-9C41-A34F-EDAE19CB3CF5}" presName="Name37" presStyleLbl="parChTrans1D3" presStyleIdx="4" presStyleCnt="10"/>
+      <dgm:spPr/>
+    </dgm:pt>
+    <dgm:pt modelId="{06C6CE65-9559-FC47-B9E0-8570003DDF36}" type="pres">
+      <dgm:prSet presAssocID="{E473C8D6-CFCC-9B4A-8FE0-AD13655883D3}" presName="hierRoot2" presStyleCnt="0">
+        <dgm:presLayoutVars>
+          <dgm:hierBranch val="init"/>
+        </dgm:presLayoutVars>
+      </dgm:prSet>
+      <dgm:spPr/>
+    </dgm:pt>
+    <dgm:pt modelId="{ED47AC1E-7801-2D4B-8835-51618CA93BB9}" type="pres">
+      <dgm:prSet presAssocID="{E473C8D6-CFCC-9B4A-8FE0-AD13655883D3}" presName="rootComposite" presStyleCnt="0"/>
+      <dgm:spPr/>
+    </dgm:pt>
+    <dgm:pt modelId="{A1EEF08B-8D95-6247-B459-33D588285B56}" type="pres">
+      <dgm:prSet presAssocID="{E473C8D6-CFCC-9B4A-8FE0-AD13655883D3}" presName="rootText" presStyleLbl="node3" presStyleIdx="4" presStyleCnt="10" custScaleX="186961" custScaleY="178092">
+        <dgm:presLayoutVars>
+          <dgm:chPref val="3"/>
+        </dgm:presLayoutVars>
+      </dgm:prSet>
+      <dgm:spPr/>
+      <dgm:t>
+        <a:bodyPr/>
+        <a:lstStyle/>
+        <a:p>
+          <a:endParaRPr lang="zh-TW" altLang="en-US"/>
+        </a:p>
+      </dgm:t>
+    </dgm:pt>
+    <dgm:pt modelId="{4F39EFE5-74C3-754B-A131-C7EF09C42F4D}" type="pres">
+      <dgm:prSet presAssocID="{E473C8D6-CFCC-9B4A-8FE0-AD13655883D3}" presName="rootConnector" presStyleLbl="node3" presStyleIdx="4" presStyleCnt="10"/>
+      <dgm:spPr/>
+    </dgm:pt>
+    <dgm:pt modelId="{471EC8A2-5EA4-6C41-8E41-1436FA20B4AD}" type="pres">
+      <dgm:prSet presAssocID="{E473C8D6-CFCC-9B4A-8FE0-AD13655883D3}" presName="hierChild4" presStyleCnt="0"/>
+      <dgm:spPr/>
+    </dgm:pt>
+    <dgm:pt modelId="{D95B4FDF-A6F5-784E-BB76-081A91F386AF}" type="pres">
+      <dgm:prSet presAssocID="{E473C8D6-CFCC-9B4A-8FE0-AD13655883D3}" presName="hierChild5" presStyleCnt="0"/>
+      <dgm:spPr/>
+    </dgm:pt>
+    <dgm:pt modelId="{EDAAD9D9-F2CA-154D-AEBA-E577EAC4C638}" type="pres">
+      <dgm:prSet presAssocID="{D99BF36E-1FFA-E14F-A8F2-B5D0A19F6F66}" presName="Name37" presStyleLbl="parChTrans1D3" presStyleIdx="5" presStyleCnt="10"/>
+      <dgm:spPr/>
+    </dgm:pt>
+    <dgm:pt modelId="{6ADB36A2-F292-8243-AE69-1E8D1D33F059}" type="pres">
+      <dgm:prSet presAssocID="{681BDDB1-BD73-CF4A-8D98-BFF7B8548DAB}" presName="hierRoot2" presStyleCnt="0">
+        <dgm:presLayoutVars>
+          <dgm:hierBranch val="init"/>
+        </dgm:presLayoutVars>
+      </dgm:prSet>
+      <dgm:spPr/>
+    </dgm:pt>
+    <dgm:pt modelId="{0BE158A5-8A31-3141-839F-9953AF55DC76}" type="pres">
+      <dgm:prSet presAssocID="{681BDDB1-BD73-CF4A-8D98-BFF7B8548DAB}" presName="rootComposite" presStyleCnt="0"/>
+      <dgm:spPr/>
+    </dgm:pt>
+    <dgm:pt modelId="{592828BF-8F81-4C4D-831D-CE4398AF4045}" type="pres">
+      <dgm:prSet presAssocID="{681BDDB1-BD73-CF4A-8D98-BFF7B8548DAB}" presName="rootText" presStyleLbl="node3" presStyleIdx="5" presStyleCnt="10" custScaleX="186961" custScaleY="178092">
+        <dgm:presLayoutVars>
+          <dgm:chPref val="3"/>
+        </dgm:presLayoutVars>
+      </dgm:prSet>
+      <dgm:spPr/>
+      <dgm:t>
+        <a:bodyPr/>
+        <a:lstStyle/>
+        <a:p>
+          <a:endParaRPr lang="zh-TW" altLang="en-US"/>
+        </a:p>
+      </dgm:t>
+    </dgm:pt>
+    <dgm:pt modelId="{AEF14C1F-9B21-E04D-8399-841978DD0F05}" type="pres">
+      <dgm:prSet presAssocID="{681BDDB1-BD73-CF4A-8D98-BFF7B8548DAB}" presName="rootConnector" presStyleLbl="node3" presStyleIdx="5" presStyleCnt="10"/>
+      <dgm:spPr/>
+    </dgm:pt>
+    <dgm:pt modelId="{83B81550-535B-FE44-9C1F-B9F9CCA83B26}" type="pres">
+      <dgm:prSet presAssocID="{681BDDB1-BD73-CF4A-8D98-BFF7B8548DAB}" presName="hierChild4" presStyleCnt="0"/>
+      <dgm:spPr/>
+    </dgm:pt>
+    <dgm:pt modelId="{82294C83-B265-E94D-ABF1-BCAD88E5F562}" type="pres">
+      <dgm:prSet presAssocID="{681BDDB1-BD73-CF4A-8D98-BFF7B8548DAB}" presName="hierChild5" presStyleCnt="0"/>
+      <dgm:spPr/>
+    </dgm:pt>
+    <dgm:pt modelId="{51B75253-CB7C-6443-AF1E-6AD67D7B2543}" type="pres">
+      <dgm:prSet presAssocID="{CF46A2D2-3E2B-DD44-A503-B46BB8A9BCA8}" presName="hierChild5" presStyleCnt="0"/>
+      <dgm:spPr/>
+    </dgm:pt>
+    <dgm:pt modelId="{12A3EEB5-A1C4-3E49-84AA-59EA23AE1C4A}" type="pres">
+      <dgm:prSet presAssocID="{3899A6A8-CC33-C646-8D9C-4BA6D815C79E}" presName="Name37" presStyleLbl="parChTrans1D2" presStyleIdx="2" presStyleCnt="3"/>
+      <dgm:spPr/>
+    </dgm:pt>
+    <dgm:pt modelId="{52134895-F045-2E4D-B038-29BD402CCCBB}" type="pres">
+      <dgm:prSet presAssocID="{B0998C9D-19FD-2E41-B613-C6DA5B4CFD05}" presName="hierRoot2" presStyleCnt="0">
+        <dgm:presLayoutVars>
+          <dgm:hierBranch val="init"/>
+        </dgm:presLayoutVars>
+      </dgm:prSet>
+      <dgm:spPr/>
+    </dgm:pt>
+    <dgm:pt modelId="{EB52BAD6-A592-E047-B1ED-740B150B844B}" type="pres">
+      <dgm:prSet presAssocID="{B0998C9D-19FD-2E41-B613-C6DA5B4CFD05}" presName="rootComposite" presStyleCnt="0"/>
+      <dgm:spPr/>
+    </dgm:pt>
+    <dgm:pt modelId="{3A202DDB-EA5C-6F46-98E5-6C93032738A2}" type="pres">
+      <dgm:prSet presAssocID="{B0998C9D-19FD-2E41-B613-C6DA5B4CFD05}" presName="rootText" presStyleLbl="node2" presStyleIdx="2" presStyleCnt="3" custScaleX="186961" custScaleY="178092">
+        <dgm:presLayoutVars>
+          <dgm:chPref val="3"/>
+        </dgm:presLayoutVars>
+      </dgm:prSet>
+      <dgm:spPr/>
+    </dgm:pt>
+    <dgm:pt modelId="{52B14447-72C2-DE46-A1D2-8B4A5186DCAE}" type="pres">
+      <dgm:prSet presAssocID="{B0998C9D-19FD-2E41-B613-C6DA5B4CFD05}" presName="rootConnector" presStyleLbl="node2" presStyleIdx="2" presStyleCnt="3"/>
+      <dgm:spPr/>
+    </dgm:pt>
+    <dgm:pt modelId="{56B13D9B-209B-1243-8EC9-C3C9664521B5}" type="pres">
+      <dgm:prSet presAssocID="{B0998C9D-19FD-2E41-B613-C6DA5B4CFD05}" presName="hierChild4" presStyleCnt="0"/>
+      <dgm:spPr/>
+    </dgm:pt>
+    <dgm:pt modelId="{43E31F1E-D296-4A4B-AA65-486AF336F449}" type="pres">
+      <dgm:prSet presAssocID="{6F1CA094-BAAC-B040-B57B-A8043D01CCC7}" presName="Name37" presStyleLbl="parChTrans1D3" presStyleIdx="6" presStyleCnt="10"/>
+      <dgm:spPr/>
+    </dgm:pt>
+    <dgm:pt modelId="{3B4230F0-D3AB-F349-8A01-39DCAAED8057}" type="pres">
+      <dgm:prSet presAssocID="{D36D7F1C-3B2D-C14C-A72F-21F723585AF7}" presName="hierRoot2" presStyleCnt="0">
+        <dgm:presLayoutVars>
+          <dgm:hierBranch val="init"/>
+        </dgm:presLayoutVars>
+      </dgm:prSet>
+      <dgm:spPr/>
+    </dgm:pt>
+    <dgm:pt modelId="{67E5B588-8E03-C645-820D-9C02444E475B}" type="pres">
+      <dgm:prSet presAssocID="{D36D7F1C-3B2D-C14C-A72F-21F723585AF7}" presName="rootComposite" presStyleCnt="0"/>
+      <dgm:spPr/>
+    </dgm:pt>
+    <dgm:pt modelId="{82F8EB75-C97B-E947-A4DE-44A61B16DAA5}" type="pres">
+      <dgm:prSet presAssocID="{D36D7F1C-3B2D-C14C-A72F-21F723585AF7}" presName="rootText" presStyleLbl="node3" presStyleIdx="6" presStyleCnt="10" custScaleX="186961" custScaleY="178092">
+        <dgm:presLayoutVars>
+          <dgm:chPref val="3"/>
+        </dgm:presLayoutVars>
+      </dgm:prSet>
+      <dgm:spPr/>
+      <dgm:t>
+        <a:bodyPr/>
+        <a:lstStyle/>
+        <a:p>
+          <a:endParaRPr lang="zh-TW" altLang="en-US"/>
+        </a:p>
+      </dgm:t>
+    </dgm:pt>
+    <dgm:pt modelId="{88D10869-A3D3-3D4B-BA18-87F9D90EF652}" type="pres">
+      <dgm:prSet presAssocID="{D36D7F1C-3B2D-C14C-A72F-21F723585AF7}" presName="rootConnector" presStyleLbl="node3" presStyleIdx="6" presStyleCnt="10"/>
+      <dgm:spPr/>
+    </dgm:pt>
+    <dgm:pt modelId="{7EAA0A1F-11B6-4848-BCBE-823763940C54}" type="pres">
+      <dgm:prSet presAssocID="{D36D7F1C-3B2D-C14C-A72F-21F723585AF7}" presName="hierChild4" presStyleCnt="0"/>
+      <dgm:spPr/>
+    </dgm:pt>
+    <dgm:pt modelId="{B2A77EF1-24FF-B742-9F7E-3E7BBCB6F69E}" type="pres">
+      <dgm:prSet presAssocID="{D36D7F1C-3B2D-C14C-A72F-21F723585AF7}" presName="hierChild5" presStyleCnt="0"/>
+      <dgm:spPr/>
+    </dgm:pt>
+    <dgm:pt modelId="{7EBDF759-2C6E-2A41-89FD-15651DFFFD2F}" type="pres">
+      <dgm:prSet presAssocID="{A688EB8E-A979-5541-9B5A-217FD60E88E7}" presName="Name37" presStyleLbl="parChTrans1D3" presStyleIdx="7" presStyleCnt="10"/>
+      <dgm:spPr/>
+    </dgm:pt>
+    <dgm:pt modelId="{D4177785-D2D8-A346-B1DD-F70CBBFB6304}" type="pres">
+      <dgm:prSet presAssocID="{7E5E83A5-B20B-174A-A366-B98201318D29}" presName="hierRoot2" presStyleCnt="0">
+        <dgm:presLayoutVars>
+          <dgm:hierBranch val="init"/>
+        </dgm:presLayoutVars>
+      </dgm:prSet>
+      <dgm:spPr/>
+    </dgm:pt>
+    <dgm:pt modelId="{85E35D30-B1AC-7745-BED4-8905773262FD}" type="pres">
+      <dgm:prSet presAssocID="{7E5E83A5-B20B-174A-A366-B98201318D29}" presName="rootComposite" presStyleCnt="0"/>
+      <dgm:spPr/>
+    </dgm:pt>
+    <dgm:pt modelId="{500D0340-096F-4E41-AB90-7D1836639CE0}" type="pres">
+      <dgm:prSet presAssocID="{7E5E83A5-B20B-174A-A366-B98201318D29}" presName="rootText" presStyleLbl="node3" presStyleIdx="7" presStyleCnt="10" custScaleX="186961" custScaleY="178092">
+        <dgm:presLayoutVars>
+          <dgm:chPref val="3"/>
+        </dgm:presLayoutVars>
+      </dgm:prSet>
+      <dgm:spPr/>
+    </dgm:pt>
+    <dgm:pt modelId="{6A0579B0-69F2-684E-AA38-F93B9A692DA4}" type="pres">
+      <dgm:prSet presAssocID="{7E5E83A5-B20B-174A-A366-B98201318D29}" presName="rootConnector" presStyleLbl="node3" presStyleIdx="7" presStyleCnt="10"/>
+      <dgm:spPr/>
+    </dgm:pt>
+    <dgm:pt modelId="{D0D29CF7-78F5-CF4B-ACFE-BA9BCF675A3B}" type="pres">
+      <dgm:prSet presAssocID="{7E5E83A5-B20B-174A-A366-B98201318D29}" presName="hierChild4" presStyleCnt="0"/>
+      <dgm:spPr/>
+    </dgm:pt>
+    <dgm:pt modelId="{8CF4EFDD-F95C-AD4B-8D67-B7246492E489}" type="pres">
+      <dgm:prSet presAssocID="{7E5E83A5-B20B-174A-A366-B98201318D29}" presName="hierChild5" presStyleCnt="0"/>
+      <dgm:spPr/>
+    </dgm:pt>
+    <dgm:pt modelId="{FA7CABF5-6D8F-BD44-840F-F3253CDEC571}" type="pres">
+      <dgm:prSet presAssocID="{7FDD6A65-204D-8F4C-B1B1-813120FDD0F9}" presName="Name37" presStyleLbl="parChTrans1D3" presStyleIdx="8" presStyleCnt="10"/>
+      <dgm:spPr/>
+    </dgm:pt>
+    <dgm:pt modelId="{08D32562-CDF4-0546-959E-CF924D892A38}" type="pres">
+      <dgm:prSet presAssocID="{15A51150-7C8D-5A45-92EA-1BE763DA3816}" presName="hierRoot2" presStyleCnt="0">
+        <dgm:presLayoutVars>
+          <dgm:hierBranch val="init"/>
+        </dgm:presLayoutVars>
+      </dgm:prSet>
+      <dgm:spPr/>
+    </dgm:pt>
+    <dgm:pt modelId="{750B7152-D3E4-5A4F-8E73-5E5D4538FB1D}" type="pres">
+      <dgm:prSet presAssocID="{15A51150-7C8D-5A45-92EA-1BE763DA3816}" presName="rootComposite" presStyleCnt="0"/>
+      <dgm:spPr/>
+    </dgm:pt>
+    <dgm:pt modelId="{8D51D942-1FC7-844D-B84D-65C582740A41}" type="pres">
+      <dgm:prSet presAssocID="{15A51150-7C8D-5A45-92EA-1BE763DA3816}" presName="rootText" presStyleLbl="node3" presStyleIdx="8" presStyleCnt="10" custScaleX="186961" custScaleY="178092">
+        <dgm:presLayoutVars>
+          <dgm:chPref val="3"/>
+        </dgm:presLayoutVars>
+      </dgm:prSet>
+      <dgm:spPr/>
+      <dgm:t>
+        <a:bodyPr/>
+        <a:lstStyle/>
+        <a:p>
+          <a:endParaRPr lang="zh-TW" altLang="en-US"/>
+        </a:p>
+      </dgm:t>
+    </dgm:pt>
+    <dgm:pt modelId="{CB73A1FB-2C1C-E049-817B-6B261E95C040}" type="pres">
+      <dgm:prSet presAssocID="{15A51150-7C8D-5A45-92EA-1BE763DA3816}" presName="rootConnector" presStyleLbl="node3" presStyleIdx="8" presStyleCnt="10"/>
+      <dgm:spPr/>
+    </dgm:pt>
+    <dgm:pt modelId="{3CEA4AF7-5F37-F94E-98F1-191A339405CD}" type="pres">
+      <dgm:prSet presAssocID="{15A51150-7C8D-5A45-92EA-1BE763DA3816}" presName="hierChild4" presStyleCnt="0"/>
+      <dgm:spPr/>
+    </dgm:pt>
+    <dgm:pt modelId="{4386B3D5-BFB7-3144-A81B-4995A444CF64}" type="pres">
+      <dgm:prSet presAssocID="{15A51150-7C8D-5A45-92EA-1BE763DA3816}" presName="hierChild5" presStyleCnt="0"/>
+      <dgm:spPr/>
+    </dgm:pt>
+    <dgm:pt modelId="{224E8816-6256-C140-A594-5EDC6F7D9205}" type="pres">
+      <dgm:prSet presAssocID="{EFF1FE7A-6453-E549-8D31-817CCE92F438}" presName="Name37" presStyleLbl="parChTrans1D3" presStyleIdx="9" presStyleCnt="10"/>
+      <dgm:spPr/>
+    </dgm:pt>
+    <dgm:pt modelId="{F41DF1B8-7A7D-804B-9CDE-AA6003094152}" type="pres">
+      <dgm:prSet presAssocID="{6E9A03B4-4691-2E41-8E80-9367ABE3784F}" presName="hierRoot2" presStyleCnt="0">
+        <dgm:presLayoutVars>
+          <dgm:hierBranch val="init"/>
+        </dgm:presLayoutVars>
+      </dgm:prSet>
+      <dgm:spPr/>
+    </dgm:pt>
+    <dgm:pt modelId="{AA015B0E-1425-0F4B-A80A-67A9AFBB036E}" type="pres">
+      <dgm:prSet presAssocID="{6E9A03B4-4691-2E41-8E80-9367ABE3784F}" presName="rootComposite" presStyleCnt="0"/>
+      <dgm:spPr/>
+    </dgm:pt>
+    <dgm:pt modelId="{D940CB2F-046D-6D4F-B11D-1ECC8DE0037B}" type="pres">
+      <dgm:prSet presAssocID="{6E9A03B4-4691-2E41-8E80-9367ABE3784F}" presName="rootText" presStyleLbl="node3" presStyleIdx="9" presStyleCnt="10" custScaleX="186961" custScaleY="178092">
+        <dgm:presLayoutVars>
+          <dgm:chPref val="3"/>
+        </dgm:presLayoutVars>
+      </dgm:prSet>
+      <dgm:spPr/>
+      <dgm:t>
+        <a:bodyPr/>
+        <a:lstStyle/>
+        <a:p>
+          <a:endParaRPr lang="zh-TW" altLang="en-US"/>
+        </a:p>
+      </dgm:t>
+    </dgm:pt>
+    <dgm:pt modelId="{F8CB3562-7EDB-874D-BCB1-1E7D9603361C}" type="pres">
+      <dgm:prSet presAssocID="{6E9A03B4-4691-2E41-8E80-9367ABE3784F}" presName="rootConnector" presStyleLbl="node3" presStyleIdx="9" presStyleCnt="10"/>
+      <dgm:spPr/>
+    </dgm:pt>
+    <dgm:pt modelId="{56CFB123-A926-C149-9EAB-AD5E64A44157}" type="pres">
+      <dgm:prSet presAssocID="{6E9A03B4-4691-2E41-8E80-9367ABE3784F}" presName="hierChild4" presStyleCnt="0"/>
+      <dgm:spPr/>
+    </dgm:pt>
+    <dgm:pt modelId="{DDC1CD76-439D-0149-9F2E-1B3F41339DA1}" type="pres">
+      <dgm:prSet presAssocID="{6E9A03B4-4691-2E41-8E80-9367ABE3784F}" presName="hierChild5" presStyleCnt="0"/>
+      <dgm:spPr/>
+    </dgm:pt>
+    <dgm:pt modelId="{B14CBFFB-C3D5-EF49-9AB0-DE028C966AC2}" type="pres">
+      <dgm:prSet presAssocID="{B0998C9D-19FD-2E41-B613-C6DA5B4CFD05}" presName="hierChild5" presStyleCnt="0"/>
+      <dgm:spPr/>
+    </dgm:pt>
+    <dgm:pt modelId="{44E431C0-2FBE-5043-84E1-744460FDEA9C}" type="pres">
+      <dgm:prSet presAssocID="{9155790E-252D-8145-B73F-6987A74C6FCE}" presName="hierChild3" presStyleCnt="0"/>
+      <dgm:spPr/>
+    </dgm:pt>
+  </dgm:ptLst>
+  <dgm:cxnLst>
+    <dgm:cxn modelId="{ACF6E10D-480C-F049-93BE-A97057C400F1}" srcId="{B0998C9D-19FD-2E41-B613-C6DA5B4CFD05}" destId="{7E5E83A5-B20B-174A-A366-B98201318D29}" srcOrd="1" destOrd="0" parTransId="{A688EB8E-A979-5541-9B5A-217FD60E88E7}" sibTransId="{8BBCC2ED-EF11-F64E-8802-F8CFCEA87002}"/>
+    <dgm:cxn modelId="{ABB76D9D-F094-DB41-94A2-3CA4151912FA}" type="presOf" srcId="{3899A6A8-CC33-C646-8D9C-4BA6D815C79E}" destId="{12A3EEB5-A1C4-3E49-84AA-59EA23AE1C4A}" srcOrd="0" destOrd="0" presId="urn:microsoft.com/office/officeart/2005/8/layout/orgChart1"/>
+    <dgm:cxn modelId="{F83F4A87-A917-9F4B-AD26-2C58FA859DE5}" srcId="{CF46A2D2-3E2B-DD44-A503-B46BB8A9BCA8}" destId="{53C6962A-BD0B-0E4E-86E1-BEFF7D397AD6}" srcOrd="1" destOrd="0" parTransId="{2997E24D-C0F5-1C44-AA19-FDCF670AD66B}" sibTransId="{9BDC6B57-5850-5C46-8D6E-1A9569670603}"/>
+    <dgm:cxn modelId="{30C64862-2EDD-5040-A658-DB6D2D6B9D96}" type="presOf" srcId="{53C6962A-BD0B-0E4E-86E1-BEFF7D397AD6}" destId="{3B4A848F-F866-B544-A2EA-510018393C93}" srcOrd="1" destOrd="0" presId="urn:microsoft.com/office/officeart/2005/8/layout/orgChart1"/>
+    <dgm:cxn modelId="{CD1CE832-91D7-8640-A59D-7DDD3EB836DC}" type="presOf" srcId="{3AF3F861-9A44-8642-B454-6601D15FFD56}" destId="{51840DED-92B3-E14D-AABC-3D5600515E41}" srcOrd="0" destOrd="0" presId="urn:microsoft.com/office/officeart/2005/8/layout/orgChart1"/>
+    <dgm:cxn modelId="{3732CCAA-FC89-8041-9E45-68546E4D0451}" type="presOf" srcId="{9414912D-272A-604D-8062-8E011A22AFAD}" destId="{1D8CE2B4-B8B7-5F48-8612-982B90B50C34}" srcOrd="0" destOrd="0" presId="urn:microsoft.com/office/officeart/2005/8/layout/orgChart1"/>
+    <dgm:cxn modelId="{4E7C9A8D-6B5C-344A-A29C-16131AF5DF6E}" type="presOf" srcId="{E473C8D6-CFCC-9B4A-8FE0-AD13655883D3}" destId="{A1EEF08B-8D95-6247-B459-33D588285B56}" srcOrd="0" destOrd="0" presId="urn:microsoft.com/office/officeart/2005/8/layout/orgChart1"/>
+    <dgm:cxn modelId="{5BF3DA78-17C6-214D-9886-5A551519FE1D}" type="presOf" srcId="{EFF1FE7A-6453-E549-8D31-817CCE92F438}" destId="{224E8816-6256-C140-A594-5EDC6F7D9205}" srcOrd="0" destOrd="0" presId="urn:microsoft.com/office/officeart/2005/8/layout/orgChart1"/>
+    <dgm:cxn modelId="{A0DF7CE8-2FB5-2D4C-A420-0023F67BF235}" type="presOf" srcId="{43579297-912A-3A43-928E-2923D9D033D7}" destId="{303D13D7-6426-2B4B-A603-9A358A4B457A}" srcOrd="0" destOrd="0" presId="urn:microsoft.com/office/officeart/2005/8/layout/orgChart1"/>
+    <dgm:cxn modelId="{DE34BA46-CA21-1842-A980-18455F27B563}" type="presOf" srcId="{D36D7F1C-3B2D-C14C-A72F-21F723585AF7}" destId="{88D10869-A3D3-3D4B-BA18-87F9D90EF652}" srcOrd="1" destOrd="0" presId="urn:microsoft.com/office/officeart/2005/8/layout/orgChart1"/>
+    <dgm:cxn modelId="{5261FEC3-6F5A-6C43-9477-9E85246118A4}" type="presOf" srcId="{F7EA5F9C-7E24-B346-B2B0-5DDC384FEAB9}" destId="{A28A84E7-4DA6-8D44-992B-9F2F9A2386D0}" srcOrd="0" destOrd="0" presId="urn:microsoft.com/office/officeart/2005/8/layout/orgChart1"/>
+    <dgm:cxn modelId="{9624EEFB-123E-1542-817E-A0D05D4C9428}" srcId="{9155790E-252D-8145-B73F-6987A74C6FCE}" destId="{CF46A2D2-3E2B-DD44-A503-B46BB8A9BCA8}" srcOrd="1" destOrd="0" parTransId="{B716891C-8CD3-8D42-A1C9-0D90990C5091}" sibTransId="{92417361-55CE-EC4C-9EFF-DBAF4D664779}"/>
+    <dgm:cxn modelId="{89F91E55-2F19-C944-96E4-C927EF67C309}" srcId="{CF46A2D2-3E2B-DD44-A503-B46BB8A9BCA8}" destId="{F7EA5F9C-7E24-B346-B2B0-5DDC384FEAB9}" srcOrd="0" destOrd="0" parTransId="{DA22223E-9BFA-8141-8837-C7EFCA9AF673}" sibTransId="{9673EF72-8387-C048-B5DF-ADBBE8D15DE9}"/>
+    <dgm:cxn modelId="{B8B5F8E6-12E0-AA40-97B0-BDF6E40E02DE}" type="presOf" srcId="{CF46A2D2-3E2B-DD44-A503-B46BB8A9BCA8}" destId="{C4A22549-DDCA-3B44-AAF3-299C8F85CD97}" srcOrd="0" destOrd="0" presId="urn:microsoft.com/office/officeart/2005/8/layout/orgChart1"/>
+    <dgm:cxn modelId="{1277851E-7605-CE4F-87EB-A952A76AD276}" type="presOf" srcId="{7E5E83A5-B20B-174A-A366-B98201318D29}" destId="{500D0340-096F-4E41-AB90-7D1836639CE0}" srcOrd="0" destOrd="0" presId="urn:microsoft.com/office/officeart/2005/8/layout/orgChart1"/>
+    <dgm:cxn modelId="{FFB43709-1982-1F43-ABF6-0A76B82D4B36}" srcId="{B0998C9D-19FD-2E41-B613-C6DA5B4CFD05}" destId="{D36D7F1C-3B2D-C14C-A72F-21F723585AF7}" srcOrd="0" destOrd="0" parTransId="{6F1CA094-BAAC-B040-B57B-A8043D01CCC7}" sibTransId="{960E378C-E14F-2442-ADBD-D62452F0A363}"/>
+    <dgm:cxn modelId="{FFA444BA-DF63-6E48-AC7E-5CB05EB73F6F}" type="presOf" srcId="{B716891C-8CD3-8D42-A1C9-0D90990C5091}" destId="{41CCA805-0977-C541-9EE2-60527EA67EC6}" srcOrd="0" destOrd="0" presId="urn:microsoft.com/office/officeart/2005/8/layout/orgChart1"/>
+    <dgm:cxn modelId="{F1BA134A-839E-8F43-89EE-ABEC3F8D4AFF}" type="presOf" srcId="{B0998C9D-19FD-2E41-B613-C6DA5B4CFD05}" destId="{52B14447-72C2-DE46-A1D2-8B4A5186DCAE}" srcOrd="1" destOrd="0" presId="urn:microsoft.com/office/officeart/2005/8/layout/orgChart1"/>
+    <dgm:cxn modelId="{5EA1EBA2-3000-4D4D-8657-34E91AE5AA66}" type="presOf" srcId="{9155790E-252D-8145-B73F-6987A74C6FCE}" destId="{122A5CF2-A4F5-6443-8121-5EA4ADA58FE2}" srcOrd="0" destOrd="0" presId="urn:microsoft.com/office/officeart/2005/8/layout/orgChart1"/>
+    <dgm:cxn modelId="{FFC0FF81-64CC-B54B-B6D3-682181B96D01}" srcId="{991BC2BD-9ABD-1C49-9E08-FD67DCB9113B}" destId="{9155790E-252D-8145-B73F-6987A74C6FCE}" srcOrd="0" destOrd="0" parTransId="{74D241B8-5B2B-D147-A3BA-9A6844D06AF6}" sibTransId="{C9AB40F0-D319-0F4F-B449-0E7970435EED}"/>
+    <dgm:cxn modelId="{D63E95C6-CE6D-DC4A-8EC9-106071023CAB}" type="presOf" srcId="{B6DAA9B2-E511-A043-82FA-F5D53E69E39F}" destId="{68A3C04C-C9E1-C441-B047-43EE33EF7CD6}" srcOrd="1" destOrd="0" presId="urn:microsoft.com/office/officeart/2005/8/layout/orgChart1"/>
+    <dgm:cxn modelId="{553F284C-D36E-464B-BD8B-5B7DEA5FEAE3}" type="presOf" srcId="{7FDD6A65-204D-8F4C-B1B1-813120FDD0F9}" destId="{FA7CABF5-6D8F-BD44-840F-F3253CDEC571}" srcOrd="0" destOrd="0" presId="urn:microsoft.com/office/officeart/2005/8/layout/orgChart1"/>
+    <dgm:cxn modelId="{E5C34EA2-563D-6D43-9E4D-F74F20E8109F}" type="presOf" srcId="{E473C8D6-CFCC-9B4A-8FE0-AD13655883D3}" destId="{4F39EFE5-74C3-754B-A131-C7EF09C42F4D}" srcOrd="1" destOrd="0" presId="urn:microsoft.com/office/officeart/2005/8/layout/orgChart1"/>
+    <dgm:cxn modelId="{51FBA8F4-9976-D647-87FA-0571CA246252}" srcId="{CF46A2D2-3E2B-DD44-A503-B46BB8A9BCA8}" destId="{E473C8D6-CFCC-9B4A-8FE0-AD13655883D3}" srcOrd="2" destOrd="0" parTransId="{7566F7F4-50AD-9C41-A34F-EDAE19CB3CF5}" sibTransId="{5B0647E7-286C-7942-B9CB-9DA8815F8B26}"/>
+    <dgm:cxn modelId="{666310AB-5556-4449-99F2-38B6E7EA73D3}" srcId="{CF46A2D2-3E2B-DD44-A503-B46BB8A9BCA8}" destId="{681BDDB1-BD73-CF4A-8D98-BFF7B8548DAB}" srcOrd="3" destOrd="0" parTransId="{D99BF36E-1FFA-E14F-A8F2-B5D0A19F6F66}" sibTransId="{23D67998-536F-1A43-8363-7E1D2E2F6D7E}"/>
+    <dgm:cxn modelId="{E005AD54-37B3-8E44-A885-3AFF47BB9DE4}" type="presOf" srcId="{B0998C9D-19FD-2E41-B613-C6DA5B4CFD05}" destId="{3A202DDB-EA5C-6F46-98E5-6C93032738A2}" srcOrd="0" destOrd="0" presId="urn:microsoft.com/office/officeart/2005/8/layout/orgChart1"/>
+    <dgm:cxn modelId="{7AF8A866-5C89-D849-8FB1-CAB230A789E5}" type="presOf" srcId="{D99BF36E-1FFA-E14F-A8F2-B5D0A19F6F66}" destId="{EDAAD9D9-F2CA-154D-AEBA-E577EAC4C638}" srcOrd="0" destOrd="0" presId="urn:microsoft.com/office/officeart/2005/8/layout/orgChart1"/>
+    <dgm:cxn modelId="{6D9C164F-5CDE-DD47-9B31-8A4877231320}" srcId="{B0998C9D-19FD-2E41-B613-C6DA5B4CFD05}" destId="{6E9A03B4-4691-2E41-8E80-9367ABE3784F}" srcOrd="3" destOrd="0" parTransId="{EFF1FE7A-6453-E549-8D31-817CCE92F438}" sibTransId="{21A62A44-BAD8-B149-9CF2-703B2F9DB761}"/>
+    <dgm:cxn modelId="{63915284-80E6-264D-AAF5-F0DBA8FE3D5B}" type="presOf" srcId="{CF46A2D2-3E2B-DD44-A503-B46BB8A9BCA8}" destId="{01E2D6F2-BC55-EE4C-8803-B49E4967910F}" srcOrd="1" destOrd="0" presId="urn:microsoft.com/office/officeart/2005/8/layout/orgChart1"/>
+    <dgm:cxn modelId="{D845FBFA-A23D-8046-AADB-45A6DB06E0B3}" type="presOf" srcId="{6E9A03B4-4691-2E41-8E80-9367ABE3784F}" destId="{D940CB2F-046D-6D4F-B11D-1ECC8DE0037B}" srcOrd="0" destOrd="0" presId="urn:microsoft.com/office/officeart/2005/8/layout/orgChart1"/>
+    <dgm:cxn modelId="{B9BC44DD-3182-F047-9D2C-D3D5481791A0}" type="presOf" srcId="{DA22223E-9BFA-8141-8837-C7EFCA9AF673}" destId="{C0DD80F2-DE47-9C4D-A839-B88B1B8ADE7C}" srcOrd="0" destOrd="0" presId="urn:microsoft.com/office/officeart/2005/8/layout/orgChart1"/>
+    <dgm:cxn modelId="{6A45EA49-D6E4-F843-9A02-E7C8AABD1D3B}" type="presOf" srcId="{F7EA5F9C-7E24-B346-B2B0-5DDC384FEAB9}" destId="{716695E7-83C2-C94F-A736-82B1562D2F13}" srcOrd="1" destOrd="0" presId="urn:microsoft.com/office/officeart/2005/8/layout/orgChart1"/>
+    <dgm:cxn modelId="{9FFE730C-A52F-9A4B-84EF-90F03377E1FE}" type="presOf" srcId="{342241FF-A368-C74A-92F1-20C6735DA5C3}" destId="{5B6674E2-53CE-5C48-B0CD-CC245DE4ECA8}" srcOrd="0" destOrd="0" presId="urn:microsoft.com/office/officeart/2005/8/layout/orgChart1"/>
+    <dgm:cxn modelId="{AFF9586A-8D48-8543-A563-60AC9F8639BD}" srcId="{9414912D-272A-604D-8062-8E011A22AFAD}" destId="{B6DAA9B2-E511-A043-82FA-F5D53E69E39F}" srcOrd="0" destOrd="0" parTransId="{3AF3F861-9A44-8642-B454-6601D15FFD56}" sibTransId="{40069117-5F2E-D04E-85A0-07B899038D8D}"/>
+    <dgm:cxn modelId="{986CA762-40EC-E54A-AD37-3469B7C9E45D}" type="presOf" srcId="{7566F7F4-50AD-9C41-A34F-EDAE19CB3CF5}" destId="{7545517E-8F6B-3143-8F78-C2B4BCE552F6}" srcOrd="0" destOrd="0" presId="urn:microsoft.com/office/officeart/2005/8/layout/orgChart1"/>
+    <dgm:cxn modelId="{99D47435-157D-D341-B19F-A821EC5432DA}" type="presOf" srcId="{681BDDB1-BD73-CF4A-8D98-BFF7B8548DAB}" destId="{AEF14C1F-9B21-E04D-8399-841978DD0F05}" srcOrd="1" destOrd="0" presId="urn:microsoft.com/office/officeart/2005/8/layout/orgChart1"/>
+    <dgm:cxn modelId="{F6D4386F-6BA4-B64A-8886-334D2835ADB9}" type="presOf" srcId="{9155790E-252D-8145-B73F-6987A74C6FCE}" destId="{114BE08D-759C-4249-B7F3-C7D65DDD4A00}" srcOrd="1" destOrd="0" presId="urn:microsoft.com/office/officeart/2005/8/layout/orgChart1"/>
+    <dgm:cxn modelId="{331CE34B-E547-8140-8B76-B6FFE993C4C8}" type="presOf" srcId="{B6DAA9B2-E511-A043-82FA-F5D53E69E39F}" destId="{F81C873D-4CD7-774A-B038-24F586CC662B}" srcOrd="0" destOrd="0" presId="urn:microsoft.com/office/officeart/2005/8/layout/orgChart1"/>
+    <dgm:cxn modelId="{4304664D-E794-1F48-98DD-41A07111AF1F}" type="presOf" srcId="{D36D7F1C-3B2D-C14C-A72F-21F723585AF7}" destId="{82F8EB75-C97B-E947-A4DE-44A61B16DAA5}" srcOrd="0" destOrd="0" presId="urn:microsoft.com/office/officeart/2005/8/layout/orgChart1"/>
+    <dgm:cxn modelId="{9BA644F7-BCCF-2F4E-80F6-00AF7F00C125}" type="presOf" srcId="{2997E24D-C0F5-1C44-AA19-FDCF670AD66B}" destId="{44B270F3-D79D-A149-8356-FAEDC4FFB1CC}" srcOrd="0" destOrd="0" presId="urn:microsoft.com/office/officeart/2005/8/layout/orgChart1"/>
+    <dgm:cxn modelId="{053DC461-A7BC-BD49-A9AC-94DBDAC5417A}" type="presOf" srcId="{15A51150-7C8D-5A45-92EA-1BE763DA3816}" destId="{CB73A1FB-2C1C-E049-817B-6B261E95C040}" srcOrd="1" destOrd="0" presId="urn:microsoft.com/office/officeart/2005/8/layout/orgChart1"/>
+    <dgm:cxn modelId="{8CB5AD2F-6022-3249-8E6E-527F6E3678AE}" type="presOf" srcId="{681BDDB1-BD73-CF4A-8D98-BFF7B8548DAB}" destId="{592828BF-8F81-4C4D-831D-CE4398AF4045}" srcOrd="0" destOrd="0" presId="urn:microsoft.com/office/officeart/2005/8/layout/orgChart1"/>
+    <dgm:cxn modelId="{097A3C85-0310-7740-9547-C15BB1FF19AB}" srcId="{9155790E-252D-8145-B73F-6987A74C6FCE}" destId="{B0998C9D-19FD-2E41-B613-C6DA5B4CFD05}" srcOrd="2" destOrd="0" parTransId="{3899A6A8-CC33-C646-8D9C-4BA6D815C79E}" sibTransId="{B23BC566-6BEB-6241-A81B-AC50F9CE3D84}"/>
+    <dgm:cxn modelId="{E385F4F7-546E-8C4A-BBC8-A292CD17D38C}" type="presOf" srcId="{A688EB8E-A979-5541-9B5A-217FD60E88E7}" destId="{7EBDF759-2C6E-2A41-89FD-15651DFFFD2F}" srcOrd="0" destOrd="0" presId="urn:microsoft.com/office/officeart/2005/8/layout/orgChart1"/>
+    <dgm:cxn modelId="{2E9E1185-88EB-C044-BEC8-A2952478F787}" type="presOf" srcId="{6F1CA094-BAAC-B040-B57B-A8043D01CCC7}" destId="{43E31F1E-D296-4A4B-AA65-486AF336F449}" srcOrd="0" destOrd="0" presId="urn:microsoft.com/office/officeart/2005/8/layout/orgChart1"/>
+    <dgm:cxn modelId="{67E14A12-1339-F945-9983-0D5A73763246}" type="presOf" srcId="{9414912D-272A-604D-8062-8E011A22AFAD}" destId="{C16F1FAC-F9E6-1E48-9D52-FC853D1543A9}" srcOrd="1" destOrd="0" presId="urn:microsoft.com/office/officeart/2005/8/layout/orgChart1"/>
+    <dgm:cxn modelId="{2BD5B240-07E2-2F4B-8662-C3F1F3D9BB9D}" type="presOf" srcId="{6E9A03B4-4691-2E41-8E80-9367ABE3784F}" destId="{F8CB3562-7EDB-874D-BCB1-1E7D9603361C}" srcOrd="1" destOrd="0" presId="urn:microsoft.com/office/officeart/2005/8/layout/orgChart1"/>
+    <dgm:cxn modelId="{FB3CB481-A6AA-104D-8DE6-A2F48C6C0EF6}" type="presOf" srcId="{4BB69F2C-051F-1843-B24A-F497B6117A37}" destId="{0DABA691-84B5-7442-975A-17C2CBC0D58A}" srcOrd="0" destOrd="0" presId="urn:microsoft.com/office/officeart/2005/8/layout/orgChart1"/>
+    <dgm:cxn modelId="{ADE598ED-79D7-EA4D-83BD-1EDB0A515B6A}" type="presOf" srcId="{991BC2BD-9ABD-1C49-9E08-FD67DCB9113B}" destId="{5B6FCDC6-C054-AD41-AA4E-473721C05DB2}" srcOrd="0" destOrd="0" presId="urn:microsoft.com/office/officeart/2005/8/layout/orgChart1"/>
+    <dgm:cxn modelId="{711DDDFF-2CDD-A444-AC67-40A0B0E122D8}" type="presOf" srcId="{342241FF-A368-C74A-92F1-20C6735DA5C3}" destId="{2E160051-DAFA-0B4F-A03C-D543C9816295}" srcOrd="1" destOrd="0" presId="urn:microsoft.com/office/officeart/2005/8/layout/orgChart1"/>
+    <dgm:cxn modelId="{7B48474F-1B11-7242-9A66-44AE382C448E}" srcId="{B0998C9D-19FD-2E41-B613-C6DA5B4CFD05}" destId="{15A51150-7C8D-5A45-92EA-1BE763DA3816}" srcOrd="2" destOrd="0" parTransId="{7FDD6A65-204D-8F4C-B1B1-813120FDD0F9}" sibTransId="{B0E527EA-E1A4-8B4D-B749-6C9BBC23E97D}"/>
+    <dgm:cxn modelId="{A0242358-C61A-184A-9716-D361D8369955}" type="presOf" srcId="{53C6962A-BD0B-0E4E-86E1-BEFF7D397AD6}" destId="{B5885C74-350F-E249-9B24-9E7B47AD4124}" srcOrd="0" destOrd="0" presId="urn:microsoft.com/office/officeart/2005/8/layout/orgChart1"/>
+    <dgm:cxn modelId="{57F4AAE2-7926-3F43-8A17-10437469B4A2}" srcId="{9414912D-272A-604D-8062-8E011A22AFAD}" destId="{342241FF-A368-C74A-92F1-20C6735DA5C3}" srcOrd="1" destOrd="0" parTransId="{4BB69F2C-051F-1843-B24A-F497B6117A37}" sibTransId="{0B7A5198-AD34-9844-B08F-60AD0E0953AE}"/>
+    <dgm:cxn modelId="{495A7B6C-9D56-C94C-8500-8CAA9B4A4DC2}" type="presOf" srcId="{7E5E83A5-B20B-174A-A366-B98201318D29}" destId="{6A0579B0-69F2-684E-AA38-F93B9A692DA4}" srcOrd="1" destOrd="0" presId="urn:microsoft.com/office/officeart/2005/8/layout/orgChart1"/>
+    <dgm:cxn modelId="{B8CF4113-4F70-5548-B3F9-18E1840C1A4A}" srcId="{9155790E-252D-8145-B73F-6987A74C6FCE}" destId="{9414912D-272A-604D-8062-8E011A22AFAD}" srcOrd="0" destOrd="0" parTransId="{43579297-912A-3A43-928E-2923D9D033D7}" sibTransId="{1D9DC340-D0C8-FB4F-A16F-D55B6F970407}"/>
+    <dgm:cxn modelId="{0323C827-59ED-CF43-8C68-A86729E61789}" type="presOf" srcId="{15A51150-7C8D-5A45-92EA-1BE763DA3816}" destId="{8D51D942-1FC7-844D-B84D-65C582740A41}" srcOrd="0" destOrd="0" presId="urn:microsoft.com/office/officeart/2005/8/layout/orgChart1"/>
+    <dgm:cxn modelId="{29EA6865-8806-9D4F-AAC7-26AABD5F1CE7}" type="presParOf" srcId="{5B6FCDC6-C054-AD41-AA4E-473721C05DB2}" destId="{A68F9215-AC01-5541-8996-30E252F5ED3E}" srcOrd="0" destOrd="0" presId="urn:microsoft.com/office/officeart/2005/8/layout/orgChart1"/>
+    <dgm:cxn modelId="{361F6F41-216E-0740-8F14-B6E5B863AAE6}" type="presParOf" srcId="{A68F9215-AC01-5541-8996-30E252F5ED3E}" destId="{F3884C1C-4F41-5A4A-8929-67B042A36F2C}" srcOrd="0" destOrd="0" presId="urn:microsoft.com/office/officeart/2005/8/layout/orgChart1"/>
+    <dgm:cxn modelId="{ECC3E2E6-2530-594C-8E7A-8D199CCD7699}" type="presParOf" srcId="{F3884C1C-4F41-5A4A-8929-67B042A36F2C}" destId="{122A5CF2-A4F5-6443-8121-5EA4ADA58FE2}" srcOrd="0" destOrd="0" presId="urn:microsoft.com/office/officeart/2005/8/layout/orgChart1"/>
+    <dgm:cxn modelId="{532C8C0A-6C80-334B-8F44-3787C4D82B97}" type="presParOf" srcId="{F3884C1C-4F41-5A4A-8929-67B042A36F2C}" destId="{114BE08D-759C-4249-B7F3-C7D65DDD4A00}" srcOrd="1" destOrd="0" presId="urn:microsoft.com/office/officeart/2005/8/layout/orgChart1"/>
+    <dgm:cxn modelId="{CF567911-85C5-E04C-9201-EE3F88B6750E}" type="presParOf" srcId="{A68F9215-AC01-5541-8996-30E252F5ED3E}" destId="{7646E109-D684-7F44-BF38-B5E8FABB9274}" srcOrd="1" destOrd="0" presId="urn:microsoft.com/office/officeart/2005/8/layout/orgChart1"/>
+    <dgm:cxn modelId="{F16EF9ED-34B0-624D-BC4A-001CD3305A5E}" type="presParOf" srcId="{7646E109-D684-7F44-BF38-B5E8FABB9274}" destId="{303D13D7-6426-2B4B-A603-9A358A4B457A}" srcOrd="0" destOrd="0" presId="urn:microsoft.com/office/officeart/2005/8/layout/orgChart1"/>
+    <dgm:cxn modelId="{8A1C9C77-73C2-E242-8D3B-6B27283BFD3E}" type="presParOf" srcId="{7646E109-D684-7F44-BF38-B5E8FABB9274}" destId="{40654E01-4471-694F-A85D-84ECF493707A}" srcOrd="1" destOrd="0" presId="urn:microsoft.com/office/officeart/2005/8/layout/orgChart1"/>
+    <dgm:cxn modelId="{5A100649-3E21-4746-9F36-742300562CC4}" type="presParOf" srcId="{40654E01-4471-694F-A85D-84ECF493707A}" destId="{2DC1DD98-425F-C943-881C-58046C17E315}" srcOrd="0" destOrd="0" presId="urn:microsoft.com/office/officeart/2005/8/layout/orgChart1"/>
+    <dgm:cxn modelId="{3A4F0042-A016-8841-B47B-272A7F419EA6}" type="presParOf" srcId="{2DC1DD98-425F-C943-881C-58046C17E315}" destId="{1D8CE2B4-B8B7-5F48-8612-982B90B50C34}" srcOrd="0" destOrd="0" presId="urn:microsoft.com/office/officeart/2005/8/layout/orgChart1"/>
+    <dgm:cxn modelId="{E5829761-0A4E-6349-ADE9-64445B19AC20}" type="presParOf" srcId="{2DC1DD98-425F-C943-881C-58046C17E315}" destId="{C16F1FAC-F9E6-1E48-9D52-FC853D1543A9}" srcOrd="1" destOrd="0" presId="urn:microsoft.com/office/officeart/2005/8/layout/orgChart1"/>
+    <dgm:cxn modelId="{DFC2BCEF-CC82-D047-9875-63291AE39605}" type="presParOf" srcId="{40654E01-4471-694F-A85D-84ECF493707A}" destId="{6CF46065-1473-584D-8AE4-9F13EF0BD327}" srcOrd="1" destOrd="0" presId="urn:microsoft.com/office/officeart/2005/8/layout/orgChart1"/>
+    <dgm:cxn modelId="{F3127CA3-CC8A-6349-9DB4-958EA7186B78}" type="presParOf" srcId="{6CF46065-1473-584D-8AE4-9F13EF0BD327}" destId="{51840DED-92B3-E14D-AABC-3D5600515E41}" srcOrd="0" destOrd="0" presId="urn:microsoft.com/office/officeart/2005/8/layout/orgChart1"/>
+    <dgm:cxn modelId="{25B35411-FF61-2C46-BC93-F21B8C412DA9}" type="presParOf" srcId="{6CF46065-1473-584D-8AE4-9F13EF0BD327}" destId="{ED1ACB39-192C-6A4C-A356-5C955B4821A0}" srcOrd="1" destOrd="0" presId="urn:microsoft.com/office/officeart/2005/8/layout/orgChart1"/>
+    <dgm:cxn modelId="{4F3B913C-C36C-264B-913E-D5E83E5EC86B}" type="presParOf" srcId="{ED1ACB39-192C-6A4C-A356-5C955B4821A0}" destId="{69122829-D6FF-A24A-909A-ADDAB9CD4496}" srcOrd="0" destOrd="0" presId="urn:microsoft.com/office/officeart/2005/8/layout/orgChart1"/>
+    <dgm:cxn modelId="{0E6958E6-508B-0244-A094-D072A340EDC4}" type="presParOf" srcId="{69122829-D6FF-A24A-909A-ADDAB9CD4496}" destId="{F81C873D-4CD7-774A-B038-24F586CC662B}" srcOrd="0" destOrd="0" presId="urn:microsoft.com/office/officeart/2005/8/layout/orgChart1"/>
+    <dgm:cxn modelId="{E49375E8-E3AD-B04B-B280-24174F36230F}" type="presParOf" srcId="{69122829-D6FF-A24A-909A-ADDAB9CD4496}" destId="{68A3C04C-C9E1-C441-B047-43EE33EF7CD6}" srcOrd="1" destOrd="0" presId="urn:microsoft.com/office/officeart/2005/8/layout/orgChart1"/>
+    <dgm:cxn modelId="{961DEBC9-E5CA-1344-AC9D-87D71C0903A1}" type="presParOf" srcId="{ED1ACB39-192C-6A4C-A356-5C955B4821A0}" destId="{FEA0730A-26C2-1A48-89E4-6B770A8A8FC8}" srcOrd="1" destOrd="0" presId="urn:microsoft.com/office/officeart/2005/8/layout/orgChart1"/>
+    <dgm:cxn modelId="{2E28FE6C-B27F-FE46-9546-72369ED8E3E4}" type="presParOf" srcId="{ED1ACB39-192C-6A4C-A356-5C955B4821A0}" destId="{BCE36C61-BB43-D04E-B890-40C85303B7CA}" srcOrd="2" destOrd="0" presId="urn:microsoft.com/office/officeart/2005/8/layout/orgChart1"/>
+    <dgm:cxn modelId="{E0125757-8C2D-CB4C-8EDF-68645AA6746E}" type="presParOf" srcId="{6CF46065-1473-584D-8AE4-9F13EF0BD327}" destId="{0DABA691-84B5-7442-975A-17C2CBC0D58A}" srcOrd="2" destOrd="0" presId="urn:microsoft.com/office/officeart/2005/8/layout/orgChart1"/>
+    <dgm:cxn modelId="{8558EE27-A5BF-E444-88A0-624F12A9E519}" type="presParOf" srcId="{6CF46065-1473-584D-8AE4-9F13EF0BD327}" destId="{4A892219-F158-6843-B7E4-AB49174B061B}" srcOrd="3" destOrd="0" presId="urn:microsoft.com/office/officeart/2005/8/layout/orgChart1"/>
+    <dgm:cxn modelId="{91186AAF-EC4F-1B4B-AF67-A563603BE642}" type="presParOf" srcId="{4A892219-F158-6843-B7E4-AB49174B061B}" destId="{51E13341-B381-054E-A192-67368881BC30}" srcOrd="0" destOrd="0" presId="urn:microsoft.com/office/officeart/2005/8/layout/orgChart1"/>
+    <dgm:cxn modelId="{0BFD11B4-2168-424B-813E-3137649C81D6}" type="presParOf" srcId="{51E13341-B381-054E-A192-67368881BC30}" destId="{5B6674E2-53CE-5C48-B0CD-CC245DE4ECA8}" srcOrd="0" destOrd="0" presId="urn:microsoft.com/office/officeart/2005/8/layout/orgChart1"/>
+    <dgm:cxn modelId="{9F7ED48E-06ED-3645-9469-87F3B375915E}" type="presParOf" srcId="{51E13341-B381-054E-A192-67368881BC30}" destId="{2E160051-DAFA-0B4F-A03C-D543C9816295}" srcOrd="1" destOrd="0" presId="urn:microsoft.com/office/officeart/2005/8/layout/orgChart1"/>
+    <dgm:cxn modelId="{30A5AA16-98D8-7C4A-B4B5-9DCF4B2277ED}" type="presParOf" srcId="{4A892219-F158-6843-B7E4-AB49174B061B}" destId="{93887669-BA75-F540-BB89-72D4DF44764E}" srcOrd="1" destOrd="0" presId="urn:microsoft.com/office/officeart/2005/8/layout/orgChart1"/>
+    <dgm:cxn modelId="{87B35F5E-86F5-9145-8571-2A88C9FC8C92}" type="presParOf" srcId="{4A892219-F158-6843-B7E4-AB49174B061B}" destId="{4546AEF3-E13C-BE4B-98A2-EEADCFD16705}" srcOrd="2" destOrd="0" presId="urn:microsoft.com/office/officeart/2005/8/layout/orgChart1"/>
+    <dgm:cxn modelId="{CD28962D-6423-0842-AEA5-236B5910B896}" type="presParOf" srcId="{40654E01-4471-694F-A85D-84ECF493707A}" destId="{A362D1AB-5EFC-1947-A356-94E663BB318E}" srcOrd="2" destOrd="0" presId="urn:microsoft.com/office/officeart/2005/8/layout/orgChart1"/>
+    <dgm:cxn modelId="{1C431B48-9009-DB4E-86DD-A21FDD0418CF}" type="presParOf" srcId="{7646E109-D684-7F44-BF38-B5E8FABB9274}" destId="{41CCA805-0977-C541-9EE2-60527EA67EC6}" srcOrd="2" destOrd="0" presId="urn:microsoft.com/office/officeart/2005/8/layout/orgChart1"/>
+    <dgm:cxn modelId="{15A3C2C0-A44D-C941-85B0-9247DE9D650E}" type="presParOf" srcId="{7646E109-D684-7F44-BF38-B5E8FABB9274}" destId="{419ED588-F200-8E4C-A79F-148464302124}" srcOrd="3" destOrd="0" presId="urn:microsoft.com/office/officeart/2005/8/layout/orgChart1"/>
+    <dgm:cxn modelId="{B3AD3D2E-EF7B-474F-BF0E-CF7E2B68FA34}" type="presParOf" srcId="{419ED588-F200-8E4C-A79F-148464302124}" destId="{41C860BB-C8C3-8648-9B57-AC30B9020204}" srcOrd="0" destOrd="0" presId="urn:microsoft.com/office/officeart/2005/8/layout/orgChart1"/>
+    <dgm:cxn modelId="{35C17221-0E03-C849-A6E7-590AA08D24A2}" type="presParOf" srcId="{41C860BB-C8C3-8648-9B57-AC30B9020204}" destId="{C4A22549-DDCA-3B44-AAF3-299C8F85CD97}" srcOrd="0" destOrd="0" presId="urn:microsoft.com/office/officeart/2005/8/layout/orgChart1"/>
+    <dgm:cxn modelId="{FAC0AF7C-48A4-9C42-9E04-2895FE25F343}" type="presParOf" srcId="{41C860BB-C8C3-8648-9B57-AC30B9020204}" destId="{01E2D6F2-BC55-EE4C-8803-B49E4967910F}" srcOrd="1" destOrd="0" presId="urn:microsoft.com/office/officeart/2005/8/layout/orgChart1"/>
+    <dgm:cxn modelId="{13E85300-AC7F-1446-A730-41753911566E}" type="presParOf" srcId="{419ED588-F200-8E4C-A79F-148464302124}" destId="{D67829F7-87EA-7245-9307-E83FCDBD8C04}" srcOrd="1" destOrd="0" presId="urn:microsoft.com/office/officeart/2005/8/layout/orgChart1"/>
+    <dgm:cxn modelId="{0974760F-B272-6443-80EB-A71A51B516E7}" type="presParOf" srcId="{D67829F7-87EA-7245-9307-E83FCDBD8C04}" destId="{C0DD80F2-DE47-9C4D-A839-B88B1B8ADE7C}" srcOrd="0" destOrd="0" presId="urn:microsoft.com/office/officeart/2005/8/layout/orgChart1"/>
+    <dgm:cxn modelId="{7A6E2AF8-3C8F-934C-9A1A-BC453E473DFF}" type="presParOf" srcId="{D67829F7-87EA-7245-9307-E83FCDBD8C04}" destId="{FDA3126A-E544-E64E-BC49-8F2E33DC6DF3}" srcOrd="1" destOrd="0" presId="urn:microsoft.com/office/officeart/2005/8/layout/orgChart1"/>
+    <dgm:cxn modelId="{0E397FDA-A136-1847-B211-EC6052AEE91C}" type="presParOf" srcId="{FDA3126A-E544-E64E-BC49-8F2E33DC6DF3}" destId="{B44CB6A4-1B67-6444-A1C1-CFBB0D979800}" srcOrd="0" destOrd="0" presId="urn:microsoft.com/office/officeart/2005/8/layout/orgChart1"/>
+    <dgm:cxn modelId="{F4DA30B6-F14A-EB4A-9CE7-6276B07C862A}" type="presParOf" srcId="{B44CB6A4-1B67-6444-A1C1-CFBB0D979800}" destId="{A28A84E7-4DA6-8D44-992B-9F2F9A2386D0}" srcOrd="0" destOrd="0" presId="urn:microsoft.com/office/officeart/2005/8/layout/orgChart1"/>
+    <dgm:cxn modelId="{75EB3C61-0263-4748-9FD9-EEF11E36E75E}" type="presParOf" srcId="{B44CB6A4-1B67-6444-A1C1-CFBB0D979800}" destId="{716695E7-83C2-C94F-A736-82B1562D2F13}" srcOrd="1" destOrd="0" presId="urn:microsoft.com/office/officeart/2005/8/layout/orgChart1"/>
+    <dgm:cxn modelId="{D0C6A788-3AC8-0A41-93F7-3CF626D99441}" type="presParOf" srcId="{FDA3126A-E544-E64E-BC49-8F2E33DC6DF3}" destId="{007CBD8B-2636-114E-913B-9C8023D48A3E}" srcOrd="1" destOrd="0" presId="urn:microsoft.com/office/officeart/2005/8/layout/orgChart1"/>
+    <dgm:cxn modelId="{85CC7EEE-5610-EB49-BAEE-1F1A56197C30}" type="presParOf" srcId="{FDA3126A-E544-E64E-BC49-8F2E33DC6DF3}" destId="{B2EA5CF9-AEA8-734D-8DCD-68C412E6B33D}" srcOrd="2" destOrd="0" presId="urn:microsoft.com/office/officeart/2005/8/layout/orgChart1"/>
+    <dgm:cxn modelId="{3D9A0D07-A69C-3E4F-8275-FEB6A6281030}" type="presParOf" srcId="{D67829F7-87EA-7245-9307-E83FCDBD8C04}" destId="{44B270F3-D79D-A149-8356-FAEDC4FFB1CC}" srcOrd="2" destOrd="0" presId="urn:microsoft.com/office/officeart/2005/8/layout/orgChart1"/>
+    <dgm:cxn modelId="{9138224C-BB15-3247-A208-E020F327FAD2}" type="presParOf" srcId="{D67829F7-87EA-7245-9307-E83FCDBD8C04}" destId="{D889090A-6C3E-104A-B0DD-EC3F2F4C113C}" srcOrd="3" destOrd="0" presId="urn:microsoft.com/office/officeart/2005/8/layout/orgChart1"/>
+    <dgm:cxn modelId="{6755E996-BE84-074E-BD5C-7F60DCB0EE81}" type="presParOf" srcId="{D889090A-6C3E-104A-B0DD-EC3F2F4C113C}" destId="{FD4A5F88-CB3A-B243-8B64-F2A85948A4DE}" srcOrd="0" destOrd="0" presId="urn:microsoft.com/office/officeart/2005/8/layout/orgChart1"/>
+    <dgm:cxn modelId="{C360C8A3-E91B-AC4E-8F5A-B8AE2465778F}" type="presParOf" srcId="{FD4A5F88-CB3A-B243-8B64-F2A85948A4DE}" destId="{B5885C74-350F-E249-9B24-9E7B47AD4124}" srcOrd="0" destOrd="0" presId="urn:microsoft.com/office/officeart/2005/8/layout/orgChart1"/>
+    <dgm:cxn modelId="{C6C9D491-36DF-E346-9A7B-CABBA9F73725}" type="presParOf" srcId="{FD4A5F88-CB3A-B243-8B64-F2A85948A4DE}" destId="{3B4A848F-F866-B544-A2EA-510018393C93}" srcOrd="1" destOrd="0" presId="urn:microsoft.com/office/officeart/2005/8/layout/orgChart1"/>
+    <dgm:cxn modelId="{B4126641-78DC-F744-8FE2-6EFB3BFDD09E}" type="presParOf" srcId="{D889090A-6C3E-104A-B0DD-EC3F2F4C113C}" destId="{69EB0D8D-28CF-9F47-A544-EFB08C4ED9E0}" srcOrd="1" destOrd="0" presId="urn:microsoft.com/office/officeart/2005/8/layout/orgChart1"/>
+    <dgm:cxn modelId="{6D9E9BBF-2C36-274F-A288-818BAA28B8FE}" type="presParOf" srcId="{D889090A-6C3E-104A-B0DD-EC3F2F4C113C}" destId="{18499074-882A-8D4B-91E3-024E1906E097}" srcOrd="2" destOrd="0" presId="urn:microsoft.com/office/officeart/2005/8/layout/orgChart1"/>
+    <dgm:cxn modelId="{EC8E3889-E077-8641-B9AF-02E78EC82C9B}" type="presParOf" srcId="{D67829F7-87EA-7245-9307-E83FCDBD8C04}" destId="{7545517E-8F6B-3143-8F78-C2B4BCE552F6}" srcOrd="4" destOrd="0" presId="urn:microsoft.com/office/officeart/2005/8/layout/orgChart1"/>
+    <dgm:cxn modelId="{A106F9E1-8C67-F541-A8A1-EB364E7A0B5A}" type="presParOf" srcId="{D67829F7-87EA-7245-9307-E83FCDBD8C04}" destId="{06C6CE65-9559-FC47-B9E0-8570003DDF36}" srcOrd="5" destOrd="0" presId="urn:microsoft.com/office/officeart/2005/8/layout/orgChart1"/>
+    <dgm:cxn modelId="{BE178BE6-17D7-6E49-83C6-FFC3E9B8F844}" type="presParOf" srcId="{06C6CE65-9559-FC47-B9E0-8570003DDF36}" destId="{ED47AC1E-7801-2D4B-8835-51618CA93BB9}" srcOrd="0" destOrd="0" presId="urn:microsoft.com/office/officeart/2005/8/layout/orgChart1"/>
+    <dgm:cxn modelId="{F5058D03-B2AE-4E45-AAF8-20A431683000}" type="presParOf" srcId="{ED47AC1E-7801-2D4B-8835-51618CA93BB9}" destId="{A1EEF08B-8D95-6247-B459-33D588285B56}" srcOrd="0" destOrd="0" presId="urn:microsoft.com/office/officeart/2005/8/layout/orgChart1"/>
+    <dgm:cxn modelId="{D396CB00-DCA0-AC42-9075-3236196DB918}" type="presParOf" srcId="{ED47AC1E-7801-2D4B-8835-51618CA93BB9}" destId="{4F39EFE5-74C3-754B-A131-C7EF09C42F4D}" srcOrd="1" destOrd="0" presId="urn:microsoft.com/office/officeart/2005/8/layout/orgChart1"/>
+    <dgm:cxn modelId="{D32D5589-2163-E44D-BC7A-CA8861347D2B}" type="presParOf" srcId="{06C6CE65-9559-FC47-B9E0-8570003DDF36}" destId="{471EC8A2-5EA4-6C41-8E41-1436FA20B4AD}" srcOrd="1" destOrd="0" presId="urn:microsoft.com/office/officeart/2005/8/layout/orgChart1"/>
+    <dgm:cxn modelId="{1020C039-E5B2-0144-84E3-9A646AC2D680}" type="presParOf" srcId="{06C6CE65-9559-FC47-B9E0-8570003DDF36}" destId="{D95B4FDF-A6F5-784E-BB76-081A91F386AF}" srcOrd="2" destOrd="0" presId="urn:microsoft.com/office/officeart/2005/8/layout/orgChart1"/>
+    <dgm:cxn modelId="{45AD7A23-C956-2C49-87BA-5D87491F53C6}" type="presParOf" srcId="{D67829F7-87EA-7245-9307-E83FCDBD8C04}" destId="{EDAAD9D9-F2CA-154D-AEBA-E577EAC4C638}" srcOrd="6" destOrd="0" presId="urn:microsoft.com/office/officeart/2005/8/layout/orgChart1"/>
+    <dgm:cxn modelId="{7E16CA0A-707E-344C-9DE6-24FB76CF86F3}" type="presParOf" srcId="{D67829F7-87EA-7245-9307-E83FCDBD8C04}" destId="{6ADB36A2-F292-8243-AE69-1E8D1D33F059}" srcOrd="7" destOrd="0" presId="urn:microsoft.com/office/officeart/2005/8/layout/orgChart1"/>
+    <dgm:cxn modelId="{F0050494-A115-5642-B73A-615CB96743DB}" type="presParOf" srcId="{6ADB36A2-F292-8243-AE69-1E8D1D33F059}" destId="{0BE158A5-8A31-3141-839F-9953AF55DC76}" srcOrd="0" destOrd="0" presId="urn:microsoft.com/office/officeart/2005/8/layout/orgChart1"/>
+    <dgm:cxn modelId="{43505269-0B2E-1042-894F-77BEDFA4E4B2}" type="presParOf" srcId="{0BE158A5-8A31-3141-839F-9953AF55DC76}" destId="{592828BF-8F81-4C4D-831D-CE4398AF4045}" srcOrd="0" destOrd="0" presId="urn:microsoft.com/office/officeart/2005/8/layout/orgChart1"/>
+    <dgm:cxn modelId="{DD44CC8C-D791-264A-88E4-F11285032C00}" type="presParOf" srcId="{0BE158A5-8A31-3141-839F-9953AF55DC76}" destId="{AEF14C1F-9B21-E04D-8399-841978DD0F05}" srcOrd="1" destOrd="0" presId="urn:microsoft.com/office/officeart/2005/8/layout/orgChart1"/>
+    <dgm:cxn modelId="{C4E0B4D1-6EF9-0243-984F-E37E6EB0AA07}" type="presParOf" srcId="{6ADB36A2-F292-8243-AE69-1E8D1D33F059}" destId="{83B81550-535B-FE44-9C1F-B9F9CCA83B26}" srcOrd="1" destOrd="0" presId="urn:microsoft.com/office/officeart/2005/8/layout/orgChart1"/>
+    <dgm:cxn modelId="{54D0F9ED-D39B-8648-9808-404E5B21FC30}" type="presParOf" srcId="{6ADB36A2-F292-8243-AE69-1E8D1D33F059}" destId="{82294C83-B265-E94D-ABF1-BCAD88E5F562}" srcOrd="2" destOrd="0" presId="urn:microsoft.com/office/officeart/2005/8/layout/orgChart1"/>
+    <dgm:cxn modelId="{F3D9733B-F235-4944-AB9E-D72F2E946451}" type="presParOf" srcId="{419ED588-F200-8E4C-A79F-148464302124}" destId="{51B75253-CB7C-6443-AF1E-6AD67D7B2543}" srcOrd="2" destOrd="0" presId="urn:microsoft.com/office/officeart/2005/8/layout/orgChart1"/>
+    <dgm:cxn modelId="{4CE9DBF3-956E-924E-9FFF-0D2041400B35}" type="presParOf" srcId="{7646E109-D684-7F44-BF38-B5E8FABB9274}" destId="{12A3EEB5-A1C4-3E49-84AA-59EA23AE1C4A}" srcOrd="4" destOrd="0" presId="urn:microsoft.com/office/officeart/2005/8/layout/orgChart1"/>
+    <dgm:cxn modelId="{72D9CFAD-394A-284B-91D3-C5B5D5BCE423}" type="presParOf" srcId="{7646E109-D684-7F44-BF38-B5E8FABB9274}" destId="{52134895-F045-2E4D-B038-29BD402CCCBB}" srcOrd="5" destOrd="0" presId="urn:microsoft.com/office/officeart/2005/8/layout/orgChart1"/>
+    <dgm:cxn modelId="{5D8BA597-67B3-9849-85B0-71D257A64A5C}" type="presParOf" srcId="{52134895-F045-2E4D-B038-29BD402CCCBB}" destId="{EB52BAD6-A592-E047-B1ED-740B150B844B}" srcOrd="0" destOrd="0" presId="urn:microsoft.com/office/officeart/2005/8/layout/orgChart1"/>
+    <dgm:cxn modelId="{2DA20242-0737-9248-B284-04BE06A19FE8}" type="presParOf" srcId="{EB52BAD6-A592-E047-B1ED-740B150B844B}" destId="{3A202DDB-EA5C-6F46-98E5-6C93032738A2}" srcOrd="0" destOrd="0" presId="urn:microsoft.com/office/officeart/2005/8/layout/orgChart1"/>
+    <dgm:cxn modelId="{2B7B7D4C-383C-3A4D-979B-B0D99E79DCA8}" type="presParOf" srcId="{EB52BAD6-A592-E047-B1ED-740B150B844B}" destId="{52B14447-72C2-DE46-A1D2-8B4A5186DCAE}" srcOrd="1" destOrd="0" presId="urn:microsoft.com/office/officeart/2005/8/layout/orgChart1"/>
+    <dgm:cxn modelId="{5C1E600F-0B8C-C743-96AF-F09DACEE4CDA}" type="presParOf" srcId="{52134895-F045-2E4D-B038-29BD402CCCBB}" destId="{56B13D9B-209B-1243-8EC9-C3C9664521B5}" srcOrd="1" destOrd="0" presId="urn:microsoft.com/office/officeart/2005/8/layout/orgChart1"/>
+    <dgm:cxn modelId="{F96FB5EC-7D59-4F48-9A71-94DC6E515FFF}" type="presParOf" srcId="{56B13D9B-209B-1243-8EC9-C3C9664521B5}" destId="{43E31F1E-D296-4A4B-AA65-486AF336F449}" srcOrd="0" destOrd="0" presId="urn:microsoft.com/office/officeart/2005/8/layout/orgChart1"/>
+    <dgm:cxn modelId="{3B062D2F-AFC0-5446-9AC6-EE8F01034F3D}" type="presParOf" srcId="{56B13D9B-209B-1243-8EC9-C3C9664521B5}" destId="{3B4230F0-D3AB-F349-8A01-39DCAAED8057}" srcOrd="1" destOrd="0" presId="urn:microsoft.com/office/officeart/2005/8/layout/orgChart1"/>
+    <dgm:cxn modelId="{0948A7AE-2FF8-514F-9785-235AFDAA1D70}" type="presParOf" srcId="{3B4230F0-D3AB-F349-8A01-39DCAAED8057}" destId="{67E5B588-8E03-C645-820D-9C02444E475B}" srcOrd="0" destOrd="0" presId="urn:microsoft.com/office/officeart/2005/8/layout/orgChart1"/>
+    <dgm:cxn modelId="{7FDA90F8-79F5-BA4C-9253-F3BD862C1113}" type="presParOf" srcId="{67E5B588-8E03-C645-820D-9C02444E475B}" destId="{82F8EB75-C97B-E947-A4DE-44A61B16DAA5}" srcOrd="0" destOrd="0" presId="urn:microsoft.com/office/officeart/2005/8/layout/orgChart1"/>
+    <dgm:cxn modelId="{35F295F4-8513-394A-8C21-21832764A4A2}" type="presParOf" srcId="{67E5B588-8E03-C645-820D-9C02444E475B}" destId="{88D10869-A3D3-3D4B-BA18-87F9D90EF652}" srcOrd="1" destOrd="0" presId="urn:microsoft.com/office/officeart/2005/8/layout/orgChart1"/>
+    <dgm:cxn modelId="{BABB6AD0-79EE-4149-808E-B7B6659BAC0A}" type="presParOf" srcId="{3B4230F0-D3AB-F349-8A01-39DCAAED8057}" destId="{7EAA0A1F-11B6-4848-BCBE-823763940C54}" srcOrd="1" destOrd="0" presId="urn:microsoft.com/office/officeart/2005/8/layout/orgChart1"/>
+    <dgm:cxn modelId="{87A4C2C8-5221-1842-B9DD-5259D88511CD}" type="presParOf" srcId="{3B4230F0-D3AB-F349-8A01-39DCAAED8057}" destId="{B2A77EF1-24FF-B742-9F7E-3E7BBCB6F69E}" srcOrd="2" destOrd="0" presId="urn:microsoft.com/office/officeart/2005/8/layout/orgChart1"/>
+    <dgm:cxn modelId="{BF5AD708-ACDB-994A-9A33-892048B821CA}" type="presParOf" srcId="{56B13D9B-209B-1243-8EC9-C3C9664521B5}" destId="{7EBDF759-2C6E-2A41-89FD-15651DFFFD2F}" srcOrd="2" destOrd="0" presId="urn:microsoft.com/office/officeart/2005/8/layout/orgChart1"/>
+    <dgm:cxn modelId="{CF9CF335-459D-1D47-95E6-E73C64142E0F}" type="presParOf" srcId="{56B13D9B-209B-1243-8EC9-C3C9664521B5}" destId="{D4177785-D2D8-A346-B1DD-F70CBBFB6304}" srcOrd="3" destOrd="0" presId="urn:microsoft.com/office/officeart/2005/8/layout/orgChart1"/>
+    <dgm:cxn modelId="{36181FAE-7196-1C49-B30D-8C5D7E0CB5CF}" type="presParOf" srcId="{D4177785-D2D8-A346-B1DD-F70CBBFB6304}" destId="{85E35D30-B1AC-7745-BED4-8905773262FD}" srcOrd="0" destOrd="0" presId="urn:microsoft.com/office/officeart/2005/8/layout/orgChart1"/>
+    <dgm:cxn modelId="{1FDD2519-A179-2143-A1FE-3F0178F7F6DE}" type="presParOf" srcId="{85E35D30-B1AC-7745-BED4-8905773262FD}" destId="{500D0340-096F-4E41-AB90-7D1836639CE0}" srcOrd="0" destOrd="0" presId="urn:microsoft.com/office/officeart/2005/8/layout/orgChart1"/>
+    <dgm:cxn modelId="{9287A059-BA01-5345-BBA9-9643B271CEAB}" type="presParOf" srcId="{85E35D30-B1AC-7745-BED4-8905773262FD}" destId="{6A0579B0-69F2-684E-AA38-F93B9A692DA4}" srcOrd="1" destOrd="0" presId="urn:microsoft.com/office/officeart/2005/8/layout/orgChart1"/>
+    <dgm:cxn modelId="{EAB13917-F760-774B-ACA4-AAED56E54EEE}" type="presParOf" srcId="{D4177785-D2D8-A346-B1DD-F70CBBFB6304}" destId="{D0D29CF7-78F5-CF4B-ACFE-BA9BCF675A3B}" srcOrd="1" destOrd="0" presId="urn:microsoft.com/office/officeart/2005/8/layout/orgChart1"/>
+    <dgm:cxn modelId="{610AD381-373F-1B48-B2CF-D31C872593A1}" type="presParOf" srcId="{D4177785-D2D8-A346-B1DD-F70CBBFB6304}" destId="{8CF4EFDD-F95C-AD4B-8D67-B7246492E489}" srcOrd="2" destOrd="0" presId="urn:microsoft.com/office/officeart/2005/8/layout/orgChart1"/>
+    <dgm:cxn modelId="{BCB104B3-5037-D041-A895-22E0645EEDD1}" type="presParOf" srcId="{56B13D9B-209B-1243-8EC9-C3C9664521B5}" destId="{FA7CABF5-6D8F-BD44-840F-F3253CDEC571}" srcOrd="4" destOrd="0" presId="urn:microsoft.com/office/officeart/2005/8/layout/orgChart1"/>
+    <dgm:cxn modelId="{1432FBBD-4AD9-C24F-B512-9757AD510BB0}" type="presParOf" srcId="{56B13D9B-209B-1243-8EC9-C3C9664521B5}" destId="{08D32562-CDF4-0546-959E-CF924D892A38}" srcOrd="5" destOrd="0" presId="urn:microsoft.com/office/officeart/2005/8/layout/orgChart1"/>
+    <dgm:cxn modelId="{C7CF5FAD-CAC6-7F43-B896-2D777CF3E63E}" type="presParOf" srcId="{08D32562-CDF4-0546-959E-CF924D892A38}" destId="{750B7152-D3E4-5A4F-8E73-5E5D4538FB1D}" srcOrd="0" destOrd="0" presId="urn:microsoft.com/office/officeart/2005/8/layout/orgChart1"/>
+    <dgm:cxn modelId="{5AF99759-8362-FB42-9017-CDF3FE105F49}" type="presParOf" srcId="{750B7152-D3E4-5A4F-8E73-5E5D4538FB1D}" destId="{8D51D942-1FC7-844D-B84D-65C582740A41}" srcOrd="0" destOrd="0" presId="urn:microsoft.com/office/officeart/2005/8/layout/orgChart1"/>
+    <dgm:cxn modelId="{CBB8B3A7-3B6C-A041-A76B-7E48BC03F3D8}" type="presParOf" srcId="{750B7152-D3E4-5A4F-8E73-5E5D4538FB1D}" destId="{CB73A1FB-2C1C-E049-817B-6B261E95C040}" srcOrd="1" destOrd="0" presId="urn:microsoft.com/office/officeart/2005/8/layout/orgChart1"/>
+    <dgm:cxn modelId="{D3DA8E95-58DB-B54F-99A4-BE66A663810F}" type="presParOf" srcId="{08D32562-CDF4-0546-959E-CF924D892A38}" destId="{3CEA4AF7-5F37-F94E-98F1-191A339405CD}" srcOrd="1" destOrd="0" presId="urn:microsoft.com/office/officeart/2005/8/layout/orgChart1"/>
+    <dgm:cxn modelId="{F6F5321F-9FC6-2644-8B97-64665381DD9D}" type="presParOf" srcId="{08D32562-CDF4-0546-959E-CF924D892A38}" destId="{4386B3D5-BFB7-3144-A81B-4995A444CF64}" srcOrd="2" destOrd="0" presId="urn:microsoft.com/office/officeart/2005/8/layout/orgChart1"/>
+    <dgm:cxn modelId="{F0DB1EE9-8EE4-F64D-B01F-E407DD946418}" type="presParOf" srcId="{56B13D9B-209B-1243-8EC9-C3C9664521B5}" destId="{224E8816-6256-C140-A594-5EDC6F7D9205}" srcOrd="6" destOrd="0" presId="urn:microsoft.com/office/officeart/2005/8/layout/orgChart1"/>
+    <dgm:cxn modelId="{338749B0-12A6-6A4A-BA17-1919A0576207}" type="presParOf" srcId="{56B13D9B-209B-1243-8EC9-C3C9664521B5}" destId="{F41DF1B8-7A7D-804B-9CDE-AA6003094152}" srcOrd="7" destOrd="0" presId="urn:microsoft.com/office/officeart/2005/8/layout/orgChart1"/>
+    <dgm:cxn modelId="{46AF96B2-1307-9446-85AB-0FE1C003D5E7}" type="presParOf" srcId="{F41DF1B8-7A7D-804B-9CDE-AA6003094152}" destId="{AA015B0E-1425-0F4B-A80A-67A9AFBB036E}" srcOrd="0" destOrd="0" presId="urn:microsoft.com/office/officeart/2005/8/layout/orgChart1"/>
+    <dgm:cxn modelId="{D50F8F25-1CD7-0F47-84D9-8DF34BA977C7}" type="presParOf" srcId="{AA015B0E-1425-0F4B-A80A-67A9AFBB036E}" destId="{D940CB2F-046D-6D4F-B11D-1ECC8DE0037B}" srcOrd="0" destOrd="0" presId="urn:microsoft.com/office/officeart/2005/8/layout/orgChart1"/>
+    <dgm:cxn modelId="{F654F646-D64B-FB45-AE3B-A9CAF66BFF37}" type="presParOf" srcId="{AA015B0E-1425-0F4B-A80A-67A9AFBB036E}" destId="{F8CB3562-7EDB-874D-BCB1-1E7D9603361C}" srcOrd="1" destOrd="0" presId="urn:microsoft.com/office/officeart/2005/8/layout/orgChart1"/>
+    <dgm:cxn modelId="{AFE31CFF-6759-0A4A-9479-8ABA98FF5B08}" type="presParOf" srcId="{F41DF1B8-7A7D-804B-9CDE-AA6003094152}" destId="{56CFB123-A926-C149-9EAB-AD5E64A44157}" srcOrd="1" destOrd="0" presId="urn:microsoft.com/office/officeart/2005/8/layout/orgChart1"/>
+    <dgm:cxn modelId="{BE03FF26-9268-CD4B-A34B-1767591CE5A0}" type="presParOf" srcId="{F41DF1B8-7A7D-804B-9CDE-AA6003094152}" destId="{DDC1CD76-439D-0149-9F2E-1B3F41339DA1}" srcOrd="2" destOrd="0" presId="urn:microsoft.com/office/officeart/2005/8/layout/orgChart1"/>
+    <dgm:cxn modelId="{0CC5F461-3403-D740-9238-D460156BAB3C}" type="presParOf" srcId="{52134895-F045-2E4D-B038-29BD402CCCBB}" destId="{B14CBFFB-C3D5-EF49-9AB0-DE028C966AC2}" srcOrd="2" destOrd="0" presId="urn:microsoft.com/office/officeart/2005/8/layout/orgChart1"/>
+    <dgm:cxn modelId="{7D90AADB-8D98-1340-9D4F-840CD45AAC1B}" type="presParOf" srcId="{A68F9215-AC01-5541-8996-30E252F5ED3E}" destId="{44E431C0-2FBE-5043-84E1-744460FDEA9C}" srcOrd="2" destOrd="0" presId="urn:microsoft.com/office/officeart/2005/8/layout/orgChart1"/>
+  </dgm:cxnLst>
+  <dgm:bg/>
+  <dgm:whole/>
+  <dgm:extLst>
+    <a:ext uri="http://schemas.microsoft.com/office/drawing/2008/diagram">
+      <dsp:dataModelExt xmlns:dsp="http://schemas.microsoft.com/office/drawing/2008/diagram" relId="rId6" minVer="http://schemas.openxmlformats.org/drawingml/2006/diagram"/>
+    </a:ext>
+  </dgm:extLst>
+</dgm:dataModel>
+</file>
+
+<file path=ppt/diagrams/drawing1.xml><?xml version="1.0" encoding="utf-8"?>
+<dsp:drawing xmlns:dgm="http://schemas.openxmlformats.org/drawingml/2006/diagram" xmlns:dsp="http://schemas.microsoft.com/office/drawing/2008/diagram" xmlns:a="http://schemas.openxmlformats.org/drawingml/2006/main">
+  <dsp:spTree>
+    <dsp:nvGrpSpPr>
+      <dsp:cNvPr id="0" name=""/>
+      <dsp:cNvGrpSpPr/>
+    </dsp:nvGrpSpPr>
+    <dsp:grpSpPr/>
+    <dsp:sp modelId="{224E8816-6256-C140-A594-5EDC6F7D9205}">
+      <dsp:nvSpPr>
+        <dsp:cNvPr id="0" name=""/>
+        <dsp:cNvSpPr/>
+      </dsp:nvSpPr>
+      <dsp:spPr>
+        <a:xfrm>
+          <a:off x="5591941" y="2335249"/>
+          <a:ext cx="328938" cy="4640831"/>
+        </a:xfrm>
+        <a:custGeom>
+          <a:avLst/>
+          <a:gdLst/>
+          <a:ahLst/>
+          <a:cxnLst/>
+          <a:rect l="0" t="0" r="0" b="0"/>
+          <a:pathLst>
+            <a:path>
+              <a:moveTo>
+                <a:pt x="0" y="0"/>
+              </a:moveTo>
+              <a:lnTo>
+                <a:pt x="0" y="4640831"/>
+              </a:lnTo>
+              <a:lnTo>
+                <a:pt x="328938" y="4640831"/>
+              </a:lnTo>
+            </a:path>
+          </a:pathLst>
+        </a:custGeom>
+        <a:noFill/>
+        <a:ln w="6350" cap="flat" cmpd="sng" algn="ctr">
+          <a:solidFill>
+            <a:schemeClr val="accent2">
+              <a:shade val="80000"/>
+              <a:hueOff val="0"/>
+              <a:satOff val="0"/>
+              <a:lumOff val="0"/>
+              <a:alphaOff val="0"/>
+            </a:schemeClr>
+          </a:solidFill>
+          <a:prstDash val="solid"/>
+          <a:miter lim="800000"/>
+        </a:ln>
+        <a:effectLst/>
+      </dsp:spPr>
+      <dsp:style>
+        <a:lnRef idx="1">
+          <a:scrgbClr r="0" g="0" b="0"/>
+        </a:lnRef>
+        <a:fillRef idx="0">
+          <a:scrgbClr r="0" g="0" b="0"/>
+        </a:fillRef>
+        <a:effectRef idx="0">
+          <a:scrgbClr r="0" g="0" b="0"/>
+        </a:effectRef>
+        <a:fontRef idx="minor"/>
+      </dsp:style>
+    </dsp:sp>
+    <dsp:sp modelId="{FA7CABF5-6D8F-BD44-840F-F3253CDEC571}">
+      <dsp:nvSpPr>
+        <dsp:cNvPr id="0" name=""/>
+        <dsp:cNvSpPr/>
+      </dsp:nvSpPr>
+      <dsp:spPr>
+        <a:xfrm>
+          <a:off x="5591941" y="2335249"/>
+          <a:ext cx="328938" cy="3350067"/>
+        </a:xfrm>
+        <a:custGeom>
+          <a:avLst/>
+          <a:gdLst/>
+          <a:ahLst/>
+          <a:cxnLst/>
+          <a:rect l="0" t="0" r="0" b="0"/>
+          <a:pathLst>
+            <a:path>
+              <a:moveTo>
+                <a:pt x="0" y="0"/>
+              </a:moveTo>
+              <a:lnTo>
+                <a:pt x="0" y="3350067"/>
+              </a:lnTo>
+              <a:lnTo>
+                <a:pt x="328938" y="3350067"/>
+              </a:lnTo>
+            </a:path>
+          </a:pathLst>
+        </a:custGeom>
+        <a:noFill/>
+        <a:ln w="6350" cap="flat" cmpd="sng" algn="ctr">
+          <a:solidFill>
+            <a:schemeClr val="accent2">
+              <a:shade val="80000"/>
+              <a:hueOff val="0"/>
+              <a:satOff val="0"/>
+              <a:lumOff val="0"/>
+              <a:alphaOff val="0"/>
+            </a:schemeClr>
+          </a:solidFill>
+          <a:prstDash val="solid"/>
+          <a:miter lim="800000"/>
+        </a:ln>
+        <a:effectLst/>
+      </dsp:spPr>
+      <dsp:style>
+        <a:lnRef idx="1">
+          <a:scrgbClr r="0" g="0" b="0"/>
+        </a:lnRef>
+        <a:fillRef idx="0">
+          <a:scrgbClr r="0" g="0" b="0"/>
+        </a:fillRef>
+        <a:effectRef idx="0">
+          <a:scrgbClr r="0" g="0" b="0"/>
+        </a:effectRef>
+        <a:fontRef idx="minor"/>
+      </dsp:style>
+    </dsp:sp>
+    <dsp:sp modelId="{7EBDF759-2C6E-2A41-89FD-15651DFFFD2F}">
+      <dsp:nvSpPr>
+        <dsp:cNvPr id="0" name=""/>
+        <dsp:cNvSpPr/>
+      </dsp:nvSpPr>
+      <dsp:spPr>
+        <a:xfrm>
+          <a:off x="5591941" y="2335249"/>
+          <a:ext cx="328938" cy="2059303"/>
+        </a:xfrm>
+        <a:custGeom>
+          <a:avLst/>
+          <a:gdLst/>
+          <a:ahLst/>
+          <a:cxnLst/>
+          <a:rect l="0" t="0" r="0" b="0"/>
+          <a:pathLst>
+            <a:path>
+              <a:moveTo>
+                <a:pt x="0" y="0"/>
+              </a:moveTo>
+              <a:lnTo>
+                <a:pt x="0" y="2059303"/>
+              </a:lnTo>
+              <a:lnTo>
+                <a:pt x="328938" y="2059303"/>
+              </a:lnTo>
+            </a:path>
+          </a:pathLst>
+        </a:custGeom>
+        <a:noFill/>
+        <a:ln w="6350" cap="flat" cmpd="sng" algn="ctr">
+          <a:solidFill>
+            <a:schemeClr val="accent2">
+              <a:shade val="80000"/>
+              <a:hueOff val="0"/>
+              <a:satOff val="0"/>
+              <a:lumOff val="0"/>
+              <a:alphaOff val="0"/>
+            </a:schemeClr>
+          </a:solidFill>
+          <a:prstDash val="solid"/>
+          <a:miter lim="800000"/>
+        </a:ln>
+        <a:effectLst/>
+      </dsp:spPr>
+      <dsp:style>
+        <a:lnRef idx="1">
+          <a:scrgbClr r="0" g="0" b="0"/>
+        </a:lnRef>
+        <a:fillRef idx="0">
+          <a:scrgbClr r="0" g="0" b="0"/>
+        </a:fillRef>
+        <a:effectRef idx="0">
+          <a:scrgbClr r="0" g="0" b="0"/>
+        </a:effectRef>
+        <a:fontRef idx="minor"/>
+      </dsp:style>
+    </dsp:sp>
+    <dsp:sp modelId="{43E31F1E-D296-4A4B-AA65-486AF336F449}">
+      <dsp:nvSpPr>
+        <dsp:cNvPr id="0" name=""/>
+        <dsp:cNvSpPr/>
+      </dsp:nvSpPr>
+      <dsp:spPr>
+        <a:xfrm>
+          <a:off x="5591941" y="2335249"/>
+          <a:ext cx="328938" cy="768539"/>
+        </a:xfrm>
+        <a:custGeom>
+          <a:avLst/>
+          <a:gdLst/>
+          <a:ahLst/>
+          <a:cxnLst/>
+          <a:rect l="0" t="0" r="0" b="0"/>
+          <a:pathLst>
+            <a:path>
+              <a:moveTo>
+                <a:pt x="0" y="0"/>
+              </a:moveTo>
+              <a:lnTo>
+                <a:pt x="0" y="768539"/>
+              </a:lnTo>
+              <a:lnTo>
+                <a:pt x="328938" y="768539"/>
+              </a:lnTo>
+            </a:path>
+          </a:pathLst>
+        </a:custGeom>
+        <a:noFill/>
+        <a:ln w="6350" cap="flat" cmpd="sng" algn="ctr">
+          <a:solidFill>
+            <a:schemeClr val="accent2">
+              <a:shade val="80000"/>
+              <a:hueOff val="0"/>
+              <a:satOff val="0"/>
+              <a:lumOff val="0"/>
+              <a:alphaOff val="0"/>
+            </a:schemeClr>
+          </a:solidFill>
+          <a:prstDash val="solid"/>
+          <a:miter lim="800000"/>
+        </a:ln>
+        <a:effectLst/>
+      </dsp:spPr>
+      <dsp:style>
+        <a:lnRef idx="1">
+          <a:scrgbClr r="0" g="0" b="0"/>
+        </a:lnRef>
+        <a:fillRef idx="0">
+          <a:scrgbClr r="0" g="0" b="0"/>
+        </a:fillRef>
+        <a:effectRef idx="0">
+          <a:scrgbClr r="0" g="0" b="0"/>
+        </a:effectRef>
+        <a:fontRef idx="minor"/>
+      </dsp:style>
+    </dsp:sp>
+    <dsp:sp modelId="{12A3EEB5-A1C4-3E49-84AA-59EA23AE1C4A}">
+      <dsp:nvSpPr>
+        <dsp:cNvPr id="0" name=""/>
+        <dsp:cNvSpPr/>
+      </dsp:nvSpPr>
+      <dsp:spPr>
+        <a:xfrm>
+          <a:off x="4029872" y="1044485"/>
+          <a:ext cx="2439239" cy="246315"/>
+        </a:xfrm>
+        <a:custGeom>
+          <a:avLst/>
+          <a:gdLst/>
+          <a:ahLst/>
+          <a:cxnLst/>
+          <a:rect l="0" t="0" r="0" b="0"/>
+          <a:pathLst>
+            <a:path>
+              <a:moveTo>
+                <a:pt x="0" y="0"/>
+              </a:moveTo>
+              <a:lnTo>
+                <a:pt x="0" y="123157"/>
+              </a:lnTo>
+              <a:lnTo>
+                <a:pt x="2439239" y="123157"/>
+              </a:lnTo>
+              <a:lnTo>
+                <a:pt x="2439239" y="246315"/>
+              </a:lnTo>
+            </a:path>
+          </a:pathLst>
+        </a:custGeom>
+        <a:noFill/>
+        <a:ln w="6350" cap="flat" cmpd="sng" algn="ctr">
+          <a:solidFill>
+            <a:schemeClr val="accent2">
+              <a:shade val="60000"/>
+              <a:hueOff val="0"/>
+              <a:satOff val="0"/>
+              <a:lumOff val="0"/>
+              <a:alphaOff val="0"/>
+            </a:schemeClr>
+          </a:solidFill>
+          <a:prstDash val="solid"/>
+          <a:miter lim="800000"/>
+        </a:ln>
+        <a:effectLst/>
+      </dsp:spPr>
+      <dsp:style>
+        <a:lnRef idx="1">
+          <a:scrgbClr r="0" g="0" b="0"/>
+        </a:lnRef>
+        <a:fillRef idx="0">
+          <a:scrgbClr r="0" g="0" b="0"/>
+        </a:fillRef>
+        <a:effectRef idx="0">
+          <a:scrgbClr r="0" g="0" b="0"/>
+        </a:effectRef>
+        <a:fontRef idx="minor"/>
+      </dsp:style>
+    </dsp:sp>
+    <dsp:sp modelId="{EDAAD9D9-F2CA-154D-AEBA-E577EAC4C638}">
+      <dsp:nvSpPr>
+        <dsp:cNvPr id="0" name=""/>
+        <dsp:cNvSpPr/>
+      </dsp:nvSpPr>
+      <dsp:spPr>
+        <a:xfrm>
+          <a:off x="3152702" y="2335249"/>
+          <a:ext cx="328938" cy="4640831"/>
+        </a:xfrm>
+        <a:custGeom>
+          <a:avLst/>
+          <a:gdLst/>
+          <a:ahLst/>
+          <a:cxnLst/>
+          <a:rect l="0" t="0" r="0" b="0"/>
+          <a:pathLst>
+            <a:path>
+              <a:moveTo>
+                <a:pt x="0" y="0"/>
+              </a:moveTo>
+              <a:lnTo>
+                <a:pt x="0" y="4640831"/>
+              </a:lnTo>
+              <a:lnTo>
+                <a:pt x="328938" y="4640831"/>
+              </a:lnTo>
+            </a:path>
+          </a:pathLst>
+        </a:custGeom>
+        <a:noFill/>
+        <a:ln w="6350" cap="flat" cmpd="sng" algn="ctr">
+          <a:solidFill>
+            <a:schemeClr val="accent2">
+              <a:shade val="80000"/>
+              <a:hueOff val="0"/>
+              <a:satOff val="0"/>
+              <a:lumOff val="0"/>
+              <a:alphaOff val="0"/>
+            </a:schemeClr>
+          </a:solidFill>
+          <a:prstDash val="solid"/>
+          <a:miter lim="800000"/>
+        </a:ln>
+        <a:effectLst/>
+      </dsp:spPr>
+      <dsp:style>
+        <a:lnRef idx="1">
+          <a:scrgbClr r="0" g="0" b="0"/>
+        </a:lnRef>
+        <a:fillRef idx="0">
+          <a:scrgbClr r="0" g="0" b="0"/>
+        </a:fillRef>
+        <a:effectRef idx="0">
+          <a:scrgbClr r="0" g="0" b="0"/>
+        </a:effectRef>
+        <a:fontRef idx="minor"/>
+      </dsp:style>
+    </dsp:sp>
+    <dsp:sp modelId="{7545517E-8F6B-3143-8F78-C2B4BCE552F6}">
+      <dsp:nvSpPr>
+        <dsp:cNvPr id="0" name=""/>
+        <dsp:cNvSpPr/>
+      </dsp:nvSpPr>
+      <dsp:spPr>
+        <a:xfrm>
+          <a:off x="3152702" y="2335249"/>
+          <a:ext cx="328938" cy="3350067"/>
+        </a:xfrm>
+        <a:custGeom>
+          <a:avLst/>
+          <a:gdLst/>
+          <a:ahLst/>
+          <a:cxnLst/>
+          <a:rect l="0" t="0" r="0" b="0"/>
+          <a:pathLst>
+            <a:path>
+              <a:moveTo>
+                <a:pt x="0" y="0"/>
+              </a:moveTo>
+              <a:lnTo>
+                <a:pt x="0" y="3350067"/>
+              </a:lnTo>
+              <a:lnTo>
+                <a:pt x="328938" y="3350067"/>
+              </a:lnTo>
+            </a:path>
+          </a:pathLst>
+        </a:custGeom>
+        <a:noFill/>
+        <a:ln w="6350" cap="flat" cmpd="sng" algn="ctr">
+          <a:solidFill>
+            <a:schemeClr val="accent2">
+              <a:shade val="80000"/>
+              <a:hueOff val="0"/>
+              <a:satOff val="0"/>
+              <a:lumOff val="0"/>
+              <a:alphaOff val="0"/>
+            </a:schemeClr>
+          </a:solidFill>
+          <a:prstDash val="solid"/>
+          <a:miter lim="800000"/>
+        </a:ln>
+        <a:effectLst/>
+      </dsp:spPr>
+      <dsp:style>
+        <a:lnRef idx="1">
+          <a:scrgbClr r="0" g="0" b="0"/>
+        </a:lnRef>
+        <a:fillRef idx="0">
+          <a:scrgbClr r="0" g="0" b="0"/>
+        </a:fillRef>
+        <a:effectRef idx="0">
+          <a:scrgbClr r="0" g="0" b="0"/>
+        </a:effectRef>
+        <a:fontRef idx="minor"/>
+      </dsp:style>
+    </dsp:sp>
+    <dsp:sp modelId="{44B270F3-D79D-A149-8356-FAEDC4FFB1CC}">
+      <dsp:nvSpPr>
+        <dsp:cNvPr id="0" name=""/>
+        <dsp:cNvSpPr/>
+      </dsp:nvSpPr>
+      <dsp:spPr>
+        <a:xfrm>
+          <a:off x="3152702" y="2335249"/>
+          <a:ext cx="328938" cy="2059303"/>
+        </a:xfrm>
+        <a:custGeom>
+          <a:avLst/>
+          <a:gdLst/>
+          <a:ahLst/>
+          <a:cxnLst/>
+          <a:rect l="0" t="0" r="0" b="0"/>
+          <a:pathLst>
+            <a:path>
+              <a:moveTo>
+                <a:pt x="0" y="0"/>
+              </a:moveTo>
+              <a:lnTo>
+                <a:pt x="0" y="2059303"/>
+              </a:lnTo>
+              <a:lnTo>
+                <a:pt x="328938" y="2059303"/>
+              </a:lnTo>
+            </a:path>
+          </a:pathLst>
+        </a:custGeom>
+        <a:noFill/>
+        <a:ln w="6350" cap="flat" cmpd="sng" algn="ctr">
+          <a:solidFill>
+            <a:schemeClr val="accent2">
+              <a:shade val="80000"/>
+              <a:hueOff val="0"/>
+              <a:satOff val="0"/>
+              <a:lumOff val="0"/>
+              <a:alphaOff val="0"/>
+            </a:schemeClr>
+          </a:solidFill>
+          <a:prstDash val="solid"/>
+          <a:miter lim="800000"/>
+        </a:ln>
+        <a:effectLst/>
+      </dsp:spPr>
+      <dsp:style>
+        <a:lnRef idx="1">
+          <a:scrgbClr r="0" g="0" b="0"/>
+        </a:lnRef>
+        <a:fillRef idx="0">
+          <a:scrgbClr r="0" g="0" b="0"/>
+        </a:fillRef>
+        <a:effectRef idx="0">
+          <a:scrgbClr r="0" g="0" b="0"/>
+        </a:effectRef>
+        <a:fontRef idx="minor"/>
+      </dsp:style>
+    </dsp:sp>
+    <dsp:sp modelId="{C0DD80F2-DE47-9C4D-A839-B88B1B8ADE7C}">
+      <dsp:nvSpPr>
+        <dsp:cNvPr id="0" name=""/>
+        <dsp:cNvSpPr/>
+      </dsp:nvSpPr>
+      <dsp:spPr>
+        <a:xfrm>
+          <a:off x="3152702" y="2335249"/>
+          <a:ext cx="328938" cy="768539"/>
+        </a:xfrm>
+        <a:custGeom>
+          <a:avLst/>
+          <a:gdLst/>
+          <a:ahLst/>
+          <a:cxnLst/>
+          <a:rect l="0" t="0" r="0" b="0"/>
+          <a:pathLst>
+            <a:path>
+              <a:moveTo>
+                <a:pt x="0" y="0"/>
+              </a:moveTo>
+              <a:lnTo>
+                <a:pt x="0" y="768539"/>
+              </a:lnTo>
+              <a:lnTo>
+                <a:pt x="328938" y="768539"/>
+              </a:lnTo>
+            </a:path>
+          </a:pathLst>
+        </a:custGeom>
+        <a:noFill/>
+        <a:ln w="6350" cap="flat" cmpd="sng" algn="ctr">
+          <a:solidFill>
+            <a:schemeClr val="accent2">
+              <a:shade val="80000"/>
+              <a:hueOff val="0"/>
+              <a:satOff val="0"/>
+              <a:lumOff val="0"/>
+              <a:alphaOff val="0"/>
+            </a:schemeClr>
+          </a:solidFill>
+          <a:prstDash val="solid"/>
+          <a:miter lim="800000"/>
+        </a:ln>
+        <a:effectLst/>
+      </dsp:spPr>
+      <dsp:style>
+        <a:lnRef idx="1">
+          <a:scrgbClr r="0" g="0" b="0"/>
+        </a:lnRef>
+        <a:fillRef idx="0">
+          <a:scrgbClr r="0" g="0" b="0"/>
+        </a:fillRef>
+        <a:effectRef idx="0">
+          <a:scrgbClr r="0" g="0" b="0"/>
+        </a:effectRef>
+        <a:fontRef idx="minor"/>
+      </dsp:style>
+    </dsp:sp>
+    <dsp:sp modelId="{41CCA805-0977-C541-9EE2-60527EA67EC6}">
+      <dsp:nvSpPr>
+        <dsp:cNvPr id="0" name=""/>
+        <dsp:cNvSpPr/>
+      </dsp:nvSpPr>
+      <dsp:spPr>
+        <a:xfrm>
+          <a:off x="3984152" y="1044485"/>
+          <a:ext cx="91440" cy="246315"/>
+        </a:xfrm>
+        <a:custGeom>
+          <a:avLst/>
+          <a:gdLst/>
+          <a:ahLst/>
+          <a:cxnLst/>
+          <a:rect l="0" t="0" r="0" b="0"/>
+          <a:pathLst>
+            <a:path>
+              <a:moveTo>
+                <a:pt x="45720" y="0"/>
+              </a:moveTo>
+              <a:lnTo>
+                <a:pt x="45720" y="246315"/>
+              </a:lnTo>
+            </a:path>
+          </a:pathLst>
+        </a:custGeom>
+        <a:noFill/>
+        <a:ln w="6350" cap="flat" cmpd="sng" algn="ctr">
+          <a:solidFill>
+            <a:schemeClr val="accent2">
+              <a:shade val="60000"/>
+              <a:hueOff val="0"/>
+              <a:satOff val="0"/>
+              <a:lumOff val="0"/>
+              <a:alphaOff val="0"/>
+            </a:schemeClr>
+          </a:solidFill>
+          <a:prstDash val="solid"/>
+          <a:miter lim="800000"/>
+        </a:ln>
+        <a:effectLst/>
+      </dsp:spPr>
+      <dsp:style>
+        <a:lnRef idx="1">
+          <a:scrgbClr r="0" g="0" b="0"/>
+        </a:lnRef>
+        <a:fillRef idx="0">
+          <a:scrgbClr r="0" g="0" b="0"/>
+        </a:fillRef>
+        <a:effectRef idx="0">
+          <a:scrgbClr r="0" g="0" b="0"/>
+        </a:effectRef>
+        <a:fontRef idx="minor"/>
+      </dsp:style>
+    </dsp:sp>
+    <dsp:sp modelId="{0DABA691-84B5-7442-975A-17C2CBC0D58A}">
+      <dsp:nvSpPr>
+        <dsp:cNvPr id="0" name=""/>
+        <dsp:cNvSpPr/>
+      </dsp:nvSpPr>
+      <dsp:spPr>
+        <a:xfrm>
+          <a:off x="713463" y="2335249"/>
+          <a:ext cx="328938" cy="2059303"/>
+        </a:xfrm>
+        <a:custGeom>
+          <a:avLst/>
+          <a:gdLst/>
+          <a:ahLst/>
+          <a:cxnLst/>
+          <a:rect l="0" t="0" r="0" b="0"/>
+          <a:pathLst>
+            <a:path>
+              <a:moveTo>
+                <a:pt x="0" y="0"/>
+              </a:moveTo>
+              <a:lnTo>
+                <a:pt x="0" y="2059303"/>
+              </a:lnTo>
+              <a:lnTo>
+                <a:pt x="328938" y="2059303"/>
+              </a:lnTo>
+            </a:path>
+          </a:pathLst>
+        </a:custGeom>
+        <a:noFill/>
+        <a:ln w="6350" cap="flat" cmpd="sng" algn="ctr">
+          <a:solidFill>
+            <a:schemeClr val="accent2">
+              <a:shade val="80000"/>
+              <a:hueOff val="0"/>
+              <a:satOff val="0"/>
+              <a:lumOff val="0"/>
+              <a:alphaOff val="0"/>
+            </a:schemeClr>
+          </a:solidFill>
+          <a:prstDash val="solid"/>
+          <a:miter lim="800000"/>
+        </a:ln>
+        <a:effectLst/>
+      </dsp:spPr>
+      <dsp:style>
+        <a:lnRef idx="1">
+          <a:scrgbClr r="0" g="0" b="0"/>
+        </a:lnRef>
+        <a:fillRef idx="0">
+          <a:scrgbClr r="0" g="0" b="0"/>
+        </a:fillRef>
+        <a:effectRef idx="0">
+          <a:scrgbClr r="0" g="0" b="0"/>
+        </a:effectRef>
+        <a:fontRef idx="minor"/>
+      </dsp:style>
+    </dsp:sp>
+    <dsp:sp modelId="{51840DED-92B3-E14D-AABC-3D5600515E41}">
+      <dsp:nvSpPr>
+        <dsp:cNvPr id="0" name=""/>
+        <dsp:cNvSpPr/>
+      </dsp:nvSpPr>
+      <dsp:spPr>
+        <a:xfrm>
+          <a:off x="713463" y="2335249"/>
+          <a:ext cx="328938" cy="768539"/>
+        </a:xfrm>
+        <a:custGeom>
+          <a:avLst/>
+          <a:gdLst/>
+          <a:ahLst/>
+          <a:cxnLst/>
+          <a:rect l="0" t="0" r="0" b="0"/>
+          <a:pathLst>
+            <a:path>
+              <a:moveTo>
+                <a:pt x="0" y="0"/>
+              </a:moveTo>
+              <a:lnTo>
+                <a:pt x="0" y="768539"/>
+              </a:lnTo>
+              <a:lnTo>
+                <a:pt x="328938" y="768539"/>
+              </a:lnTo>
+            </a:path>
+          </a:pathLst>
+        </a:custGeom>
+        <a:noFill/>
+        <a:ln w="6350" cap="flat" cmpd="sng" algn="ctr">
+          <a:solidFill>
+            <a:schemeClr val="accent2">
+              <a:shade val="80000"/>
+              <a:hueOff val="0"/>
+              <a:satOff val="0"/>
+              <a:lumOff val="0"/>
+              <a:alphaOff val="0"/>
+            </a:schemeClr>
+          </a:solidFill>
+          <a:prstDash val="solid"/>
+          <a:miter lim="800000"/>
+        </a:ln>
+        <a:effectLst/>
+      </dsp:spPr>
+      <dsp:style>
+        <a:lnRef idx="1">
+          <a:scrgbClr r="0" g="0" b="0"/>
+        </a:lnRef>
+        <a:fillRef idx="0">
+          <a:scrgbClr r="0" g="0" b="0"/>
+        </a:fillRef>
+        <a:effectRef idx="0">
+          <a:scrgbClr r="0" g="0" b="0"/>
+        </a:effectRef>
+        <a:fontRef idx="minor"/>
+      </dsp:style>
+    </dsp:sp>
+    <dsp:sp modelId="{303D13D7-6426-2B4B-A603-9A358A4B457A}">
+      <dsp:nvSpPr>
+        <dsp:cNvPr id="0" name=""/>
+        <dsp:cNvSpPr/>
+      </dsp:nvSpPr>
+      <dsp:spPr>
+        <a:xfrm>
+          <a:off x="1590632" y="1044485"/>
+          <a:ext cx="2439239" cy="246315"/>
+        </a:xfrm>
+        <a:custGeom>
+          <a:avLst/>
+          <a:gdLst/>
+          <a:ahLst/>
+          <a:cxnLst/>
+          <a:rect l="0" t="0" r="0" b="0"/>
+          <a:pathLst>
+            <a:path>
+              <a:moveTo>
+                <a:pt x="2439239" y="0"/>
+              </a:moveTo>
+              <a:lnTo>
+                <a:pt x="2439239" y="123157"/>
+              </a:lnTo>
+              <a:lnTo>
+                <a:pt x="0" y="123157"/>
+              </a:lnTo>
+              <a:lnTo>
+                <a:pt x="0" y="246315"/>
+              </a:lnTo>
+            </a:path>
+          </a:pathLst>
+        </a:custGeom>
+        <a:noFill/>
+        <a:ln w="6350" cap="flat" cmpd="sng" algn="ctr">
+          <a:solidFill>
+            <a:schemeClr val="accent2">
+              <a:shade val="60000"/>
+              <a:hueOff val="0"/>
+              <a:satOff val="0"/>
+              <a:lumOff val="0"/>
+              <a:alphaOff val="0"/>
+            </a:schemeClr>
+          </a:solidFill>
+          <a:prstDash val="solid"/>
+          <a:miter lim="800000"/>
+        </a:ln>
+        <a:effectLst/>
+      </dsp:spPr>
+      <dsp:style>
+        <a:lnRef idx="1">
+          <a:scrgbClr r="0" g="0" b="0"/>
+        </a:lnRef>
+        <a:fillRef idx="0">
+          <a:scrgbClr r="0" g="0" b="0"/>
+        </a:fillRef>
+        <a:effectRef idx="0">
+          <a:scrgbClr r="0" g="0" b="0"/>
+        </a:effectRef>
+        <a:fontRef idx="minor"/>
+      </dsp:style>
+    </dsp:sp>
+    <dsp:sp modelId="{122A5CF2-A4F5-6443-8121-5EA4ADA58FE2}">
+      <dsp:nvSpPr>
+        <dsp:cNvPr id="0" name=""/>
+        <dsp:cNvSpPr/>
+      </dsp:nvSpPr>
+      <dsp:spPr>
+        <a:xfrm>
+          <a:off x="2933410" y="37"/>
+          <a:ext cx="2192923" cy="1044448"/>
+        </a:xfrm>
+        <a:prstGeom prst="rect">
+          <a:avLst/>
+        </a:prstGeom>
+        <a:gradFill rotWithShape="0">
+          <a:gsLst>
+            <a:gs pos="0">
+              <a:schemeClr val="accent2">
+                <a:hueOff val="0"/>
+                <a:satOff val="0"/>
+                <a:lumOff val="0"/>
+                <a:alphaOff val="0"/>
+                <a:satMod val="103000"/>
+                <a:lumMod val="102000"/>
+                <a:tint val="94000"/>
+              </a:schemeClr>
+            </a:gs>
+            <a:gs pos="50000">
+              <a:schemeClr val="accent2">
+                <a:hueOff val="0"/>
+                <a:satOff val="0"/>
+                <a:lumOff val="0"/>
+                <a:alphaOff val="0"/>
+                <a:satMod val="110000"/>
+                <a:lumMod val="100000"/>
+                <a:shade val="100000"/>
+              </a:schemeClr>
+            </a:gs>
+            <a:gs pos="100000">
+              <a:schemeClr val="accent2">
+                <a:hueOff val="0"/>
+                <a:satOff val="0"/>
+                <a:lumOff val="0"/>
+                <a:alphaOff val="0"/>
+                <a:lumMod val="99000"/>
+                <a:satMod val="120000"/>
+                <a:shade val="78000"/>
+              </a:schemeClr>
+            </a:gs>
+          </a:gsLst>
+          <a:lin ang="5400000" scaled="0"/>
+        </a:gradFill>
+        <a:ln>
+          <a:noFill/>
+        </a:ln>
+        <a:effectLst/>
+      </dsp:spPr>
+      <dsp:style>
+        <a:lnRef idx="0">
+          <a:scrgbClr r="0" g="0" b="0"/>
+        </a:lnRef>
+        <a:fillRef idx="3">
+          <a:scrgbClr r="0" g="0" b="0"/>
+        </a:fillRef>
+        <a:effectRef idx="2">
+          <a:scrgbClr r="0" g="0" b="0"/>
+        </a:effectRef>
+        <a:fontRef idx="minor">
+          <a:schemeClr val="lt1"/>
+        </a:fontRef>
+      </dsp:style>
+      <dsp:txBody>
+        <a:bodyPr spcFirstLastPara="0" vert="horz" wrap="square" lIns="17780" tIns="17780" rIns="17780" bIns="17780" numCol="1" spcCol="1270" anchor="ctr" anchorCtr="0">
+          <a:noAutofit/>
+        </a:bodyPr>
+        <a:lstStyle/>
+        <a:p>
+          <a:pPr lvl="0" algn="ctr" defTabSz="1244600">
+            <a:lnSpc>
+              <a:spcPct val="90000"/>
+            </a:lnSpc>
+            <a:spcBef>
+              <a:spcPct val="0"/>
+            </a:spcBef>
+            <a:spcAft>
+              <a:spcPct val="35000"/>
+            </a:spcAft>
+          </a:pPr>
+          <a:r>
+            <a:rPr lang="en-US" altLang="zh-TW" sz="2800" kern="1200" dirty="0" smtClean="0">
+              <a:solidFill>
+                <a:schemeClr val="bg1"/>
+              </a:solidFill>
+            </a:rPr>
+            <a:t>Background source</a:t>
+          </a:r>
+          <a:endParaRPr lang="zh-TW" altLang="en-US" sz="2800" kern="1200" dirty="0">
+            <a:solidFill>
+              <a:schemeClr val="bg1"/>
+            </a:solidFill>
+          </a:endParaRPr>
+        </a:p>
+      </dsp:txBody>
+      <dsp:txXfrm>
+        <a:off x="2933410" y="37"/>
+        <a:ext cx="2192923" cy="1044448"/>
+      </dsp:txXfrm>
+    </dsp:sp>
+    <dsp:sp modelId="{1D8CE2B4-B8B7-5F48-8612-982B90B50C34}">
+      <dsp:nvSpPr>
+        <dsp:cNvPr id="0" name=""/>
+        <dsp:cNvSpPr/>
+      </dsp:nvSpPr>
+      <dsp:spPr>
+        <a:xfrm>
+          <a:off x="494170" y="1290801"/>
+          <a:ext cx="2192923" cy="1044448"/>
+        </a:xfrm>
+        <a:prstGeom prst="rect">
+          <a:avLst/>
+        </a:prstGeom>
+        <a:gradFill rotWithShape="0">
+          <a:gsLst>
+            <a:gs pos="0">
+              <a:schemeClr val="accent2">
+                <a:hueOff val="0"/>
+                <a:satOff val="0"/>
+                <a:lumOff val="0"/>
+                <a:alphaOff val="0"/>
+                <a:satMod val="103000"/>
+                <a:lumMod val="102000"/>
+                <a:tint val="94000"/>
+              </a:schemeClr>
+            </a:gs>
+            <a:gs pos="50000">
+              <a:schemeClr val="accent2">
+                <a:hueOff val="0"/>
+                <a:satOff val="0"/>
+                <a:lumOff val="0"/>
+                <a:alphaOff val="0"/>
+                <a:satMod val="110000"/>
+                <a:lumMod val="100000"/>
+                <a:shade val="100000"/>
+              </a:schemeClr>
+            </a:gs>
+            <a:gs pos="100000">
+              <a:schemeClr val="accent2">
+                <a:hueOff val="0"/>
+                <a:satOff val="0"/>
+                <a:lumOff val="0"/>
+                <a:alphaOff val="0"/>
+                <a:lumMod val="99000"/>
+                <a:satMod val="120000"/>
+                <a:shade val="78000"/>
+              </a:schemeClr>
+            </a:gs>
+          </a:gsLst>
+          <a:lin ang="5400000" scaled="0"/>
+        </a:gradFill>
+        <a:ln>
+          <a:noFill/>
+        </a:ln>
+        <a:effectLst/>
+      </dsp:spPr>
+      <dsp:style>
+        <a:lnRef idx="0">
+          <a:scrgbClr r="0" g="0" b="0"/>
+        </a:lnRef>
+        <a:fillRef idx="3">
+          <a:scrgbClr r="0" g="0" b="0"/>
+        </a:fillRef>
+        <a:effectRef idx="2">
+          <a:scrgbClr r="0" g="0" b="0"/>
+        </a:effectRef>
+        <a:fontRef idx="minor">
+          <a:schemeClr val="lt1"/>
+        </a:fontRef>
+      </dsp:style>
+      <dsp:txBody>
+        <a:bodyPr spcFirstLastPara="0" vert="horz" wrap="square" lIns="17780" tIns="17780" rIns="17780" bIns="17780" numCol="1" spcCol="1270" anchor="ctr" anchorCtr="0">
+          <a:noAutofit/>
+        </a:bodyPr>
+        <a:lstStyle/>
+        <a:p>
+          <a:pPr lvl="0" algn="ctr" defTabSz="1244600">
+            <a:lnSpc>
+              <a:spcPct val="90000"/>
+            </a:lnSpc>
+            <a:spcBef>
+              <a:spcPct val="0"/>
+            </a:spcBef>
+            <a:spcAft>
+              <a:spcPct val="35000"/>
+            </a:spcAft>
+          </a:pPr>
+          <a:r>
+            <a:rPr lang="en-US" altLang="zh-TW" sz="2800" kern="1200" dirty="0" smtClean="0"/>
+            <a:t>Bulk leakage current</a:t>
+          </a:r>
+          <a:endParaRPr lang="zh-TW" altLang="en-US" sz="2800" kern="1200" dirty="0"/>
+        </a:p>
+      </dsp:txBody>
+      <dsp:txXfrm>
+        <a:off x="494170" y="1290801"/>
+        <a:ext cx="2192923" cy="1044448"/>
+      </dsp:txXfrm>
+    </dsp:sp>
+    <dsp:sp modelId="{F81C873D-4CD7-774A-B038-24F586CC662B}">
+      <dsp:nvSpPr>
+        <dsp:cNvPr id="0" name=""/>
+        <dsp:cNvSpPr/>
+      </dsp:nvSpPr>
+      <dsp:spPr>
+        <a:xfrm>
+          <a:off x="1042401" y="2581564"/>
+          <a:ext cx="2192923" cy="1044448"/>
+        </a:xfrm>
+        <a:prstGeom prst="rect">
+          <a:avLst/>
+        </a:prstGeom>
+        <a:gradFill rotWithShape="0">
+          <a:gsLst>
+            <a:gs pos="0">
+              <a:schemeClr val="accent2">
+                <a:hueOff val="0"/>
+                <a:satOff val="0"/>
+                <a:lumOff val="0"/>
+                <a:alphaOff val="0"/>
+                <a:satMod val="103000"/>
+                <a:lumMod val="102000"/>
+                <a:tint val="94000"/>
+              </a:schemeClr>
+            </a:gs>
+            <a:gs pos="50000">
+              <a:schemeClr val="accent2">
+                <a:hueOff val="0"/>
+                <a:satOff val="0"/>
+                <a:lumOff val="0"/>
+                <a:alphaOff val="0"/>
+                <a:satMod val="110000"/>
+                <a:lumMod val="100000"/>
+                <a:shade val="100000"/>
+              </a:schemeClr>
+            </a:gs>
+            <a:gs pos="100000">
+              <a:schemeClr val="accent2">
+                <a:hueOff val="0"/>
+                <a:satOff val="0"/>
+                <a:lumOff val="0"/>
+                <a:alphaOff val="0"/>
+                <a:lumMod val="99000"/>
+                <a:satMod val="120000"/>
+                <a:shade val="78000"/>
+              </a:schemeClr>
+            </a:gs>
+          </a:gsLst>
+          <a:lin ang="5400000" scaled="0"/>
+        </a:gradFill>
+        <a:ln>
+          <a:noFill/>
+        </a:ln>
+        <a:effectLst/>
+      </dsp:spPr>
+      <dsp:style>
+        <a:lnRef idx="0">
+          <a:scrgbClr r="0" g="0" b="0"/>
+        </a:lnRef>
+        <a:fillRef idx="3">
+          <a:scrgbClr r="0" g="0" b="0"/>
+        </a:fillRef>
+        <a:effectRef idx="2">
+          <a:scrgbClr r="0" g="0" b="0"/>
+        </a:effectRef>
+        <a:fontRef idx="minor">
+          <a:schemeClr val="lt1"/>
+        </a:fontRef>
+      </dsp:style>
+      <dsp:txBody>
+        <a:bodyPr spcFirstLastPara="0" vert="horz" wrap="square" lIns="17780" tIns="17780" rIns="17780" bIns="17780" numCol="1" spcCol="1270" anchor="ctr" anchorCtr="0">
+          <a:noAutofit/>
+        </a:bodyPr>
+        <a:lstStyle/>
+        <a:p>
+          <a:pPr lvl="0" algn="ctr" defTabSz="1244600">
+            <a:lnSpc>
+              <a:spcPct val="90000"/>
+            </a:lnSpc>
+            <a:spcBef>
+              <a:spcPct val="0"/>
+            </a:spcBef>
+            <a:spcAft>
+              <a:spcPct val="35000"/>
+            </a:spcAft>
+          </a:pPr>
+          <a:r>
+            <a:rPr lang="en-US" altLang="zh-TW" sz="2800" kern="1200" dirty="0" smtClean="0"/>
+            <a:t>Thermal generation</a:t>
+          </a:r>
+          <a:endParaRPr lang="zh-TW" altLang="en-US" sz="2800" kern="1200" dirty="0"/>
+        </a:p>
+      </dsp:txBody>
+      <dsp:txXfrm>
+        <a:off x="1042401" y="2581564"/>
+        <a:ext cx="2192923" cy="1044448"/>
+      </dsp:txXfrm>
+    </dsp:sp>
+    <dsp:sp modelId="{5B6674E2-53CE-5C48-B0CD-CC245DE4ECA8}">
+      <dsp:nvSpPr>
+        <dsp:cNvPr id="0" name=""/>
+        <dsp:cNvSpPr/>
+      </dsp:nvSpPr>
+      <dsp:spPr>
+        <a:xfrm>
+          <a:off x="1042401" y="3872328"/>
+          <a:ext cx="2192923" cy="1044448"/>
+        </a:xfrm>
+        <a:prstGeom prst="rect">
+          <a:avLst/>
+        </a:prstGeom>
+        <a:gradFill rotWithShape="0">
+          <a:gsLst>
+            <a:gs pos="0">
+              <a:schemeClr val="accent2">
+                <a:hueOff val="0"/>
+                <a:satOff val="0"/>
+                <a:lumOff val="0"/>
+                <a:alphaOff val="0"/>
+                <a:satMod val="103000"/>
+                <a:lumMod val="102000"/>
+                <a:tint val="94000"/>
+              </a:schemeClr>
+            </a:gs>
+            <a:gs pos="50000">
+              <a:schemeClr val="accent2">
+                <a:hueOff val="0"/>
+                <a:satOff val="0"/>
+                <a:lumOff val="0"/>
+                <a:alphaOff val="0"/>
+                <a:satMod val="110000"/>
+                <a:lumMod val="100000"/>
+                <a:shade val="100000"/>
+              </a:schemeClr>
+            </a:gs>
+            <a:gs pos="100000">
+              <a:schemeClr val="accent2">
+                <a:hueOff val="0"/>
+                <a:satOff val="0"/>
+                <a:lumOff val="0"/>
+                <a:alphaOff val="0"/>
+                <a:lumMod val="99000"/>
+                <a:satMod val="120000"/>
+                <a:shade val="78000"/>
+              </a:schemeClr>
+            </a:gs>
+          </a:gsLst>
+          <a:lin ang="5400000" scaled="0"/>
+        </a:gradFill>
+        <a:ln>
+          <a:noFill/>
+        </a:ln>
+        <a:effectLst/>
+      </dsp:spPr>
+      <dsp:style>
+        <a:lnRef idx="0">
+          <a:scrgbClr r="0" g="0" b="0"/>
+        </a:lnRef>
+        <a:fillRef idx="3">
+          <a:scrgbClr r="0" g="0" b="0"/>
+        </a:fillRef>
+        <a:effectRef idx="2">
+          <a:scrgbClr r="0" g="0" b="0"/>
+        </a:effectRef>
+        <a:fontRef idx="minor">
+          <a:schemeClr val="lt1"/>
+        </a:fontRef>
+      </dsp:style>
+      <dsp:txBody>
+        <a:bodyPr spcFirstLastPara="0" vert="horz" wrap="square" lIns="17780" tIns="17780" rIns="17780" bIns="17780" numCol="1" spcCol="1270" anchor="ctr" anchorCtr="0">
+          <a:noAutofit/>
+        </a:bodyPr>
+        <a:lstStyle/>
+        <a:p>
+          <a:pPr lvl="0" algn="ctr" defTabSz="1244600">
+            <a:lnSpc>
+              <a:spcPct val="90000"/>
+            </a:lnSpc>
+            <a:spcBef>
+              <a:spcPct val="0"/>
+            </a:spcBef>
+            <a:spcAft>
+              <a:spcPct val="35000"/>
+            </a:spcAft>
+          </a:pPr>
+          <a:r>
+            <a:rPr lang="en-US" altLang="zh-TW" sz="2800" kern="1200" dirty="0" smtClean="0"/>
+            <a:t>Ignored below 77K</a:t>
+          </a:r>
+          <a:endParaRPr lang="zh-TW" altLang="en-US" sz="2800" kern="1200" dirty="0"/>
+        </a:p>
+      </dsp:txBody>
+      <dsp:txXfrm>
+        <a:off x="1042401" y="3872328"/>
+        <a:ext cx="2192923" cy="1044448"/>
+      </dsp:txXfrm>
+    </dsp:sp>
+    <dsp:sp modelId="{C4A22549-DDCA-3B44-AAF3-299C8F85CD97}">
+      <dsp:nvSpPr>
+        <dsp:cNvPr id="0" name=""/>
+        <dsp:cNvSpPr/>
+      </dsp:nvSpPr>
+      <dsp:spPr>
+        <a:xfrm>
+          <a:off x="2933410" y="1290801"/>
+          <a:ext cx="2192923" cy="1044448"/>
+        </a:xfrm>
+        <a:prstGeom prst="rect">
+          <a:avLst/>
+        </a:prstGeom>
+        <a:gradFill rotWithShape="0">
+          <a:gsLst>
+            <a:gs pos="0">
+              <a:schemeClr val="accent2">
+                <a:hueOff val="0"/>
+                <a:satOff val="0"/>
+                <a:lumOff val="0"/>
+                <a:alphaOff val="0"/>
+                <a:satMod val="103000"/>
+                <a:lumMod val="102000"/>
+                <a:tint val="94000"/>
+              </a:schemeClr>
+            </a:gs>
+            <a:gs pos="50000">
+              <a:schemeClr val="accent2">
+                <a:hueOff val="0"/>
+                <a:satOff val="0"/>
+                <a:lumOff val="0"/>
+                <a:alphaOff val="0"/>
+                <a:satMod val="110000"/>
+                <a:lumMod val="100000"/>
+                <a:shade val="100000"/>
+              </a:schemeClr>
+            </a:gs>
+            <a:gs pos="100000">
+              <a:schemeClr val="accent2">
+                <a:hueOff val="0"/>
+                <a:satOff val="0"/>
+                <a:lumOff val="0"/>
+                <a:alphaOff val="0"/>
+                <a:lumMod val="99000"/>
+                <a:satMod val="120000"/>
+                <a:shade val="78000"/>
+              </a:schemeClr>
+            </a:gs>
+          </a:gsLst>
+          <a:lin ang="5400000" scaled="0"/>
+        </a:gradFill>
+        <a:ln>
+          <a:noFill/>
+        </a:ln>
+        <a:effectLst/>
+      </dsp:spPr>
+      <dsp:style>
+        <a:lnRef idx="0">
+          <a:scrgbClr r="0" g="0" b="0"/>
+        </a:lnRef>
+        <a:fillRef idx="3">
+          <a:scrgbClr r="0" g="0" b="0"/>
+        </a:fillRef>
+        <a:effectRef idx="2">
+          <a:scrgbClr r="0" g="0" b="0"/>
+        </a:effectRef>
+        <a:fontRef idx="minor">
+          <a:schemeClr val="lt1"/>
+        </a:fontRef>
+      </dsp:style>
+      <dsp:txBody>
+        <a:bodyPr spcFirstLastPara="0" vert="horz" wrap="square" lIns="17780" tIns="17780" rIns="17780" bIns="17780" numCol="1" spcCol="1270" anchor="ctr" anchorCtr="0">
+          <a:noAutofit/>
+        </a:bodyPr>
+        <a:lstStyle/>
+        <a:p>
+          <a:pPr lvl="0" algn="ctr" defTabSz="1244600">
+            <a:lnSpc>
+              <a:spcPct val="90000"/>
+            </a:lnSpc>
+            <a:spcBef>
+              <a:spcPct val="0"/>
+            </a:spcBef>
+            <a:spcAft>
+              <a:spcPct val="35000"/>
+            </a:spcAft>
+          </a:pPr>
+          <a:r>
+            <a:rPr lang="en-US" altLang="zh-TW" sz="2800" kern="1200" dirty="0" smtClean="0"/>
+            <a:t>Contact leakage current</a:t>
+          </a:r>
+          <a:endParaRPr lang="zh-TW" altLang="en-US" sz="2800" kern="1200" dirty="0"/>
+        </a:p>
+      </dsp:txBody>
+      <dsp:txXfrm>
+        <a:off x="2933410" y="1290801"/>
+        <a:ext cx="2192923" cy="1044448"/>
+      </dsp:txXfrm>
+    </dsp:sp>
+    <dsp:sp modelId="{A28A84E7-4DA6-8D44-992B-9F2F9A2386D0}">
+      <dsp:nvSpPr>
+        <dsp:cNvPr id="0" name=""/>
+        <dsp:cNvSpPr/>
+      </dsp:nvSpPr>
+      <dsp:spPr>
+        <a:xfrm>
+          <a:off x="3481641" y="2581564"/>
+          <a:ext cx="2192923" cy="1044448"/>
+        </a:xfrm>
+        <a:prstGeom prst="rect">
+          <a:avLst/>
+        </a:prstGeom>
+        <a:gradFill rotWithShape="0">
+          <a:gsLst>
+            <a:gs pos="0">
+              <a:schemeClr val="accent2">
+                <a:hueOff val="0"/>
+                <a:satOff val="0"/>
+                <a:lumOff val="0"/>
+                <a:alphaOff val="0"/>
+                <a:satMod val="103000"/>
+                <a:lumMod val="102000"/>
+                <a:tint val="94000"/>
+              </a:schemeClr>
+            </a:gs>
+            <a:gs pos="50000">
+              <a:schemeClr val="accent2">
+                <a:hueOff val="0"/>
+                <a:satOff val="0"/>
+                <a:lumOff val="0"/>
+                <a:alphaOff val="0"/>
+                <a:satMod val="110000"/>
+                <a:lumMod val="100000"/>
+                <a:shade val="100000"/>
+              </a:schemeClr>
+            </a:gs>
+            <a:gs pos="100000">
+              <a:schemeClr val="accent2">
+                <a:hueOff val="0"/>
+                <a:satOff val="0"/>
+                <a:lumOff val="0"/>
+                <a:alphaOff val="0"/>
+                <a:lumMod val="99000"/>
+                <a:satMod val="120000"/>
+                <a:shade val="78000"/>
+              </a:schemeClr>
+            </a:gs>
+          </a:gsLst>
+          <a:lin ang="5400000" scaled="0"/>
+        </a:gradFill>
+        <a:ln>
+          <a:noFill/>
+        </a:ln>
+        <a:effectLst/>
+      </dsp:spPr>
+      <dsp:style>
+        <a:lnRef idx="0">
+          <a:scrgbClr r="0" g="0" b="0"/>
+        </a:lnRef>
+        <a:fillRef idx="3">
+          <a:scrgbClr r="0" g="0" b="0"/>
+        </a:fillRef>
+        <a:effectRef idx="2">
+          <a:scrgbClr r="0" g="0" b="0"/>
+        </a:effectRef>
+        <a:fontRef idx="minor">
+          <a:schemeClr val="lt1"/>
+        </a:fontRef>
+      </dsp:style>
+      <dsp:txBody>
+        <a:bodyPr spcFirstLastPara="0" vert="horz" wrap="square" lIns="17780" tIns="17780" rIns="17780" bIns="17780" numCol="1" spcCol="1270" anchor="ctr" anchorCtr="0">
+          <a:noAutofit/>
+        </a:bodyPr>
+        <a:lstStyle/>
+        <a:p>
+          <a:pPr lvl="0" algn="ctr" defTabSz="1244600">
+            <a:lnSpc>
+              <a:spcPct val="90000"/>
+            </a:lnSpc>
+            <a:spcBef>
+              <a:spcPct val="0"/>
+            </a:spcBef>
+            <a:spcAft>
+              <a:spcPct val="35000"/>
+            </a:spcAft>
+          </a:pPr>
+          <a:r>
+            <a:rPr lang="en-US" altLang="zh-TW" sz="2800" kern="1200" dirty="0" smtClean="0"/>
+            <a:t>Semi-metal-connection leakage</a:t>
+          </a:r>
+          <a:endParaRPr lang="zh-TW" altLang="en-US" sz="2800" kern="1200" dirty="0"/>
+        </a:p>
+      </dsp:txBody>
+      <dsp:txXfrm>
+        <a:off x="3481641" y="2581564"/>
+        <a:ext cx="2192923" cy="1044448"/>
+      </dsp:txXfrm>
+    </dsp:sp>
+    <dsp:sp modelId="{B5885C74-350F-E249-9B24-9E7B47AD4124}">
+      <dsp:nvSpPr>
+        <dsp:cNvPr id="0" name=""/>
+        <dsp:cNvSpPr/>
+      </dsp:nvSpPr>
+      <dsp:spPr>
+        <a:xfrm>
+          <a:off x="3481641" y="3872328"/>
+          <a:ext cx="2192923" cy="1044448"/>
+        </a:xfrm>
+        <a:prstGeom prst="rect">
+          <a:avLst/>
+        </a:prstGeom>
+        <a:gradFill rotWithShape="0">
+          <a:gsLst>
+            <a:gs pos="0">
+              <a:schemeClr val="accent2">
+                <a:hueOff val="0"/>
+                <a:satOff val="0"/>
+                <a:lumOff val="0"/>
+                <a:alphaOff val="0"/>
+                <a:satMod val="103000"/>
+                <a:lumMod val="102000"/>
+                <a:tint val="94000"/>
+              </a:schemeClr>
+            </a:gs>
+            <a:gs pos="50000">
+              <a:schemeClr val="accent2">
+                <a:hueOff val="0"/>
+                <a:satOff val="0"/>
+                <a:lumOff val="0"/>
+                <a:alphaOff val="0"/>
+                <a:satMod val="110000"/>
+                <a:lumMod val="100000"/>
+                <a:shade val="100000"/>
+              </a:schemeClr>
+            </a:gs>
+            <a:gs pos="100000">
+              <a:schemeClr val="accent2">
+                <a:hueOff val="0"/>
+                <a:satOff val="0"/>
+                <a:lumOff val="0"/>
+                <a:alphaOff val="0"/>
+                <a:lumMod val="99000"/>
+                <a:satMod val="120000"/>
+                <a:shade val="78000"/>
+              </a:schemeClr>
+            </a:gs>
+          </a:gsLst>
+          <a:lin ang="5400000" scaled="0"/>
+        </a:gradFill>
+        <a:ln>
+          <a:noFill/>
+        </a:ln>
+        <a:effectLst/>
+      </dsp:spPr>
+      <dsp:style>
+        <a:lnRef idx="0">
+          <a:scrgbClr r="0" g="0" b="0"/>
+        </a:lnRef>
+        <a:fillRef idx="3">
+          <a:scrgbClr r="0" g="0" b="0"/>
+        </a:fillRef>
+        <a:effectRef idx="2">
+          <a:scrgbClr r="0" g="0" b="0"/>
+        </a:effectRef>
+        <a:fontRef idx="minor">
+          <a:schemeClr val="lt1"/>
+        </a:fontRef>
+      </dsp:style>
+      <dsp:txBody>
+        <a:bodyPr spcFirstLastPara="0" vert="horz" wrap="square" lIns="17780" tIns="17780" rIns="17780" bIns="17780" numCol="1" spcCol="1270" anchor="ctr" anchorCtr="0">
+          <a:noAutofit/>
+        </a:bodyPr>
+        <a:lstStyle/>
+        <a:p>
+          <a:pPr lvl="0" algn="ctr" defTabSz="1244600">
+            <a:lnSpc>
+              <a:spcPct val="90000"/>
+            </a:lnSpc>
+            <a:spcBef>
+              <a:spcPct val="0"/>
+            </a:spcBef>
+            <a:spcAft>
+              <a:spcPct val="35000"/>
+            </a:spcAft>
+          </a:pPr>
+          <a:r>
+            <a:rPr lang="en-US" altLang="zh-TW" sz="2800" kern="1200" dirty="0" smtClean="0"/>
+            <a:t>Dominant at</a:t>
+          </a:r>
+        </a:p>
+        <a:p>
+          <a:pPr lvl="0" algn="ctr" defTabSz="1244600">
+            <a:lnSpc>
+              <a:spcPct val="90000"/>
+            </a:lnSpc>
+            <a:spcBef>
+              <a:spcPct val="0"/>
+            </a:spcBef>
+            <a:spcAft>
+              <a:spcPct val="35000"/>
+            </a:spcAft>
+          </a:pPr>
+          <a:r>
+            <a:rPr lang="en-US" altLang="zh-TW" sz="2800" kern="1200" dirty="0" smtClean="0"/>
+            <a:t> 77K</a:t>
+          </a:r>
+          <a:endParaRPr lang="zh-TW" altLang="en-US" sz="2800" kern="1200" dirty="0"/>
+        </a:p>
+      </dsp:txBody>
+      <dsp:txXfrm>
+        <a:off x="3481641" y="3872328"/>
+        <a:ext cx="2192923" cy="1044448"/>
+      </dsp:txXfrm>
+    </dsp:sp>
+    <dsp:sp modelId="{A1EEF08B-8D95-6247-B459-33D588285B56}">
+      <dsp:nvSpPr>
+        <dsp:cNvPr id="0" name=""/>
+        <dsp:cNvSpPr/>
+      </dsp:nvSpPr>
+      <dsp:spPr>
+        <a:xfrm>
+          <a:off x="3481641" y="5163092"/>
+          <a:ext cx="2192923" cy="1044448"/>
+        </a:xfrm>
+        <a:prstGeom prst="rect">
+          <a:avLst/>
+        </a:prstGeom>
+        <a:gradFill rotWithShape="0">
+          <a:gsLst>
+            <a:gs pos="0">
+              <a:schemeClr val="accent2">
+                <a:hueOff val="0"/>
+                <a:satOff val="0"/>
+                <a:lumOff val="0"/>
+                <a:alphaOff val="0"/>
+                <a:satMod val="103000"/>
+                <a:lumMod val="102000"/>
+                <a:tint val="94000"/>
+              </a:schemeClr>
+            </a:gs>
+            <a:gs pos="50000">
+              <a:schemeClr val="accent2">
+                <a:hueOff val="0"/>
+                <a:satOff val="0"/>
+                <a:lumOff val="0"/>
+                <a:alphaOff val="0"/>
+                <a:satMod val="110000"/>
+                <a:lumMod val="100000"/>
+                <a:shade val="100000"/>
+              </a:schemeClr>
+            </a:gs>
+            <a:gs pos="100000">
+              <a:schemeClr val="accent2">
+                <a:hueOff val="0"/>
+                <a:satOff val="0"/>
+                <a:lumOff val="0"/>
+                <a:alphaOff val="0"/>
+                <a:lumMod val="99000"/>
+                <a:satMod val="120000"/>
+                <a:shade val="78000"/>
+              </a:schemeClr>
+            </a:gs>
+          </a:gsLst>
+          <a:lin ang="5400000" scaled="0"/>
+        </a:gradFill>
+        <a:ln>
+          <a:noFill/>
+        </a:ln>
+        <a:effectLst/>
+      </dsp:spPr>
+      <dsp:style>
+        <a:lnRef idx="0">
+          <a:scrgbClr r="0" g="0" b="0"/>
+        </a:lnRef>
+        <a:fillRef idx="3">
+          <a:scrgbClr r="0" g="0" b="0"/>
+        </a:fillRef>
+        <a:effectRef idx="2">
+          <a:scrgbClr r="0" g="0" b="0"/>
+        </a:effectRef>
+        <a:fontRef idx="minor">
+          <a:schemeClr val="lt1"/>
+        </a:fontRef>
+      </dsp:style>
+      <dsp:txBody>
+        <a:bodyPr spcFirstLastPara="0" vert="horz" wrap="square" lIns="17780" tIns="17780" rIns="17780" bIns="17780" numCol="1" spcCol="1270" anchor="ctr" anchorCtr="0">
+          <a:noAutofit/>
+        </a:bodyPr>
+        <a:lstStyle/>
+        <a:p>
+          <a:pPr lvl="0" algn="ctr" defTabSz="1244600">
+            <a:lnSpc>
+              <a:spcPct val="90000"/>
+            </a:lnSpc>
+            <a:spcBef>
+              <a:spcPct val="0"/>
+            </a:spcBef>
+            <a:spcAft>
+              <a:spcPct val="35000"/>
+            </a:spcAft>
+          </a:pPr>
+          <a14:m xmlns:a14="http://schemas.microsoft.com/office/drawing/2010/main">
+            <m:oMathPara xmlns:m="http://schemas.openxmlformats.org/officeDocument/2006/math">
+              <m:oMathParaPr>
+                <m:jc m:val="centerGroup"/>
+              </m:oMathParaPr>
+              <m:oMath xmlns:m="http://schemas.openxmlformats.org/officeDocument/2006/math">
+                <m:sSup>
+                  <m:sSupPr>
+                    <m:ctrlPr>
+                      <a:rPr lang="en-US" altLang="zh-TW" sz="2800" i="1" kern="1200" smtClean="0">
+                        <a:latin typeface="Cambria Math" charset="0"/>
+                      </a:rPr>
+                    </m:ctrlPr>
+                  </m:sSupPr>
+                  <m:e>
+                    <m:r>
+                      <a:rPr lang="en-US" altLang="zh-TW" sz="2800" b="0" i="1" kern="1200" smtClean="0">
+                        <a:latin typeface="Cambria Math" charset="0"/>
+                      </a:rPr>
+                      <m:t>10</m:t>
+                    </m:r>
+                  </m:e>
+                  <m:sup>
+                    <m:r>
+                      <a:rPr lang="en-US" altLang="zh-TW" sz="2800" b="0" i="1" kern="1200" smtClean="0">
+                        <a:latin typeface="Cambria Math" charset="0"/>
+                      </a:rPr>
+                      <m:t>−16</m:t>
+                    </m:r>
+                  </m:sup>
+                </m:sSup>
+                <m:r>
+                  <a:rPr lang="en-US" altLang="zh-TW" sz="2800" b="0" i="1" kern="1200" smtClean="0">
+                    <a:latin typeface="Cambria Math" charset="0"/>
+                  </a:rPr>
+                  <m:t>𝐴</m:t>
+                </m:r>
+              </m:oMath>
+            </m:oMathPara>
+          </a14:m>
+          <a:endParaRPr lang="zh-TW" altLang="en-US" sz="2800" kern="1200" dirty="0"/>
+        </a:p>
+      </dsp:txBody>
+      <dsp:txXfrm>
+        <a:off x="3481641" y="5163092"/>
+        <a:ext cx="2192923" cy="1044448"/>
+      </dsp:txXfrm>
+    </dsp:sp>
+    <dsp:sp modelId="{592828BF-8F81-4C4D-831D-CE4398AF4045}">
+      <dsp:nvSpPr>
+        <dsp:cNvPr id="0" name=""/>
+        <dsp:cNvSpPr/>
+      </dsp:nvSpPr>
+      <dsp:spPr>
+        <a:xfrm>
+          <a:off x="3481641" y="6453856"/>
+          <a:ext cx="2192923" cy="1044448"/>
+        </a:xfrm>
+        <a:prstGeom prst="rect">
+          <a:avLst/>
+        </a:prstGeom>
+        <a:gradFill rotWithShape="0">
+          <a:gsLst>
+            <a:gs pos="0">
+              <a:schemeClr val="accent2">
+                <a:hueOff val="0"/>
+                <a:satOff val="0"/>
+                <a:lumOff val="0"/>
+                <a:alphaOff val="0"/>
+                <a:satMod val="103000"/>
+                <a:lumMod val="102000"/>
+                <a:tint val="94000"/>
+              </a:schemeClr>
+            </a:gs>
+            <a:gs pos="50000">
+              <a:schemeClr val="accent2">
+                <a:hueOff val="0"/>
+                <a:satOff val="0"/>
+                <a:lumOff val="0"/>
+                <a:alphaOff val="0"/>
+                <a:satMod val="110000"/>
+                <a:lumMod val="100000"/>
+                <a:shade val="100000"/>
+              </a:schemeClr>
+            </a:gs>
+            <a:gs pos="100000">
+              <a:schemeClr val="accent2">
+                <a:hueOff val="0"/>
+                <a:satOff val="0"/>
+                <a:lumOff val="0"/>
+                <a:alphaOff val="0"/>
+                <a:lumMod val="99000"/>
+                <a:satMod val="120000"/>
+                <a:shade val="78000"/>
+              </a:schemeClr>
+            </a:gs>
+          </a:gsLst>
+          <a:lin ang="5400000" scaled="0"/>
+        </a:gradFill>
+        <a:ln>
+          <a:noFill/>
+        </a:ln>
+        <a:effectLst/>
+      </dsp:spPr>
+      <dsp:style>
+        <a:lnRef idx="0">
+          <a:scrgbClr r="0" g="0" b="0"/>
+        </a:lnRef>
+        <a:fillRef idx="3">
+          <a:scrgbClr r="0" g="0" b="0"/>
+        </a:fillRef>
+        <a:effectRef idx="2">
+          <a:scrgbClr r="0" g="0" b="0"/>
+        </a:effectRef>
+        <a:fontRef idx="minor">
+          <a:schemeClr val="lt1"/>
+        </a:fontRef>
+      </dsp:style>
+      <dsp:txBody>
+        <a:bodyPr spcFirstLastPara="0" vert="horz" wrap="square" lIns="17780" tIns="17780" rIns="17780" bIns="17780" numCol="1" spcCol="1270" anchor="ctr" anchorCtr="0">
+          <a:noAutofit/>
+        </a:bodyPr>
+        <a:lstStyle/>
+        <a:p>
+          <a:pPr lvl="0" algn="ctr" defTabSz="1244600">
+            <a:lnSpc>
+              <a:spcPct val="90000"/>
+            </a:lnSpc>
+            <a:spcBef>
+              <a:spcPct val="0"/>
+            </a:spcBef>
+            <a:spcAft>
+              <a:spcPct val="35000"/>
+            </a:spcAft>
+          </a:pPr>
+          <a:r>
+            <a:rPr lang="en-US" altLang="zh-TW" sz="2800" kern="1200" dirty="0" smtClean="0"/>
+            <a:t>140eV at 77K </a:t>
+          </a:r>
+          <a:endParaRPr lang="zh-TW" altLang="en-US" sz="2800" kern="1200" dirty="0"/>
+        </a:p>
+      </dsp:txBody>
+      <dsp:txXfrm>
+        <a:off x="3481641" y="6453856"/>
+        <a:ext cx="2192923" cy="1044448"/>
+      </dsp:txXfrm>
+    </dsp:sp>
+    <dsp:sp modelId="{3A202DDB-EA5C-6F46-98E5-6C93032738A2}">
+      <dsp:nvSpPr>
+        <dsp:cNvPr id="0" name=""/>
+        <dsp:cNvSpPr/>
+      </dsp:nvSpPr>
+      <dsp:spPr>
+        <a:xfrm>
+          <a:off x="5372649" y="1290801"/>
+          <a:ext cx="2192923" cy="1044448"/>
+        </a:xfrm>
+        <a:prstGeom prst="rect">
+          <a:avLst/>
+        </a:prstGeom>
+        <a:gradFill rotWithShape="0">
+          <a:gsLst>
+            <a:gs pos="0">
+              <a:schemeClr val="accent2">
+                <a:hueOff val="0"/>
+                <a:satOff val="0"/>
+                <a:lumOff val="0"/>
+                <a:alphaOff val="0"/>
+                <a:satMod val="103000"/>
+                <a:lumMod val="102000"/>
+                <a:tint val="94000"/>
+              </a:schemeClr>
+            </a:gs>
+            <a:gs pos="50000">
+              <a:schemeClr val="accent2">
+                <a:hueOff val="0"/>
+                <a:satOff val="0"/>
+                <a:lumOff val="0"/>
+                <a:alphaOff val="0"/>
+                <a:satMod val="110000"/>
+                <a:lumMod val="100000"/>
+                <a:shade val="100000"/>
+              </a:schemeClr>
+            </a:gs>
+            <a:gs pos="100000">
+              <a:schemeClr val="accent2">
+                <a:hueOff val="0"/>
+                <a:satOff val="0"/>
+                <a:lumOff val="0"/>
+                <a:alphaOff val="0"/>
+                <a:lumMod val="99000"/>
+                <a:satMod val="120000"/>
+                <a:shade val="78000"/>
+              </a:schemeClr>
+            </a:gs>
+          </a:gsLst>
+          <a:lin ang="5400000" scaled="0"/>
+        </a:gradFill>
+        <a:ln>
+          <a:noFill/>
+        </a:ln>
+        <a:effectLst/>
+      </dsp:spPr>
+      <dsp:style>
+        <a:lnRef idx="0">
+          <a:scrgbClr r="0" g="0" b="0"/>
+        </a:lnRef>
+        <a:fillRef idx="3">
+          <a:scrgbClr r="0" g="0" b="0"/>
+        </a:fillRef>
+        <a:effectRef idx="2">
+          <a:scrgbClr r="0" g="0" b="0"/>
+        </a:effectRef>
+        <a:fontRef idx="minor">
+          <a:schemeClr val="lt1"/>
+        </a:fontRef>
+      </dsp:style>
+      <dsp:txBody>
+        <a:bodyPr spcFirstLastPara="0" vert="horz" wrap="square" lIns="17780" tIns="17780" rIns="17780" bIns="17780" numCol="1" spcCol="1270" anchor="ctr" anchorCtr="0">
+          <a:noAutofit/>
+        </a:bodyPr>
+        <a:lstStyle/>
+        <a:p>
+          <a:pPr lvl="0" algn="ctr" defTabSz="1244600">
+            <a:lnSpc>
+              <a:spcPct val="90000"/>
+            </a:lnSpc>
+            <a:spcBef>
+              <a:spcPct val="0"/>
+            </a:spcBef>
+            <a:spcAft>
+              <a:spcPct val="35000"/>
+            </a:spcAft>
+          </a:pPr>
+          <a:r>
+            <a:rPr lang="en-US" altLang="zh-TW" sz="2800" kern="1200" dirty="0" smtClean="0"/>
+            <a:t>Surface leakage current</a:t>
+          </a:r>
+          <a:endParaRPr lang="zh-TW" altLang="en-US" sz="2800" kern="1200" dirty="0"/>
+        </a:p>
+      </dsp:txBody>
+      <dsp:txXfrm>
+        <a:off x="5372649" y="1290801"/>
+        <a:ext cx="2192923" cy="1044448"/>
+      </dsp:txXfrm>
+    </dsp:sp>
+    <dsp:sp modelId="{82F8EB75-C97B-E947-A4DE-44A61B16DAA5}">
+      <dsp:nvSpPr>
+        <dsp:cNvPr id="0" name=""/>
+        <dsp:cNvSpPr/>
+      </dsp:nvSpPr>
+      <dsp:spPr>
+        <a:xfrm>
+          <a:off x="5920880" y="2581564"/>
+          <a:ext cx="2192923" cy="1044448"/>
+        </a:xfrm>
+        <a:prstGeom prst="rect">
+          <a:avLst/>
+        </a:prstGeom>
+        <a:gradFill rotWithShape="0">
+          <a:gsLst>
+            <a:gs pos="0">
+              <a:schemeClr val="accent2">
+                <a:hueOff val="0"/>
+                <a:satOff val="0"/>
+                <a:lumOff val="0"/>
+                <a:alphaOff val="0"/>
+                <a:satMod val="103000"/>
+                <a:lumMod val="102000"/>
+                <a:tint val="94000"/>
+              </a:schemeClr>
+            </a:gs>
+            <a:gs pos="50000">
+              <a:schemeClr val="accent2">
+                <a:hueOff val="0"/>
+                <a:satOff val="0"/>
+                <a:lumOff val="0"/>
+                <a:alphaOff val="0"/>
+                <a:satMod val="110000"/>
+                <a:lumMod val="100000"/>
+                <a:shade val="100000"/>
+              </a:schemeClr>
+            </a:gs>
+            <a:gs pos="100000">
+              <a:schemeClr val="accent2">
+                <a:hueOff val="0"/>
+                <a:satOff val="0"/>
+                <a:lumOff val="0"/>
+                <a:alphaOff val="0"/>
+                <a:lumMod val="99000"/>
+                <a:satMod val="120000"/>
+                <a:shade val="78000"/>
+              </a:schemeClr>
+            </a:gs>
+          </a:gsLst>
+          <a:lin ang="5400000" scaled="0"/>
+        </a:gradFill>
+        <a:ln>
+          <a:noFill/>
+        </a:ln>
+        <a:effectLst/>
+      </dsp:spPr>
+      <dsp:style>
+        <a:lnRef idx="0">
+          <a:scrgbClr r="0" g="0" b="0"/>
+        </a:lnRef>
+        <a:fillRef idx="3">
+          <a:scrgbClr r="0" g="0" b="0"/>
+        </a:fillRef>
+        <a:effectRef idx="2">
+          <a:scrgbClr r="0" g="0" b="0"/>
+        </a:effectRef>
+        <a:fontRef idx="minor">
+          <a:schemeClr val="lt1"/>
+        </a:fontRef>
+      </dsp:style>
+      <dsp:txBody>
+        <a:bodyPr spcFirstLastPara="0" vert="horz" wrap="square" lIns="17780" tIns="17780" rIns="17780" bIns="17780" numCol="1" spcCol="1270" anchor="ctr" anchorCtr="0">
+          <a:noAutofit/>
+        </a:bodyPr>
+        <a:lstStyle/>
+        <a:p>
+          <a:pPr lvl="0" algn="ctr" defTabSz="1244600">
+            <a:lnSpc>
+              <a:spcPct val="90000"/>
+            </a:lnSpc>
+            <a:spcBef>
+              <a:spcPct val="0"/>
+            </a:spcBef>
+            <a:spcAft>
+              <a:spcPct val="35000"/>
+            </a:spcAft>
+          </a:pPr>
+          <a:r>
+            <a:rPr lang="en-US" altLang="zh-TW" sz="2800" kern="1200" dirty="0" smtClean="0"/>
+            <a:t>The qualification of the crystal</a:t>
+          </a:r>
+          <a:endParaRPr lang="zh-TW" altLang="en-US" sz="2800" kern="1200" dirty="0"/>
+        </a:p>
+      </dsp:txBody>
+      <dsp:txXfrm>
+        <a:off x="5920880" y="2581564"/>
+        <a:ext cx="2192923" cy="1044448"/>
+      </dsp:txXfrm>
+    </dsp:sp>
+    <dsp:sp modelId="{500D0340-096F-4E41-AB90-7D1836639CE0}">
+      <dsp:nvSpPr>
+        <dsp:cNvPr id="0" name=""/>
+        <dsp:cNvSpPr/>
+      </dsp:nvSpPr>
+      <dsp:spPr>
+        <a:xfrm>
+          <a:off x="5920880" y="3872328"/>
+          <a:ext cx="2192923" cy="1044448"/>
+        </a:xfrm>
+        <a:prstGeom prst="rect">
+          <a:avLst/>
+        </a:prstGeom>
+        <a:gradFill rotWithShape="0">
+          <a:gsLst>
+            <a:gs pos="0">
+              <a:schemeClr val="accent2">
+                <a:hueOff val="0"/>
+                <a:satOff val="0"/>
+                <a:lumOff val="0"/>
+                <a:alphaOff val="0"/>
+                <a:satMod val="103000"/>
+                <a:lumMod val="102000"/>
+                <a:tint val="94000"/>
+              </a:schemeClr>
+            </a:gs>
+            <a:gs pos="50000">
+              <a:schemeClr val="accent2">
+                <a:hueOff val="0"/>
+                <a:satOff val="0"/>
+                <a:lumOff val="0"/>
+                <a:alphaOff val="0"/>
+                <a:satMod val="110000"/>
+                <a:lumMod val="100000"/>
+                <a:shade val="100000"/>
+              </a:schemeClr>
+            </a:gs>
+            <a:gs pos="100000">
+              <a:schemeClr val="accent2">
+                <a:hueOff val="0"/>
+                <a:satOff val="0"/>
+                <a:lumOff val="0"/>
+                <a:alphaOff val="0"/>
+                <a:lumMod val="99000"/>
+                <a:satMod val="120000"/>
+                <a:shade val="78000"/>
+              </a:schemeClr>
+            </a:gs>
+          </a:gsLst>
+          <a:lin ang="5400000" scaled="0"/>
+        </a:gradFill>
+        <a:ln>
+          <a:noFill/>
+        </a:ln>
+        <a:effectLst/>
+      </dsp:spPr>
+      <dsp:style>
+        <a:lnRef idx="0">
+          <a:scrgbClr r="0" g="0" b="0"/>
+        </a:lnRef>
+        <a:fillRef idx="3">
+          <a:scrgbClr r="0" g="0" b="0"/>
+        </a:fillRef>
+        <a:effectRef idx="2">
+          <a:scrgbClr r="0" g="0" b="0"/>
+        </a:effectRef>
+        <a:fontRef idx="minor">
+          <a:schemeClr val="lt1"/>
+        </a:fontRef>
+      </dsp:style>
+      <dsp:txBody>
+        <a:bodyPr spcFirstLastPara="0" vert="horz" wrap="square" lIns="17780" tIns="17780" rIns="17780" bIns="17780" numCol="1" spcCol="1270" anchor="ctr" anchorCtr="0">
+          <a:noAutofit/>
+        </a:bodyPr>
+        <a:lstStyle/>
+        <a:p>
+          <a:pPr lvl="0" algn="ctr" defTabSz="1244600">
+            <a:lnSpc>
+              <a:spcPct val="90000"/>
+            </a:lnSpc>
+            <a:spcBef>
+              <a:spcPct val="0"/>
+            </a:spcBef>
+            <a:spcAft>
+              <a:spcPct val="35000"/>
+            </a:spcAft>
+          </a:pPr>
+          <a:r>
+            <a:rPr lang="en-US" altLang="zh-TW" sz="2800" kern="1200" dirty="0" smtClean="0"/>
+            <a:t>Dominant at </a:t>
+          </a:r>
+        </a:p>
+        <a:p>
+          <a:pPr lvl="0" algn="ctr" defTabSz="1244600">
+            <a:lnSpc>
+              <a:spcPct val="90000"/>
+            </a:lnSpc>
+            <a:spcBef>
+              <a:spcPct val="0"/>
+            </a:spcBef>
+            <a:spcAft>
+              <a:spcPct val="35000"/>
+            </a:spcAft>
+          </a:pPr>
+          <a:r>
+            <a:rPr lang="en-US" altLang="zh-TW" sz="2800" kern="1200" dirty="0" smtClean="0"/>
+            <a:t>4K</a:t>
+          </a:r>
+          <a:endParaRPr lang="zh-TW" altLang="en-US" sz="2800" kern="1200" dirty="0"/>
+        </a:p>
+      </dsp:txBody>
+      <dsp:txXfrm>
+        <a:off x="5920880" y="3872328"/>
+        <a:ext cx="2192923" cy="1044448"/>
+      </dsp:txXfrm>
+    </dsp:sp>
+    <dsp:sp modelId="{8D51D942-1FC7-844D-B84D-65C582740A41}">
+      <dsp:nvSpPr>
+        <dsp:cNvPr id="0" name=""/>
+        <dsp:cNvSpPr/>
+      </dsp:nvSpPr>
+      <dsp:spPr>
+        <a:xfrm>
+          <a:off x="5920880" y="5163092"/>
+          <a:ext cx="2192923" cy="1044448"/>
+        </a:xfrm>
+        <a:prstGeom prst="rect">
+          <a:avLst/>
+        </a:prstGeom>
+        <a:gradFill rotWithShape="0">
+          <a:gsLst>
+            <a:gs pos="0">
+              <a:schemeClr val="accent2">
+                <a:hueOff val="0"/>
+                <a:satOff val="0"/>
+                <a:lumOff val="0"/>
+                <a:alphaOff val="0"/>
+                <a:satMod val="103000"/>
+                <a:lumMod val="102000"/>
+                <a:tint val="94000"/>
+              </a:schemeClr>
+            </a:gs>
+            <a:gs pos="50000">
+              <a:schemeClr val="accent2">
+                <a:hueOff val="0"/>
+                <a:satOff val="0"/>
+                <a:lumOff val="0"/>
+                <a:alphaOff val="0"/>
+                <a:satMod val="110000"/>
+                <a:lumMod val="100000"/>
+                <a:shade val="100000"/>
+              </a:schemeClr>
+            </a:gs>
+            <a:gs pos="100000">
+              <a:schemeClr val="accent2">
+                <a:hueOff val="0"/>
+                <a:satOff val="0"/>
+                <a:lumOff val="0"/>
+                <a:alphaOff val="0"/>
+                <a:lumMod val="99000"/>
+                <a:satMod val="120000"/>
+                <a:shade val="78000"/>
+              </a:schemeClr>
+            </a:gs>
+          </a:gsLst>
+          <a:lin ang="5400000" scaled="0"/>
+        </a:gradFill>
+        <a:ln>
+          <a:noFill/>
+        </a:ln>
+        <a:effectLst/>
+      </dsp:spPr>
+      <dsp:style>
+        <a:lnRef idx="0">
+          <a:scrgbClr r="0" g="0" b="0"/>
+        </a:lnRef>
+        <a:fillRef idx="3">
+          <a:scrgbClr r="0" g="0" b="0"/>
+        </a:fillRef>
+        <a:effectRef idx="2">
+          <a:scrgbClr r="0" g="0" b="0"/>
+        </a:effectRef>
+        <a:fontRef idx="minor">
+          <a:schemeClr val="lt1"/>
+        </a:fontRef>
+      </dsp:style>
+      <dsp:txBody>
+        <a:bodyPr spcFirstLastPara="0" vert="horz" wrap="square" lIns="17780" tIns="17780" rIns="17780" bIns="17780" numCol="1" spcCol="1270" anchor="ctr" anchorCtr="0">
+          <a:noAutofit/>
+        </a:bodyPr>
+        <a:lstStyle/>
+        <a:p>
+          <a:pPr lvl="0" algn="ctr" defTabSz="1244600">
+            <a:lnSpc>
+              <a:spcPct val="90000"/>
+            </a:lnSpc>
+            <a:spcBef>
+              <a:spcPct val="0"/>
+            </a:spcBef>
+            <a:spcAft>
+              <a:spcPct val="35000"/>
+            </a:spcAft>
+          </a:pPr>
+          <a14:m xmlns:a14="http://schemas.microsoft.com/office/drawing/2010/main">
+            <m:oMathPara xmlns:m="http://schemas.openxmlformats.org/officeDocument/2006/math">
+              <m:oMathParaPr>
+                <m:jc m:val="centerGroup"/>
+              </m:oMathParaPr>
+              <m:oMath xmlns:m="http://schemas.openxmlformats.org/officeDocument/2006/math">
+                <m:sSup>
+                  <m:sSupPr>
+                    <m:ctrlPr>
+                      <a:rPr lang="en-US" altLang="zh-TW" sz="2800" i="1" kern="1200" smtClean="0">
+                        <a:latin typeface="Cambria Math" charset="0"/>
+                      </a:rPr>
+                    </m:ctrlPr>
+                  </m:sSupPr>
+                  <m:e>
+                    <m:r>
+                      <a:rPr lang="en-US" altLang="zh-TW" sz="2800" b="0" i="1" kern="1200" smtClean="0">
+                        <a:latin typeface="Cambria Math" charset="0"/>
+                      </a:rPr>
+                      <m:t>10</m:t>
+                    </m:r>
+                  </m:e>
+                  <m:sup>
+                    <m:r>
+                      <a:rPr lang="en-US" altLang="zh-TW" sz="2800" b="0" i="1" kern="1200" smtClean="0">
+                        <a:latin typeface="Cambria Math" charset="0"/>
+                      </a:rPr>
+                      <m:t>−18</m:t>
+                    </m:r>
+                  </m:sup>
+                </m:sSup>
+                <m:r>
+                  <a:rPr lang="en-US" altLang="zh-TW" sz="2800" b="0" i="1" kern="1200" smtClean="0">
+                    <a:latin typeface="Cambria Math" charset="0"/>
+                  </a:rPr>
+                  <m:t>𝐴</m:t>
+                </m:r>
+              </m:oMath>
+            </m:oMathPara>
+          </a14:m>
+          <a:endParaRPr lang="zh-TW" altLang="en-US" sz="2800" kern="1200" dirty="0"/>
+        </a:p>
+      </dsp:txBody>
+      <dsp:txXfrm>
+        <a:off x="5920880" y="5163092"/>
+        <a:ext cx="2192923" cy="1044448"/>
+      </dsp:txXfrm>
+    </dsp:sp>
+    <dsp:sp modelId="{D940CB2F-046D-6D4F-B11D-1ECC8DE0037B}">
+      <dsp:nvSpPr>
+        <dsp:cNvPr id="0" name=""/>
+        <dsp:cNvSpPr/>
+      </dsp:nvSpPr>
+      <dsp:spPr>
+        <a:xfrm>
+          <a:off x="5920880" y="6453856"/>
+          <a:ext cx="2192923" cy="1044448"/>
+        </a:xfrm>
+        <a:prstGeom prst="rect">
+          <a:avLst/>
+        </a:prstGeom>
+        <a:gradFill rotWithShape="0">
+          <a:gsLst>
+            <a:gs pos="0">
+              <a:schemeClr val="accent2">
+                <a:hueOff val="0"/>
+                <a:satOff val="0"/>
+                <a:lumOff val="0"/>
+                <a:alphaOff val="0"/>
+                <a:satMod val="103000"/>
+                <a:lumMod val="102000"/>
+                <a:tint val="94000"/>
+              </a:schemeClr>
+            </a:gs>
+            <a:gs pos="50000">
+              <a:schemeClr val="accent2">
+                <a:hueOff val="0"/>
+                <a:satOff val="0"/>
+                <a:lumOff val="0"/>
+                <a:alphaOff val="0"/>
+                <a:satMod val="110000"/>
+                <a:lumMod val="100000"/>
+                <a:shade val="100000"/>
+              </a:schemeClr>
+            </a:gs>
+            <a:gs pos="100000">
+              <a:schemeClr val="accent2">
+                <a:hueOff val="0"/>
+                <a:satOff val="0"/>
+                <a:lumOff val="0"/>
+                <a:alphaOff val="0"/>
+                <a:lumMod val="99000"/>
+                <a:satMod val="120000"/>
+                <a:shade val="78000"/>
+              </a:schemeClr>
+            </a:gs>
+          </a:gsLst>
+          <a:lin ang="5400000" scaled="0"/>
+        </a:gradFill>
+        <a:ln>
+          <a:noFill/>
+        </a:ln>
+        <a:effectLst/>
+      </dsp:spPr>
+      <dsp:style>
+        <a:lnRef idx="0">
+          <a:scrgbClr r="0" g="0" b="0"/>
+        </a:lnRef>
+        <a:fillRef idx="3">
+          <a:scrgbClr r="0" g="0" b="0"/>
+        </a:fillRef>
+        <a:effectRef idx="2">
+          <a:scrgbClr r="0" g="0" b="0"/>
+        </a:effectRef>
+        <a:fontRef idx="minor">
+          <a:schemeClr val="lt1"/>
+        </a:fontRef>
+      </dsp:style>
+      <dsp:txBody>
+        <a:bodyPr spcFirstLastPara="0" vert="horz" wrap="square" lIns="17780" tIns="17780" rIns="17780" bIns="17780" numCol="1" spcCol="1270" anchor="ctr" anchorCtr="0">
+          <a:noAutofit/>
+        </a:bodyPr>
+        <a:lstStyle/>
+        <a:p>
+          <a:pPr lvl="0" algn="ctr" defTabSz="1244600">
+            <a:lnSpc>
+              <a:spcPct val="90000"/>
+            </a:lnSpc>
+            <a:spcBef>
+              <a:spcPct val="0"/>
+            </a:spcBef>
+            <a:spcAft>
+              <a:spcPct val="35000"/>
+            </a:spcAft>
+          </a:pPr>
+          <a:r>
+            <a:rPr lang="en-US" altLang="zh-TW" sz="2800" kern="1200" dirty="0" smtClean="0"/>
+            <a:t>14eV at 4K</a:t>
+          </a:r>
+          <a:endParaRPr lang="zh-TW" altLang="en-US" sz="2800" kern="1200" dirty="0"/>
+        </a:p>
+      </dsp:txBody>
+      <dsp:txXfrm>
+        <a:off x="5920880" y="6453856"/>
+        <a:ext cx="2192923" cy="1044448"/>
+      </dsp:txXfrm>
+    </dsp:sp>
+  </dsp:spTree>
+</dsp:drawing>
+</file>
+
+<file path=ppt/diagrams/layout1.xml><?xml version="1.0" encoding="utf-8"?>
+<dgm:layoutDef xmlns:dgm="http://schemas.openxmlformats.org/drawingml/2006/diagram" xmlns:a="http://schemas.openxmlformats.org/drawingml/2006/main" uniqueId="urn:microsoft.com/office/officeart/2005/8/layout/orgChart1">
+  <dgm:title val=""/>
+  <dgm:desc val=""/>
+  <dgm:catLst>
+    <dgm:cat type="hierarchy" pri="1000"/>
+    <dgm:cat type="convert" pri="6000"/>
+  </dgm:catLst>
+  <dgm:sampData>
+    <dgm:dataModel>
+      <dgm:ptLst>
+        <dgm:pt modelId="0" type="doc"/>
+        <dgm:pt modelId="1">
+          <dgm:prSet phldr="1"/>
+        </dgm:pt>
+        <dgm:pt modelId="2" type="asst">
+          <dgm:prSet phldr="1"/>
+        </dgm:pt>
+        <dgm:pt modelId="3">
+          <dgm:prSet phldr="1"/>
+        </dgm:pt>
+        <dgm:pt modelId="4">
+          <dgm:prSet phldr="1"/>
+        </dgm:pt>
+        <dgm:pt modelId="5">
+          <dgm:prSet phldr="1"/>
+        </dgm:pt>
+      </dgm:ptLst>
+      <dgm:cxnLst>
+        <dgm:cxn modelId="5" srcId="0" destId="1" srcOrd="0" destOrd="0"/>
+        <dgm:cxn modelId="6" srcId="1" destId="2" srcOrd="0" destOrd="0"/>
+        <dgm:cxn modelId="7" srcId="1" destId="3" srcOrd="1" destOrd="0"/>
+        <dgm:cxn modelId="8" srcId="1" destId="4" srcOrd="2" destOrd="0"/>
+        <dgm:cxn modelId="9" srcId="1" destId="5" srcOrd="3" destOrd="0"/>
+      </dgm:cxnLst>
+      <dgm:bg/>
+      <dgm:whole/>
+    </dgm:dataModel>
+  </dgm:sampData>
+  <dgm:styleData>
+    <dgm:dataModel>
+      <dgm:ptLst>
+        <dgm:pt modelId="0" type="doc"/>
+        <dgm:pt modelId="1"/>
+        <dgm:pt modelId="12"/>
+        <dgm:pt modelId="13"/>
+      </dgm:ptLst>
+      <dgm:cxnLst>
+        <dgm:cxn modelId="2" srcId="0" destId="1" srcOrd="0" destOrd="0"/>
+        <dgm:cxn modelId="16" srcId="1" destId="12" srcOrd="1" destOrd="0"/>
+        <dgm:cxn modelId="17" srcId="1" destId="13" srcOrd="2" destOrd="0"/>
+      </dgm:cxnLst>
+      <dgm:bg/>
+      <dgm:whole/>
+    </dgm:dataModel>
+  </dgm:styleData>
+  <dgm:clrData>
+    <dgm:dataModel>
+      <dgm:ptLst>
+        <dgm:pt modelId="0" type="doc"/>
+        <dgm:pt modelId="1"/>
+        <dgm:pt modelId="11" type="asst"/>
+        <dgm:pt modelId="12"/>
+        <dgm:pt modelId="13"/>
+        <dgm:pt modelId="14"/>
+      </dgm:ptLst>
+      <dgm:cxnLst>
+        <dgm:cxn modelId="2" srcId="0" destId="1" srcOrd="0" destOrd="0"/>
+        <dgm:cxn modelId="15" srcId="1" destId="11" srcOrd="0" destOrd="0"/>
+        <dgm:cxn modelId="16" srcId="1" destId="12" srcOrd="1" destOrd="0"/>
+        <dgm:cxn modelId="17" srcId="1" destId="13" srcOrd="2" destOrd="0"/>
+        <dgm:cxn modelId="18" srcId="1" destId="14" srcOrd="2" destOrd="0"/>
+      </dgm:cxnLst>
+      <dgm:bg/>
+      <dgm:whole/>
+    </dgm:dataModel>
+  </dgm:clrData>
+  <dgm:layoutNode name="hierChild1">
+    <dgm:varLst>
+      <dgm:orgChart val="1"/>
+      <dgm:chPref val="1"/>
+      <dgm:dir/>
+      <dgm:animOne val="branch"/>
+      <dgm:animLvl val="lvl"/>
+      <dgm:resizeHandles/>
+    </dgm:varLst>
+    <dgm:choose name="Name0">
+      <dgm:if name="Name1" func="var" arg="dir" op="equ" val="norm">
+        <dgm:alg type="hierChild">
+          <dgm:param type="linDir" val="fromL"/>
+        </dgm:alg>
+      </dgm:if>
+      <dgm:else name="Name2">
+        <dgm:alg type="hierChild">
+          <dgm:param type="linDir" val="fromR"/>
+        </dgm:alg>
+      </dgm:else>
+    </dgm:choose>
+    <dgm:shape xmlns:r="http://schemas.openxmlformats.org/officeDocument/2006/relationships" r:blip="">
+      <dgm:adjLst/>
+    </dgm:shape>
+    <dgm:presOf/>
+    <dgm:constrLst>
+      <dgm:constr type="w" for="des" forName="rootComposite1" refType="w" fact="10"/>
+      <dgm:constr type="h" for="des" forName="rootComposite1" refType="w" refFor="des" refForName="rootComposite1" fact="0.5"/>
+      <dgm:constr type="w" for="des" forName="rootComposite" refType="w" fact="10"/>
+      <dgm:constr type="h" for="des" forName="rootComposite" refType="w" refFor="des" refForName="rootComposite1" fact="0.5"/>
+      <dgm:constr type="w" for="des" forName="rootComposite3" refType="w" fact="10"/>
+      <dgm:constr type="h" for="des" forName="rootComposite3" refType="w" refFor="des" refForName="rootComposite1" fact="0.5"/>
+      <dgm:constr type="primFontSz" for="des" ptType="node" op="equ"/>
+      <dgm:constr type="sp" for="des" op="equ"/>
+      <dgm:constr type="sp" for="des" forName="hierRoot1" refType="w" refFor="des" refForName="rootComposite1" fact="0.21"/>
+      <dgm:constr type="sp" for="des" forName="hierRoot2" refType="sp" refFor="des" refForName="hierRoot1"/>
+      <dgm:constr type="sp" for="des" forName="hierRoot3" refType="sp" refFor="des" refForName="hierRoot1"/>
+      <dgm:constr type="sibSp" refType="w" refFor="des" refForName="rootComposite1" fact="0.21"/>
+      <dgm:constr type="sibSp" for="des" forName="hierChild2" refType="sibSp"/>
+      <dgm:constr type="sibSp" for="des" forName="hierChild3" refType="sibSp"/>
+      <dgm:constr type="sibSp" for="des" forName="hierChild4" refType="sibSp"/>
+      <dgm:constr type="sibSp" for="des" forName="hierChild5" refType="sibSp"/>
+      <dgm:constr type="sibSp" for="des" forName="hierChild6" refType="sibSp"/>
+      <dgm:constr type="sibSp" for="des" forName="hierChild7" refType="sibSp"/>
+      <dgm:constr type="secSibSp" refType="w" refFor="des" refForName="rootComposite1" fact="0.21"/>
+      <dgm:constr type="secSibSp" for="des" forName="hierChild2" refType="secSibSp"/>
+      <dgm:constr type="secSibSp" for="des" forName="hierChild3" refType="secSibSp"/>
+      <dgm:constr type="secSibSp" for="des" forName="hierChild4" refType="secSibSp"/>
+      <dgm:constr type="secSibSp" for="des" forName="hierChild5" refType="secSibSp"/>
+      <dgm:constr type="secSibSp" for="des" forName="hierChild6" refType="secSibSp"/>
+      <dgm:constr type="secSibSp" for="des" forName="hierChild7" refType="secSibSp"/>
+    </dgm:constrLst>
+    <dgm:ruleLst/>
+    <dgm:forEach name="Name3" axis="ch">
+      <dgm:forEach name="Name4" axis="self" ptType="node">
+        <dgm:layoutNode name="hierRoot1">
+          <dgm:varLst>
+            <dgm:hierBranch val="init"/>
+          </dgm:varLst>
+          <dgm:choose name="Name5">
+            <dgm:if name="Name6" func="var" arg="hierBranch" op="equ" val="l">
+              <dgm:choose name="Name7">
+                <dgm:if name="Name8" axis="ch" ptType="asst" func="cnt" op="gte" val="1">
+                  <dgm:alg type="hierRoot">
+                    <dgm:param type="hierAlign" val="tR"/>
+                  </dgm:alg>
+                  <dgm:constrLst>
+                    <dgm:constr type="alignOff" val="0.65"/>
+                  </dgm:constrLst>
+                </dgm:if>
+                <dgm:else name="Name9">
+                  <dgm:alg type="hierRoot">
+                    <dgm:param type="hierAlign" val="tR"/>
+                  </dgm:alg>
+                  <dgm:constrLst>
+                    <dgm:constr type="alignOff" val="0.25"/>
+                  </dgm:constrLst>
+                </dgm:else>
+              </dgm:choose>
+            </dgm:if>
+            <dgm:if name="Name10" func="var" arg="hierBranch" op="equ" val="r">
+              <dgm:choose name="Name11">
+                <dgm:if name="Name12" axis="ch" ptType="asst" func="cnt" op="gte" val="1">
+                  <dgm:alg type="hierRoot">
+                    <dgm:param type="hierAlign" val="tL"/>
+                  </dgm:alg>
+                  <dgm:constrLst>
+                    <dgm:constr type="alignOff" val="0.65"/>
+                  </dgm:constrLst>
+                </dgm:if>
+                <dgm:else name="Name13">
+                  <dgm:alg type="hierRoot">
+                    <dgm:param type="hierAlign" val="tL"/>
+                  </dgm:alg>
+                  <dgm:constrLst>
+                    <dgm:constr type="alignOff" val="0.25"/>
+                  </dgm:constrLst>
+                </dgm:else>
+              </dgm:choose>
+            </dgm:if>
+            <dgm:if name="Name14" func="var" arg="hierBranch" op="equ" val="hang">
+              <dgm:alg type="hierRoot"/>
+              <dgm:constrLst>
+                <dgm:constr type="alignOff" val="0.65"/>
+              </dgm:constrLst>
+            </dgm:if>
+            <dgm:else name="Name15">
+              <dgm:alg type="hierRoot"/>
+              <dgm:constrLst>
+                <dgm:constr type="alignOff"/>
+                <dgm:constr type="bendDist" for="des" ptType="parTrans" refType="sp" fact="0.5"/>
+              </dgm:constrLst>
+            </dgm:else>
+          </dgm:choose>
+          <dgm:shape xmlns:r="http://schemas.openxmlformats.org/officeDocument/2006/relationships" r:blip="">
+            <dgm:adjLst/>
+          </dgm:shape>
+          <dgm:presOf/>
+          <dgm:ruleLst/>
+          <dgm:layoutNode name="rootComposite1">
+            <dgm:alg type="composite"/>
+            <dgm:shape xmlns:r="http://schemas.openxmlformats.org/officeDocument/2006/relationships" r:blip="">
+              <dgm:adjLst/>
+            </dgm:shape>
+            <dgm:presOf axis="self" ptType="node" cnt="1"/>
+            <dgm:choose name="Name16">
+              <dgm:if name="Name17" func="var" arg="hierBranch" op="equ" val="init">
+                <dgm:constrLst>
+                  <dgm:constr type="l" for="ch" forName="rootText1"/>
+                  <dgm:constr type="t" for="ch" forName="rootText1"/>
+                  <dgm:constr type="w" for="ch" forName="rootText1" refType="w"/>
+                  <dgm:constr type="h" for="ch" forName="rootText1" refType="h"/>
+                  <dgm:constr type="l" for="ch" forName="rootConnector1"/>
+                  <dgm:constr type="t" for="ch" forName="rootConnector1"/>
+                  <dgm:constr type="w" for="ch" forName="rootConnector1" refType="w" refFor="ch" refForName="rootText1" fact="0.2"/>
+                  <dgm:constr type="h" for="ch" forName="rootConnector1" refType="h" refFor="ch" refForName="rootText1"/>
+                </dgm:constrLst>
+              </dgm:if>
+              <dgm:if name="Name18" func="var" arg="hierBranch" op="equ" val="l">
+                <dgm:constrLst>
+                  <dgm:constr type="l" for="ch" forName="rootText1"/>
+                  <dgm:constr type="t" for="ch" forName="rootText1"/>
+                  <dgm:constr type="w" for="ch" forName="rootText1" refType="w"/>
+                  <dgm:constr type="h" for="ch" forName="rootText1" refType="h"/>
+                  <dgm:constr type="r" for="ch" forName="rootConnector1" refType="w"/>
+                  <dgm:constr type="t" for="ch" forName="rootConnector1"/>
+                  <dgm:constr type="w" for="ch" forName="rootConnector1" refType="w" refFor="ch" refForName="rootText1" fact="0.2"/>
+                  <dgm:constr type="h" for="ch" forName="rootConnector1" refType="h" refFor="ch" refForName="rootText1"/>
+                </dgm:constrLst>
+              </dgm:if>
+              <dgm:if name="Name19" func="var" arg="hierBranch" op="equ" val="r">
+                <dgm:constrLst>
+                  <dgm:constr type="l" for="ch" forName="rootText1"/>
+                  <dgm:constr type="t" for="ch" forName="rootText1"/>
+                  <dgm:constr type="w" for="ch" forName="rootText1" refType="w"/>
+                  <dgm:constr type="h" for="ch" forName="rootText1" refType="h"/>
+                  <dgm:constr type="l" for="ch" forName="rootConnector1"/>
+                  <dgm:constr type="t" for="ch" forName="rootConnector1"/>
+                  <dgm:constr type="w" for="ch" forName="rootConnector1" refType="w" refFor="ch" refForName="rootText1" fact="0.2"/>
+                  <dgm:constr type="h" for="ch" forName="rootConnector1" refType="h" refFor="ch" refForName="rootText1"/>
+                </dgm:constrLst>
+              </dgm:if>
+              <dgm:else name="Name20">
+                <dgm:constrLst>
+                  <dgm:constr type="l" for="ch" forName="rootText1"/>
+                  <dgm:constr type="t" for="ch" forName="rootText1"/>
+                  <dgm:constr type="w" for="ch" forName="rootText1" refType="w"/>
+                  <dgm:constr type="h" for="ch" forName="rootText1" refType="h"/>
+                  <dgm:constr type="r" for="ch" forName="rootConnector1" refType="w"/>
+                  <dgm:constr type="t" for="ch" forName="rootConnector1"/>
+                  <dgm:constr type="w" for="ch" forName="rootConnector1" refType="w" refFor="ch" refForName="rootText1" fact="0.2"/>
+                  <dgm:constr type="h" for="ch" forName="rootConnector1" refType="h" refFor="ch" refForName="rootText1"/>
+                </dgm:constrLst>
+              </dgm:else>
+            </dgm:choose>
+            <dgm:ruleLst/>
+            <dgm:layoutNode name="rootText1" styleLbl="node0">
+              <dgm:varLst>
+                <dgm:chPref val="3"/>
+              </dgm:varLst>
+              <dgm:alg type="tx"/>
+              <dgm:shape xmlns:r="http://schemas.openxmlformats.org/officeDocument/2006/relationships" type="rect" r:blip="">
+                <dgm:adjLst/>
+              </dgm:shape>
+              <dgm:presOf axis="self" ptType="node" cnt="1"/>
+              <dgm:constrLst>
+                <dgm:constr type="primFontSz" val="65"/>
+                <dgm:constr type="lMarg" refType="primFontSz" fact="0.05"/>
+                <dgm:constr type="rMarg" refType="primFontSz" fact="0.05"/>
+                <dgm:constr type="tMarg" refType="primFontSz" fact="0.05"/>
+                <dgm:constr type="bMarg" refType="primFontSz" fact="0.05"/>
+              </dgm:constrLst>
+              <dgm:ruleLst>
+                <dgm:rule type="primFontSz" val="5" fact="NaN" max="NaN"/>
+              </dgm:ruleLst>
+            </dgm:layoutNode>
+            <dgm:layoutNode name="rootConnector1" moveWith="rootText1">
+              <dgm:alg type="sp"/>
+              <dgm:shape xmlns:r="http://schemas.openxmlformats.org/officeDocument/2006/relationships" type="rect" r:blip="" hideGeom="1">
+                <dgm:adjLst/>
+              </dgm:shape>
+              <dgm:presOf axis="self" ptType="node" cnt="1"/>
+              <dgm:constrLst/>
+              <dgm:ruleLst/>
+            </dgm:layoutNode>
+          </dgm:layoutNode>
+          <dgm:layoutNode name="hierChild2">
+            <dgm:choose name="Name21">
+              <dgm:if name="Name22" func="var" arg="hierBranch" op="equ" val="l">
+                <dgm:alg type="hierChild">
+                  <dgm:param type="chAlign" val="r"/>
+                  <dgm:param type="linDir" val="fromT"/>
+                </dgm:alg>
+              </dgm:if>
+              <dgm:if name="Name23" func="var" arg="hierBranch" op="equ" val="r">
+                <dgm:alg type="hierChild">
+                  <dgm:param type="chAlign" val="l"/>
+                  <dgm:param type="linDir" val="fromT"/>
+                </dgm:alg>
+              </dgm:if>
+              <dgm:if name="Name24" func="var" arg="hierBranch" op="equ" val="hang">
+                <dgm:choose name="Name25">
+                  <dgm:if name="Name26" func="var" arg="dir" op="equ" val="norm">
+                    <dgm:alg type="hierChild">
+                      <dgm:param type="chAlign" val="l"/>
+                      <dgm:param type="linDir" val="fromL"/>
+                      <dgm:param type="secChAlign" val="t"/>
+                      <dgm:param type="secLinDir" val="fromT"/>
+                    </dgm:alg>
+                  </dgm:if>
+                  <dgm:else name="Name27">
+                    <dgm:alg type="hierChild">
+                      <dgm:param type="chAlign" val="l"/>
+                      <dgm:param type="linDir" val="fromR"/>
+                      <dgm:param type="secChAlign" val="t"/>
+                      <dgm:param type="secLinDir" val="fromT"/>
+                    </dgm:alg>
+                  </dgm:else>
+                </dgm:choose>
+              </dgm:if>
+              <dgm:else name="Name28">
+                <dgm:choose name="Name29">
+                  <dgm:if name="Name30" func="var" arg="dir" op="equ" val="norm">
+                    <dgm:alg type="hierChild"/>
+                  </dgm:if>
+                  <dgm:else name="Name31">
+                    <dgm:alg type="hierChild">
+                      <dgm:param type="linDir" val="fromR"/>
+                    </dgm:alg>
+                  </dgm:else>
+                </dgm:choose>
+              </dgm:else>
+            </dgm:choose>
+            <dgm:shape xmlns:r="http://schemas.openxmlformats.org/officeDocument/2006/relationships" r:blip="">
+              <dgm:adjLst/>
+            </dgm:shape>
+            <dgm:presOf/>
+            <dgm:constrLst/>
+            <dgm:ruleLst/>
+            <dgm:forEach name="rep2a" axis="ch" ptType="nonAsst">
+              <dgm:forEach name="Name32" axis="precedSib" ptType="parTrans" st="-1" cnt="1">
+                <dgm:choose name="Name33">
+                  <dgm:if name="Name34" func="var" arg="hierBranch" op="equ" val="std">
+                    <dgm:layoutNode name="Name35">
+                      <dgm:alg type="conn">
+                        <dgm:param type="connRout" val="bend"/>
+                        <dgm:param type="dim" val="1D"/>
+                        <dgm:param type="endSty" val="noArr"/>
+                        <dgm:param type="begPts" val="bCtr"/>
+                        <dgm:param type="endPts" val="tCtr"/>
+                        <dgm:param type="bendPt" val="end"/>
+                      </dgm:alg>
+                      <dgm:shape xmlns:r="http://schemas.openxmlformats.org/officeDocument/2006/relationships" type="conn" r:blip="" zOrderOff="-99999">
+                        <dgm:adjLst/>
+                      </dgm:shape>
+                      <dgm:presOf axis="self"/>
+                      <dgm:constrLst>
+                        <dgm:constr type="begPad"/>
+                        <dgm:constr type="endPad"/>
+                      </dgm:constrLst>
+                      <dgm:ruleLst/>
+                    </dgm:layoutNode>
+                  </dgm:if>
+                  <dgm:if name="Name36" func="var" arg="hierBranch" op="equ" val="init">
+                    <dgm:layoutNode name="Name37">
+                      <dgm:choose name="Name38">
+                        <dgm:if name="Name39" axis="self" func="depth" op="lte" val="2">
+                          <dgm:alg type="conn">
+                            <dgm:param type="connRout" val="bend"/>
+                            <dgm:param type="dim" val="1D"/>
+                            <dgm:param type="endSty" val="noArr"/>
+                            <dgm:param type="begPts" val="bCtr"/>
+                            <dgm:param type="endPts" val="tCtr"/>
+                            <dgm:param type="bendPt" val="end"/>
+                          </dgm:alg>
+                        </dgm:if>
+                        <dgm:else name="Name40">
+                          <dgm:choose name="Name41">
+                            <dgm:if name="Name42" axis="par des" func="maxDepth" op="lte" val="1">
+                              <dgm:choose name="Name43">
+                                <dgm:if name="Name44" axis="par ch" ptType="node asst" func="cnt" op="gte" val="1">
+                                  <dgm:alg type="conn">
+                                    <dgm:param type="connRout" val="bend"/>
+                                    <dgm:param type="dim" val="1D"/>
+                                    <dgm:param type="endSty" val="noArr"/>
+                                    <dgm:param type="begPts" val="bCtr"/>
+                                    <dgm:param type="endPts" val="midL midR"/>
+                                  </dgm:alg>
+                                </dgm:if>
+                                <dgm:else name="Name45">
+                                  <dgm:alg type="conn">
+                                    <dgm:param type="connRout" val="bend"/>
+                                    <dgm:param type="dim" val="1D"/>
+                                    <dgm:param type="endSty" val="noArr"/>
+                                    <dgm:param type="begPts" val="bCtr"/>
+                                    <dgm:param type="endPts" val="midL midR"/>
+                                    <dgm:param type="srcNode" val="rootConnector"/>
+                                  </dgm:alg>
+                                </dgm:else>
+                              </dgm:choose>
+                            </dgm:if>
+                            <dgm:else name="Name46">
+                              <dgm:alg type="conn">
+                                <dgm:param type="connRout" val="bend"/>
+                                <dgm:param type="dim" val="1D"/>
+                                <dgm:param type="endSty" val="noArr"/>
+                                <dgm:param type="begPts" val="bCtr"/>
+                                <dgm:param type="endPts" val="tCtr"/>
+                                <dgm:param type="bendPt" val="end"/>
+                              </dgm:alg>
+                            </dgm:else>
+                          </dgm:choose>
+                        </dgm:else>
+                      </dgm:choose>
+                      <dgm:shape xmlns:r="http://schemas.openxmlformats.org/officeDocument/2006/relationships" type="conn" r:blip="" zOrderOff="-99999">
+                        <dgm:adjLst/>
+                      </dgm:shape>
+                      <dgm:presOf axis="self"/>
+                      <dgm:constrLst>
+                        <dgm:constr type="begPad"/>
+                        <dgm:constr type="endPad"/>
+                      </dgm:constrLst>
+                      <dgm:ruleLst/>
+                    </dgm:layoutNode>
+                  </dgm:if>
+                  <dgm:if name="Name47" func="var" arg="hierBranch" op="equ" val="hang">
+                    <dgm:layoutNode name="Name48">
+                      <dgm:alg type="conn">
+                        <dgm:param type="connRout" val="bend"/>
+                        <dgm:param type="dim" val="1D"/>
+                        <dgm:param type="endSty" val="noArr"/>
+                        <dgm:param type="begPts" val="bCtr"/>
+                        <dgm:param type="endPts" val="midL midR"/>
+                      </dgm:alg>
+                      <dgm:shape xmlns:r="http://schemas.openxmlformats.org/officeDocument/2006/relationships" type="conn" r:blip="" zOrderOff="-99999">
+                        <dgm:adjLst/>
+                      </dgm:shape>
+                      <dgm:presOf axis="self"/>
+                      <dgm:constrLst>
+                        <dgm:constr type="begPad"/>
+                        <dgm:constr type="endPad"/>
+                      </dgm:constrLst>
+                      <dgm:ruleLst/>
+                    </dgm:layoutNode>
+                  </dgm:if>
+                  <dgm:else name="Name49">
+                    <dgm:layoutNode name="Name50">
+                      <dgm:choose name="Name51">
+                        <dgm:if name="Name52" axis="self" func="depth" op="lte" val="2">
+                          <dgm:choose name="Name53">
+                            <dgm:if name="Name54" axis="par ch" ptType="node asst" func="cnt" op="gte" val="1">
+                              <dgm:alg type="conn">
+                                <dgm:param type="connRout" val="bend"/>
+                                <dgm:param type="dim" val="1D"/>
+                                <dgm:param type="endSty" val="noArr"/>
+                                <dgm:param type="begPts" val="bCtr"/>
+                                <dgm:param type="endPts" val="midL midR"/>
+                              </dgm:alg>
+                            </dgm:if>
+                            <dgm:else name="Name55">
+                              <dgm:alg type="conn">
+                                <dgm:param type="connRout" val="bend"/>
+                                <dgm:param type="dim" val="1D"/>
+                                <dgm:param type="endSty" val="noArr"/>
+                                <dgm:param type="begPts" val="bCtr"/>
+                                <dgm:param type="endPts" val="midL midR"/>
+                                <dgm:param type="srcNode" val="rootConnector1"/>
+                              </dgm:alg>
+                            </dgm:else>
+                          </dgm:choose>
+                        </dgm:if>
+                        <dgm:else name="Name56">
+                          <dgm:choose name="Name57">
+                            <dgm:if name="Name58" axis="par ch" ptType="node asst" func="cnt" op="gte" val="1">
+                              <dgm:alg type="conn">
+                                <dgm:param type="connRout" val="bend"/>
+                                <dgm:param type="dim" val="1D"/>
+                                <dgm:param type="endSty" val="noArr"/>
+                                <dgm:param type="begPts" val="bCtr"/>
+                                <dgm:param type="endPts" val="midL midR"/>
+                              </dgm:alg>
+                            </dgm:if>
+                            <dgm:else name="Name59">
+                              <dgm:alg type="conn">
+                                <dgm:param type="connRout" val="bend"/>
+                                <dgm:param type="dim" val="1D"/>
+                                <dgm:param type="endSty" val="noArr"/>
+                                <dgm:param type="begPts" val="bCtr"/>
+                                <dgm:param type="endPts" val="midL midR"/>
+                                <dgm:param type="srcNode" val="rootConnector"/>
+                              </dgm:alg>
+                            </dgm:else>
+                          </dgm:choose>
+                        </dgm:else>
+                      </dgm:choose>
+                      <dgm:shape xmlns:r="http://schemas.openxmlformats.org/officeDocument/2006/relationships" type="conn" r:blip="" zOrderOff="-99999">
+                        <dgm:adjLst/>
+                      </dgm:shape>
+                      <dgm:presOf axis="self"/>
+                      <dgm:constrLst>
+                        <dgm:constr type="begPad"/>
+                        <dgm:constr type="endPad"/>
+                      </dgm:constrLst>
+                      <dgm:ruleLst/>
+                    </dgm:layoutNode>
+                  </dgm:else>
+                </dgm:choose>
+              </dgm:forEach>
+              <dgm:layoutNode name="hierRoot2">
+                <dgm:varLst>
+                  <dgm:hierBranch val="init"/>
+                </dgm:varLst>
+                <dgm:choose name="Name60">
+                  <dgm:if name="Name61" func="var" arg="hierBranch" op="equ" val="l">
+                    <dgm:choose name="Name62">
+                      <dgm:if name="Name63" axis="ch" ptType="asst" func="cnt" op="gte" val="1">
+                        <dgm:alg type="hierRoot">
+                          <dgm:param type="hierAlign" val="tR"/>
+                        </dgm:alg>
+                        <dgm:shape xmlns:r="http://schemas.openxmlformats.org/officeDocument/2006/relationships" r:blip="">
+                          <dgm:adjLst/>
+                        </dgm:shape>
+                        <dgm:presOf/>
+                        <dgm:constrLst>
+                          <dgm:constr type="alignOff" val="0.65"/>
+                        </dgm:constrLst>
+                      </dgm:if>
+                      <dgm:else name="Name64">
+                        <dgm:alg type="hierRoot">
+                          <dgm:param type="hierAlign" val="tR"/>
+                        </dgm:alg>
+                        <dgm:shape xmlns:r="http://schemas.openxmlformats.org/officeDocument/2006/relationships" r:blip="">
+                          <dgm:adjLst/>
+                        </dgm:shape>
+                        <dgm:presOf/>
+                        <dgm:constrLst>
+                          <dgm:constr type="alignOff" val="0.25"/>
+                        </dgm:constrLst>
+                      </dgm:else>
+                    </dgm:choose>
+                  </dgm:if>
+                  <dgm:if name="Name65" func="var" arg="hierBranch" op="equ" val="r">
+                    <dgm:choose name="Name66">
+                      <dgm:if name="Name67" axis="ch" ptType="asst" func="cnt" op="gte" val="1">
+                        <dgm:alg type="hierRoot">
+                          <dgm:param type="hierAlign" val="tL"/>
+                        </dgm:alg>
+                        <dgm:shape xmlns:r="http://schemas.openxmlformats.org/officeDocument/2006/relationships" r:blip="">
+                          <dgm:adjLst/>
+                        </dgm:shape>
+                        <dgm:presOf/>
+                        <dgm:constrLst>
+                          <dgm:constr type="alignOff" val="0.65"/>
+                        </dgm:constrLst>
+                      </dgm:if>
+                      <dgm:else name="Name68">
+                        <dgm:alg type="hierRoot">
+                          <dgm:param type="hierAlign" val="tL"/>
+                        </dgm:alg>
+                        <dgm:shape xmlns:r="http://schemas.openxmlformats.org/officeDocument/2006/relationships" r:blip="">
+                          <dgm:adjLst/>
+                        </dgm:shape>
+                        <dgm:presOf/>
+                        <dgm:constrLst>
+                          <dgm:constr type="alignOff" val="0.25"/>
+                        </dgm:constrLst>
+                      </dgm:else>
+                    </dgm:choose>
+                  </dgm:if>
+                  <dgm:if name="Name69" func="var" arg="hierBranch" op="equ" val="std">
+                    <dgm:alg type="hierRoot"/>
+                    <dgm:shape xmlns:r="http://schemas.openxmlformats.org/officeDocument/2006/relationships" r:blip="">
+                      <dgm:adjLst/>
+                    </dgm:shape>
+                    <dgm:presOf/>
+                    <dgm:constrLst>
+                      <dgm:constr type="alignOff"/>
+                      <dgm:constr type="bendDist" for="des" ptType="parTrans" refType="sp" fact="0.5"/>
+                    </dgm:constrLst>
+                  </dgm:if>
+                  <dgm:if name="Name70" func="var" arg="hierBranch" op="equ" val="init">
+                    <dgm:choose name="Name71">
+                      <dgm:if name="Name72" axis="des" func="maxDepth" op="lte" val="1">
+                        <dgm:choose name="Name73">
+                          <dgm:if name="Name74" axis="ch" ptType="asst" func="cnt" op="gte" val="1">
+                            <dgm:alg type="hierRoot">
+                              <dgm:param type="hierAlign" val="tL"/>
+                            </dgm:alg>
+                            <dgm:shape xmlns:r="http://schemas.openxmlformats.org/officeDocument/2006/relationships" r:blip="">
+                              <dgm:adjLst/>
+                            </dgm:shape>
+                            <dgm:presOf/>
+                            <dgm:constrLst>
+                              <dgm:constr type="alignOff" val="0.65"/>
+                            </dgm:constrLst>
+                          </dgm:if>
+                          <dgm:else name="Name75">
+                            <dgm:alg type="hierRoot">
+                              <dgm:param type="hierAlign" val="tL"/>
+                            </dgm:alg>
+                            <dgm:shape xmlns:r="http://schemas.openxmlformats.org/officeDocument/2006/relationships" r:blip="">
+                              <dgm:adjLst/>
+                            </dgm:shape>
+                            <dgm:presOf/>
+                            <dgm:constrLst>
+                              <dgm:constr type="alignOff" val="0.25"/>
+                            </dgm:constrLst>
+                          </dgm:else>
+                        </dgm:choose>
+                      </dgm:if>
+                      <dgm:else name="Name76">
+                        <dgm:alg type="hierRoot"/>
+                        <dgm:shape xmlns:r="http://schemas.openxmlformats.org/officeDocument/2006/relationships" r:blip="">
+                          <dgm:adjLst/>
+                        </dgm:shape>
+                        <dgm:presOf/>
+                        <dgm:constrLst>
+                          <dgm:constr type="alignOff"/>
+                          <dgm:constr type="bendDist" for="des" ptType="parTrans" refType="sp" fact="0.5"/>
+                        </dgm:constrLst>
+                      </dgm:else>
+                    </dgm:choose>
+                  </dgm:if>
+                  <dgm:else name="Name77">
+                    <dgm:alg type="hierRoot"/>
+                    <dgm:shape xmlns:r="http://schemas.openxmlformats.org/officeDocument/2006/relationships" r:blip="">
+                      <dgm:adjLst/>
+                    </dgm:shape>
+                    <dgm:presOf/>
+                    <dgm:constrLst>
+                      <dgm:constr type="alignOff" val="0.65"/>
+                    </dgm:constrLst>
+                  </dgm:else>
+                </dgm:choose>
+                <dgm:ruleLst/>
+                <dgm:layoutNode name="rootComposite">
+                  <dgm:alg type="composite"/>
+                  <dgm:shape xmlns:r="http://schemas.openxmlformats.org/officeDocument/2006/relationships" r:blip="">
+                    <dgm:adjLst/>
+                  </dgm:shape>
+                  <dgm:presOf axis="self" ptType="node" cnt="1"/>
+                  <dgm:choose name="Name78">
+                    <dgm:if name="Name79" func="var" arg="hierBranch" op="equ" val="init">
+                      <dgm:constrLst>
+                        <dgm:constr type="l" for="ch" forName="rootText"/>
+                        <dgm:constr type="t" for="ch" forName="rootText"/>
+                        <dgm:constr type="w" for="ch" forName="rootText" refType="w"/>
+                        <dgm:constr type="h" for="ch" forName="rootText" refType="h"/>
+                        <dgm:constr type="l" for="ch" forName="rootConnector"/>
+                        <dgm:constr type="t" for="ch" forName="rootConnector"/>
+                        <dgm:constr type="w" for="ch" forName="rootConnector" refType="w" refFor="ch" refForName="rootText" fact="0.2"/>
+                        <dgm:constr type="h" for="ch" forName="rootConnector" refType="h" refFor="ch" refForName="rootText"/>
+                      </dgm:constrLst>
+                    </dgm:if>
+                    <dgm:if name="Name80" func="var" arg="hierBranch" op="equ" val="l">
+                      <dgm:constrLst>
+                        <dgm:constr type="l" for="ch" forName="rootText"/>
+                        <dgm:constr type="t" for="ch" forName="rootText"/>
+                        <dgm:constr type="w" for="ch" forName="rootText" refType="w"/>
+                        <dgm:constr type="h" for="ch" forName="rootText" refType="h"/>
+                        <dgm:constr type="r" for="ch" forName="rootConnector" refType="w"/>
+                        <dgm:constr type="t" for="ch" forName="rootConnector"/>
+                        <dgm:constr type="w" for="ch" forName="rootConnector" refType="w" refFor="ch" refForName="rootText" fact="0.2"/>
+                        <dgm:constr type="h" for="ch" forName="rootConnector" refType="h" refFor="ch" refForName="rootText"/>
+                      </dgm:constrLst>
+                    </dgm:if>
+                    <dgm:if name="Name81" func="var" arg="hierBranch" op="equ" val="r">
+                      <dgm:constrLst>
+                        <dgm:constr type="l" for="ch" forName="rootText"/>
+                        <dgm:constr type="t" for="ch" forName="rootText"/>
+                        <dgm:constr type="w" for="ch" forName="rootText" refType="w"/>
+                        <dgm:constr type="h" for="ch" forName="rootText" refType="h"/>
+                        <dgm:constr type="l" for="ch" forName="rootConnector"/>
+                        <dgm:constr type="t" for="ch" forName="rootConnector"/>
+                        <dgm:constr type="w" for="ch" forName="rootConnector" refType="w" refFor="ch" refForName="rootText" fact="0.2"/>
+                        <dgm:constr type="h" for="ch" forName="rootConnector" refType="h" refFor="ch" refForName="rootText"/>
+                      </dgm:constrLst>
+                    </dgm:if>
+                    <dgm:else name="Name82">
+                      <dgm:constrLst>
+                        <dgm:constr type="l" for="ch" forName="rootText"/>
+                        <dgm:constr type="t" for="ch" forName="rootText"/>
+                        <dgm:constr type="w" for="ch" forName="rootText" refType="w"/>
+                        <dgm:constr type="h" for="ch" forName="rootText" refType="h"/>
+                        <dgm:constr type="r" for="ch" forName="rootConnector" refType="w"/>
+                        <dgm:constr type="t" for="ch" forName="rootConnector"/>
+                        <dgm:constr type="w" for="ch" forName="rootConnector" refType="w" refFor="ch" refForName="rootText" fact="0.2"/>
+                        <dgm:constr type="h" for="ch" forName="rootConnector" refType="h" refFor="ch" refForName="rootText"/>
+                      </dgm:constrLst>
+                    </dgm:else>
+                  </dgm:choose>
+                  <dgm:ruleLst/>
+                  <dgm:layoutNode name="rootText">
+                    <dgm:varLst>
+                      <dgm:chPref val="3"/>
+                    </dgm:varLst>
+                    <dgm:alg type="tx"/>
+                    <dgm:shape xmlns:r="http://schemas.openxmlformats.org/officeDocument/2006/relationships" type="rect" r:blip="">
+                      <dgm:adjLst/>
+                    </dgm:shape>
+                    <dgm:presOf axis="self" ptType="node" cnt="1"/>
+                    <dgm:constrLst>
+                      <dgm:constr type="primFontSz" val="65"/>
+                      <dgm:constr type="lMarg" refType="primFontSz" fact="0.05"/>
+                      <dgm:constr type="rMarg" refType="primFontSz" fact="0.05"/>
+                      <dgm:constr type="tMarg" refType="primFontSz" fact="0.05"/>
+                      <dgm:constr type="bMarg" refType="primFontSz" fact="0.05"/>
+                    </dgm:constrLst>
+                    <dgm:ruleLst>
+                      <dgm:rule type="primFontSz" val="5" fact="NaN" max="NaN"/>
+                    </dgm:ruleLst>
+                  </dgm:layoutNode>
+                  <dgm:layoutNode name="rootConnector" moveWith="rootText">
+                    <dgm:alg type="sp"/>
+                    <dgm:shape xmlns:r="http://schemas.openxmlformats.org/officeDocument/2006/relationships" type="rect" r:blip="" hideGeom="1">
+                      <dgm:adjLst/>
+                    </dgm:shape>
+                    <dgm:presOf axis="self" ptType="node" cnt="1"/>
+                    <dgm:constrLst/>
+                    <dgm:ruleLst/>
+                  </dgm:layoutNode>
+                </dgm:layoutNode>
+                <dgm:layoutNode name="hierChild4">
+                  <dgm:choose name="Name83">
+                    <dgm:if name="Name84" func="var" arg="hierBranch" op="equ" val="l">
+                      <dgm:alg type="hierChild">
+                        <dgm:param type="chAlign" val="r"/>
+                        <dgm:param type="linDir" val="fromT"/>
+                      </dgm:alg>
+                    </dgm:if>
+                    <dgm:if name="Name85" func="var" arg="hierBranch" op="equ" val="r">
+                      <dgm:alg type="hierChild">
+                        <dgm:param type="chAlign" val="l"/>
+                        <dgm:param type="linDir" val="fromT"/>
+                      </dgm:alg>
+                    </dgm:if>
+                    <dgm:if name="Name86" func="var" arg="hierBranch" op="equ" val="hang">
+                      <dgm:choose name="Name87">
+                        <dgm:if name="Name88" func="var" arg="dir" op="equ" val="norm">
+                          <dgm:alg type="hierChild">
+                            <dgm:param type="chAlign" val="l"/>
+                            <dgm:param type="linDir" val="fromL"/>
+                            <dgm:param type="secChAlign" val="t"/>
+                            <dgm:param type="secLinDir" val="fromT"/>
+                          </dgm:alg>
+                        </dgm:if>
+                        <dgm:else name="Name89">
+                          <dgm:alg type="hierChild">
+                            <dgm:param type="chAlign" val="l"/>
+                            <dgm:param type="linDir" val="fromR"/>
+                            <dgm:param type="secChAlign" val="t"/>
+                            <dgm:param type="secLinDir" val="fromT"/>
+                          </dgm:alg>
+                        </dgm:else>
+                      </dgm:choose>
+                    </dgm:if>
+                    <dgm:if name="Name90" func="var" arg="hierBranch" op="equ" val="std">
+                      <dgm:choose name="Name91">
+                        <dgm:if name="Name92" func="var" arg="dir" op="equ" val="norm">
+                          <dgm:alg type="hierChild"/>
+                        </dgm:if>
+                        <dgm:else name="Name93">
+                          <dgm:alg type="hierChild">
+                            <dgm:param type="linDir" val="fromR"/>
+                          </dgm:alg>
+                        </dgm:else>
+                      </dgm:choose>
+                    </dgm:if>
+                    <dgm:if name="Name94" func="var" arg="hierBranch" op="equ" val="init">
+                      <dgm:choose name="Name95">
+                        <dgm:if name="Name96" axis="des" func="maxDepth" op="lte" val="1">
+                          <dgm:alg type="hierChild">
+                            <dgm:param type="chAlign" val="l"/>
+                            <dgm:param type="linDir" val="fromT"/>
+                          </dgm:alg>
+                        </dgm:if>
+                        <dgm:else name="Name97">
+                          <dgm:choose name="Name98">
+                            <dgm:if name="Name99" func="var" arg="dir" op="equ" val="norm">
+                              <dgm:alg type="hierChild"/>
+                            </dgm:if>
+                            <dgm:else name="Name100">
+                              <dgm:alg type="hierChild">
+                                <dgm:param type="linDir" val="fromR"/>
+                              </dgm:alg>
+                            </dgm:else>
+                          </dgm:choose>
+                        </dgm:else>
+                      </dgm:choose>
+                    </dgm:if>
+                    <dgm:else name="Name101"/>
+                  </dgm:choose>
+                  <dgm:shape xmlns:r="http://schemas.openxmlformats.org/officeDocument/2006/relationships" r:blip="">
+                    <dgm:adjLst/>
+                  </dgm:shape>
+                  <dgm:presOf/>
+                  <dgm:constrLst/>
+                  <dgm:ruleLst/>
+                  <dgm:forEach name="Name102" ref="rep2a"/>
+                </dgm:layoutNode>
+                <dgm:layoutNode name="hierChild5">
+                  <dgm:choose name="Name103">
+                    <dgm:if name="Name104" func="var" arg="dir" op="equ" val="norm">
+                      <dgm:alg type="hierChild">
+                        <dgm:param type="chAlign" val="l"/>
+                        <dgm:param type="linDir" val="fromL"/>
+                        <dgm:param type="secChAlign" val="t"/>
+                        <dgm:param type="secLinDir" val="fromT"/>
+                      </dgm:alg>
+                    </dgm:if>
+                    <dgm:else name="Name105">
+                      <dgm:alg type="hierChild">
+                        <dgm:param type="chAlign" val="l"/>
+                        <dgm:param type="linDir" val="fromR"/>
+                        <dgm:param type="secChAlign" val="t"/>
+                        <dgm:param type="secLinDir" val="fromT"/>
+                      </dgm:alg>
+                    </dgm:else>
+                  </dgm:choose>
+                  <dgm:shape xmlns:r="http://schemas.openxmlformats.org/officeDocument/2006/relationships" r:blip="">
+                    <dgm:adjLst/>
+                  </dgm:shape>
+                  <dgm:presOf/>
+                  <dgm:constrLst/>
+                  <dgm:ruleLst/>
+                  <dgm:forEach name="Name106" ref="rep2b"/>
+                </dgm:layoutNode>
+              </dgm:layoutNode>
+            </dgm:forEach>
+          </dgm:layoutNode>
+          <dgm:layoutNode name="hierChild3">
+            <dgm:choose name="Name107">
+              <dgm:if name="Name108" func="var" arg="dir" op="equ" val="norm">
+                <dgm:alg type="hierChild">
+                  <dgm:param type="chAlign" val="l"/>
+                  <dgm:param type="linDir" val="fromL"/>
+                  <dgm:param type="secChAlign" val="t"/>
+                  <dgm:param type="secLinDir" val="fromT"/>
+                </dgm:alg>
+              </dgm:if>
+              <dgm:else name="Name109">
+                <dgm:alg type="hierChild">
+                  <dgm:param type="chAlign" val="l"/>
+                  <dgm:param type="linDir" val="fromR"/>
+                  <dgm:param type="secChAlign" val="t"/>
+                  <dgm:param type="secLinDir" val="fromT"/>
+                </dgm:alg>
+              </dgm:else>
+            </dgm:choose>
+            <dgm:shape xmlns:r="http://schemas.openxmlformats.org/officeDocument/2006/relationships" r:blip="">
+              <dgm:adjLst/>
+            </dgm:shape>
+            <dgm:presOf/>
+            <dgm:constrLst/>
+            <dgm:ruleLst/>
+            <dgm:forEach name="rep2b" axis="ch" ptType="asst">
+              <dgm:forEach name="Name110" axis="precedSib" ptType="parTrans" st="-1" cnt="1">
+                <dgm:layoutNode name="Name111">
+                  <dgm:alg type="conn">
+                    <dgm:param type="connRout" val="bend"/>
+                    <dgm:param type="dim" val="1D"/>
+                    <dgm:param type="endSty" val="noArr"/>
+                    <dgm:param type="begPts" val="bCtr"/>
+                    <dgm:param type="endPts" val="midL midR"/>
+                  </dgm:alg>
+                  <dgm:shape xmlns:r="http://schemas.openxmlformats.org/officeDocument/2006/relationships" type="conn" r:blip="" zOrderOff="-99999">
+                    <dgm:adjLst/>
+                  </dgm:shape>
+                  <dgm:presOf axis="self"/>
+                  <dgm:constrLst>
+                    <dgm:constr type="begPad"/>
+                    <dgm:constr type="endPad"/>
+                  </dgm:constrLst>
+                  <dgm:ruleLst/>
+                </dgm:layoutNode>
+              </dgm:forEach>
+              <dgm:layoutNode name="hierRoot3">
+                <dgm:varLst>
+                  <dgm:hierBranch val="init"/>
+                </dgm:varLst>
+                <dgm:choose name="Name112">
+                  <dgm:if name="Name113" func="var" arg="hierBranch" op="equ" val="l">
+                    <dgm:alg type="hierRoot">
+                      <dgm:param type="hierAlign" val="tR"/>
+                    </dgm:alg>
+                    <dgm:shape xmlns:r="http://schemas.openxmlformats.org/officeDocument/2006/relationships" r:blip="">
+                      <dgm:adjLst/>
+                    </dgm:shape>
+                    <dgm:presOf/>
+                    <dgm:constrLst>
+                      <dgm:constr type="alignOff" val="0.65"/>
+                    </dgm:constrLst>
+                  </dgm:if>
+                  <dgm:if name="Name114" func="var" arg="hierBranch" op="equ" val="r">
+                    <dgm:alg type="hierRoot">
+                      <dgm:param type="hierAlign" val="tL"/>
+                    </dgm:alg>
+                    <dgm:shape xmlns:r="http://schemas.openxmlformats.org/officeDocument/2006/relationships" r:blip="">
+                      <dgm:adjLst/>
+                    </dgm:shape>
+                    <dgm:presOf/>
+                    <dgm:constrLst>
+                      <dgm:constr type="alignOff" val="0.65"/>
+                    </dgm:constrLst>
+                  </dgm:if>
+                  <dgm:if name="Name115" func="var" arg="hierBranch" op="equ" val="hang">
+                    <dgm:alg type="hierRoot"/>
+                    <dgm:shape xmlns:r="http://schemas.openxmlformats.org/officeDocument/2006/relationships" r:blip="">
+                      <dgm:adjLst/>
+                    </dgm:shape>
+                    <dgm:presOf/>
+                    <dgm:constrLst>
+                      <dgm:constr type="alignOff" val="0.65"/>
+                    </dgm:constrLst>
+                  </dgm:if>
+                  <dgm:if name="Name116" func="var" arg="hierBranch" op="equ" val="std">
+                    <dgm:alg type="hierRoot"/>
+                    <dgm:shape xmlns:r="http://schemas.openxmlformats.org/officeDocument/2006/relationships" r:blip="">
+                      <dgm:adjLst/>
+                    </dgm:shape>
+                    <dgm:presOf/>
+                    <dgm:constrLst>
+                      <dgm:constr type="alignOff"/>
+                      <dgm:constr type="bendDist" for="des" ptType="parTrans" refType="sp" fact="0.5"/>
+                    </dgm:constrLst>
+                  </dgm:if>
+                  <dgm:if name="Name117" func="var" arg="hierBranch" op="equ" val="init">
+                    <dgm:choose name="Name118">
+                      <dgm:if name="Name119" axis="des" func="maxDepth" op="lte" val="1">
+                        <dgm:alg type="hierRoot">
+                          <dgm:param type="hierAlign" val="tL"/>
+                        </dgm:alg>
+                        <dgm:shape xmlns:r="http://schemas.openxmlformats.org/officeDocument/2006/relationships" r:blip="">
+                          <dgm:adjLst/>
+                        </dgm:shape>
+                        <dgm:presOf/>
+                        <dgm:constrLst>
+                          <dgm:constr type="alignOff" val="0.65"/>
+                        </dgm:constrLst>
+                      </dgm:if>
+                      <dgm:else name="Name120">
+                        <dgm:alg type="hierRoot"/>
+                        <dgm:shape xmlns:r="http://schemas.openxmlformats.org/officeDocument/2006/relationships" r:blip="">
+                          <dgm:adjLst/>
+                        </dgm:shape>
+                        <dgm:presOf/>
+                        <dgm:constrLst>
+                          <dgm:constr type="alignOff"/>
+                          <dgm:constr type="bendDist" for="des" ptType="parTrans" refType="sp" fact="0.5"/>
+                        </dgm:constrLst>
+                      </dgm:else>
+                    </dgm:choose>
+                  </dgm:if>
+                  <dgm:else name="Name121"/>
+                </dgm:choose>
+                <dgm:ruleLst/>
+                <dgm:layoutNode name="rootComposite3">
+                  <dgm:alg type="composite"/>
+                  <dgm:shape xmlns:r="http://schemas.openxmlformats.org/officeDocument/2006/relationships" r:blip="">
+                    <dgm:adjLst/>
+                  </dgm:shape>
+                  <dgm:presOf axis="self" ptType="node" cnt="1"/>
+                  <dgm:choose name="Name122">
+                    <dgm:if name="Name123" func="var" arg="hierBranch" op="equ" val="init">
+                      <dgm:constrLst>
+                        <dgm:constr type="l" for="ch" forName="rootText3"/>
+                        <dgm:constr type="t" for="ch" forName="rootText3"/>
+                        <dgm:constr type="w" for="ch" forName="rootText3" refType="w"/>
+                        <dgm:constr type="h" for="ch" forName="rootText3" refType="h"/>
+                        <dgm:constr type="l" for="ch" forName="rootConnector3"/>
+                        <dgm:constr type="t" for="ch" forName="rootConnector3"/>
+                        <dgm:constr type="w" for="ch" forName="rootConnector3" refType="w" refFor="ch" refForName="rootText3" fact="0.2"/>
+                        <dgm:constr type="h" for="ch" forName="rootConnector3" refType="h" refFor="ch" refForName="rootText3"/>
+                      </dgm:constrLst>
+                    </dgm:if>
+                    <dgm:if name="Name124" func="var" arg="hierBranch" op="equ" val="l">
+                      <dgm:constrLst>
+                        <dgm:constr type="l" for="ch" forName="rootText3"/>
+                        <dgm:constr type="t" for="ch" forName="rootText3"/>
+                        <dgm:constr type="w" for="ch" forName="rootText3" refType="w"/>
+                        <dgm:constr type="h" for="ch" forName="rootText3" refType="h"/>
+                        <dgm:constr type="r" for="ch" forName="rootConnector3" refType="w"/>
+                        <dgm:constr type="t" for="ch" forName="rootConnector3"/>
+                        <dgm:constr type="w" for="ch" forName="rootConnector3" refType="w" refFor="ch" refForName="rootText3" fact="0.2"/>
+                        <dgm:constr type="h" for="ch" forName="rootConnector3" refType="h" refFor="ch" refForName="rootText3"/>
+                      </dgm:constrLst>
+                    </dgm:if>
+                    <dgm:if name="Name125" func="var" arg="hierBranch" op="equ" val="r">
+                      <dgm:constrLst>
+                        <dgm:constr type="l" for="ch" forName="rootText3"/>
+                        <dgm:constr type="t" for="ch" forName="rootText3"/>
+                        <dgm:constr type="w" for="ch" forName="rootText3" refType="w"/>
+                        <dgm:constr type="h" for="ch" forName="rootText3" refType="h"/>
+                        <dgm:constr type="l" for="ch" forName="rootConnector3"/>
+                        <dgm:constr type="t" for="ch" forName="rootConnector3"/>
+                        <dgm:constr type="w" for="ch" forName="rootConnector3" refType="w" refFor="ch" refForName="rootText3" fact="0.2"/>
+                        <dgm:constr type="h" for="ch" forName="rootConnector3" refType="h" refFor="ch" refForName="rootText3"/>
+                      </dgm:constrLst>
+                    </dgm:if>
+                    <dgm:else name="Name126">
+                      <dgm:constrLst>
+                        <dgm:constr type="l" for="ch" forName="rootText3"/>
+                        <dgm:constr type="t" for="ch" forName="rootText3"/>
+                        <dgm:constr type="w" for="ch" forName="rootText3" refType="w"/>
+                        <dgm:constr type="h" for="ch" forName="rootText3" refType="h"/>
+                        <dgm:constr type="r" for="ch" forName="rootConnector3" refType="w"/>
+                        <dgm:constr type="t" for="ch" forName="rootConnector3"/>
+                        <dgm:constr type="w" for="ch" forName="rootConnector3" refType="w" refFor="ch" refForName="rootText3" fact="0.2"/>
+                        <dgm:constr type="h" for="ch" forName="rootConnector3" refType="h" refFor="ch" refForName="rootText3"/>
+                      </dgm:constrLst>
+                    </dgm:else>
+                  </dgm:choose>
+                  <dgm:ruleLst/>
+                  <dgm:layoutNode name="rootText3">
+                    <dgm:varLst>
+                      <dgm:chPref val="3"/>
+                    </dgm:varLst>
+                    <dgm:alg type="tx"/>
+                    <dgm:shape xmlns:r="http://schemas.openxmlformats.org/officeDocument/2006/relationships" type="rect" r:blip="">
+                      <dgm:adjLst/>
+                    </dgm:shape>
+                    <dgm:presOf axis="self" ptType="node" cnt="1"/>
+                    <dgm:constrLst>
+                      <dgm:constr type="primFontSz" val="65"/>
+                      <dgm:constr type="lMarg" refType="primFontSz" fact="0.05"/>
+                      <dgm:constr type="rMarg" refType="primFontSz" fact="0.05"/>
+                      <dgm:constr type="tMarg" refType="primFontSz" fact="0.05"/>
+                      <dgm:constr type="bMarg" refType="primFontSz" fact="0.05"/>
+                    </dgm:constrLst>
+                    <dgm:ruleLst>
+                      <dgm:rule type="primFontSz" val="5" fact="NaN" max="NaN"/>
+                    </dgm:ruleLst>
+                  </dgm:layoutNode>
+                  <dgm:layoutNode name="rootConnector3" moveWith="rootText1">
+                    <dgm:alg type="sp"/>
+                    <dgm:shape xmlns:r="http://schemas.openxmlformats.org/officeDocument/2006/relationships" type="rect" r:blip="" hideGeom="1">
+                      <dgm:adjLst/>
+                    </dgm:shape>
+                    <dgm:presOf axis="self" ptType="node" cnt="1"/>
+                    <dgm:constrLst/>
+                    <dgm:ruleLst/>
+                  </dgm:layoutNode>
+                </dgm:layoutNode>
+                <dgm:layoutNode name="hierChild6">
+                  <dgm:choose name="Name127">
+                    <dgm:if name="Name128" func="var" arg="hierBranch" op="equ" val="l">
+                      <dgm:alg type="hierChild">
+                        <dgm:param type="chAlign" val="r"/>
+                        <dgm:param type="linDir" val="fromT"/>
+                      </dgm:alg>
+                    </dgm:if>
+                    <dgm:if name="Name129" func="var" arg="hierBranch" op="equ" val="r">
+                      <dgm:alg type="hierChild">
+                        <dgm:param type="chAlign" val="l"/>
+                        <dgm:param type="linDir" val="fromT"/>
+                      </dgm:alg>
+                    </dgm:if>
+                    <dgm:if name="Name130" func="var" arg="hierBranch" op="equ" val="hang">
+                      <dgm:choose name="Name131">
+                        <dgm:if name="Name132" func="var" arg="dir" op="equ" val="norm">
+                          <dgm:alg type="hierChild">
+                            <dgm:param type="chAlign" val="l"/>
+                            <dgm:param type="linDir" val="fromL"/>
+                            <dgm:param type="secChAlign" val="t"/>
+                            <dgm:param type="secLinDir" val="fromT"/>
+                          </dgm:alg>
+                        </dgm:if>
+                        <dgm:else name="Name133">
+                          <dgm:alg type="hierChild">
+                            <dgm:param type="chAlign" val="l"/>
+                            <dgm:param type="linDir" val="fromR"/>
+                            <dgm:param type="secChAlign" val="t"/>
+                            <dgm:param type="secLinDir" val="fromT"/>
+                          </dgm:alg>
+                        </dgm:else>
+                      </dgm:choose>
+                    </dgm:if>
+                    <dgm:if name="Name134" func="var" arg="hierBranch" op="equ" val="std">
+                      <dgm:choose name="Name135">
+                        <dgm:if name="Name136" func="var" arg="dir" op="equ" val="norm">
+                          <dgm:alg type="hierChild"/>
+                        </dgm:if>
+                        <dgm:else name="Name137">
+                          <dgm:alg type="hierChild">
+                            <dgm:param type="linDir" val="fromR"/>
+                          </dgm:alg>
+                        </dgm:else>
+                      </dgm:choose>
+                    </dgm:if>
+                    <dgm:if name="Name138" func="var" arg="hierBranch" op="equ" val="init">
+                      <dgm:choose name="Name139">
+                        <dgm:if name="Name140" axis="des" func="maxDepth" op="lte" val="1">
+                          <dgm:alg type="hierChild">
+                            <dgm:param type="chAlign" val="l"/>
+                            <dgm:param type="linDir" val="fromT"/>
+                          </dgm:alg>
+                        </dgm:if>
+                        <dgm:else name="Name141">
+                          <dgm:alg type="hierChild"/>
+                        </dgm:else>
+                      </dgm:choose>
+                    </dgm:if>
+                    <dgm:else name="Name142"/>
+                  </dgm:choose>
+                  <dgm:shape xmlns:r="http://schemas.openxmlformats.org/officeDocument/2006/relationships" r:blip="">
+                    <dgm:adjLst/>
+                  </dgm:shape>
+                  <dgm:presOf/>
+                  <dgm:constrLst/>
+                  <dgm:ruleLst/>
+                  <dgm:forEach name="Name143" ref="rep2a"/>
+                </dgm:layoutNode>
+                <dgm:layoutNode name="hierChild7">
+                  <dgm:choose name="Name144">
+                    <dgm:if name="Name145" func="var" arg="dir" op="equ" val="norm">
+                      <dgm:alg type="hierChild">
+                        <dgm:param type="chAlign" val="l"/>
+                        <dgm:param type="linDir" val="fromL"/>
+                        <dgm:param type="secChAlign" val="t"/>
+                        <dgm:param type="secLinDir" val="fromT"/>
+                      </dgm:alg>
+                    </dgm:if>
+                    <dgm:else name="Name146">
+                      <dgm:alg type="hierChild">
+                        <dgm:param type="chAlign" val="l"/>
+                        <dgm:param type="linDir" val="fromR"/>
+                        <dgm:param type="secChAlign" val="t"/>
+                        <dgm:param type="secLinDir" val="fromT"/>
+                      </dgm:alg>
+                    </dgm:else>
+                  </dgm:choose>
+                  <dgm:shape xmlns:r="http://schemas.openxmlformats.org/officeDocument/2006/relationships" r:blip="">
+                    <dgm:adjLst/>
+                  </dgm:shape>
+                  <dgm:presOf/>
+                  <dgm:constrLst/>
+                  <dgm:ruleLst/>
+                  <dgm:forEach name="Name147" ref="rep2b"/>
+                </dgm:layoutNode>
+              </dgm:layoutNode>
+            </dgm:forEach>
+          </dgm:layoutNode>
+        </dgm:layoutNode>
+      </dgm:forEach>
+    </dgm:forEach>
+  </dgm:layoutNode>
+</dgm:layoutDef>
+</file>
+
+<file path=ppt/diagrams/quickStyle1.xml><?xml version="1.0" encoding="utf-8"?>
+<dgm:styleDef xmlns:dgm="http://schemas.openxmlformats.org/drawingml/2006/diagram" xmlns:a="http://schemas.openxmlformats.org/drawingml/2006/main" uniqueId="urn:microsoft.com/office/officeart/2005/8/quickstyle/simple4">
+  <dgm:title val=""/>
+  <dgm:desc val=""/>
+  <dgm:catLst>
+    <dgm:cat type="simple" pri="10400"/>
+  </dgm:catLst>
+  <dgm:scene3d>
+    <a:camera prst="orthographicFront"/>
+    <a:lightRig rig="threePt" dir="t"/>
+  </dgm:scene3d>
+  <dgm:styleLbl name="node0">
+    <dgm:scene3d>
+      <a:camera prst="orthographicFront"/>
+      <a:lightRig rig="threePt" dir="t"/>
+    </dgm:scene3d>
+    <dgm:sp3d/>
+    <dgm:txPr/>
+    <dgm:style>
+      <a:lnRef idx="0">
+        <a:scrgbClr r="0" g="0" b="0"/>
+      </a:lnRef>
+      <a:fillRef idx="3">
+        <a:scrgbClr r="0" g="0" b="0"/>
+      </a:fillRef>
+      <a:effectRef idx="2">
+        <a:scrgbClr r="0" g="0" b="0"/>
+      </a:effectRef>
+      <a:fontRef idx="minor">
+        <a:schemeClr val="lt1"/>
+      </a:fontRef>
+    </dgm:style>
+  </dgm:styleLbl>
+  <dgm:styleLbl name="lnNode1">
+    <dgm:scene3d>
+      <a:camera prst="orthographicFront"/>
+      <a:lightRig rig="threePt" dir="t"/>
+    </dgm:scene3d>
+    <dgm:sp3d/>
+    <dgm:txPr/>
+    <dgm:style>
+      <a:lnRef idx="1">
+        <a:scrgbClr r="0" g="0" b="0"/>
+      </a:lnRef>
+      <a:fillRef idx="3">
+        <a:scrgbClr r="0" g="0" b="0"/>
+      </a:fillRef>
+      <a:effectRef idx="2">
+        <a:scrgbClr r="0" g="0" b="0"/>
+      </a:effectRef>
+      <a:fontRef idx="minor">
+        <a:schemeClr val="lt1"/>
+      </a:fontRef>
+    </dgm:style>
+  </dgm:styleLbl>
+  <dgm:styleLbl name="vennNode1">
+    <dgm:scene3d>
+      <a:camera prst="orthographicFront"/>
+      <a:lightRig rig="threePt" dir="t"/>
+    </dgm:scene3d>
+    <dgm:sp3d/>
+    <dgm:txPr/>
+    <dgm:style>
+      <a:lnRef idx="0">
+        <a:scrgbClr r="0" g="0" b="0"/>
+      </a:lnRef>
+      <a:fillRef idx="3">
+        <a:scrgbClr r="0" g="0" b="0"/>
+      </a:fillRef>
+      <a:effectRef idx="0">
+        <a:scrgbClr r="0" g="0" b="0"/>
+      </a:effectRef>
+      <a:fontRef idx="minor">
+        <a:schemeClr val="tx1"/>
+      </a:fontRef>
+    </dgm:style>
+  </dgm:styleLbl>
+  <dgm:styleLbl name="alignNode1">
+    <dgm:scene3d>
+      <a:camera prst="orthographicFront"/>
+      <a:lightRig rig="threePt" dir="t"/>
+    </dgm:scene3d>
+    <dgm:sp3d/>
+    <dgm:txPr/>
+    <dgm:style>
+      <a:lnRef idx="1">
+        <a:scrgbClr r="0" g="0" b="0"/>
+      </a:lnRef>
+      <a:fillRef idx="3">
+        <a:scrgbClr r="0" g="0" b="0"/>
+      </a:fillRef>
+      <a:effectRef idx="2">
+        <a:scrgbClr r="0" g="0" b="0"/>
+      </a:effectRef>
+      <a:fontRef idx="minor">
+        <a:schemeClr val="lt1"/>
+      </a:fontRef>
+    </dgm:style>
+  </dgm:styleLbl>
+  <dgm:styleLbl name="node1">
+    <dgm:scene3d>
+      <a:camera prst="orthographicFront"/>
+      <a:lightRig rig="threePt" dir="t"/>
+    </dgm:scene3d>
+    <dgm:sp3d/>
+    <dgm:txPr/>
+    <dgm:style>
+      <a:lnRef idx="0">
+        <a:scrgbClr r="0" g="0" b="0"/>
+      </a:lnRef>
+      <a:fillRef idx="3">
+        <a:scrgbClr r="0" g="0" b="0"/>
+      </a:fillRef>
+      <a:effectRef idx="2">
+        <a:scrgbClr r="0" g="0" b="0"/>
+      </a:effectRef>
+      <a:fontRef idx="minor">
+        <a:schemeClr val="lt1"/>
+      </a:fontRef>
+    </dgm:style>
+  </dgm:styleLbl>
+  <dgm:styleLbl name="node2">
+    <dgm:scene3d>
+      <a:camera prst="orthographicFront"/>
+      <a:lightRig rig="threePt" dir="t"/>
+    </dgm:scene3d>
+    <dgm:sp3d/>
+    <dgm:txPr/>
+    <dgm:style>
+      <a:lnRef idx="0">
+        <a:scrgbClr r="0" g="0" b="0"/>
+      </a:lnRef>
+      <a:fillRef idx="3">
+        <a:scrgbClr r="0" g="0" b="0"/>
+      </a:fillRef>
+      <a:effectRef idx="2">
+        <a:scrgbClr r="0" g="0" b="0"/>
+      </a:effectRef>
+      <a:fontRef idx="minor">
+        <a:schemeClr val="lt1"/>
+      </a:fontRef>
+    </dgm:style>
+  </dgm:styleLbl>
+  <dgm:styleLbl name="node3">
+    <dgm:scene3d>
+      <a:camera prst="orthographicFront"/>
+      <a:lightRig rig="threePt" dir="t"/>
+    </dgm:scene3d>
+    <dgm:sp3d/>
+    <dgm:txPr/>
+    <dgm:style>
+      <a:lnRef idx="0">
+        <a:scrgbClr r="0" g="0" b="0"/>
+      </a:lnRef>
+      <a:fillRef idx="3">
+        <a:scrgbClr r="0" g="0" b="0"/>
+      </a:fillRef>
+      <a:effectRef idx="2">
+        <a:scrgbClr r="0" g="0" b="0"/>
+      </a:effectRef>
+      <a:fontRef idx="minor">
+        <a:schemeClr val="lt1"/>
+      </a:fontRef>
+    </dgm:style>
+  </dgm:styleLbl>
+  <dgm:styleLbl name="node4">
+    <dgm:scene3d>
+      <a:camera prst="orthographicFront"/>
+      <a:lightRig rig="threePt" dir="t"/>
+    </dgm:scene3d>
+    <dgm:sp3d/>
+    <dgm:txPr/>
+    <dgm:style>
+      <a:lnRef idx="0">
+        <a:scrgbClr r="0" g="0" b="0"/>
+      </a:lnRef>
+      <a:fillRef idx="3">
+        <a:scrgbClr r="0" g="0" b="0"/>
+      </a:fillRef>
+      <a:effectRef idx="2">
+        <a:scrgbClr r="0" g="0" b="0"/>
+      </a:effectRef>
+      <a:fontRef idx="minor">
+        <a:schemeClr val="lt1"/>
+      </a:fontRef>
+    </dgm:style>
+  </dgm:styleLbl>
+  <dgm:styleLbl name="fgImgPlace1">
+    <dgm:scene3d>
+      <a:camera prst="orthographicFront"/>
+      <a:lightRig rig="threePt" dir="t"/>
+    </dgm:scene3d>
+    <dgm:sp3d/>
+    <dgm:txPr/>
+    <dgm:style>
+      <a:lnRef idx="0">
+        <a:scrgbClr r="0" g="0" b="0"/>
+      </a:lnRef>
+      <a:fillRef idx="1">
+        <a:scrgbClr r="0" g="0" b="0"/>
+      </a:fillRef>
+      <a:effectRef idx="2">
+        <a:scrgbClr r="0" g="0" b="0"/>
+      </a:effectRef>
+      <a:fontRef idx="minor"/>
+    </dgm:style>
+  </dgm:styleLbl>
+  <dgm:styleLbl name="alignImgPlace1">
+    <dgm:scene3d>
+      <a:camera prst="orthographicFront"/>
+      <a:lightRig rig="threePt" dir="t"/>
+    </dgm:scene3d>
+    <dgm:sp3d/>
+    <dgm:txPr/>
+    <dgm:style>
+      <a:lnRef idx="0">
+        <a:scrgbClr r="0" g="0" b="0"/>
+      </a:lnRef>
+      <a:fillRef idx="1">
+        <a:scrgbClr r="0" g="0" b="0"/>
+      </a:fillRef>
+      <a:effectRef idx="2">
+        <a:scrgbClr r="0" g="0" b="0"/>
+      </a:effectRef>
+      <a:fontRef idx="minor"/>
+    </dgm:style>
+  </dgm:styleLbl>
+  <dgm:styleLbl name="bgImgPlace1">
+    <dgm:scene3d>
+      <a:camera prst="orthographicFront"/>
+      <a:lightRig rig="threePt" dir="t"/>
+    </dgm:scene3d>
+    <dgm:sp3d/>
+    <dgm:txPr/>
+    <dgm:style>
+      <a:lnRef idx="0">
+        <a:scrgbClr r="0" g="0" b="0"/>
+      </a:lnRef>
+      <a:fillRef idx="1">
+        <a:scrgbClr r="0" g="0" b="0"/>
+      </a:fillRef>
+      <a:effectRef idx="2">
+        <a:scrgbClr r="0" g="0" b="0"/>
+      </a:effectRef>
+      <a:fontRef idx="minor"/>
+    </dgm:style>
+  </dgm:styleLbl>
+  <dgm:styleLbl name="sibTrans2D1">
+    <dgm:scene3d>
+      <a:camera prst="orthographicFront"/>
+      <a:lightRig rig="threePt" dir="t"/>
+    </dgm:scene3d>
+    <dgm:sp3d/>
+    <dgm:txPr/>
+    <dgm:style>
+      <a:lnRef idx="0">
+        <a:scrgbClr r="0" g="0" b="0"/>
+      </a:lnRef>
+      <a:fillRef idx="3">
+        <a:scrgbClr r="0" g="0" b="0"/>
+      </a:fillRef>
+      <a:effectRef idx="2">
+        <a:scrgbClr r="0" g="0" b="0"/>
+      </a:effectRef>
+      <a:fontRef idx="minor">
+        <a:schemeClr val="lt1"/>
+      </a:fontRef>
+    </dgm:style>
+  </dgm:styleLbl>
+  <dgm:styleLbl name="fgSibTrans2D1">
+    <dgm:scene3d>
+      <a:camera prst="orthographicFront"/>
+      <a:lightRig rig="threePt" dir="t"/>
+    </dgm:scene3d>
+    <dgm:sp3d/>
+    <dgm:txPr/>
+    <dgm:style>
+      <a:lnRef idx="0">
+        <a:scrgbClr r="0" g="0" b="0"/>
+      </a:lnRef>
+      <a:fillRef idx="3">
+        <a:scrgbClr r="0" g="0" b="0"/>
+      </a:fillRef>
+      <a:effectRef idx="2">
+        <a:scrgbClr r="0" g="0" b="0"/>
+      </a:effectRef>
+      <a:fontRef idx="minor">
+        <a:schemeClr val="lt1"/>
+      </a:fontRef>
+    </dgm:style>
+  </dgm:styleLbl>
+  <dgm:styleLbl name="bgSibTrans2D1">
+    <dgm:scene3d>
+      <a:camera prst="orthographicFront"/>
+      <a:lightRig rig="threePt" dir="t"/>
+    </dgm:scene3d>
+    <dgm:sp3d/>
+    <dgm:txPr/>
+    <dgm:style>
+      <a:lnRef idx="0">
+        <a:scrgbClr r="0" g="0" b="0"/>
+      </a:lnRef>
+      <a:fillRef idx="3">
+        <a:scrgbClr r="0" g="0" b="0"/>
+      </a:fillRef>
+      <a:effectRef idx="2">
+        <a:scrgbClr r="0" g="0" b="0"/>
+      </a:effectRef>
+      <a:fontRef idx="minor">
+        <a:schemeClr val="lt1"/>
+      </a:fontRef>
+    </dgm:style>
+  </dgm:styleLbl>
+  <dgm:styleLbl name="sibTrans1D1">
+    <dgm:scene3d>
+      <a:camera prst="orthographicFront"/>
+      <a:lightRig rig="threePt" dir="t"/>
+    </dgm:scene3d>
+    <dgm:sp3d/>
+    <dgm:txPr/>
+    <dgm:style>
+      <a:lnRef idx="1">
+        <a:scrgbClr r="0" g="0" b="0"/>
+      </a:lnRef>
+      <a:fillRef idx="0">
+        <a:scrgbClr r="0" g="0" b="0"/>
+      </a:fillRef>
+      <a:effectRef idx="0">
+        <a:scrgbClr r="0" g="0" b="0"/>
+      </a:effectRef>
+      <a:fontRef idx="minor"/>
+    </dgm:style>
+  </dgm:styleLbl>
+  <dgm:styleLbl name="callout">
+    <dgm:scene3d>
+      <a:camera prst="orthographicFront"/>
+      <a:lightRig rig="threePt" dir="t"/>
+    </dgm:scene3d>
+    <dgm:sp3d/>
+    <dgm:txPr/>
+    <dgm:style>
+      <a:lnRef idx="2">
+        <a:scrgbClr r="0" g="0" b="0"/>
+      </a:lnRef>
+      <a:fillRef idx="1">
+        <a:scrgbClr r="0" g="0" b="0"/>
+      </a:fillRef>
+      <a:effectRef idx="1">
+        <a:scrgbClr r="0" g="0" b="0"/>
+      </a:effectRef>
+      <a:fontRef idx="minor"/>
+    </dgm:style>
+  </dgm:styleLbl>
+  <dgm:styleLbl name="asst0">
+    <dgm:scene3d>
+      <a:camera prst="orthographicFront"/>
+      <a:lightRig rig="threePt" dir="t"/>
+    </dgm:scene3d>
+    <dgm:sp3d/>
+    <dgm:txPr/>
+    <dgm:style>
+      <a:lnRef idx="0">
+        <a:scrgbClr r="0" g="0" b="0"/>
+      </a:lnRef>
+      <a:fillRef idx="3">
+        <a:scrgbClr r="0" g="0" b="0"/>
+      </a:fillRef>
+      <a:effectRef idx="2">
+        <a:scrgbClr r="0" g="0" b="0"/>
+      </a:effectRef>
+      <a:fontRef idx="minor">
+        <a:schemeClr val="lt1"/>
+      </a:fontRef>
+    </dgm:style>
+  </dgm:styleLbl>
+  <dgm:styleLbl name="asst1">
+    <dgm:scene3d>
+      <a:camera prst="orthographicFront"/>
+      <a:lightRig rig="threePt" dir="t"/>
+    </dgm:scene3d>
+    <dgm:sp3d/>
+    <dgm:txPr/>
+    <dgm:style>
+      <a:lnRef idx="0">
+        <a:scrgbClr r="0" g="0" b="0"/>
+      </a:lnRef>
+      <a:fillRef idx="3">
+        <a:scrgbClr r="0" g="0" b="0"/>
+      </a:fillRef>
+      <a:effectRef idx="2">
+        <a:scrgbClr r="0" g="0" b="0"/>
+      </a:effectRef>
+      <a:fontRef idx="minor">
+        <a:schemeClr val="lt1"/>
+      </a:fontRef>
+    </dgm:style>
+  </dgm:styleLbl>
+  <dgm:styleLbl name="asst2">
+    <dgm:scene3d>
+      <a:camera prst="orthographicFront"/>
+      <a:lightRig rig="threePt" dir="t"/>
+    </dgm:scene3d>
+    <dgm:sp3d/>
+    <dgm:txPr/>
+    <dgm:style>
+      <a:lnRef idx="0">
+        <a:scrgbClr r="0" g="0" b="0"/>
+      </a:lnRef>
+      <a:fillRef idx="3">
+        <a:scrgbClr r="0" g="0" b="0"/>
+      </a:fillRef>
+      <a:effectRef idx="2">
+        <a:scrgbClr r="0" g="0" b="0"/>
+      </a:effectRef>
+      <a:fontRef idx="minor">
+        <a:schemeClr val="lt1"/>
+      </a:fontRef>
+    </dgm:style>
+  </dgm:styleLbl>
+  <dgm:styleLbl name="asst3">
+    <dgm:scene3d>
+      <a:camera prst="orthographicFront"/>
+      <a:lightRig rig="threePt" dir="t"/>
+    </dgm:scene3d>
+    <dgm:sp3d/>
+    <dgm:txPr/>
+    <dgm:style>
+      <a:lnRef idx="0">
+        <a:scrgbClr r="0" g="0" b="0"/>
+      </a:lnRef>
+      <a:fillRef idx="3">
+        <a:scrgbClr r="0" g="0" b="0"/>
+      </a:fillRef>
+      <a:effectRef idx="2">
+        <a:scrgbClr r="0" g="0" b="0"/>
+      </a:effectRef>
+      <a:fontRef idx="minor">
+        <a:schemeClr val="lt1"/>
+      </a:fontRef>
+    </dgm:style>
+  </dgm:styleLbl>
+  <dgm:styleLbl name="asst4">
+    <dgm:scene3d>
+      <a:camera prst="orthographicFront"/>
+      <a:lightRig rig="threePt" dir="t"/>
+    </dgm:scene3d>
+    <dgm:sp3d/>
+    <dgm:txPr/>
+    <dgm:style>
+      <a:lnRef idx="0">
+        <a:scrgbClr r="0" g="0" b="0"/>
+      </a:lnRef>
+      <a:fillRef idx="3">
+        <a:scrgbClr r="0" g="0" b="0"/>
+      </a:fillRef>
+      <a:effectRef idx="2">
+        <a:scrgbClr r="0" g="0" b="0"/>
+      </a:effectRef>
+      <a:fontRef idx="minor">
+        <a:schemeClr val="lt1"/>
+      </a:fontRef>
+    </dgm:style>
+  </dgm:styleLbl>
+  <dgm:styleLbl name="parChTrans2D1">
+    <dgm:scene3d>
+      <a:camera prst="orthographicFront"/>
+      <a:lightRig rig="threePt" dir="t"/>
+    </dgm:scene3d>
+    <dgm:sp3d/>
+    <dgm:txPr/>
+    <dgm:style>
+      <a:lnRef idx="0">
+        <a:scrgbClr r="0" g="0" b="0"/>
+      </a:lnRef>
+      <a:fillRef idx="3">
+        <a:scrgbClr r="0" g="0" b="0"/>
+      </a:fillRef>
+      <a:effectRef idx="2">
+        <a:scrgbClr r="0" g="0" b="0"/>
+      </a:effectRef>
+      <a:fontRef idx="minor">
+        <a:schemeClr val="lt1"/>
+      </a:fontRef>
+    </dgm:style>
+  </dgm:styleLbl>
+  <dgm:styleLbl name="parChTrans2D2">
+    <dgm:scene3d>
+      <a:camera prst="orthographicFront"/>
+      <a:lightRig rig="threePt" dir="t"/>
+    </dgm:scene3d>
+    <dgm:sp3d/>
+    <dgm:txPr/>
+    <dgm:style>
+      <a:lnRef idx="0">
+        <a:scrgbClr r="0" g="0" b="0"/>
+      </a:lnRef>
+      <a:fillRef idx="3">
+        <a:scrgbClr r="0" g="0" b="0"/>
+      </a:fillRef>
+      <a:effectRef idx="2">
+        <a:scrgbClr r="0" g="0" b="0"/>
+      </a:effectRef>
+      <a:fontRef idx="minor">
+        <a:schemeClr val="lt1"/>
+      </a:fontRef>
+    </dgm:style>
+  </dgm:styleLbl>
+  <dgm:styleLbl name="parChTrans2D3">
+    <dgm:scene3d>
+      <a:camera prst="orthographicFront"/>
+      <a:lightRig rig="threePt" dir="t"/>
+    </dgm:scene3d>
+    <dgm:sp3d/>
+    <dgm:txPr/>
+    <dgm:style>
+      <a:lnRef idx="1">
+        <a:scrgbClr r="0" g="0" b="0"/>
+      </a:lnRef>
+      <a:fillRef idx="3">
+        <a:scrgbClr r="0" g="0" b="0"/>
+      </a:fillRef>
+      <a:effectRef idx="2">
+        <a:scrgbClr r="0" g="0" b="0"/>
+      </a:effectRef>
+      <a:fontRef idx="minor">
+        <a:schemeClr val="lt1"/>
+      </a:fontRef>
+    </dgm:style>
+  </dgm:styleLbl>
+  <dgm:styleLbl name="parChTrans2D4">
+    <dgm:scene3d>
+      <a:camera prst="orthographicFront"/>
+      <a:lightRig rig="threePt" dir="t"/>
+    </dgm:scene3d>
+    <dgm:sp3d/>
+    <dgm:txPr/>
+    <dgm:style>
+      <a:lnRef idx="1">
+        <a:scrgbClr r="0" g="0" b="0"/>
+      </a:lnRef>
+      <a:fillRef idx="3">
+        <a:scrgbClr r="0" g="0" b="0"/>
+      </a:fillRef>
+      <a:effectRef idx="2">
+        <a:scrgbClr r="0" g="0" b="0"/>
+      </a:effectRef>
+      <a:fontRef idx="minor">
+        <a:schemeClr val="lt1"/>
+      </a:fontRef>
+    </dgm:style>
+  </dgm:styleLbl>
+  <dgm:styleLbl name="parChTrans1D1">
+    <dgm:scene3d>
+      <a:camera prst="orthographicFront"/>
+      <a:lightRig rig="threePt" dir="t"/>
+    </dgm:scene3d>
+    <dgm:sp3d/>
+    <dgm:txPr/>
+    <dgm:style>
+      <a:lnRef idx="1">
+        <a:scrgbClr r="0" g="0" b="0"/>
+      </a:lnRef>
+      <a:fillRef idx="0">
+        <a:scrgbClr r="0" g="0" b="0"/>
+      </a:fillRef>
+      <a:effectRef idx="0">
+        <a:scrgbClr r="0" g="0" b="0"/>
+      </a:effectRef>
+      <a:fontRef idx="minor"/>
+    </dgm:style>
+  </dgm:styleLbl>
+  <dgm:styleLbl name="parChTrans1D2">
+    <dgm:scene3d>
+      <a:camera prst="orthographicFront"/>
+      <a:lightRig rig="threePt" dir="t"/>
+    </dgm:scene3d>
+    <dgm:sp3d/>
+    <dgm:txPr/>
+    <dgm:style>
+      <a:lnRef idx="1">
+        <a:scrgbClr r="0" g="0" b="0"/>
+      </a:lnRef>
+      <a:fillRef idx="0">
+        <a:scrgbClr r="0" g="0" b="0"/>
+      </a:fillRef>
+      <a:effectRef idx="0">
+        <a:scrgbClr r="0" g="0" b="0"/>
+      </a:effectRef>
+      <a:fontRef idx="minor"/>
+    </dgm:style>
+  </dgm:styleLbl>
+  <dgm:styleLbl name="parChTrans1D3">
+    <dgm:scene3d>
+      <a:camera prst="orthographicFront"/>
+      <a:lightRig rig="threePt" dir="t"/>
+    </dgm:scene3d>
+    <dgm:sp3d/>
+    <dgm:txPr/>
+    <dgm:style>
+      <a:lnRef idx="1">
+        <a:scrgbClr r="0" g="0" b="0"/>
+      </a:lnRef>
+      <a:fillRef idx="0">
+        <a:scrgbClr r="0" g="0" b="0"/>
+      </a:fillRef>
+      <a:effectRef idx="0">
+        <a:scrgbClr r="0" g="0" b="0"/>
+      </a:effectRef>
+      <a:fontRef idx="minor"/>
+    </dgm:style>
+  </dgm:styleLbl>
+  <dgm:styleLbl name="parChTrans1D4">
+    <dgm:scene3d>
+      <a:camera prst="orthographicFront"/>
+      <a:lightRig rig="threePt" dir="t"/>
+    </dgm:scene3d>
+    <dgm:sp3d/>
+    <dgm:txPr/>
+    <dgm:style>
+      <a:lnRef idx="1">
+        <a:scrgbClr r="0" g="0" b="0"/>
+      </a:lnRef>
+      <a:fillRef idx="0">
+        <a:scrgbClr r="0" g="0" b="0"/>
+      </a:fillRef>
+      <a:effectRef idx="0">
+        <a:scrgbClr r="0" g="0" b="0"/>
+      </a:effectRef>
+      <a:fontRef idx="minor"/>
+    </dgm:style>
+  </dgm:styleLbl>
+  <dgm:styleLbl name="fgAcc1">
+    <dgm:scene3d>
+      <a:camera prst="orthographicFront"/>
+      <a:lightRig rig="threePt" dir="t"/>
+    </dgm:scene3d>
+    <dgm:sp3d/>
+    <dgm:txPr/>
+    <dgm:style>
+      <a:lnRef idx="1">
+        <a:scrgbClr r="0" g="0" b="0"/>
+      </a:lnRef>
+      <a:fillRef idx="1">
+        <a:scrgbClr r="0" g="0" b="0"/>
+      </a:fillRef>
+      <a:effectRef idx="0">
+        <a:scrgbClr r="0" g="0" b="0"/>
+      </a:effectRef>
+      <a:fontRef idx="minor"/>
+    </dgm:style>
+  </dgm:styleLbl>
+  <dgm:styleLbl name="conFgAcc1">
+    <dgm:scene3d>
+      <a:camera prst="orthographicFront"/>
+      <a:lightRig rig="threePt" dir="t"/>
+    </dgm:scene3d>
+    <dgm:sp3d/>
+    <dgm:txPr/>
+    <dgm:style>
+      <a:lnRef idx="1">
+        <a:scrgbClr r="0" g="0" b="0"/>
+      </a:lnRef>
+      <a:fillRef idx="1">
+        <a:scrgbClr r="0" g="0" b="0"/>
+      </a:fillRef>
+      <a:effectRef idx="0">
+        <a:scrgbClr r="0" g="0" b="0"/>
+      </a:effectRef>
+      <a:fontRef idx="minor"/>
+    </dgm:style>
+  </dgm:styleLbl>
+  <dgm:styleLbl name="alignAcc1">
+    <dgm:scene3d>
+      <a:camera prst="orthographicFront"/>
+      <a:lightRig rig="threePt" dir="t"/>
+    </dgm:scene3d>
+    <dgm:sp3d/>
+    <dgm:txPr/>
+    <dgm:style>
+      <a:lnRef idx="1">
+        <a:scrgbClr r="0" g="0" b="0"/>
+      </a:lnRef>
+      <a:fillRef idx="1">
+        <a:scrgbClr r="0" g="0" b="0"/>
+      </a:fillRef>
+      <a:effectRef idx="0">
+        <a:scrgbClr r="0" g="0" b="0"/>
+      </a:effectRef>
+      <a:fontRef idx="minor"/>
+    </dgm:style>
+  </dgm:styleLbl>
+  <dgm:styleLbl name="trAlignAcc1">
+    <dgm:scene3d>
+      <a:camera prst="orthographicFront"/>
+      <a:lightRig rig="threePt" dir="t"/>
+    </dgm:scene3d>
+    <dgm:sp3d/>
+    <dgm:txPr/>
+    <dgm:style>
+      <a:lnRef idx="1">
+        <a:scrgbClr r="0" g="0" b="0"/>
+      </a:lnRef>
+      <a:fillRef idx="1">
+        <a:scrgbClr r="0" g="0" b="0"/>
+      </a:fillRef>
+      <a:effectRef idx="0">
+        <a:scrgbClr r="0" g="0" b="0"/>
+      </a:effectRef>
+      <a:fontRef idx="minor"/>
+    </dgm:style>
+  </dgm:styleLbl>
+  <dgm:styleLbl name="bgAcc1">
+    <dgm:scene3d>
+      <a:camera prst="orthographicFront"/>
+      <a:lightRig rig="threePt" dir="t"/>
+    </dgm:scene3d>
+    <dgm:sp3d/>
+    <dgm:txPr/>
+    <dgm:style>
+      <a:lnRef idx="1">
+        <a:scrgbClr r="0" g="0" b="0"/>
+      </a:lnRef>
+      <a:fillRef idx="1">
+        <a:scrgbClr r="0" g="0" b="0"/>
+      </a:fillRef>
+      <a:effectRef idx="0">
+        <a:scrgbClr r="0" g="0" b="0"/>
+      </a:effectRef>
+      <a:fontRef idx="minor"/>
+    </dgm:style>
+  </dgm:styleLbl>
+  <dgm:styleLbl name="solidFgAcc1">
+    <dgm:scene3d>
+      <a:camera prst="orthographicFront"/>
+      <a:lightRig rig="threePt" dir="t"/>
+    </dgm:scene3d>
+    <dgm:sp3d/>
+    <dgm:txPr/>
+    <dgm:style>
+      <a:lnRef idx="1">
+        <a:scrgbClr r="0" g="0" b="0"/>
+      </a:lnRef>
+      <a:fillRef idx="1">
+        <a:scrgbClr r="0" g="0" b="0"/>
+      </a:fillRef>
+      <a:effectRef idx="0">
+        <a:scrgbClr r="0" g="0" b="0"/>
+      </a:effectRef>
+      <a:fontRef idx="minor"/>
+    </dgm:style>
+  </dgm:styleLbl>
+  <dgm:styleLbl name="solidAlignAcc1">
+    <dgm:scene3d>
+      <a:camera prst="orthographicFront"/>
+      <a:lightRig rig="threePt" dir="t"/>
+    </dgm:scene3d>
+    <dgm:sp3d/>
+    <dgm:txPr/>
+    <dgm:style>
+      <a:lnRef idx="1">
+        <a:scrgbClr r="0" g="0" b="0"/>
+      </a:lnRef>
+      <a:fillRef idx="1">
+        <a:scrgbClr r="0" g="0" b="0"/>
+      </a:fillRef>
+      <a:effectRef idx="0">
+        <a:scrgbClr r="0" g="0" b="0"/>
+      </a:effectRef>
+      <a:fontRef idx="minor"/>
+    </dgm:style>
+  </dgm:styleLbl>
+  <dgm:styleLbl name="solidBgAcc1">
+    <dgm:scene3d>
+      <a:camera prst="orthographicFront"/>
+      <a:lightRig rig="threePt" dir="t"/>
+    </dgm:scene3d>
+    <dgm:sp3d/>
+    <dgm:txPr/>
+    <dgm:style>
+      <a:lnRef idx="1">
+        <a:scrgbClr r="0" g="0" b="0"/>
+      </a:lnRef>
+      <a:fillRef idx="1">
+        <a:scrgbClr r="0" g="0" b="0"/>
+      </a:fillRef>
+      <a:effectRef idx="0">
+        <a:scrgbClr r="0" g="0" b="0"/>
+      </a:effectRef>
+      <a:fontRef idx="minor"/>
+    </dgm:style>
+  </dgm:styleLbl>
+  <dgm:styleLbl name="fgAccFollowNode1">
+    <dgm:scene3d>
+      <a:camera prst="orthographicFront"/>
+      <a:lightRig rig="threePt" dir="t"/>
+    </dgm:scene3d>
+    <dgm:sp3d/>
+    <dgm:txPr/>
+    <dgm:style>
+      <a:lnRef idx="1">
+        <a:scrgbClr r="0" g="0" b="0"/>
+      </a:lnRef>
+      <a:fillRef idx="1">
+        <a:scrgbClr r="0" g="0" b="0"/>
+      </a:fillRef>
+      <a:effectRef idx="0">
+        <a:scrgbClr r="0" g="0" b="0"/>
+      </a:effectRef>
+      <a:fontRef idx="minor"/>
+    </dgm:style>
+  </dgm:styleLbl>
+  <dgm:styleLbl name="alignAccFollowNode1">
+    <dgm:scene3d>
+      <a:camera prst="orthographicFront"/>
+      <a:lightRig rig="threePt" dir="t"/>
+    </dgm:scene3d>
+    <dgm:sp3d/>
+    <dgm:txPr/>
+    <dgm:style>
+      <a:lnRef idx="1">
+        <a:scrgbClr r="0" g="0" b="0"/>
+      </a:lnRef>
+      <a:fillRef idx="1">
+        <a:scrgbClr r="0" g="0" b="0"/>
+      </a:fillRef>
+      <a:effectRef idx="0">
+        <a:scrgbClr r="0" g="0" b="0"/>
+      </a:effectRef>
+      <a:fontRef idx="minor"/>
+    </dgm:style>
+  </dgm:styleLbl>
+  <dgm:styleLbl name="bgAccFollowNode1">
+    <dgm:scene3d>
+      <a:camera prst="orthographicFront"/>
+      <a:lightRig rig="threePt" dir="t"/>
+    </dgm:scene3d>
+    <dgm:sp3d/>
+    <dgm:txPr/>
+    <dgm:style>
+      <a:lnRef idx="1">
+        <a:scrgbClr r="0" g="0" b="0"/>
+      </a:lnRef>
+      <a:fillRef idx="1">
+        <a:scrgbClr r="0" g="0" b="0"/>
+      </a:fillRef>
+      <a:effectRef idx="0">
+        <a:scrgbClr r="0" g="0" b="0"/>
+      </a:effectRef>
+      <a:fontRef idx="minor"/>
+    </dgm:style>
+  </dgm:styleLbl>
+  <dgm:styleLbl name="fgAcc0">
+    <dgm:scene3d>
+      <a:camera prst="orthographicFront"/>
+      <a:lightRig rig="threePt" dir="t"/>
+    </dgm:scene3d>
+    <dgm:sp3d/>
+    <dgm:txPr/>
+    <dgm:style>
+      <a:lnRef idx="1">
+        <a:scrgbClr r="0" g="0" b="0"/>
+      </a:lnRef>
+      <a:fillRef idx="1">
+        <a:scrgbClr r="0" g="0" b="0"/>
+      </a:fillRef>
+      <a:effectRef idx="0">
+        <a:scrgbClr r="0" g="0" b="0"/>
+      </a:effectRef>
+      <a:fontRef idx="minor"/>
+    </dgm:style>
+  </dgm:styleLbl>
+  <dgm:styleLbl name="fgAcc2">
+    <dgm:scene3d>
+      <a:camera prst="orthographicFront"/>
+      <a:lightRig rig="threePt" dir="t"/>
+    </dgm:scene3d>
+    <dgm:sp3d/>
+    <dgm:txPr/>
+    <dgm:style>
+      <a:lnRef idx="1">
+        <a:scrgbClr r="0" g="0" b="0"/>
+      </a:lnRef>
+      <a:fillRef idx="1">
+        <a:scrgbClr r="0" g="0" b="0"/>
+      </a:fillRef>
+      <a:effectRef idx="0">
+        <a:scrgbClr r="0" g="0" b="0"/>
+      </a:effectRef>
+      <a:fontRef idx="minor"/>
+    </dgm:style>
+  </dgm:styleLbl>
+  <dgm:styleLbl name="fgAcc3">
+    <dgm:scene3d>
+      <a:camera prst="orthographicFront"/>
+      <a:lightRig rig="threePt" dir="t"/>
+    </dgm:scene3d>
+    <dgm:sp3d/>
+    <dgm:txPr/>
+    <dgm:style>
+      <a:lnRef idx="1">
+        <a:scrgbClr r="0" g="0" b="0"/>
+      </a:lnRef>
+      <a:fillRef idx="1">
+        <a:scrgbClr r="0" g="0" b="0"/>
+      </a:fillRef>
+      <a:effectRef idx="0">
+        <a:scrgbClr r="0" g="0" b="0"/>
+      </a:effectRef>
+      <a:fontRef idx="minor"/>
+    </dgm:style>
+  </dgm:styleLbl>
+  <dgm:styleLbl name="fgAcc4">
+    <dgm:scene3d>
+      <a:camera prst="orthographicFront"/>
+      <a:lightRig rig="threePt" dir="t"/>
+    </dgm:scene3d>
+    <dgm:sp3d/>
+    <dgm:txPr/>
+    <dgm:style>
+      <a:lnRef idx="1">
+        <a:scrgbClr r="0" g="0" b="0"/>
+      </a:lnRef>
+      <a:fillRef idx="1">
+        <a:scrgbClr r="0" g="0" b="0"/>
+      </a:fillRef>
+      <a:effectRef idx="0">
+        <a:scrgbClr r="0" g="0" b="0"/>
+      </a:effectRef>
+      <a:fontRef idx="minor"/>
+    </dgm:style>
+  </dgm:styleLbl>
+  <dgm:styleLbl name="bgShp">
+    <dgm:scene3d>
+      <a:camera prst="orthographicFront"/>
+      <a:lightRig rig="threePt" dir="t"/>
+    </dgm:scene3d>
+    <dgm:sp3d/>
+    <dgm:txPr/>
+    <dgm:style>
+      <a:lnRef idx="0">
+        <a:scrgbClr r="0" g="0" b="0"/>
+      </a:lnRef>
+      <a:fillRef idx="1">
+        <a:scrgbClr r="0" g="0" b="0"/>
+      </a:fillRef>
+      <a:effectRef idx="2">
+        <a:scrgbClr r="0" g="0" b="0"/>
+      </a:effectRef>
+      <a:fontRef idx="minor"/>
+    </dgm:style>
+  </dgm:styleLbl>
+  <dgm:styleLbl name="dkBgShp">
+    <dgm:scene3d>
+      <a:camera prst="orthographicFront"/>
+      <a:lightRig rig="threePt" dir="t"/>
+    </dgm:scene3d>
+    <dgm:sp3d/>
+    <dgm:txPr/>
+    <dgm:style>
+      <a:lnRef idx="0">
+        <a:scrgbClr r="0" g="0" b="0"/>
+      </a:lnRef>
+      <a:fillRef idx="1">
+        <a:scrgbClr r="0" g="0" b="0"/>
+      </a:fillRef>
+      <a:effectRef idx="2">
+        <a:scrgbClr r="0" g="0" b="0"/>
+      </a:effectRef>
+      <a:fontRef idx="minor"/>
+    </dgm:style>
+  </dgm:styleLbl>
+  <dgm:styleLbl name="trBgShp">
+    <dgm:scene3d>
+      <a:camera prst="orthographicFront"/>
+      <a:lightRig rig="threePt" dir="t"/>
+    </dgm:scene3d>
+    <dgm:sp3d/>
+    <dgm:txPr/>
+    <dgm:style>
+      <a:lnRef idx="0">
+        <a:scrgbClr r="0" g="0" b="0"/>
+      </a:lnRef>
+      <a:fillRef idx="1">
+        <a:scrgbClr r="0" g="0" b="0"/>
+      </a:fillRef>
+      <a:effectRef idx="0">
+        <a:scrgbClr r="0" g="0" b="0"/>
+      </a:effectRef>
+      <a:fontRef idx="minor"/>
+    </dgm:style>
+  </dgm:styleLbl>
+  <dgm:styleLbl name="fgShp">
+    <dgm:scene3d>
+      <a:camera prst="orthographicFront"/>
+      <a:lightRig rig="threePt" dir="t"/>
+    </dgm:scene3d>
+    <dgm:sp3d/>
+    <dgm:txPr/>
+    <dgm:style>
+      <a:lnRef idx="0">
+        <a:scrgbClr r="0" g="0" b="0"/>
+      </a:lnRef>
+      <a:fillRef idx="3">
+        <a:scrgbClr r="0" g="0" b="0"/>
+      </a:fillRef>
+      <a:effectRef idx="2">
+        <a:scrgbClr r="0" g="0" b="0"/>
+      </a:effectRef>
+      <a:fontRef idx="minor"/>
+    </dgm:style>
+  </dgm:styleLbl>
+  <dgm:styleLbl name="revTx">
+    <dgm:scene3d>
+      <a:camera prst="orthographicFront"/>
+      <a:lightRig rig="threePt" dir="t"/>
+    </dgm:scene3d>
+    <dgm:sp3d/>
+    <dgm:txPr/>
+    <dgm:style>
+      <a:lnRef idx="0">
+        <a:scrgbClr r="0" g="0" b="0"/>
+      </a:lnRef>
+      <a:fillRef idx="0">
+        <a:scrgbClr r="0" g="0" b="0"/>
+      </a:fillRef>
+      <a:effectRef idx="0">
+        <a:scrgbClr r="0" g="0" b="0"/>
+      </a:effectRef>
+      <a:fontRef idx="minor"/>
+    </dgm:style>
+  </dgm:styleLbl>
+</dgm:styleDef>
+</file>
+
 <file path=ppt/notesMasters/notesMaster1.xml><?xml version="1.0" encoding="utf-8"?>
 <p:notesMaster xmlns:a="http://schemas.openxmlformats.org/drawingml/2006/main" xmlns:r="http://schemas.openxmlformats.org/officeDocument/2006/relationships" xmlns:p="http://schemas.openxmlformats.org/presentationml/2006/main">
   <p:cSld>
@@ -215,7 +8187,7 @@
           <a:p>
             <a:fld id="{9CB2CB87-5B48-2A46-A3AA-77281A7603DE}" type="datetimeFigureOut">
               <a:rPr kumimoji="1" lang="zh-TW" altLang="en-US" smtClean="0"/>
-              <a:t>2019/12/21</a:t>
+              <a:t>2020/1/29</a:t>
             </a:fld>
             <a:endParaRPr kumimoji="1" lang="zh-TW" altLang="en-US"/>
           </a:p>
@@ -614,7 +8586,7 @@
           <a:p>
             <a:fld id="{EBF765C0-D2DF-6C4C-A1B8-B650593C2278}" type="datetimeFigureOut">
               <a:rPr kumimoji="1" lang="zh-TW" altLang="en-US" smtClean="0"/>
-              <a:t>2019/12/21</a:t>
+              <a:t>2020/1/29</a:t>
             </a:fld>
             <a:endParaRPr kumimoji="1" lang="zh-TW" altLang="en-US"/>
           </a:p>
@@ -784,7 +8756,7 @@
           <a:p>
             <a:fld id="{EBF765C0-D2DF-6C4C-A1B8-B650593C2278}" type="datetimeFigureOut">
               <a:rPr kumimoji="1" lang="zh-TW" altLang="en-US" smtClean="0"/>
-              <a:t>2019/12/21</a:t>
+              <a:t>2020/1/29</a:t>
             </a:fld>
             <a:endParaRPr kumimoji="1" lang="zh-TW" altLang="en-US"/>
           </a:p>
@@ -964,7 +8936,7 @@
           <a:p>
             <a:fld id="{EBF765C0-D2DF-6C4C-A1B8-B650593C2278}" type="datetimeFigureOut">
               <a:rPr kumimoji="1" lang="zh-TW" altLang="en-US" smtClean="0"/>
-              <a:t>2019/12/21</a:t>
+              <a:t>2020/1/29</a:t>
             </a:fld>
             <a:endParaRPr kumimoji="1" lang="zh-TW" altLang="en-US"/>
           </a:p>
@@ -1134,7 +9106,7 @@
           <a:p>
             <a:fld id="{EBF765C0-D2DF-6C4C-A1B8-B650593C2278}" type="datetimeFigureOut">
               <a:rPr kumimoji="1" lang="zh-TW" altLang="en-US" smtClean="0"/>
-              <a:t>2019/12/21</a:t>
+              <a:t>2020/1/29</a:t>
             </a:fld>
             <a:endParaRPr kumimoji="1" lang="zh-TW" altLang="en-US"/>
           </a:p>
@@ -1380,7 +9352,7 @@
           <a:p>
             <a:fld id="{EBF765C0-D2DF-6C4C-A1B8-B650593C2278}" type="datetimeFigureOut">
               <a:rPr kumimoji="1" lang="zh-TW" altLang="en-US" smtClean="0"/>
-              <a:t>2019/12/21</a:t>
+              <a:t>2020/1/29</a:t>
             </a:fld>
             <a:endParaRPr kumimoji="1" lang="zh-TW" altLang="en-US"/>
           </a:p>
@@ -1612,7 +9584,7 @@
           <a:p>
             <a:fld id="{EBF765C0-D2DF-6C4C-A1B8-B650593C2278}" type="datetimeFigureOut">
               <a:rPr kumimoji="1" lang="zh-TW" altLang="en-US" smtClean="0"/>
-              <a:t>2019/12/21</a:t>
+              <a:t>2020/1/29</a:t>
             </a:fld>
             <a:endParaRPr kumimoji="1" lang="zh-TW" altLang="en-US"/>
           </a:p>
@@ -1979,7 +9951,7 @@
           <a:p>
             <a:fld id="{EBF765C0-D2DF-6C4C-A1B8-B650593C2278}" type="datetimeFigureOut">
               <a:rPr kumimoji="1" lang="zh-TW" altLang="en-US" smtClean="0"/>
-              <a:t>2019/12/21</a:t>
+              <a:t>2020/1/29</a:t>
             </a:fld>
             <a:endParaRPr kumimoji="1" lang="zh-TW" altLang="en-US"/>
           </a:p>
@@ -2097,7 +10069,7 @@
           <a:p>
             <a:fld id="{EBF765C0-D2DF-6C4C-A1B8-B650593C2278}" type="datetimeFigureOut">
               <a:rPr kumimoji="1" lang="zh-TW" altLang="en-US" smtClean="0"/>
-              <a:t>2019/12/21</a:t>
+              <a:t>2020/1/29</a:t>
             </a:fld>
             <a:endParaRPr kumimoji="1" lang="zh-TW" altLang="en-US"/>
           </a:p>
@@ -2192,7 +10164,7 @@
           <a:p>
             <a:fld id="{EBF765C0-D2DF-6C4C-A1B8-B650593C2278}" type="datetimeFigureOut">
               <a:rPr kumimoji="1" lang="zh-TW" altLang="en-US" smtClean="0"/>
-              <a:t>2019/12/21</a:t>
+              <a:t>2020/1/29</a:t>
             </a:fld>
             <a:endParaRPr kumimoji="1" lang="zh-TW" altLang="en-US"/>
           </a:p>
@@ -2469,7 +10441,7 @@
           <a:p>
             <a:fld id="{EBF765C0-D2DF-6C4C-A1B8-B650593C2278}" type="datetimeFigureOut">
               <a:rPr kumimoji="1" lang="zh-TW" altLang="en-US" smtClean="0"/>
-              <a:t>2019/12/21</a:t>
+              <a:t>2020/1/29</a:t>
             </a:fld>
             <a:endParaRPr kumimoji="1" lang="zh-TW" altLang="en-US"/>
           </a:p>
@@ -2722,7 +10694,7 @@
           <a:p>
             <a:fld id="{EBF765C0-D2DF-6C4C-A1B8-B650593C2278}" type="datetimeFigureOut">
               <a:rPr kumimoji="1" lang="zh-TW" altLang="en-US" smtClean="0"/>
-              <a:t>2019/12/21</a:t>
+              <a:t>2020/1/29</a:t>
             </a:fld>
             <a:endParaRPr kumimoji="1" lang="zh-TW" altLang="en-US"/>
           </a:p>
@@ -2935,7 +10907,7 @@
           <a:p>
             <a:fld id="{EBF765C0-D2DF-6C4C-A1B8-B650593C2278}" type="datetimeFigureOut">
               <a:rPr kumimoji="1" lang="zh-TW" altLang="en-US" smtClean="0"/>
-              <a:t>2019/12/21</a:t>
+              <a:t>2020/1/29</a:t>
             </a:fld>
             <a:endParaRPr kumimoji="1" lang="zh-TW" altLang="en-US"/>
           </a:p>
@@ -3603,13 +11575,7 @@
               <a:rPr kumimoji="1" lang="en-US" altLang="zh-TW" dirty="0" smtClean="0">
                 <a:sym typeface="Wingdings"/>
               </a:rPr>
-              <a:t> Since the intrinsic electron-hole pair given by the thermal fluctuation will </a:t>
-            </a:r>
-            <a:r>
-              <a:rPr kumimoji="1" lang="en-US" altLang="zh-TW" dirty="0" smtClean="0">
-                <a:sym typeface="Wingdings"/>
-              </a:rPr>
-              <a:t>become </a:t>
+              <a:t> Since the intrinsic electron-hole pair given by the thermal fluctuation will become </a:t>
             </a:r>
             <a:r>
               <a:rPr kumimoji="1" lang="en-US" altLang="zh-TW" dirty="0" smtClean="0">
@@ -3624,13 +11590,7 @@
               <a:rPr kumimoji="1" lang="en-US" altLang="zh-TW" dirty="0" smtClean="0">
                 <a:sym typeface="Wingdings"/>
               </a:rPr>
-              <a:t> </a:t>
-            </a:r>
-            <a:r>
-              <a:rPr kumimoji="1" lang="en-US" altLang="zh-TW" dirty="0" smtClean="0">
-                <a:sym typeface="Wingdings"/>
-              </a:rPr>
-              <a:t>and </a:t>
+              <a:t> and </a:t>
             </a:r>
             <a:r>
               <a:rPr kumimoji="1" lang="en-US" altLang="zh-TW" dirty="0" smtClean="0">
@@ -3832,8 +11792,8 @@
           </a:p>
         </p:txBody>
       </p:sp>
-      <mc:AlternateContent xmlns:mc="http://schemas.openxmlformats.org/markup-compatibility/2006">
-        <mc:Choice xmlns:a14="http://schemas.microsoft.com/office/drawing/2010/main" Requires="a14">
+      <mc:AlternateContent xmlns:mc="http://schemas.openxmlformats.org/markup-compatibility/2006" xmlns:a14="http://schemas.microsoft.com/office/drawing/2010/main">
+        <mc:Choice Requires="a14">
           <p:sp>
             <p:nvSpPr>
               <p:cNvPr id="3" name="內容版面配置區 2"/>
@@ -4243,7 +12203,7 @@
             </p:txBody>
           </p:sp>
         </mc:Choice>
-        <mc:Fallback>
+        <mc:Fallback xmlns="">
           <p:sp>
             <p:nvSpPr>
               <p:cNvPr id="3" name="內容版面配置區 2"/>
@@ -4330,8 +12290,8 @@
           </a:p>
         </p:txBody>
       </p:sp>
-      <mc:AlternateContent xmlns:mc="http://schemas.openxmlformats.org/markup-compatibility/2006" xmlns:a14="http://schemas.microsoft.com/office/drawing/2010/main">
-        <mc:Choice Requires="a14">
+      <mc:AlternateContent xmlns:mc="http://schemas.openxmlformats.org/markup-compatibility/2006">
+        <mc:Choice xmlns:a14="http://schemas.microsoft.com/office/drawing/2010/main" Requires="a14">
           <p:sp>
             <p:nvSpPr>
               <p:cNvPr id="3" name="內容版面配置區 2"/>
@@ -4518,7 +12478,14 @@
                             <a:latin typeface="Cambria Math" charset="0"/>
                             <a:sym typeface="Wingdings"/>
                           </a:rPr>
-                          <m:t>13</m:t>
+                          <m:t>2</m:t>
+                        </m:r>
+                        <m:r>
+                          <a:rPr kumimoji="1" lang="en-US" altLang="zh-TW" b="0" i="1" smtClean="0">
+                            <a:latin typeface="Cambria Math" charset="0"/>
+                            <a:sym typeface="Wingdings"/>
+                          </a:rPr>
+                          <m:t>3</m:t>
                         </m:r>
                       </m:sup>
                     </m:sSup>
@@ -4668,6 +12635,13 @@
                             <a:latin typeface="Cambria Math" charset="0"/>
                             <a:sym typeface="Wingdings"/>
                           </a:rPr>
+                          <m:t>1</m:t>
+                        </m:r>
+                        <m:r>
+                          <a:rPr kumimoji="1" lang="en-US" altLang="zh-TW" b="0" i="1" smtClean="0">
+                            <a:latin typeface="Cambria Math" charset="0"/>
+                            <a:sym typeface="Wingdings"/>
+                          </a:rPr>
                           <m:t>6</m:t>
                         </m:r>
                       </m:sup>
@@ -4777,7 +12751,7 @@
                             <a:latin typeface="Cambria Math" charset="0"/>
                             <a:sym typeface="Wingdings"/>
                           </a:rPr>
-                          <m:t>−12</m:t>
+                          <m:t>−2</m:t>
                         </m:r>
                       </m:sup>
                     </m:sSup>
@@ -4898,7 +12872,27 @@
                             <a:latin typeface="Cambria Math" charset="0"/>
                             <a:sym typeface="Wingdings"/>
                           </a:rPr>
-                          <m:t>−260</m:t>
+                          <m:t>−2</m:t>
+                        </m:r>
+                        <m:r>
+                          <a:rPr kumimoji="1" lang="en-US" altLang="zh-TW" b="0" i="1" smtClean="0">
+                            <a:solidFill>
+                              <a:srgbClr val="FF0000"/>
+                            </a:solidFill>
+                            <a:latin typeface="Cambria Math" charset="0"/>
+                            <a:sym typeface="Wingdings"/>
+                          </a:rPr>
+                          <m:t>5</m:t>
+                        </m:r>
+                        <m:r>
+                          <a:rPr kumimoji="1" lang="en-US" altLang="zh-TW" b="0" i="1" smtClean="0">
+                            <a:solidFill>
+                              <a:srgbClr val="FF0000"/>
+                            </a:solidFill>
+                            <a:latin typeface="Cambria Math" charset="0"/>
+                            <a:sym typeface="Wingdings"/>
+                          </a:rPr>
+                          <m:t>0</m:t>
                         </m:r>
                       </m:sup>
                     </m:sSup>
@@ -4978,7 +12972,7 @@
             </p:txBody>
           </p:sp>
         </mc:Choice>
-        <mc:Fallback xmlns="">
+        <mc:Fallback>
           <p:sp>
             <p:nvSpPr>
               <p:cNvPr id="3" name="內容版面配置區 2"/>
@@ -5680,6 +13674,128 @@
     <p:extLst>
       <p:ext uri="{BB962C8B-B14F-4D97-AF65-F5344CB8AC3E}">
         <p14:creationId xmlns:p14="http://schemas.microsoft.com/office/powerpoint/2010/main" val="1078212074"/>
+      </p:ext>
+    </p:extLst>
+  </p:cSld>
+  <p:clrMapOvr>
+    <a:masterClrMapping/>
+  </p:clrMapOvr>
+</p:sld>
+</file>
+
+<file path=ppt/slides/slide20.xml><?xml version="1.0" encoding="utf-8"?>
+<p:sld xmlns:a="http://schemas.openxmlformats.org/drawingml/2006/main" xmlns:r="http://schemas.openxmlformats.org/officeDocument/2006/relationships" xmlns:p="http://schemas.openxmlformats.org/presentationml/2006/main">
+  <p:cSld>
+    <p:spTree>
+      <p:nvGrpSpPr>
+        <p:cNvPr id="1" name=""/>
+        <p:cNvGrpSpPr/>
+        <p:nvPr/>
+      </p:nvGrpSpPr>
+      <p:grpSpPr>
+        <a:xfrm>
+          <a:off x="0" y="0"/>
+          <a:ext cx="0" cy="0"/>
+          <a:chOff x="0" y="0"/>
+          <a:chExt cx="0" cy="0"/>
+        </a:xfrm>
+      </p:grpSpPr>
+      <p:sp>
+        <p:nvSpPr>
+          <p:cNvPr id="2" name="標題 1"/>
+          <p:cNvSpPr>
+            <a:spLocks noGrp="1"/>
+          </p:cNvSpPr>
+          <p:nvPr>
+            <p:ph type="title"/>
+          </p:nvPr>
+        </p:nvSpPr>
+        <p:spPr/>
+        <p:txBody>
+          <a:bodyPr/>
+          <a:lstStyle/>
+          <a:p>
+            <a:endParaRPr kumimoji="1" lang="zh-TW" altLang="en-US" dirty="0"/>
+          </a:p>
+        </p:txBody>
+      </p:sp>
+      <p:sp>
+        <p:nvSpPr>
+          <p:cNvPr id="3" name="內容版面配置區 2"/>
+          <p:cNvSpPr>
+            <a:spLocks noGrp="1"/>
+          </p:cNvSpPr>
+          <p:nvPr>
+            <p:ph idx="1"/>
+          </p:nvPr>
+        </p:nvSpPr>
+        <p:spPr/>
+        <p:txBody>
+          <a:bodyPr/>
+          <a:lstStyle/>
+          <a:p>
+            <a:endParaRPr kumimoji="1" lang="zh-TW" altLang="en-US"/>
+          </a:p>
+        </p:txBody>
+      </p:sp>
+      <mc:AlternateContent xmlns:mc="http://schemas.openxmlformats.org/markup-compatibility/2006">
+        <mc:Choice xmlns:a14="http://schemas.microsoft.com/office/drawing/2010/main" Requires="a14">
+          <p:graphicFrame>
+            <p:nvGraphicFramePr>
+              <p:cNvPr id="4" name="內容版面配置區 3"/>
+              <p:cNvGraphicFramePr>
+                <a:graphicFrameLocks/>
+              </p:cNvGraphicFramePr>
+              <p:nvPr>
+                <p:extLst>
+                  <p:ext uri="{D42A27DB-BD31-4B8C-83A1-F6EECF244321}">
+                    <p14:modId xmlns:p14="http://schemas.microsoft.com/office/powerpoint/2010/main" val="45845147"/>
+                  </p:ext>
+                </p:extLst>
+              </p:nvPr>
+            </p:nvGraphicFramePr>
+            <p:xfrm>
+              <a:off x="-1739342" y="-191386"/>
+              <a:ext cx="8607975" cy="7498342"/>
+            </p:xfrm>
+            <a:graphic>
+              <a:graphicData uri="http://schemas.openxmlformats.org/drawingml/2006/diagram">
+                <dgm:relIds xmlns:dgm="http://schemas.openxmlformats.org/drawingml/2006/diagram" xmlns:r="http://schemas.openxmlformats.org/officeDocument/2006/relationships" r:dm="rId2" r:lo="rId3" r:qs="rId4" r:cs="rId5"/>
+              </a:graphicData>
+            </a:graphic>
+          </p:graphicFrame>
+        </mc:Choice>
+        <mc:Fallback>
+          <p:graphicFrame>
+            <p:nvGraphicFramePr>
+              <p:cNvPr id="4" name="內容版面配置區 3"/>
+              <p:cNvGraphicFramePr>
+                <a:graphicFrameLocks/>
+              </p:cNvGraphicFramePr>
+              <p:nvPr>
+                <p:extLst>
+                  <p:ext uri="{D42A27DB-BD31-4B8C-83A1-F6EECF244321}">
+                    <p14:modId xmlns:p14="http://schemas.microsoft.com/office/powerpoint/2010/main" val="45845147"/>
+                  </p:ext>
+                </p:extLst>
+              </p:nvPr>
+            </p:nvGraphicFramePr>
+            <p:xfrm>
+              <a:off x="-1739342" y="-191386"/>
+              <a:ext cx="8607975" cy="7498342"/>
+            </p:xfrm>
+            <a:graphic>
+              <a:graphicData uri="http://schemas.openxmlformats.org/drawingml/2006/diagram">
+                <dgm:relIds xmlns:dgm="http://schemas.openxmlformats.org/drawingml/2006/diagram" xmlns:r="http://schemas.openxmlformats.org/officeDocument/2006/relationships" r:dm="rId7" r:lo="rId3" r:qs="rId4" r:cs="rId5"/>
+              </a:graphicData>
+            </a:graphic>
+          </p:graphicFrame>
+        </mc:Fallback>
+      </mc:AlternateContent>
+    </p:spTree>
+    <p:extLst>
+      <p:ext uri="{BB962C8B-B14F-4D97-AF65-F5344CB8AC3E}">
+        <p14:creationId xmlns:p14="http://schemas.microsoft.com/office/powerpoint/2010/main" val="283498869"/>
       </p:ext>
     </p:extLst>
   </p:cSld>
